--- a/menus sistema de alarma.pptx
+++ b/menus sistema de alarma.pptx
@@ -9367,7 +9367,7 @@
           <p:nvPr>
             <p:extLst>
               <p:ext uri="{D42A27DB-BD31-4B8C-83A1-F6EECF244321}">
-                <p14:modId xmlns:p14="http://schemas.microsoft.com/office/powerpoint/2010/main" val="2061027109"/>
+                <p14:modId xmlns:p14="http://schemas.microsoft.com/office/powerpoint/2010/main" val="522243311"/>
               </p:ext>
             </p:extLst>
           </p:nvPr>
@@ -9608,34 +9608,55 @@
                     <a:lstStyle/>
                     <a:p>
                       <a:pPr algn="ctr"/>
-                      <a:endParaRPr lang="es-PR" sz="2000" dirty="0">
-                        <a:latin typeface="Courier New" panose="02070309020205020404" pitchFamily="49" charset="0"/>
-                        <a:cs typeface="Courier New" panose="02070309020205020404" pitchFamily="49" charset="0"/>
-                      </a:endParaRPr>
-                    </a:p>
-                  </a:txBody>
-                  <a:tcPr anchor="ctr"/>
-                </a:tc>
-                <a:tc>
-                  <a:txBody>
-                    <a:bodyPr/>
-                    <a:lstStyle/>
-                    <a:p>
-                      <a:pPr algn="ctr"/>
-                      <a:endParaRPr lang="es-PR" sz="2000" dirty="0">
-                        <a:latin typeface="Courier New" panose="02070309020205020404" pitchFamily="49" charset="0"/>
-                        <a:cs typeface="Courier New" panose="02070309020205020404" pitchFamily="49" charset="0"/>
-                      </a:endParaRPr>
-                    </a:p>
-                  </a:txBody>
-                  <a:tcPr anchor="ctr"/>
-                </a:tc>
-                <a:tc>
-                  <a:txBody>
-                    <a:bodyPr/>
-                    <a:lstStyle/>
-                    <a:p>
-                      <a:pPr algn="ctr"/>
+                      <a:r>
+                        <a:rPr lang="es-ES" sz="2000" dirty="0">
+                          <a:latin typeface="Courier New" panose="02070309020205020404" pitchFamily="49" charset="0"/>
+                          <a:cs typeface="Courier New" panose="02070309020205020404" pitchFamily="49" charset="0"/>
+                        </a:rPr>
+                        <a:t>:</a:t>
+                      </a:r>
+                      <a:endParaRPr lang="es-PR" sz="2000" dirty="0">
+                        <a:latin typeface="Courier New" panose="02070309020205020404" pitchFamily="49" charset="0"/>
+                        <a:cs typeface="Courier New" panose="02070309020205020404" pitchFamily="49" charset="0"/>
+                      </a:endParaRPr>
+                    </a:p>
+                  </a:txBody>
+                  <a:tcPr anchor="ctr"/>
+                </a:tc>
+                <a:tc>
+                  <a:txBody>
+                    <a:bodyPr/>
+                    <a:lstStyle/>
+                    <a:p>
+                      <a:pPr algn="ctr"/>
+                      <a:r>
+                        <a:rPr lang="es-ES" sz="2000" dirty="0">
+                          <a:latin typeface="Courier New" panose="02070309020205020404" pitchFamily="49" charset="0"/>
+                          <a:cs typeface="Courier New" panose="02070309020205020404" pitchFamily="49" charset="0"/>
+                        </a:rPr>
+                        <a:t>s</a:t>
+                      </a:r>
+                      <a:endParaRPr lang="es-PR" sz="2000" dirty="0">
+                        <a:latin typeface="Courier New" panose="02070309020205020404" pitchFamily="49" charset="0"/>
+                        <a:cs typeface="Courier New" panose="02070309020205020404" pitchFamily="49" charset="0"/>
+                      </a:endParaRPr>
+                    </a:p>
+                  </a:txBody>
+                  <a:tcPr anchor="ctr"/>
+                </a:tc>
+                <a:tc>
+                  <a:txBody>
+                    <a:bodyPr/>
+                    <a:lstStyle/>
+                    <a:p>
+                      <a:pPr algn="ctr"/>
+                      <a:r>
+                        <a:rPr lang="es-ES" sz="2000">
+                          <a:latin typeface="Courier New" panose="02070309020205020404" pitchFamily="49" charset="0"/>
+                          <a:cs typeface="Courier New" panose="02070309020205020404" pitchFamily="49" charset="0"/>
+                        </a:rPr>
+                        <a:t>s</a:t>
+                      </a:r>
                       <a:endParaRPr lang="es-PR" sz="2000" dirty="0">
                         <a:latin typeface="Courier New" panose="02070309020205020404" pitchFamily="49" charset="0"/>
                         <a:cs typeface="Courier New" panose="02070309020205020404" pitchFamily="49" charset="0"/>

--- a/menus sistema de alarma.pptx
+++ b/menus sistema de alarma.pptx
@@ -6268,7 +6268,7 @@
           <a:p>
             <a:fld id="{A9D4DB31-6CEA-4AFD-B401-5A3C6C72258E}" type="datetimeFigureOut">
               <a:rPr lang="es-PR" smtClean="0"/>
-              <a:t>12/27/2022</a:t>
+              <a:t>12/28/2022</a:t>
             </a:fld>
             <a:endParaRPr lang="es-PR" dirty="0"/>
           </a:p>
@@ -6468,7 +6468,7 @@
           <a:p>
             <a:fld id="{A9D4DB31-6CEA-4AFD-B401-5A3C6C72258E}" type="datetimeFigureOut">
               <a:rPr lang="es-PR" smtClean="0"/>
-              <a:t>12/27/2022</a:t>
+              <a:t>12/28/2022</a:t>
             </a:fld>
             <a:endParaRPr lang="es-PR" dirty="0"/>
           </a:p>
@@ -6678,7 +6678,7 @@
           <a:p>
             <a:fld id="{A9D4DB31-6CEA-4AFD-B401-5A3C6C72258E}" type="datetimeFigureOut">
               <a:rPr lang="es-PR" smtClean="0"/>
-              <a:t>12/27/2022</a:t>
+              <a:t>12/28/2022</a:t>
             </a:fld>
             <a:endParaRPr lang="es-PR" dirty="0"/>
           </a:p>
@@ -6878,7 +6878,7 @@
           <a:p>
             <a:fld id="{A9D4DB31-6CEA-4AFD-B401-5A3C6C72258E}" type="datetimeFigureOut">
               <a:rPr lang="es-PR" smtClean="0"/>
-              <a:t>12/27/2022</a:t>
+              <a:t>12/28/2022</a:t>
             </a:fld>
             <a:endParaRPr lang="es-PR" dirty="0"/>
           </a:p>
@@ -7154,7 +7154,7 @@
           <a:p>
             <a:fld id="{A9D4DB31-6CEA-4AFD-B401-5A3C6C72258E}" type="datetimeFigureOut">
               <a:rPr lang="es-PR" smtClean="0"/>
-              <a:t>12/27/2022</a:t>
+              <a:t>12/28/2022</a:t>
             </a:fld>
             <a:endParaRPr lang="es-PR" dirty="0"/>
           </a:p>
@@ -7422,7 +7422,7 @@
           <a:p>
             <a:fld id="{A9D4DB31-6CEA-4AFD-B401-5A3C6C72258E}" type="datetimeFigureOut">
               <a:rPr lang="es-PR" smtClean="0"/>
-              <a:t>12/27/2022</a:t>
+              <a:t>12/28/2022</a:t>
             </a:fld>
             <a:endParaRPr lang="es-PR" dirty="0"/>
           </a:p>
@@ -7837,7 +7837,7 @@
           <a:p>
             <a:fld id="{A9D4DB31-6CEA-4AFD-B401-5A3C6C72258E}" type="datetimeFigureOut">
               <a:rPr lang="es-PR" smtClean="0"/>
-              <a:t>12/27/2022</a:t>
+              <a:t>12/28/2022</a:t>
             </a:fld>
             <a:endParaRPr lang="es-PR" dirty="0"/>
           </a:p>
@@ -7979,7 +7979,7 @@
           <a:p>
             <a:fld id="{A9D4DB31-6CEA-4AFD-B401-5A3C6C72258E}" type="datetimeFigureOut">
               <a:rPr lang="es-PR" smtClean="0"/>
-              <a:t>12/27/2022</a:t>
+              <a:t>12/28/2022</a:t>
             </a:fld>
             <a:endParaRPr lang="es-PR" dirty="0"/>
           </a:p>
@@ -8092,7 +8092,7 @@
           <a:p>
             <a:fld id="{A9D4DB31-6CEA-4AFD-B401-5A3C6C72258E}" type="datetimeFigureOut">
               <a:rPr lang="es-PR" smtClean="0"/>
-              <a:t>12/27/2022</a:t>
+              <a:t>12/28/2022</a:t>
             </a:fld>
             <a:endParaRPr lang="es-PR" dirty="0"/>
           </a:p>
@@ -8405,7 +8405,7 @@
           <a:p>
             <a:fld id="{A9D4DB31-6CEA-4AFD-B401-5A3C6C72258E}" type="datetimeFigureOut">
               <a:rPr lang="es-PR" smtClean="0"/>
-              <a:t>12/27/2022</a:t>
+              <a:t>12/28/2022</a:t>
             </a:fld>
             <a:endParaRPr lang="es-PR" dirty="0"/>
           </a:p>
@@ -8694,7 +8694,7 @@
           <a:p>
             <a:fld id="{A9D4DB31-6CEA-4AFD-B401-5A3C6C72258E}" type="datetimeFigureOut">
               <a:rPr lang="es-PR" smtClean="0"/>
-              <a:t>12/27/2022</a:t>
+              <a:t>12/28/2022</a:t>
             </a:fld>
             <a:endParaRPr lang="es-PR" dirty="0"/>
           </a:p>
@@ -8937,7 +8937,7 @@
           <a:p>
             <a:fld id="{A9D4DB31-6CEA-4AFD-B401-5A3C6C72258E}" type="datetimeFigureOut">
               <a:rPr lang="es-PR" smtClean="0"/>
-              <a:t>12/27/2022</a:t>
+              <a:t>12/28/2022</a:t>
             </a:fld>
             <a:endParaRPr lang="es-PR" dirty="0"/>
           </a:p>
@@ -10294,7 +10294,7 @@
           <p:nvPr>
             <p:extLst>
               <p:ext uri="{D42A27DB-BD31-4B8C-83A1-F6EECF244321}">
-                <p14:modId xmlns:p14="http://schemas.microsoft.com/office/powerpoint/2010/main" val="3267896588"/>
+                <p14:modId xmlns:p14="http://schemas.microsoft.com/office/powerpoint/2010/main" val="3015947078"/>
               </p:ext>
             </p:extLst>
           </p:nvPr>
@@ -10456,7 +10456,91 @@
                           <a:latin typeface="Courier New" panose="02070309020205020404" pitchFamily="49" charset="0"/>
                           <a:cs typeface="Courier New" panose="02070309020205020404" pitchFamily="49" charset="0"/>
                         </a:rPr>
-                        <a:t>E</a:t>
+                        <a:t>P</a:t>
+                      </a:r>
+                      <a:endParaRPr lang="es-PR" sz="2000" dirty="0">
+                        <a:latin typeface="Courier New" panose="02070309020205020404" pitchFamily="49" charset="0"/>
+                        <a:cs typeface="Courier New" panose="02070309020205020404" pitchFamily="49" charset="0"/>
+                      </a:endParaRPr>
+                    </a:p>
+                  </a:txBody>
+                  <a:tcPr anchor="ctr"/>
+                </a:tc>
+                <a:tc>
+                  <a:txBody>
+                    <a:bodyPr/>
+                    <a:lstStyle/>
+                    <a:p>
+                      <a:pPr algn="ctr"/>
+                      <a:r>
+                        <a:rPr lang="es-ES" sz="2000" dirty="0">
+                          <a:latin typeface="Courier New" panose="02070309020205020404" pitchFamily="49" charset="0"/>
+                          <a:cs typeface="Courier New" panose="02070309020205020404" pitchFamily="49" charset="0"/>
+                        </a:rPr>
+                        <a:t>r</a:t>
+                      </a:r>
+                      <a:endParaRPr lang="es-PR" sz="2000" dirty="0">
+                        <a:latin typeface="Courier New" panose="02070309020205020404" pitchFamily="49" charset="0"/>
+                        <a:cs typeface="Courier New" panose="02070309020205020404" pitchFamily="49" charset="0"/>
+                      </a:endParaRPr>
+                    </a:p>
+                  </a:txBody>
+                  <a:tcPr anchor="ctr"/>
+                </a:tc>
+                <a:tc>
+                  <a:txBody>
+                    <a:bodyPr/>
+                    <a:lstStyle/>
+                    <a:p>
+                      <a:pPr algn="ctr"/>
+                      <a:r>
+                        <a:rPr lang="es-ES" sz="2000" dirty="0">
+                          <a:latin typeface="Courier New" panose="02070309020205020404" pitchFamily="49" charset="0"/>
+                          <a:cs typeface="Courier New" panose="02070309020205020404" pitchFamily="49" charset="0"/>
+                        </a:rPr>
+                        <a:t>e</a:t>
+                      </a:r>
+                      <a:endParaRPr lang="es-PR" sz="2000" dirty="0">
+                        <a:latin typeface="Courier New" panose="02070309020205020404" pitchFamily="49" charset="0"/>
+                        <a:cs typeface="Courier New" panose="02070309020205020404" pitchFamily="49" charset="0"/>
+                      </a:endParaRPr>
+                    </a:p>
+                  </a:txBody>
+                  <a:tcPr anchor="ctr"/>
+                </a:tc>
+                <a:tc>
+                  <a:txBody>
+                    <a:bodyPr/>
+                    <a:lstStyle/>
+                    <a:p>
+                      <a:pPr algn="ctr"/>
+                      <a:r>
+                        <a:rPr lang="es-ES" sz="2000" dirty="0">
+                          <a:latin typeface="Courier New" panose="02070309020205020404" pitchFamily="49" charset="0"/>
+                          <a:cs typeface="Courier New" panose="02070309020205020404" pitchFamily="49" charset="0"/>
+                        </a:rPr>
+                        <a:t>s</a:t>
+                      </a:r>
+                      <a:endParaRPr lang="es-PR" sz="2000" dirty="0">
+                        <a:latin typeface="Courier New" panose="02070309020205020404" pitchFamily="49" charset="0"/>
+                        <a:cs typeface="Courier New" panose="02070309020205020404" pitchFamily="49" charset="0"/>
+                      </a:endParaRPr>
+                    </a:p>
+                  </a:txBody>
+                  <a:tcPr anchor="ctr"/>
+                </a:tc>
+                <a:tc>
+                  <a:txBody>
+                    <a:bodyPr/>
+                    <a:lstStyle/>
+                    <a:p>
+                      <a:pPr algn="ctr"/>
+                      <a:r>
+                        <a:rPr lang="es-ES" sz="2000" dirty="0">
+                          <a:latin typeface="Courier New" panose="02070309020205020404" pitchFamily="49" charset="0"/>
+                          <a:cs typeface="Courier New" panose="02070309020205020404" pitchFamily="49" charset="0"/>
+                        </a:rPr>
+                        <a:t>e</a:t>
                       </a:r>
                       <a:endParaRPr lang="es-PR" sz="2000" dirty="0">
                         <a:latin typeface="Courier New" panose="02070309020205020404" pitchFamily="49" charset="0"/>
@@ -10478,90 +10562,6 @@
                           <a:cs typeface="Courier New" panose="02070309020205020404" pitchFamily="49" charset="0"/>
                         </a:rPr>
                         <a:t>n</a:t>
-                      </a:r>
-                      <a:endParaRPr lang="es-PR" sz="2000" dirty="0">
-                        <a:latin typeface="Courier New" panose="02070309020205020404" pitchFamily="49" charset="0"/>
-                        <a:cs typeface="Courier New" panose="02070309020205020404" pitchFamily="49" charset="0"/>
-                      </a:endParaRPr>
-                    </a:p>
-                  </a:txBody>
-                  <a:tcPr anchor="ctr"/>
-                </a:tc>
-                <a:tc>
-                  <a:txBody>
-                    <a:bodyPr/>
-                    <a:lstStyle/>
-                    <a:p>
-                      <a:pPr algn="ctr"/>
-                      <a:r>
-                        <a:rPr lang="es-ES" sz="2000" dirty="0">
-                          <a:latin typeface="Courier New" panose="02070309020205020404" pitchFamily="49" charset="0"/>
-                          <a:cs typeface="Courier New" panose="02070309020205020404" pitchFamily="49" charset="0"/>
-                        </a:rPr>
-                        <a:t>a</a:t>
-                      </a:r>
-                      <a:endParaRPr lang="es-PR" sz="2000" dirty="0">
-                        <a:latin typeface="Courier New" panose="02070309020205020404" pitchFamily="49" charset="0"/>
-                        <a:cs typeface="Courier New" panose="02070309020205020404" pitchFamily="49" charset="0"/>
-                      </a:endParaRPr>
-                    </a:p>
-                  </a:txBody>
-                  <a:tcPr anchor="ctr"/>
-                </a:tc>
-                <a:tc>
-                  <a:txBody>
-                    <a:bodyPr/>
-                    <a:lstStyle/>
-                    <a:p>
-                      <a:pPr algn="ctr"/>
-                      <a:r>
-                        <a:rPr lang="es-ES" sz="2000" dirty="0">
-                          <a:latin typeface="Courier New" panose="02070309020205020404" pitchFamily="49" charset="0"/>
-                          <a:cs typeface="Courier New" panose="02070309020205020404" pitchFamily="49" charset="0"/>
-                        </a:rPr>
-                        <a:t>b</a:t>
-                      </a:r>
-                      <a:endParaRPr lang="es-PR" sz="2000" dirty="0">
-                        <a:latin typeface="Courier New" panose="02070309020205020404" pitchFamily="49" charset="0"/>
-                        <a:cs typeface="Courier New" panose="02070309020205020404" pitchFamily="49" charset="0"/>
-                      </a:endParaRPr>
-                    </a:p>
-                  </a:txBody>
-                  <a:tcPr anchor="ctr"/>
-                </a:tc>
-                <a:tc>
-                  <a:txBody>
-                    <a:bodyPr/>
-                    <a:lstStyle/>
-                    <a:p>
-                      <a:pPr algn="ctr"/>
-                      <a:r>
-                        <a:rPr lang="es-ES" sz="2000" dirty="0">
-                          <a:latin typeface="Courier New" panose="02070309020205020404" pitchFamily="49" charset="0"/>
-                          <a:cs typeface="Courier New" panose="02070309020205020404" pitchFamily="49" charset="0"/>
-                        </a:rPr>
-                        <a:t>l</a:t>
-                      </a:r>
-                      <a:endParaRPr lang="es-PR" sz="2000" dirty="0">
-                        <a:latin typeface="Courier New" panose="02070309020205020404" pitchFamily="49" charset="0"/>
-                        <a:cs typeface="Courier New" panose="02070309020205020404" pitchFamily="49" charset="0"/>
-                      </a:endParaRPr>
-                    </a:p>
-                  </a:txBody>
-                  <a:tcPr anchor="ctr"/>
-                </a:tc>
-                <a:tc>
-                  <a:txBody>
-                    <a:bodyPr/>
-                    <a:lstStyle/>
-                    <a:p>
-                      <a:pPr algn="ctr"/>
-                      <a:r>
-                        <a:rPr lang="es-ES" sz="2000" dirty="0">
-                          <a:latin typeface="Courier New" panose="02070309020205020404" pitchFamily="49" charset="0"/>
-                          <a:cs typeface="Courier New" panose="02070309020205020404" pitchFamily="49" charset="0"/>
-                        </a:rPr>
-                        <a:t>e</a:t>
                       </a:r>
                       <a:endParaRPr lang="es-PR" sz="2000" dirty="0">
                         <a:latin typeface="Courier New" panose="02070309020205020404" pitchFamily="49" charset="0"/>
@@ -10595,10 +10595,115 @@
                       </a:pPr>
                       <a:r>
                         <a:rPr lang="es-ES" sz="2000" dirty="0">
+                          <a:latin typeface="Webdings" panose="05030102010509060703" pitchFamily="18" charset="2"/>
+                          <a:cs typeface="Courier New" panose="02070309020205020404" pitchFamily="49" charset="0"/>
+                        </a:rPr>
+                        <a:t>a</a:t>
+                      </a:r>
+                      <a:endParaRPr lang="es-PR" sz="2000" dirty="0">
+                        <a:latin typeface="Courier New" panose="02070309020205020404" pitchFamily="49" charset="0"/>
+                        <a:cs typeface="Courier New" panose="02070309020205020404" pitchFamily="49" charset="0"/>
+                      </a:endParaRPr>
+                    </a:p>
+                  </a:txBody>
+                  <a:tcPr anchor="ctr"/>
+                </a:tc>
+                <a:tc>
+                  <a:txBody>
+                    <a:bodyPr/>
+                    <a:lstStyle/>
+                    <a:p>
+                      <a:pPr algn="ctr"/>
+                      <a:r>
+                        <a:rPr lang="es-ES" sz="2000" dirty="0">
                           <a:latin typeface="Courier New" panose="02070309020205020404" pitchFamily="49" charset="0"/>
                           <a:cs typeface="Courier New" panose="02070309020205020404" pitchFamily="49" charset="0"/>
                         </a:rPr>
-                        <a:t>d</a:t>
+                        <a:t>&gt;</a:t>
+                      </a:r>
+                      <a:endParaRPr lang="es-PR" sz="2000" dirty="0">
+                        <a:latin typeface="Courier New" panose="02070309020205020404" pitchFamily="49" charset="0"/>
+                        <a:cs typeface="Courier New" panose="02070309020205020404" pitchFamily="49" charset="0"/>
+                      </a:endParaRPr>
+                    </a:p>
+                  </a:txBody>
+                  <a:tcPr anchor="ctr"/>
+                </a:tc>
+                <a:tc>
+                  <a:txBody>
+                    <a:bodyPr/>
+                    <a:lstStyle/>
+                    <a:p>
+                      <a:pPr algn="ctr"/>
+                      <a:r>
+                        <a:rPr lang="es-ES" sz="2000" dirty="0">
+                          <a:latin typeface="Courier New" panose="02070309020205020404" pitchFamily="49" charset="0"/>
+                          <a:cs typeface="Courier New" panose="02070309020205020404" pitchFamily="49" charset="0"/>
+                        </a:rPr>
+                        <a:t>F</a:t>
+                      </a:r>
+                      <a:endParaRPr lang="es-PR" sz="2000" dirty="0">
+                        <a:latin typeface="Courier New" panose="02070309020205020404" pitchFamily="49" charset="0"/>
+                        <a:cs typeface="Courier New" panose="02070309020205020404" pitchFamily="49" charset="0"/>
+                      </a:endParaRPr>
+                    </a:p>
+                  </a:txBody>
+                  <a:tcPr anchor="ctr"/>
+                </a:tc>
+                <a:tc>
+                  <a:txBody>
+                    <a:bodyPr/>
+                    <a:lstStyle/>
+                    <a:p>
+                      <a:pPr algn="ctr"/>
+                      <a:r>
+                        <a:rPr lang="es-ES" sz="2000" dirty="0">
+                          <a:latin typeface="Courier New" panose="02070309020205020404" pitchFamily="49" charset="0"/>
+                          <a:cs typeface="Courier New" panose="02070309020205020404" pitchFamily="49" charset="0"/>
+                        </a:rPr>
+                        <a:t>i</a:t>
+                      </a:r>
+                      <a:endParaRPr lang="es-PR" sz="2000" dirty="0">
+                        <a:latin typeface="Courier New" panose="02070309020205020404" pitchFamily="49" charset="0"/>
+                        <a:cs typeface="Courier New" panose="02070309020205020404" pitchFamily="49" charset="0"/>
+                      </a:endParaRPr>
+                    </a:p>
+                  </a:txBody>
+                  <a:tcPr anchor="ctr"/>
+                </a:tc>
+                <a:tc>
+                  <a:txBody>
+                    <a:bodyPr/>
+                    <a:lstStyle/>
+                    <a:p>
+                      <a:pPr algn="ctr"/>
+                      <a:r>
+                        <a:rPr lang="es-ES" sz="2000" dirty="0">
+                          <a:latin typeface="Courier New" panose="02070309020205020404" pitchFamily="49" charset="0"/>
+                          <a:cs typeface="Courier New" panose="02070309020205020404" pitchFamily="49" charset="0"/>
+                        </a:rPr>
+                        <a:t>r</a:t>
+                      </a:r>
+                      <a:endParaRPr lang="es-PR" sz="2000" dirty="0">
+                        <a:latin typeface="Courier New" panose="02070309020205020404" pitchFamily="49" charset="0"/>
+                        <a:cs typeface="Courier New" panose="02070309020205020404" pitchFamily="49" charset="0"/>
+                      </a:endParaRPr>
+                    </a:p>
+                  </a:txBody>
+                  <a:tcPr anchor="ctr"/>
+                </a:tc>
+                <a:tc>
+                  <a:txBody>
+                    <a:bodyPr/>
+                    <a:lstStyle/>
+                    <a:p>
+                      <a:pPr algn="ctr"/>
+                      <a:r>
+                        <a:rPr lang="es-ES" sz="2000" dirty="0">
+                          <a:latin typeface="Courier New" panose="02070309020205020404" pitchFamily="49" charset="0"/>
+                          <a:cs typeface="Courier New" panose="02070309020205020404" pitchFamily="49" charset="0"/>
+                        </a:rPr>
+                        <a:t>e</a:t>
                       </a:r>
                       <a:endParaRPr lang="es-PR" sz="2000" dirty="0">
                         <a:latin typeface="Courier New" panose="02070309020205020404" pitchFamily="49" charset="0"/>
@@ -10638,7 +10743,21 @@
                         <a:t>a</a:t>
                       </a:r>
                       <a:endParaRPr lang="es-PR" sz="2000" dirty="0">
-                        <a:latin typeface="Webdings" panose="05030102010509060703" pitchFamily="18" charset="2"/>
+                        <a:latin typeface="Courier New" panose="02070309020205020404" pitchFamily="49" charset="0"/>
+                        <a:cs typeface="Courier New" panose="02070309020205020404" pitchFamily="49" charset="0"/>
+                      </a:endParaRPr>
+                    </a:p>
+                  </a:txBody>
+                  <a:tcPr anchor="ctr"/>
+                </a:tc>
+                <a:tc>
+                  <a:txBody>
+                    <a:bodyPr/>
+                    <a:lstStyle/>
+                    <a:p>
+                      <a:pPr algn="ctr"/>
+                      <a:endParaRPr lang="es-PR" sz="2000" dirty="0">
+                        <a:latin typeface="Courier New" panose="02070309020205020404" pitchFamily="49" charset="0"/>
                         <a:cs typeface="Courier New" panose="02070309020205020404" pitchFamily="49" charset="0"/>
                       </a:endParaRPr>
                     </a:p>
@@ -10668,13 +10787,20 @@
                         <a:defRPr/>
                       </a:pPr>
                       <a:endParaRPr lang="es-PR" sz="2000" dirty="0">
-                        <a:latin typeface="Webdings" panose="05030102010509060703" pitchFamily="18" charset="2"/>
-                        <a:cs typeface="Courier New" panose="02070309020205020404" pitchFamily="49" charset="0"/>
-                      </a:endParaRPr>
-                    </a:p>
-                  </a:txBody>
-                  <a:tcPr anchor="ctr"/>
-                </a:tc>
+                        <a:latin typeface="Courier New" panose="02070309020205020404" pitchFamily="49" charset="0"/>
+                        <a:cs typeface="Courier New" panose="02070309020205020404" pitchFamily="49" charset="0"/>
+                      </a:endParaRPr>
+                    </a:p>
+                  </a:txBody>
+                  <a:tcPr anchor="ctr"/>
+                </a:tc>
+                <a:extLst>
+                  <a:ext uri="{0D108BD9-81ED-4DB2-BD59-A6C34878D82A}">
+                    <a16:rowId xmlns:a16="http://schemas.microsoft.com/office/drawing/2014/main" val="2506798063"/>
+                  </a:ext>
+                </a:extLst>
+              </a:tr>
+              <a:tr h="715205">
                 <a:tc>
                   <a:txBody>
                     <a:bodyPr/>
@@ -10707,7 +10833,7 @@
                           <a:latin typeface="Courier New" panose="02070309020205020404" pitchFamily="49" charset="0"/>
                           <a:cs typeface="Courier New" panose="02070309020205020404" pitchFamily="49" charset="0"/>
                         </a:rPr>
-                        <a:t>F</a:t>
+                        <a:t>E</a:t>
                       </a:r>
                       <a:endParaRPr lang="es-PR" sz="2000" dirty="0">
                         <a:latin typeface="Courier New" panose="02070309020205020404" pitchFamily="49" charset="0"/>
@@ -10728,7 +10854,7 @@
                           <a:latin typeface="Courier New" panose="02070309020205020404" pitchFamily="49" charset="0"/>
                           <a:cs typeface="Courier New" panose="02070309020205020404" pitchFamily="49" charset="0"/>
                         </a:rPr>
-                        <a:t>i</a:t>
+                        <a:t>n</a:t>
                       </a:r>
                       <a:endParaRPr lang="es-PR" sz="2000" dirty="0">
                         <a:latin typeface="Courier New" panose="02070309020205020404" pitchFamily="49" charset="0"/>
@@ -10749,7 +10875,49 @@
                           <a:latin typeface="Courier New" panose="02070309020205020404" pitchFamily="49" charset="0"/>
                           <a:cs typeface="Courier New" panose="02070309020205020404" pitchFamily="49" charset="0"/>
                         </a:rPr>
-                        <a:t>r</a:t>
+                        <a:t>a</a:t>
+                      </a:r>
+                      <a:endParaRPr lang="es-PR" sz="2000" dirty="0">
+                        <a:latin typeface="Courier New" panose="02070309020205020404" pitchFamily="49" charset="0"/>
+                        <a:cs typeface="Courier New" panose="02070309020205020404" pitchFamily="49" charset="0"/>
+                      </a:endParaRPr>
+                    </a:p>
+                  </a:txBody>
+                  <a:tcPr anchor="ctr"/>
+                </a:tc>
+                <a:tc>
+                  <a:txBody>
+                    <a:bodyPr/>
+                    <a:lstStyle/>
+                    <a:p>
+                      <a:pPr algn="ctr"/>
+                      <a:r>
+                        <a:rPr lang="es-ES" sz="2000" dirty="0">
+                          <a:latin typeface="Courier New" panose="02070309020205020404" pitchFamily="49" charset="0"/>
+                          <a:cs typeface="Courier New" panose="02070309020205020404" pitchFamily="49" charset="0"/>
+                        </a:rPr>
+                        <a:t>b</a:t>
+                      </a:r>
+                      <a:endParaRPr lang="es-PR" sz="2000" dirty="0">
+                        <a:latin typeface="Courier New" panose="02070309020205020404" pitchFamily="49" charset="0"/>
+                        <a:cs typeface="Courier New" panose="02070309020205020404" pitchFamily="49" charset="0"/>
+                      </a:endParaRPr>
+                    </a:p>
+                  </a:txBody>
+                  <a:tcPr anchor="ctr"/>
+                </a:tc>
+                <a:tc>
+                  <a:txBody>
+                    <a:bodyPr/>
+                    <a:lstStyle/>
+                    <a:p>
+                      <a:pPr algn="ctr"/>
+                      <a:r>
+                        <a:rPr lang="es-ES" sz="2000" dirty="0">
+                          <a:latin typeface="Courier New" panose="02070309020205020404" pitchFamily="49" charset="0"/>
+                          <a:cs typeface="Courier New" panose="02070309020205020404" pitchFamily="49" charset="0"/>
+                        </a:rPr>
+                        <a:t>l</a:t>
                       </a:r>
                       <a:endParaRPr lang="es-PR" sz="2000" dirty="0">
                         <a:latin typeface="Courier New" panose="02070309020205020404" pitchFamily="49" charset="0"/>
@@ -10817,181 +10985,6 @@
                   </a:txBody>
                   <a:tcPr anchor="ctr"/>
                 </a:tc>
-                <a:extLst>
-                  <a:ext uri="{0D108BD9-81ED-4DB2-BD59-A6C34878D82A}">
-                    <a16:rowId xmlns:a16="http://schemas.microsoft.com/office/drawing/2014/main" val="2506798063"/>
-                  </a:ext>
-                </a:extLst>
-              </a:tr>
-              <a:tr h="715205">
-                <a:tc>
-                  <a:txBody>
-                    <a:bodyPr/>
-                    <a:lstStyle/>
-                    <a:p>
-                      <a:pPr algn="ctr"/>
-                      <a:r>
-                        <a:rPr lang="es-ES" sz="2000" dirty="0">
-                          <a:latin typeface="Courier New" panose="02070309020205020404" pitchFamily="49" charset="0"/>
-                          <a:cs typeface="Courier New" panose="02070309020205020404" pitchFamily="49" charset="0"/>
-                        </a:rPr>
-                        <a:t>&gt;</a:t>
-                      </a:r>
-                      <a:endParaRPr lang="es-PR" sz="2000" dirty="0">
-                        <a:latin typeface="Courier New" panose="02070309020205020404" pitchFamily="49" charset="0"/>
-                        <a:cs typeface="Courier New" panose="02070309020205020404" pitchFamily="49" charset="0"/>
-                      </a:endParaRPr>
-                    </a:p>
-                  </a:txBody>
-                  <a:tcPr anchor="ctr"/>
-                </a:tc>
-                <a:tc>
-                  <a:txBody>
-                    <a:bodyPr/>
-                    <a:lstStyle/>
-                    <a:p>
-                      <a:pPr algn="ctr"/>
-                      <a:r>
-                        <a:rPr lang="es-ES" sz="2000" dirty="0">
-                          <a:latin typeface="Courier New" panose="02070309020205020404" pitchFamily="49" charset="0"/>
-                          <a:cs typeface="Courier New" panose="02070309020205020404" pitchFamily="49" charset="0"/>
-                        </a:rPr>
-                        <a:t>P</a:t>
-                      </a:r>
-                      <a:endParaRPr lang="es-PR" sz="2000" dirty="0">
-                        <a:latin typeface="Courier New" panose="02070309020205020404" pitchFamily="49" charset="0"/>
-                        <a:cs typeface="Courier New" panose="02070309020205020404" pitchFamily="49" charset="0"/>
-                      </a:endParaRPr>
-                    </a:p>
-                  </a:txBody>
-                  <a:tcPr anchor="ctr"/>
-                </a:tc>
-                <a:tc>
-                  <a:txBody>
-                    <a:bodyPr/>
-                    <a:lstStyle/>
-                    <a:p>
-                      <a:pPr algn="ctr"/>
-                      <a:r>
-                        <a:rPr lang="es-ES" sz="2000" dirty="0">
-                          <a:latin typeface="Courier New" panose="02070309020205020404" pitchFamily="49" charset="0"/>
-                          <a:cs typeface="Courier New" panose="02070309020205020404" pitchFamily="49" charset="0"/>
-                        </a:rPr>
-                        <a:t>r</a:t>
-                      </a:r>
-                      <a:endParaRPr lang="es-PR" sz="2000" dirty="0">
-                        <a:latin typeface="Courier New" panose="02070309020205020404" pitchFamily="49" charset="0"/>
-                        <a:cs typeface="Courier New" panose="02070309020205020404" pitchFamily="49" charset="0"/>
-                      </a:endParaRPr>
-                    </a:p>
-                  </a:txBody>
-                  <a:tcPr anchor="ctr"/>
-                </a:tc>
-                <a:tc>
-                  <a:txBody>
-                    <a:bodyPr/>
-                    <a:lstStyle/>
-                    <a:p>
-                      <a:pPr algn="ctr"/>
-                      <a:r>
-                        <a:rPr lang="es-ES" sz="2000" dirty="0">
-                          <a:latin typeface="Courier New" panose="02070309020205020404" pitchFamily="49" charset="0"/>
-                          <a:cs typeface="Courier New" panose="02070309020205020404" pitchFamily="49" charset="0"/>
-                        </a:rPr>
-                        <a:t>e</a:t>
-                      </a:r>
-                      <a:endParaRPr lang="es-PR" sz="2000" dirty="0">
-                        <a:latin typeface="Courier New" panose="02070309020205020404" pitchFamily="49" charset="0"/>
-                        <a:cs typeface="Courier New" panose="02070309020205020404" pitchFamily="49" charset="0"/>
-                      </a:endParaRPr>
-                    </a:p>
-                  </a:txBody>
-                  <a:tcPr anchor="ctr"/>
-                </a:tc>
-                <a:tc>
-                  <a:txBody>
-                    <a:bodyPr/>
-                    <a:lstStyle/>
-                    <a:p>
-                      <a:pPr algn="ctr"/>
-                      <a:r>
-                        <a:rPr lang="es-ES" sz="2000" dirty="0">
-                          <a:latin typeface="Courier New" panose="02070309020205020404" pitchFamily="49" charset="0"/>
-                          <a:cs typeface="Courier New" panose="02070309020205020404" pitchFamily="49" charset="0"/>
-                        </a:rPr>
-                        <a:t>s</a:t>
-                      </a:r>
-                      <a:endParaRPr lang="es-PR" sz="2000" dirty="0">
-                        <a:latin typeface="Courier New" panose="02070309020205020404" pitchFamily="49" charset="0"/>
-                        <a:cs typeface="Courier New" panose="02070309020205020404" pitchFamily="49" charset="0"/>
-                      </a:endParaRPr>
-                    </a:p>
-                  </a:txBody>
-                  <a:tcPr anchor="ctr"/>
-                </a:tc>
-                <a:tc>
-                  <a:txBody>
-                    <a:bodyPr/>
-                    <a:lstStyle/>
-                    <a:p>
-                      <a:pPr algn="ctr"/>
-                      <a:r>
-                        <a:rPr lang="es-ES" sz="2000" dirty="0">
-                          <a:latin typeface="Courier New" panose="02070309020205020404" pitchFamily="49" charset="0"/>
-                          <a:cs typeface="Courier New" panose="02070309020205020404" pitchFamily="49" charset="0"/>
-                        </a:rPr>
-                        <a:t>e</a:t>
-                      </a:r>
-                      <a:endParaRPr lang="es-PR" sz="2000" dirty="0">
-                        <a:latin typeface="Courier New" panose="02070309020205020404" pitchFamily="49" charset="0"/>
-                        <a:cs typeface="Courier New" panose="02070309020205020404" pitchFamily="49" charset="0"/>
-                      </a:endParaRPr>
-                    </a:p>
-                  </a:txBody>
-                  <a:tcPr anchor="ctr"/>
-                </a:tc>
-                <a:tc>
-                  <a:txBody>
-                    <a:bodyPr/>
-                    <a:lstStyle/>
-                    <a:p>
-                      <a:pPr algn="ctr"/>
-                      <a:r>
-                        <a:rPr lang="es-ES" sz="2000" dirty="0">
-                          <a:latin typeface="Courier New" panose="02070309020205020404" pitchFamily="49" charset="0"/>
-                          <a:cs typeface="Courier New" panose="02070309020205020404" pitchFamily="49" charset="0"/>
-                        </a:rPr>
-                        <a:t>n</a:t>
-                      </a:r>
-                      <a:endParaRPr lang="es-PR" sz="2000" dirty="0">
-                        <a:latin typeface="Courier New" panose="02070309020205020404" pitchFamily="49" charset="0"/>
-                        <a:cs typeface="Courier New" panose="02070309020205020404" pitchFamily="49" charset="0"/>
-                      </a:endParaRPr>
-                    </a:p>
-                  </a:txBody>
-                  <a:tcPr anchor="ctr"/>
-                </a:tc>
-                <a:tc>
-                  <a:txBody>
-                    <a:bodyPr/>
-                    <a:lstStyle/>
-                    <a:p>
-                      <a:pPr algn="ctr"/>
-                      <a:r>
-                        <a:rPr lang="es-ES" sz="2000" dirty="0">
-                          <a:latin typeface="Courier New" panose="02070309020205020404" pitchFamily="49" charset="0"/>
-                          <a:cs typeface="Courier New" panose="02070309020205020404" pitchFamily="49" charset="0"/>
-                        </a:rPr>
-                        <a:t>c</a:t>
-                      </a:r>
-                      <a:endParaRPr lang="es-PR" sz="2000" dirty="0">
-                        <a:latin typeface="Courier New" panose="02070309020205020404" pitchFamily="49" charset="0"/>
-                        <a:cs typeface="Courier New" panose="02070309020205020404" pitchFamily="49" charset="0"/>
-                      </a:endParaRPr>
-                    </a:p>
-                  </a:txBody>
-                  <a:tcPr anchor="ctr"/>
-                </a:tc>
                 <a:tc>
                   <a:txBody>
                     <a:bodyPr/>
@@ -11016,10 +11009,31 @@
                       </a:pPr>
                       <a:r>
                         <a:rPr lang="es-ES" sz="2000" dirty="0">
-                          <a:latin typeface="Webdings" panose="05030102010509060703" pitchFamily="18" charset="2"/>
+                          <a:latin typeface="Courier New" panose="02070309020205020404" pitchFamily="49" charset="0"/>
                           <a:cs typeface="Courier New" panose="02070309020205020404" pitchFamily="49" charset="0"/>
                         </a:rPr>
-                        <a:t>a</a:t>
+                        <a:t>&gt;</a:t>
+                      </a:r>
+                      <a:endParaRPr lang="es-PR" sz="2000" dirty="0">
+                        <a:latin typeface="Courier New" panose="02070309020205020404" pitchFamily="49" charset="0"/>
+                        <a:cs typeface="Courier New" panose="02070309020205020404" pitchFamily="49" charset="0"/>
+                      </a:endParaRPr>
+                    </a:p>
+                  </a:txBody>
+                  <a:tcPr anchor="ctr"/>
+                </a:tc>
+                <a:tc>
+                  <a:txBody>
+                    <a:bodyPr/>
+                    <a:lstStyle/>
+                    <a:p>
+                      <a:pPr algn="ctr"/>
+                      <a:r>
+                        <a:rPr lang="es-ES" sz="2000" dirty="0">
+                          <a:latin typeface="Courier New" panose="02070309020205020404" pitchFamily="49" charset="0"/>
+                          <a:cs typeface="Courier New" panose="02070309020205020404" pitchFamily="49" charset="0"/>
+                        </a:rPr>
+                        <a:t>O</a:t>
                       </a:r>
                       <a:endParaRPr lang="es-PR" sz="2000" dirty="0">
                         <a:latin typeface="Courier New" panose="02070309020205020404" pitchFamily="49" charset="0"/>
@@ -11051,6 +11065,27 @@
                         <a:tabLst/>
                         <a:defRPr/>
                       </a:pPr>
+                      <a:r>
+                        <a:rPr lang="es-ES" sz="2000" dirty="0">
+                          <a:latin typeface="Courier New" panose="02070309020205020404" pitchFamily="49" charset="0"/>
+                          <a:cs typeface="Courier New" panose="02070309020205020404" pitchFamily="49" charset="0"/>
+                        </a:rPr>
+                        <a:t>K</a:t>
+                      </a:r>
+                      <a:endParaRPr lang="es-PR" sz="2000" dirty="0">
+                        <a:latin typeface="Courier New" panose="02070309020205020404" pitchFamily="49" charset="0"/>
+                        <a:cs typeface="Courier New" panose="02070309020205020404" pitchFamily="49" charset="0"/>
+                      </a:endParaRPr>
+                    </a:p>
+                  </a:txBody>
+                  <a:tcPr anchor="ctr"/>
+                </a:tc>
+                <a:tc>
+                  <a:txBody>
+                    <a:bodyPr/>
+                    <a:lstStyle/>
+                    <a:p>
+                      <a:pPr algn="ctr"/>
                       <a:endParaRPr lang="es-PR" sz="2000" dirty="0">
                         <a:latin typeface="Courier New" panose="02070309020205020404" pitchFamily="49" charset="0"/>
                         <a:cs typeface="Courier New" panose="02070309020205020404" pitchFamily="49" charset="0"/>
@@ -11081,71 +11116,6 @@
                         <a:tabLst/>
                         <a:defRPr/>
                       </a:pPr>
-                      <a:r>
-                        <a:rPr lang="es-ES" sz="2000" dirty="0">
-                          <a:latin typeface="Courier New" panose="02070309020205020404" pitchFamily="49" charset="0"/>
-                          <a:cs typeface="Courier New" panose="02070309020205020404" pitchFamily="49" charset="0"/>
-                        </a:rPr>
-                        <a:t>&gt;</a:t>
-                      </a:r>
-                      <a:endParaRPr lang="es-PR" sz="2000" dirty="0">
-                        <a:latin typeface="Courier New" panose="02070309020205020404" pitchFamily="49" charset="0"/>
-                        <a:cs typeface="Courier New" panose="02070309020205020404" pitchFamily="49" charset="0"/>
-                      </a:endParaRPr>
-                    </a:p>
-                  </a:txBody>
-                  <a:tcPr anchor="ctr"/>
-                </a:tc>
-                <a:tc>
-                  <a:txBody>
-                    <a:bodyPr/>
-                    <a:lstStyle/>
-                    <a:p>
-                      <a:pPr algn="ctr"/>
-                      <a:r>
-                        <a:rPr lang="es-ES" sz="2000" dirty="0">
-                          <a:latin typeface="Courier New" panose="02070309020205020404" pitchFamily="49" charset="0"/>
-                          <a:cs typeface="Courier New" panose="02070309020205020404" pitchFamily="49" charset="0"/>
-                        </a:rPr>
-                        <a:t>O</a:t>
-                      </a:r>
-                      <a:endParaRPr lang="es-PR" sz="2000" dirty="0">
-                        <a:latin typeface="Courier New" panose="02070309020205020404" pitchFamily="49" charset="0"/>
-                        <a:cs typeface="Courier New" panose="02070309020205020404" pitchFamily="49" charset="0"/>
-                      </a:endParaRPr>
-                    </a:p>
-                  </a:txBody>
-                  <a:tcPr anchor="ctr"/>
-                </a:tc>
-                <a:tc>
-                  <a:txBody>
-                    <a:bodyPr/>
-                    <a:lstStyle/>
-                    <a:p>
-                      <a:pPr marL="0" marR="0" lvl="0" indent="0" algn="ctr" defTabSz="914400" rtl="0" eaLnBrk="1" fontAlgn="auto" latinLnBrk="0" hangingPunct="1">
-                        <a:lnSpc>
-                          <a:spcPct val="100000"/>
-                        </a:lnSpc>
-                        <a:spcBef>
-                          <a:spcPts val="0"/>
-                        </a:spcBef>
-                        <a:spcAft>
-                          <a:spcPts val="0"/>
-                        </a:spcAft>
-                        <a:buClrTx/>
-                        <a:buSzTx/>
-                        <a:buFontTx/>
-                        <a:buNone/>
-                        <a:tabLst/>
-                        <a:defRPr/>
-                      </a:pPr>
-                      <a:r>
-                        <a:rPr lang="es-ES" sz="2000" dirty="0">
-                          <a:latin typeface="Courier New" panose="02070309020205020404" pitchFamily="49" charset="0"/>
-                          <a:cs typeface="Courier New" panose="02070309020205020404" pitchFamily="49" charset="0"/>
-                        </a:rPr>
-                        <a:t>K</a:t>
-                      </a:r>
                       <a:endParaRPr lang="es-PR" sz="2000" dirty="0">
                         <a:latin typeface="Courier New" panose="02070309020205020404" pitchFamily="49" charset="0"/>
                         <a:cs typeface="Courier New" panose="02070309020205020404" pitchFamily="49" charset="0"/>
@@ -20457,7 +20427,7 @@
           <p:nvPr>
             <p:extLst>
               <p:ext uri="{D42A27DB-BD31-4B8C-83A1-F6EECF244321}">
-                <p14:modId xmlns:p14="http://schemas.microsoft.com/office/powerpoint/2010/main" val="3711057605"/>
+                <p14:modId xmlns:p14="http://schemas.microsoft.com/office/powerpoint/2010/main" val="896392626"/>
               </p:ext>
             </p:extLst>
           </p:nvPr>
@@ -20619,7 +20589,28 @@
                           <a:latin typeface="Courier New" panose="02070309020205020404" pitchFamily="49" charset="0"/>
                           <a:cs typeface="Courier New" panose="02070309020205020404" pitchFamily="49" charset="0"/>
                         </a:rPr>
-                        <a:t>E</a:t>
+                        <a:t>Z</a:t>
+                      </a:r>
+                      <a:endParaRPr lang="es-PR" sz="2000" dirty="0">
+                        <a:latin typeface="Courier New" panose="02070309020205020404" pitchFamily="49" charset="0"/>
+                        <a:cs typeface="Courier New" panose="02070309020205020404" pitchFamily="49" charset="0"/>
+                      </a:endParaRPr>
+                    </a:p>
+                  </a:txBody>
+                  <a:tcPr anchor="ctr"/>
+                </a:tc>
+                <a:tc>
+                  <a:txBody>
+                    <a:bodyPr/>
+                    <a:lstStyle/>
+                    <a:p>
+                      <a:pPr algn="ctr"/>
+                      <a:r>
+                        <a:rPr lang="es-ES" sz="2000" dirty="0">
+                          <a:latin typeface="Courier New" panose="02070309020205020404" pitchFamily="49" charset="0"/>
+                          <a:cs typeface="Courier New" panose="02070309020205020404" pitchFamily="49" charset="0"/>
+                        </a:rPr>
+                        <a:t>o</a:t>
                       </a:r>
                       <a:endParaRPr lang="es-PR" sz="2000" dirty="0">
                         <a:latin typeface="Courier New" panose="02070309020205020404" pitchFamily="49" charset="0"/>
@@ -20661,8 +20652,22 @@
                           <a:latin typeface="Courier New" panose="02070309020205020404" pitchFamily="49" charset="0"/>
                           <a:cs typeface="Courier New" panose="02070309020205020404" pitchFamily="49" charset="0"/>
                         </a:rPr>
-                        <a:t>G</a:t>
-                      </a:r>
+                        <a:t>e</a:t>
+                      </a:r>
+                      <a:endParaRPr lang="es-PR" sz="2000" dirty="0">
+                        <a:latin typeface="Courier New" panose="02070309020205020404" pitchFamily="49" charset="0"/>
+                        <a:cs typeface="Courier New" panose="02070309020205020404" pitchFamily="49" charset="0"/>
+                      </a:endParaRPr>
+                    </a:p>
+                  </a:txBody>
+                  <a:tcPr anchor="ctr"/>
+                </a:tc>
+                <a:tc>
+                  <a:txBody>
+                    <a:bodyPr/>
+                    <a:lstStyle/>
+                    <a:p>
+                      <a:pPr algn="ctr"/>
                       <a:endParaRPr lang="es-PR" sz="2000" dirty="0">
                         <a:latin typeface="Courier New" panose="02070309020205020404" pitchFamily="49" charset="0"/>
                         <a:cs typeface="Courier New" panose="02070309020205020404" pitchFamily="49" charset="0"/>
@@ -20682,7 +20687,63 @@
                           <a:latin typeface="Courier New" panose="02070309020205020404" pitchFamily="49" charset="0"/>
                           <a:cs typeface="Courier New" panose="02070309020205020404" pitchFamily="49" charset="0"/>
                         </a:rPr>
-                        <a:t>l</a:t>
+                        <a:t>1</a:t>
+                      </a:r>
+                      <a:endParaRPr lang="es-PR" sz="2000" dirty="0">
+                        <a:latin typeface="Courier New" panose="02070309020205020404" pitchFamily="49" charset="0"/>
+                        <a:cs typeface="Courier New" panose="02070309020205020404" pitchFamily="49" charset="0"/>
+                      </a:endParaRPr>
+                    </a:p>
+                  </a:txBody>
+                  <a:tcPr anchor="ctr"/>
+                </a:tc>
+                <a:tc>
+                  <a:txBody>
+                    <a:bodyPr/>
+                    <a:lstStyle/>
+                    <a:p>
+                      <a:pPr algn="ctr"/>
+                      <a:endParaRPr lang="es-PR" sz="2000" dirty="0">
+                        <a:latin typeface="Webdings" panose="05030102010509060703" pitchFamily="18" charset="2"/>
+                        <a:cs typeface="Courier New" panose="02070309020205020404" pitchFamily="49" charset="0"/>
+                      </a:endParaRPr>
+                    </a:p>
+                  </a:txBody>
+                  <a:tcPr anchor="ctr"/>
+                </a:tc>
+                <a:tc>
+                  <a:txBody>
+                    <a:bodyPr/>
+                    <a:lstStyle/>
+                    <a:p>
+                      <a:pPr algn="ctr"/>
+                      <a:r>
+                        <a:rPr lang="es-ES" sz="2000" dirty="0">
+                          <a:latin typeface="Courier New" panose="02070309020205020404" pitchFamily="49" charset="0"/>
+                          <a:cs typeface="Courier New" panose="02070309020205020404" pitchFamily="49" charset="0"/>
+                        </a:rPr>
+                        <a:t>&gt;</a:t>
+                      </a:r>
+                      <a:endParaRPr lang="es-PR" sz="2000" dirty="0">
+                        <a:latin typeface="Courier New" panose="02070309020205020404" pitchFamily="49" charset="0"/>
+                        <a:cs typeface="Courier New" panose="02070309020205020404" pitchFamily="49" charset="0"/>
+                      </a:endParaRPr>
+                    </a:p>
+                  </a:txBody>
+                  <a:tcPr anchor="ctr"/>
+                </a:tc>
+                <a:tc>
+                  <a:txBody>
+                    <a:bodyPr/>
+                    <a:lstStyle/>
+                    <a:p>
+                      <a:pPr algn="ctr"/>
+                      <a:r>
+                        <a:rPr lang="es-ES" sz="2000" dirty="0">
+                          <a:latin typeface="Courier New" panose="02070309020205020404" pitchFamily="49" charset="0"/>
+                          <a:cs typeface="Courier New" panose="02070309020205020404" pitchFamily="49" charset="0"/>
+                        </a:rPr>
+                        <a:t>Z</a:t>
                       </a:r>
                       <a:endParaRPr lang="es-PR" sz="2000" dirty="0">
                         <a:latin typeface="Courier New" panose="02070309020205020404" pitchFamily="49" charset="0"/>
@@ -20724,111 +20785,6 @@
                           <a:latin typeface="Courier New" panose="02070309020205020404" pitchFamily="49" charset="0"/>
                           <a:cs typeface="Courier New" panose="02070309020205020404" pitchFamily="49" charset="0"/>
                         </a:rPr>
-                        <a:t>b</a:t>
-                      </a:r>
-                      <a:endParaRPr lang="es-PR" sz="2000" dirty="0">
-                        <a:latin typeface="Courier New" panose="02070309020205020404" pitchFamily="49" charset="0"/>
-                        <a:cs typeface="Courier New" panose="02070309020205020404" pitchFamily="49" charset="0"/>
-                      </a:endParaRPr>
-                    </a:p>
-                  </a:txBody>
-                  <a:tcPr anchor="ctr"/>
-                </a:tc>
-                <a:tc>
-                  <a:txBody>
-                    <a:bodyPr/>
-                    <a:lstStyle/>
-                    <a:p>
-                      <a:pPr algn="ctr"/>
-                      <a:r>
-                        <a:rPr lang="es-ES" sz="2000" dirty="0">
-                          <a:latin typeface="Webdings" panose="05030102010509060703" pitchFamily="18" charset="2"/>
-                          <a:cs typeface="Courier New" panose="02070309020205020404" pitchFamily="49" charset="0"/>
-                        </a:rPr>
-                        <a:t>a</a:t>
-                      </a:r>
-                      <a:endParaRPr lang="es-PR" sz="2000" dirty="0">
-                        <a:latin typeface="Webdings" panose="05030102010509060703" pitchFamily="18" charset="2"/>
-                        <a:cs typeface="Courier New" panose="02070309020205020404" pitchFamily="49" charset="0"/>
-                      </a:endParaRPr>
-                    </a:p>
-                  </a:txBody>
-                  <a:tcPr anchor="ctr"/>
-                </a:tc>
-                <a:tc>
-                  <a:txBody>
-                    <a:bodyPr/>
-                    <a:lstStyle/>
-                    <a:p>
-                      <a:pPr algn="ctr"/>
-                      <a:r>
-                        <a:rPr lang="es-ES" sz="2000" dirty="0">
-                          <a:latin typeface="Courier New" panose="02070309020205020404" pitchFamily="49" charset="0"/>
-                          <a:cs typeface="Courier New" panose="02070309020205020404" pitchFamily="49" charset="0"/>
-                        </a:rPr>
-                        <a:t>&gt;</a:t>
-                      </a:r>
-                      <a:endParaRPr lang="es-PR" sz="2000" dirty="0">
-                        <a:latin typeface="Courier New" panose="02070309020205020404" pitchFamily="49" charset="0"/>
-                        <a:cs typeface="Courier New" panose="02070309020205020404" pitchFamily="49" charset="0"/>
-                      </a:endParaRPr>
-                    </a:p>
-                  </a:txBody>
-                  <a:tcPr anchor="ctr"/>
-                </a:tc>
-                <a:tc>
-                  <a:txBody>
-                    <a:bodyPr/>
-                    <a:lstStyle/>
-                    <a:p>
-                      <a:pPr algn="ctr"/>
-                      <a:r>
-                        <a:rPr lang="es-ES" sz="2000" dirty="0">
-                          <a:latin typeface="Courier New" panose="02070309020205020404" pitchFamily="49" charset="0"/>
-                          <a:cs typeface="Courier New" panose="02070309020205020404" pitchFamily="49" charset="0"/>
-                        </a:rPr>
-                        <a:t>Z</a:t>
-                      </a:r>
-                      <a:endParaRPr lang="es-PR" sz="2000" dirty="0">
-                        <a:latin typeface="Courier New" panose="02070309020205020404" pitchFamily="49" charset="0"/>
-                        <a:cs typeface="Courier New" panose="02070309020205020404" pitchFamily="49" charset="0"/>
-                      </a:endParaRPr>
-                    </a:p>
-                  </a:txBody>
-                  <a:tcPr anchor="ctr"/>
-                </a:tc>
-                <a:tc>
-                  <a:txBody>
-                    <a:bodyPr/>
-                    <a:lstStyle/>
-                    <a:p>
-                      <a:pPr algn="ctr"/>
-                      <a:r>
-                        <a:rPr lang="es-ES" sz="2000" dirty="0">
-                          <a:latin typeface="Courier New" panose="02070309020205020404" pitchFamily="49" charset="0"/>
-                          <a:cs typeface="Courier New" panose="02070309020205020404" pitchFamily="49" charset="0"/>
-                        </a:rPr>
-                        <a:t>o</a:t>
-                      </a:r>
-                      <a:endParaRPr lang="es-PR" sz="2000" dirty="0">
-                        <a:latin typeface="Courier New" panose="02070309020205020404" pitchFamily="49" charset="0"/>
-                        <a:cs typeface="Courier New" panose="02070309020205020404" pitchFamily="49" charset="0"/>
-                      </a:endParaRPr>
-                    </a:p>
-                  </a:txBody>
-                  <a:tcPr anchor="ctr"/>
-                </a:tc>
-                <a:tc>
-                  <a:txBody>
-                    <a:bodyPr/>
-                    <a:lstStyle/>
-                    <a:p>
-                      <a:pPr algn="ctr"/>
-                      <a:r>
-                        <a:rPr lang="es-ES" sz="2000" dirty="0">
-                          <a:latin typeface="Courier New" panose="02070309020205020404" pitchFamily="49" charset="0"/>
-                          <a:cs typeface="Courier New" panose="02070309020205020404" pitchFamily="49" charset="0"/>
-                        </a:rPr>
                         <a:t>n</a:t>
                       </a:r>
                       <a:endParaRPr lang="es-PR" sz="2000" dirty="0">
@@ -20885,7 +20841,7 @@
                           <a:latin typeface="Courier New" panose="02070309020205020404" pitchFamily="49" charset="0"/>
                           <a:cs typeface="Courier New" panose="02070309020205020404" pitchFamily="49" charset="0"/>
                         </a:rPr>
-                        <a:t>1</a:t>
+                        <a:t>2</a:t>
                       </a:r>
                       <a:endParaRPr lang="es-PR" sz="2000" dirty="0">
                         <a:latin typeface="Courier New" panose="02070309020205020404" pitchFamily="49" charset="0"/>
@@ -20948,7 +20904,70 @@
                           <a:latin typeface="Courier New" panose="02070309020205020404" pitchFamily="49" charset="0"/>
                           <a:cs typeface="Courier New" panose="02070309020205020404" pitchFamily="49" charset="0"/>
                         </a:rPr>
-                        <a:t>Z</a:t>
+                        <a:t>E</a:t>
+                      </a:r>
+                      <a:endParaRPr lang="es-PR" sz="2000" dirty="0">
+                        <a:latin typeface="Courier New" panose="02070309020205020404" pitchFamily="49" charset="0"/>
+                        <a:cs typeface="Courier New" panose="02070309020205020404" pitchFamily="49" charset="0"/>
+                      </a:endParaRPr>
+                    </a:p>
+                  </a:txBody>
+                  <a:tcPr anchor="ctr"/>
+                </a:tc>
+                <a:tc>
+                  <a:txBody>
+                    <a:bodyPr/>
+                    <a:lstStyle/>
+                    <a:p>
+                      <a:pPr algn="ctr"/>
+                      <a:r>
+                        <a:rPr lang="es-ES" sz="2000" dirty="0">
+                          <a:latin typeface="Courier New" panose="02070309020205020404" pitchFamily="49" charset="0"/>
+                          <a:cs typeface="Courier New" panose="02070309020205020404" pitchFamily="49" charset="0"/>
+                        </a:rPr>
+                        <a:t>n</a:t>
+                      </a:r>
+                      <a:endParaRPr lang="es-PR" sz="2000" dirty="0">
+                        <a:latin typeface="Courier New" panose="02070309020205020404" pitchFamily="49" charset="0"/>
+                        <a:cs typeface="Courier New" panose="02070309020205020404" pitchFamily="49" charset="0"/>
+                      </a:endParaRPr>
+                    </a:p>
+                  </a:txBody>
+                  <a:tcPr anchor="ctr"/>
+                </a:tc>
+                <a:tc>
+                  <a:txBody>
+                    <a:bodyPr/>
+                    <a:lstStyle/>
+                    <a:p>
+                      <a:pPr algn="ctr"/>
+                      <a:r>
+                        <a:rPr lang="es-ES" sz="2000" dirty="0">
+                          <a:latin typeface="Courier New" panose="02070309020205020404" pitchFamily="49" charset="0"/>
+                          <a:cs typeface="Courier New" panose="02070309020205020404" pitchFamily="49" charset="0"/>
+                        </a:rPr>
+                        <a:t>G</a:t>
+                      </a:r>
+                      <a:endParaRPr lang="es-PR" sz="2000" dirty="0">
+                        <a:latin typeface="Courier New" panose="02070309020205020404" pitchFamily="49" charset="0"/>
+                        <a:cs typeface="Courier New" panose="02070309020205020404" pitchFamily="49" charset="0"/>
+                      </a:endParaRPr>
+                    </a:p>
+                  </a:txBody>
+                  <a:tcPr anchor="ctr"/>
+                </a:tc>
+                <a:tc>
+                  <a:txBody>
+                    <a:bodyPr/>
+                    <a:lstStyle/>
+                    <a:p>
+                      <a:pPr algn="ctr"/>
+                      <a:r>
+                        <a:rPr lang="es-ES" sz="2000" dirty="0">
+                          <a:latin typeface="Courier New" panose="02070309020205020404" pitchFamily="49" charset="0"/>
+                          <a:cs typeface="Courier New" panose="02070309020205020404" pitchFamily="49" charset="0"/>
+                        </a:rPr>
+                        <a:t>l</a:t>
                       </a:r>
                       <a:endParaRPr lang="es-PR" sz="2000" dirty="0">
                         <a:latin typeface="Courier New" panose="02070309020205020404" pitchFamily="49" charset="0"/>
@@ -20990,7 +21009,7 @@
                           <a:latin typeface="Courier New" panose="02070309020205020404" pitchFamily="49" charset="0"/>
                           <a:cs typeface="Courier New" panose="02070309020205020404" pitchFamily="49" charset="0"/>
                         </a:rPr>
-                        <a:t>n</a:t>
+                        <a:t>b</a:t>
                       </a:r>
                       <a:endParaRPr lang="es-PR" sz="2000" dirty="0">
                         <a:latin typeface="Courier New" panose="02070309020205020404" pitchFamily="49" charset="0"/>
@@ -21008,62 +21027,13 @@
                       <a:pPr algn="ctr"/>
                       <a:r>
                         <a:rPr lang="es-ES" sz="2000" dirty="0">
-                          <a:latin typeface="Courier New" panose="02070309020205020404" pitchFamily="49" charset="0"/>
+                          <a:latin typeface="Webdings" panose="05030102010509060703" pitchFamily="18" charset="2"/>
                           <a:cs typeface="Courier New" panose="02070309020205020404" pitchFamily="49" charset="0"/>
                         </a:rPr>
-                        <a:t>e</a:t>
-                      </a:r>
-                      <a:endParaRPr lang="es-PR" sz="2000" dirty="0">
-                        <a:latin typeface="Courier New" panose="02070309020205020404" pitchFamily="49" charset="0"/>
-                        <a:cs typeface="Courier New" panose="02070309020205020404" pitchFamily="49" charset="0"/>
-                      </a:endParaRPr>
-                    </a:p>
-                  </a:txBody>
-                  <a:tcPr anchor="ctr"/>
-                </a:tc>
-                <a:tc>
-                  <a:txBody>
-                    <a:bodyPr/>
-                    <a:lstStyle/>
-                    <a:p>
-                      <a:pPr algn="ctr"/>
-                      <a:endParaRPr lang="es-PR" sz="2000" dirty="0">
-                        <a:latin typeface="Courier New" panose="02070309020205020404" pitchFamily="49" charset="0"/>
-                        <a:cs typeface="Courier New" panose="02070309020205020404" pitchFamily="49" charset="0"/>
-                      </a:endParaRPr>
-                    </a:p>
-                  </a:txBody>
-                  <a:tcPr anchor="ctr"/>
-                </a:tc>
-                <a:tc>
-                  <a:txBody>
-                    <a:bodyPr/>
-                    <a:lstStyle/>
-                    <a:p>
-                      <a:pPr algn="ctr"/>
-                      <a:r>
-                        <a:rPr lang="es-ES" sz="2000" dirty="0">
-                          <a:latin typeface="Courier New" panose="02070309020205020404" pitchFamily="49" charset="0"/>
-                          <a:cs typeface="Courier New" panose="02070309020205020404" pitchFamily="49" charset="0"/>
-                        </a:rPr>
-                        <a:t>2</a:t>
-                      </a:r>
-                      <a:endParaRPr lang="es-PR" sz="2000" dirty="0">
-                        <a:latin typeface="Courier New" panose="02070309020205020404" pitchFamily="49" charset="0"/>
-                        <a:cs typeface="Courier New" panose="02070309020205020404" pitchFamily="49" charset="0"/>
-                      </a:endParaRPr>
-                    </a:p>
-                  </a:txBody>
-                  <a:tcPr anchor="ctr"/>
-                </a:tc>
-                <a:tc>
-                  <a:txBody>
-                    <a:bodyPr/>
-                    <a:lstStyle/>
-                    <a:p>
-                      <a:pPr algn="ctr"/>
-                      <a:endParaRPr lang="es-PR" sz="2000" dirty="0">
-                        <a:latin typeface="Courier New" panose="02070309020205020404" pitchFamily="49" charset="0"/>
+                        <a:t>a</a:t>
+                      </a:r>
+                      <a:endParaRPr lang="es-PR" sz="2000" dirty="0">
+                        <a:latin typeface="Webdings" panose="05030102010509060703" pitchFamily="18" charset="2"/>
                         <a:cs typeface="Courier New" panose="02070309020205020404" pitchFamily="49" charset="0"/>
                       </a:endParaRPr>
                     </a:p>
@@ -21268,7 +21238,7 @@
           <a:p>
             <a:r>
               <a:rPr lang="es-ES" dirty="0"/>
-              <a:t>Menú de alarmas</a:t>
+              <a:t>Menú de configuración de alarmas</a:t>
             </a:r>
             <a:endParaRPr lang="es-PR" dirty="0"/>
           </a:p>

--- a/menus sistema de alarma.pptx
+++ b/menus sistema de alarma.pptx
@@ -16,9 +16,12 @@
     <p:sldId id="259" r:id="rId10"/>
     <p:sldId id="260" r:id="rId11"/>
     <p:sldId id="261" r:id="rId12"/>
-    <p:sldId id="263" r:id="rId13"/>
-    <p:sldId id="268" r:id="rId14"/>
-    <p:sldId id="267" r:id="rId15"/>
+    <p:sldId id="272" r:id="rId13"/>
+    <p:sldId id="275" r:id="rId14"/>
+    <p:sldId id="274" r:id="rId15"/>
+    <p:sldId id="263" r:id="rId16"/>
+    <p:sldId id="268" r:id="rId17"/>
+    <p:sldId id="267" r:id="rId18"/>
   </p:sldIdLst>
   <p:sldSz cx="12192000" cy="6858000"/>
   <p:notesSz cx="6858000" cy="9144000"/>
@@ -6268,7 +6271,7 @@
           <a:p>
             <a:fld id="{A9D4DB31-6CEA-4AFD-B401-5A3C6C72258E}" type="datetimeFigureOut">
               <a:rPr lang="es-PR" smtClean="0"/>
-              <a:t>12/28/2022</a:t>
+              <a:t>12/30/2022</a:t>
             </a:fld>
             <a:endParaRPr lang="es-PR" dirty="0"/>
           </a:p>
@@ -6468,7 +6471,7 @@
           <a:p>
             <a:fld id="{A9D4DB31-6CEA-4AFD-B401-5A3C6C72258E}" type="datetimeFigureOut">
               <a:rPr lang="es-PR" smtClean="0"/>
-              <a:t>12/28/2022</a:t>
+              <a:t>12/30/2022</a:t>
             </a:fld>
             <a:endParaRPr lang="es-PR" dirty="0"/>
           </a:p>
@@ -6678,7 +6681,7 @@
           <a:p>
             <a:fld id="{A9D4DB31-6CEA-4AFD-B401-5A3C6C72258E}" type="datetimeFigureOut">
               <a:rPr lang="es-PR" smtClean="0"/>
-              <a:t>12/28/2022</a:t>
+              <a:t>12/30/2022</a:t>
             </a:fld>
             <a:endParaRPr lang="es-PR" dirty="0"/>
           </a:p>
@@ -6878,7 +6881,7 @@
           <a:p>
             <a:fld id="{A9D4DB31-6CEA-4AFD-B401-5A3C6C72258E}" type="datetimeFigureOut">
               <a:rPr lang="es-PR" smtClean="0"/>
-              <a:t>12/28/2022</a:t>
+              <a:t>12/30/2022</a:t>
             </a:fld>
             <a:endParaRPr lang="es-PR" dirty="0"/>
           </a:p>
@@ -7154,7 +7157,7 @@
           <a:p>
             <a:fld id="{A9D4DB31-6CEA-4AFD-B401-5A3C6C72258E}" type="datetimeFigureOut">
               <a:rPr lang="es-PR" smtClean="0"/>
-              <a:t>12/28/2022</a:t>
+              <a:t>12/30/2022</a:t>
             </a:fld>
             <a:endParaRPr lang="es-PR" dirty="0"/>
           </a:p>
@@ -7422,7 +7425,7 @@
           <a:p>
             <a:fld id="{A9D4DB31-6CEA-4AFD-B401-5A3C6C72258E}" type="datetimeFigureOut">
               <a:rPr lang="es-PR" smtClean="0"/>
-              <a:t>12/28/2022</a:t>
+              <a:t>12/30/2022</a:t>
             </a:fld>
             <a:endParaRPr lang="es-PR" dirty="0"/>
           </a:p>
@@ -7837,7 +7840,7 @@
           <a:p>
             <a:fld id="{A9D4DB31-6CEA-4AFD-B401-5A3C6C72258E}" type="datetimeFigureOut">
               <a:rPr lang="es-PR" smtClean="0"/>
-              <a:t>12/28/2022</a:t>
+              <a:t>12/30/2022</a:t>
             </a:fld>
             <a:endParaRPr lang="es-PR" dirty="0"/>
           </a:p>
@@ -7979,7 +7982,7 @@
           <a:p>
             <a:fld id="{A9D4DB31-6CEA-4AFD-B401-5A3C6C72258E}" type="datetimeFigureOut">
               <a:rPr lang="es-PR" smtClean="0"/>
-              <a:t>12/28/2022</a:t>
+              <a:t>12/30/2022</a:t>
             </a:fld>
             <a:endParaRPr lang="es-PR" dirty="0"/>
           </a:p>
@@ -8092,7 +8095,7 @@
           <a:p>
             <a:fld id="{A9D4DB31-6CEA-4AFD-B401-5A3C6C72258E}" type="datetimeFigureOut">
               <a:rPr lang="es-PR" smtClean="0"/>
-              <a:t>12/28/2022</a:t>
+              <a:t>12/30/2022</a:t>
             </a:fld>
             <a:endParaRPr lang="es-PR" dirty="0"/>
           </a:p>
@@ -8405,7 +8408,7 @@
           <a:p>
             <a:fld id="{A9D4DB31-6CEA-4AFD-B401-5A3C6C72258E}" type="datetimeFigureOut">
               <a:rPr lang="es-PR" smtClean="0"/>
-              <a:t>12/28/2022</a:t>
+              <a:t>12/30/2022</a:t>
             </a:fld>
             <a:endParaRPr lang="es-PR" dirty="0"/>
           </a:p>
@@ -8694,7 +8697,7 @@
           <a:p>
             <a:fld id="{A9D4DB31-6CEA-4AFD-B401-5A3C6C72258E}" type="datetimeFigureOut">
               <a:rPr lang="es-PR" smtClean="0"/>
-              <a:t>12/28/2022</a:t>
+              <a:t>12/30/2022</a:t>
             </a:fld>
             <a:endParaRPr lang="es-PR" dirty="0"/>
           </a:p>
@@ -8937,7 +8940,7 @@
           <a:p>
             <a:fld id="{A9D4DB31-6CEA-4AFD-B401-5A3C6C72258E}" type="datetimeFigureOut">
               <a:rPr lang="es-PR" smtClean="0"/>
-              <a:t>12/28/2022</a:t>
+              <a:t>12/30/2022</a:t>
             </a:fld>
             <a:endParaRPr lang="es-PR" dirty="0"/>
           </a:p>
@@ -12087,12 +12090,804 @@
           <a:chExt cx="0" cy="0"/>
         </a:xfrm>
       </p:grpSpPr>
+      <p:graphicFrame>
+        <p:nvGraphicFramePr>
+          <p:cNvPr id="5" name="Table 5">
+            <a:extLst>
+              <a:ext uri="{FF2B5EF4-FFF2-40B4-BE49-F238E27FC236}">
+                <a16:creationId xmlns:a16="http://schemas.microsoft.com/office/drawing/2014/main" id="{93269089-5275-4487-BD61-58BE4C7658F4}"/>
+              </a:ext>
+            </a:extLst>
+          </p:cNvPr>
+          <p:cNvGraphicFramePr>
+            <a:graphicFrameLocks noGrp="1"/>
+          </p:cNvGraphicFramePr>
+          <p:nvPr>
+            <p:extLst>
+              <p:ext uri="{D42A27DB-BD31-4B8C-83A1-F6EECF244321}">
+                <p14:modId xmlns:p14="http://schemas.microsoft.com/office/powerpoint/2010/main" val="163631486"/>
+              </p:ext>
+            </p:extLst>
+          </p:nvPr>
+        </p:nvGraphicFramePr>
+        <p:xfrm>
+          <a:off x="2032000" y="2606136"/>
+          <a:ext cx="8128000" cy="1430410"/>
+        </p:xfrm>
+        <a:graphic>
+          <a:graphicData uri="http://schemas.openxmlformats.org/drawingml/2006/table">
+            <a:tbl>
+              <a:tblPr firstRow="1" bandRow="1">
+                <a:tableStyleId>{5940675A-B579-460E-94D1-54222C63F5DA}</a:tableStyleId>
+              </a:tblPr>
+              <a:tblGrid>
+                <a:gridCol w="505254">
+                  <a:extLst>
+                    <a:ext uri="{9D8B030D-6E8A-4147-A177-3AD203B41FA5}">
+                      <a16:colId xmlns:a16="http://schemas.microsoft.com/office/drawing/2014/main" val="4149478534"/>
+                    </a:ext>
+                  </a:extLst>
+                </a:gridCol>
+                <a:gridCol w="510746">
+                  <a:extLst>
+                    <a:ext uri="{9D8B030D-6E8A-4147-A177-3AD203B41FA5}">
+                      <a16:colId xmlns:a16="http://schemas.microsoft.com/office/drawing/2014/main" val="1730779139"/>
+                    </a:ext>
+                  </a:extLst>
+                </a:gridCol>
+                <a:gridCol w="508000">
+                  <a:extLst>
+                    <a:ext uri="{9D8B030D-6E8A-4147-A177-3AD203B41FA5}">
+                      <a16:colId xmlns:a16="http://schemas.microsoft.com/office/drawing/2014/main" val="959166855"/>
+                    </a:ext>
+                  </a:extLst>
+                </a:gridCol>
+                <a:gridCol w="508000">
+                  <a:extLst>
+                    <a:ext uri="{9D8B030D-6E8A-4147-A177-3AD203B41FA5}">
+                      <a16:colId xmlns:a16="http://schemas.microsoft.com/office/drawing/2014/main" val="439473677"/>
+                    </a:ext>
+                  </a:extLst>
+                </a:gridCol>
+                <a:gridCol w="508000">
+                  <a:extLst>
+                    <a:ext uri="{9D8B030D-6E8A-4147-A177-3AD203B41FA5}">
+                      <a16:colId xmlns:a16="http://schemas.microsoft.com/office/drawing/2014/main" val="3679715362"/>
+                    </a:ext>
+                  </a:extLst>
+                </a:gridCol>
+                <a:gridCol w="508000">
+                  <a:extLst>
+                    <a:ext uri="{9D8B030D-6E8A-4147-A177-3AD203B41FA5}">
+                      <a16:colId xmlns:a16="http://schemas.microsoft.com/office/drawing/2014/main" val="1324916663"/>
+                    </a:ext>
+                  </a:extLst>
+                </a:gridCol>
+                <a:gridCol w="508000">
+                  <a:extLst>
+                    <a:ext uri="{9D8B030D-6E8A-4147-A177-3AD203B41FA5}">
+                      <a16:colId xmlns:a16="http://schemas.microsoft.com/office/drawing/2014/main" val="249882717"/>
+                    </a:ext>
+                  </a:extLst>
+                </a:gridCol>
+                <a:gridCol w="508000">
+                  <a:extLst>
+                    <a:ext uri="{9D8B030D-6E8A-4147-A177-3AD203B41FA5}">
+                      <a16:colId xmlns:a16="http://schemas.microsoft.com/office/drawing/2014/main" val="4252813745"/>
+                    </a:ext>
+                  </a:extLst>
+                </a:gridCol>
+                <a:gridCol w="508000">
+                  <a:extLst>
+                    <a:ext uri="{9D8B030D-6E8A-4147-A177-3AD203B41FA5}">
+                      <a16:colId xmlns:a16="http://schemas.microsoft.com/office/drawing/2014/main" val="3598302736"/>
+                    </a:ext>
+                  </a:extLst>
+                </a:gridCol>
+                <a:gridCol w="508000">
+                  <a:extLst>
+                    <a:ext uri="{9D8B030D-6E8A-4147-A177-3AD203B41FA5}">
+                      <a16:colId xmlns:a16="http://schemas.microsoft.com/office/drawing/2014/main" val="3007735781"/>
+                    </a:ext>
+                  </a:extLst>
+                </a:gridCol>
+                <a:gridCol w="508000">
+                  <a:extLst>
+                    <a:ext uri="{9D8B030D-6E8A-4147-A177-3AD203B41FA5}">
+                      <a16:colId xmlns:a16="http://schemas.microsoft.com/office/drawing/2014/main" val="1076296587"/>
+                    </a:ext>
+                  </a:extLst>
+                </a:gridCol>
+                <a:gridCol w="508000">
+                  <a:extLst>
+                    <a:ext uri="{9D8B030D-6E8A-4147-A177-3AD203B41FA5}">
+                      <a16:colId xmlns:a16="http://schemas.microsoft.com/office/drawing/2014/main" val="785184459"/>
+                    </a:ext>
+                  </a:extLst>
+                </a:gridCol>
+                <a:gridCol w="508000">
+                  <a:extLst>
+                    <a:ext uri="{9D8B030D-6E8A-4147-A177-3AD203B41FA5}">
+                      <a16:colId xmlns:a16="http://schemas.microsoft.com/office/drawing/2014/main" val="1834483143"/>
+                    </a:ext>
+                  </a:extLst>
+                </a:gridCol>
+                <a:gridCol w="508000">
+                  <a:extLst>
+                    <a:ext uri="{9D8B030D-6E8A-4147-A177-3AD203B41FA5}">
+                      <a16:colId xmlns:a16="http://schemas.microsoft.com/office/drawing/2014/main" val="3479289443"/>
+                    </a:ext>
+                  </a:extLst>
+                </a:gridCol>
+                <a:gridCol w="508000">
+                  <a:extLst>
+                    <a:ext uri="{9D8B030D-6E8A-4147-A177-3AD203B41FA5}">
+                      <a16:colId xmlns:a16="http://schemas.microsoft.com/office/drawing/2014/main" val="535103215"/>
+                    </a:ext>
+                  </a:extLst>
+                </a:gridCol>
+                <a:gridCol w="508000">
+                  <a:extLst>
+                    <a:ext uri="{9D8B030D-6E8A-4147-A177-3AD203B41FA5}">
+                      <a16:colId xmlns:a16="http://schemas.microsoft.com/office/drawing/2014/main" val="2227456157"/>
+                    </a:ext>
+                  </a:extLst>
+                </a:gridCol>
+              </a:tblGrid>
+              <a:tr h="715205">
+                <a:tc>
+                  <a:txBody>
+                    <a:bodyPr/>
+                    <a:lstStyle/>
+                    <a:p>
+                      <a:pPr algn="ctr"/>
+                      <a:r>
+                        <a:rPr lang="es-ES" sz="2000" dirty="0">
+                          <a:latin typeface="Courier New" panose="02070309020205020404" pitchFamily="49" charset="0"/>
+                          <a:cs typeface="Courier New" panose="02070309020205020404" pitchFamily="49" charset="0"/>
+                        </a:rPr>
+                        <a:t>#</a:t>
+                      </a:r>
+                      <a:endParaRPr lang="es-PR" sz="2000" dirty="0">
+                        <a:latin typeface="Courier New" panose="02070309020205020404" pitchFamily="49" charset="0"/>
+                        <a:cs typeface="Courier New" panose="02070309020205020404" pitchFamily="49" charset="0"/>
+                      </a:endParaRPr>
+                    </a:p>
+                  </a:txBody>
+                  <a:tcPr anchor="ctr"/>
+                </a:tc>
+                <a:tc>
+                  <a:txBody>
+                    <a:bodyPr/>
+                    <a:lstStyle/>
+                    <a:p>
+                      <a:pPr algn="ctr"/>
+                      <a:r>
+                        <a:rPr lang="es-ES" sz="2000" dirty="0">
+                          <a:latin typeface="Courier New" panose="02070309020205020404" pitchFamily="49" charset="0"/>
+                          <a:cs typeface="Courier New" panose="02070309020205020404" pitchFamily="49" charset="0"/>
+                        </a:rPr>
+                        <a:t>#</a:t>
+                      </a:r>
+                      <a:endParaRPr lang="es-PR" sz="2000" dirty="0">
+                        <a:latin typeface="Courier New" panose="02070309020205020404" pitchFamily="49" charset="0"/>
+                        <a:cs typeface="Courier New" panose="02070309020205020404" pitchFamily="49" charset="0"/>
+                      </a:endParaRPr>
+                    </a:p>
+                  </a:txBody>
+                  <a:tcPr anchor="ctr"/>
+                </a:tc>
+                <a:tc>
+                  <a:txBody>
+                    <a:bodyPr/>
+                    <a:lstStyle/>
+                    <a:p>
+                      <a:pPr algn="ctr"/>
+                      <a:endParaRPr lang="es-PR" sz="2000" dirty="0">
+                        <a:latin typeface="Courier New" panose="02070309020205020404" pitchFamily="49" charset="0"/>
+                        <a:cs typeface="Courier New" panose="02070309020205020404" pitchFamily="49" charset="0"/>
+                      </a:endParaRPr>
+                    </a:p>
+                  </a:txBody>
+                  <a:tcPr anchor="ctr"/>
+                </a:tc>
+                <a:tc>
+                  <a:txBody>
+                    <a:bodyPr/>
+                    <a:lstStyle/>
+                    <a:p>
+                      <a:pPr algn="ctr"/>
+                      <a:r>
+                        <a:rPr lang="es-ES" sz="2000" dirty="0">
+                          <a:latin typeface="Courier New" panose="02070309020205020404" pitchFamily="49" charset="0"/>
+                          <a:cs typeface="Courier New" panose="02070309020205020404" pitchFamily="49" charset="0"/>
+                        </a:rPr>
+                        <a:t>h</a:t>
+                      </a:r>
+                      <a:endParaRPr lang="es-PR" sz="2000" dirty="0">
+                        <a:latin typeface="Courier New" panose="02070309020205020404" pitchFamily="49" charset="0"/>
+                        <a:cs typeface="Courier New" panose="02070309020205020404" pitchFamily="49" charset="0"/>
+                      </a:endParaRPr>
+                    </a:p>
+                  </a:txBody>
+                  <a:tcPr anchor="ctr"/>
+                </a:tc>
+                <a:tc>
+                  <a:txBody>
+                    <a:bodyPr/>
+                    <a:lstStyle/>
+                    <a:p>
+                      <a:pPr algn="ctr"/>
+                      <a:r>
+                        <a:rPr lang="es-ES" sz="2000" dirty="0">
+                          <a:latin typeface="Courier New" panose="02070309020205020404" pitchFamily="49" charset="0"/>
+                          <a:cs typeface="Courier New" panose="02070309020205020404" pitchFamily="49" charset="0"/>
+                        </a:rPr>
+                        <a:t>h</a:t>
+                      </a:r>
+                      <a:endParaRPr lang="es-PR" sz="2000" dirty="0">
+                        <a:latin typeface="Courier New" panose="02070309020205020404" pitchFamily="49" charset="0"/>
+                        <a:cs typeface="Courier New" panose="02070309020205020404" pitchFamily="49" charset="0"/>
+                      </a:endParaRPr>
+                    </a:p>
+                  </a:txBody>
+                  <a:tcPr anchor="ctr"/>
+                </a:tc>
+                <a:tc>
+                  <a:txBody>
+                    <a:bodyPr/>
+                    <a:lstStyle/>
+                    <a:p>
+                      <a:pPr algn="ctr"/>
+                      <a:r>
+                        <a:rPr lang="es-ES" sz="2000" dirty="0">
+                          <a:latin typeface="Courier New" panose="02070309020205020404" pitchFamily="49" charset="0"/>
+                          <a:cs typeface="Courier New" panose="02070309020205020404" pitchFamily="49" charset="0"/>
+                        </a:rPr>
+                        <a:t>:</a:t>
+                      </a:r>
+                      <a:endParaRPr lang="es-PR" sz="2000" dirty="0">
+                        <a:latin typeface="Courier New" panose="02070309020205020404" pitchFamily="49" charset="0"/>
+                        <a:cs typeface="Courier New" panose="02070309020205020404" pitchFamily="49" charset="0"/>
+                      </a:endParaRPr>
+                    </a:p>
+                  </a:txBody>
+                  <a:tcPr anchor="ctr"/>
+                </a:tc>
+                <a:tc>
+                  <a:txBody>
+                    <a:bodyPr/>
+                    <a:lstStyle/>
+                    <a:p>
+                      <a:pPr algn="ctr"/>
+                      <a:r>
+                        <a:rPr lang="es-ES" sz="2000" dirty="0">
+                          <a:latin typeface="Courier New" panose="02070309020205020404" pitchFamily="49" charset="0"/>
+                          <a:cs typeface="Courier New" panose="02070309020205020404" pitchFamily="49" charset="0"/>
+                        </a:rPr>
+                        <a:t>m</a:t>
+                      </a:r>
+                      <a:endParaRPr lang="es-PR" sz="2000" dirty="0">
+                        <a:latin typeface="Courier New" panose="02070309020205020404" pitchFamily="49" charset="0"/>
+                        <a:cs typeface="Courier New" panose="02070309020205020404" pitchFamily="49" charset="0"/>
+                      </a:endParaRPr>
+                    </a:p>
+                  </a:txBody>
+                  <a:tcPr anchor="ctr"/>
+                </a:tc>
+                <a:tc>
+                  <a:txBody>
+                    <a:bodyPr/>
+                    <a:lstStyle/>
+                    <a:p>
+                      <a:pPr algn="ctr"/>
+                      <a:r>
+                        <a:rPr lang="es-ES" sz="2000" dirty="0">
+                          <a:latin typeface="Courier New" panose="02070309020205020404" pitchFamily="49" charset="0"/>
+                          <a:cs typeface="Courier New" panose="02070309020205020404" pitchFamily="49" charset="0"/>
+                        </a:rPr>
+                        <a:t>m</a:t>
+                      </a:r>
+                      <a:endParaRPr lang="es-PR" sz="2000" dirty="0">
+                        <a:latin typeface="Courier New" panose="02070309020205020404" pitchFamily="49" charset="0"/>
+                        <a:cs typeface="Courier New" panose="02070309020205020404" pitchFamily="49" charset="0"/>
+                      </a:endParaRPr>
+                    </a:p>
+                  </a:txBody>
+                  <a:tcPr anchor="ctr"/>
+                </a:tc>
+                <a:tc>
+                  <a:txBody>
+                    <a:bodyPr/>
+                    <a:lstStyle/>
+                    <a:p>
+                      <a:pPr algn="ctr"/>
+                      <a:endParaRPr lang="es-PR" sz="2000" dirty="0">
+                        <a:latin typeface="Courier New" panose="02070309020205020404" pitchFamily="49" charset="0"/>
+                        <a:cs typeface="Courier New" panose="02070309020205020404" pitchFamily="49" charset="0"/>
+                      </a:endParaRPr>
+                    </a:p>
+                  </a:txBody>
+                  <a:tcPr anchor="ctr"/>
+                </a:tc>
+                <a:tc>
+                  <a:txBody>
+                    <a:bodyPr/>
+                    <a:lstStyle/>
+                    <a:p>
+                      <a:pPr algn="ctr"/>
+                      <a:r>
+                        <a:rPr lang="es-ES" sz="2000" dirty="0">
+                          <a:latin typeface="Courier New" panose="02070309020205020404" pitchFamily="49" charset="0"/>
+                          <a:cs typeface="Courier New" panose="02070309020205020404" pitchFamily="49" charset="0"/>
+                        </a:rPr>
+                        <a:t>Z</a:t>
+                      </a:r>
+                      <a:endParaRPr lang="es-PR" sz="2000" dirty="0">
+                        <a:latin typeface="Courier New" panose="02070309020205020404" pitchFamily="49" charset="0"/>
+                        <a:cs typeface="Courier New" panose="02070309020205020404" pitchFamily="49" charset="0"/>
+                      </a:endParaRPr>
+                    </a:p>
+                  </a:txBody>
+                  <a:tcPr anchor="ctr"/>
+                </a:tc>
+                <a:tc>
+                  <a:txBody>
+                    <a:bodyPr/>
+                    <a:lstStyle/>
+                    <a:p>
+                      <a:pPr algn="ctr"/>
+                      <a:r>
+                        <a:rPr lang="es-ES" sz="2000" dirty="0">
+                          <a:latin typeface="Courier New" panose="02070309020205020404" pitchFamily="49" charset="0"/>
+                          <a:cs typeface="Courier New" panose="02070309020205020404" pitchFamily="49" charset="0"/>
+                        </a:rPr>
+                        <a:t>o</a:t>
+                      </a:r>
+                      <a:endParaRPr lang="es-PR" sz="2000" dirty="0">
+                        <a:latin typeface="Courier New" panose="02070309020205020404" pitchFamily="49" charset="0"/>
+                        <a:cs typeface="Courier New" panose="02070309020205020404" pitchFamily="49" charset="0"/>
+                      </a:endParaRPr>
+                    </a:p>
+                  </a:txBody>
+                  <a:tcPr anchor="ctr"/>
+                </a:tc>
+                <a:tc>
+                  <a:txBody>
+                    <a:bodyPr/>
+                    <a:lstStyle/>
+                    <a:p>
+                      <a:pPr algn="ctr"/>
+                      <a:r>
+                        <a:rPr lang="es-ES" sz="2000" dirty="0">
+                          <a:latin typeface="Courier New" panose="02070309020205020404" pitchFamily="49" charset="0"/>
+                          <a:cs typeface="Courier New" panose="02070309020205020404" pitchFamily="49" charset="0"/>
+                        </a:rPr>
+                        <a:t>n</a:t>
+                      </a:r>
+                      <a:endParaRPr lang="es-PR" sz="2000" dirty="0">
+                        <a:latin typeface="Courier New" panose="02070309020205020404" pitchFamily="49" charset="0"/>
+                        <a:cs typeface="Courier New" panose="02070309020205020404" pitchFamily="49" charset="0"/>
+                      </a:endParaRPr>
+                    </a:p>
+                  </a:txBody>
+                  <a:tcPr anchor="ctr"/>
+                </a:tc>
+                <a:tc>
+                  <a:txBody>
+                    <a:bodyPr/>
+                    <a:lstStyle/>
+                    <a:p>
+                      <a:pPr algn="ctr"/>
+                      <a:r>
+                        <a:rPr lang="es-ES" sz="2000" dirty="0">
+                          <a:latin typeface="Courier New" panose="02070309020205020404" pitchFamily="49" charset="0"/>
+                          <a:cs typeface="Courier New" panose="02070309020205020404" pitchFamily="49" charset="0"/>
+                        </a:rPr>
+                        <a:t>e</a:t>
+                      </a:r>
+                      <a:endParaRPr lang="es-PR" sz="2000" dirty="0">
+                        <a:latin typeface="Courier New" panose="02070309020205020404" pitchFamily="49" charset="0"/>
+                        <a:cs typeface="Courier New" panose="02070309020205020404" pitchFamily="49" charset="0"/>
+                      </a:endParaRPr>
+                    </a:p>
+                  </a:txBody>
+                  <a:tcPr anchor="ctr"/>
+                </a:tc>
+                <a:tc>
+                  <a:txBody>
+                    <a:bodyPr/>
+                    <a:lstStyle/>
+                    <a:p>
+                      <a:pPr algn="ctr"/>
+                      <a:r>
+                        <a:rPr lang="es-ES" sz="2000" dirty="0">
+                          <a:latin typeface="Courier New" panose="02070309020205020404" pitchFamily="49" charset="0"/>
+                          <a:cs typeface="Courier New" panose="02070309020205020404" pitchFamily="49" charset="0"/>
+                        </a:rPr>
+                        <a:t>#</a:t>
+                      </a:r>
+                      <a:endParaRPr lang="es-PR" sz="2000" dirty="0">
+                        <a:latin typeface="Courier New" panose="02070309020205020404" pitchFamily="49" charset="0"/>
+                        <a:cs typeface="Courier New" panose="02070309020205020404" pitchFamily="49" charset="0"/>
+                      </a:endParaRPr>
+                    </a:p>
+                  </a:txBody>
+                  <a:tcPr anchor="ctr"/>
+                </a:tc>
+                <a:tc>
+                  <a:txBody>
+                    <a:bodyPr/>
+                    <a:lstStyle/>
+                    <a:p>
+                      <a:pPr algn="ctr"/>
+                      <a:r>
+                        <a:rPr lang="es-ES" sz="2000" dirty="0">
+                          <a:latin typeface="Courier New" panose="02070309020205020404" pitchFamily="49" charset="0"/>
+                          <a:cs typeface="Courier New" panose="02070309020205020404" pitchFamily="49" charset="0"/>
+                        </a:rPr>
+                        <a:t>&lt;</a:t>
+                      </a:r>
+                      <a:endParaRPr lang="es-PR" sz="2000" dirty="0">
+                        <a:latin typeface="Courier New" panose="02070309020205020404" pitchFamily="49" charset="0"/>
+                        <a:cs typeface="Courier New" panose="02070309020205020404" pitchFamily="49" charset="0"/>
+                      </a:endParaRPr>
+                    </a:p>
+                  </a:txBody>
+                  <a:tcPr anchor="ctr"/>
+                </a:tc>
+                <a:tc>
+                  <a:txBody>
+                    <a:bodyPr/>
+                    <a:lstStyle/>
+                    <a:p>
+                      <a:pPr algn="ctr"/>
+                      <a:r>
+                        <a:rPr lang="es-ES" sz="2000" dirty="0">
+                          <a:latin typeface="Courier New" panose="02070309020205020404" pitchFamily="49" charset="0"/>
+                          <a:cs typeface="Courier New" panose="02070309020205020404" pitchFamily="49" charset="0"/>
+                        </a:rPr>
+                        <a:t>&gt;</a:t>
+                      </a:r>
+                      <a:endParaRPr lang="es-PR" sz="2000" dirty="0">
+                        <a:latin typeface="Courier New" panose="02070309020205020404" pitchFamily="49" charset="0"/>
+                        <a:cs typeface="Courier New" panose="02070309020205020404" pitchFamily="49" charset="0"/>
+                      </a:endParaRPr>
+                    </a:p>
+                  </a:txBody>
+                  <a:tcPr anchor="ctr"/>
+                </a:tc>
+                <a:extLst>
+                  <a:ext uri="{0D108BD9-81ED-4DB2-BD59-A6C34878D82A}">
+                    <a16:rowId xmlns:a16="http://schemas.microsoft.com/office/drawing/2014/main" val="2506798063"/>
+                  </a:ext>
+                </a:extLst>
+              </a:tr>
+              <a:tr h="715205">
+                <a:tc>
+                  <a:txBody>
+                    <a:bodyPr/>
+                    <a:lstStyle/>
+                    <a:p>
+                      <a:pPr algn="ctr"/>
+                      <a:r>
+                        <a:rPr lang="es-ES" sz="2000" dirty="0">
+                          <a:latin typeface="Courier New" panose="02070309020205020404" pitchFamily="49" charset="0"/>
+                          <a:cs typeface="Courier New" panose="02070309020205020404" pitchFamily="49" charset="0"/>
+                        </a:rPr>
+                        <a:t>d</a:t>
+                      </a:r>
+                      <a:endParaRPr lang="es-PR" sz="2000" dirty="0">
+                        <a:latin typeface="Courier New" panose="02070309020205020404" pitchFamily="49" charset="0"/>
+                        <a:cs typeface="Courier New" panose="02070309020205020404" pitchFamily="49" charset="0"/>
+                      </a:endParaRPr>
+                    </a:p>
+                  </a:txBody>
+                  <a:tcPr anchor="ctr"/>
+                </a:tc>
+                <a:tc>
+                  <a:txBody>
+                    <a:bodyPr/>
+                    <a:lstStyle/>
+                    <a:p>
+                      <a:pPr algn="ctr"/>
+                      <a:r>
+                        <a:rPr lang="es-ES" sz="2000" dirty="0">
+                          <a:latin typeface="Courier New" panose="02070309020205020404" pitchFamily="49" charset="0"/>
+                          <a:cs typeface="Courier New" panose="02070309020205020404" pitchFamily="49" charset="0"/>
+                        </a:rPr>
+                        <a:t>d</a:t>
+                      </a:r>
+                      <a:endParaRPr lang="es-PR" sz="2000" dirty="0">
+                        <a:latin typeface="Courier New" panose="02070309020205020404" pitchFamily="49" charset="0"/>
+                        <a:cs typeface="Courier New" panose="02070309020205020404" pitchFamily="49" charset="0"/>
+                      </a:endParaRPr>
+                    </a:p>
+                  </a:txBody>
+                  <a:tcPr anchor="ctr"/>
+                </a:tc>
+                <a:tc>
+                  <a:txBody>
+                    <a:bodyPr/>
+                    <a:lstStyle/>
+                    <a:p>
+                      <a:pPr algn="ctr"/>
+                      <a:r>
+                        <a:rPr lang="es-ES" sz="2000" dirty="0">
+                          <a:latin typeface="Courier New" panose="02070309020205020404" pitchFamily="49" charset="0"/>
+                          <a:cs typeface="Courier New" panose="02070309020205020404" pitchFamily="49" charset="0"/>
+                        </a:rPr>
+                        <a:t>/</a:t>
+                      </a:r>
+                      <a:endParaRPr lang="es-PR" sz="2000" dirty="0">
+                        <a:latin typeface="Courier New" panose="02070309020205020404" pitchFamily="49" charset="0"/>
+                        <a:cs typeface="Courier New" panose="02070309020205020404" pitchFamily="49" charset="0"/>
+                      </a:endParaRPr>
+                    </a:p>
+                  </a:txBody>
+                  <a:tcPr anchor="ctr"/>
+                </a:tc>
+                <a:tc>
+                  <a:txBody>
+                    <a:bodyPr/>
+                    <a:lstStyle/>
+                    <a:p>
+                      <a:pPr algn="ctr"/>
+                      <a:r>
+                        <a:rPr lang="es-ES" sz="2000" dirty="0">
+                          <a:latin typeface="Courier New" panose="02070309020205020404" pitchFamily="49" charset="0"/>
+                          <a:cs typeface="Courier New" panose="02070309020205020404" pitchFamily="49" charset="0"/>
+                        </a:rPr>
+                        <a:t>m</a:t>
+                      </a:r>
+                      <a:endParaRPr lang="es-PR" sz="2000" dirty="0">
+                        <a:latin typeface="Courier New" panose="02070309020205020404" pitchFamily="49" charset="0"/>
+                        <a:cs typeface="Courier New" panose="02070309020205020404" pitchFamily="49" charset="0"/>
+                      </a:endParaRPr>
+                    </a:p>
+                  </a:txBody>
+                  <a:tcPr anchor="ctr"/>
+                </a:tc>
+                <a:tc>
+                  <a:txBody>
+                    <a:bodyPr/>
+                    <a:lstStyle/>
+                    <a:p>
+                      <a:pPr algn="ctr"/>
+                      <a:r>
+                        <a:rPr lang="es-ES" sz="2000" dirty="0">
+                          <a:latin typeface="Courier New" panose="02070309020205020404" pitchFamily="49" charset="0"/>
+                          <a:cs typeface="Courier New" panose="02070309020205020404" pitchFamily="49" charset="0"/>
+                        </a:rPr>
+                        <a:t>m</a:t>
+                      </a:r>
+                      <a:endParaRPr lang="es-PR" sz="2000" dirty="0">
+                        <a:latin typeface="Courier New" panose="02070309020205020404" pitchFamily="49" charset="0"/>
+                        <a:cs typeface="Courier New" panose="02070309020205020404" pitchFamily="49" charset="0"/>
+                      </a:endParaRPr>
+                    </a:p>
+                  </a:txBody>
+                  <a:tcPr anchor="ctr"/>
+                </a:tc>
+                <a:tc>
+                  <a:txBody>
+                    <a:bodyPr/>
+                    <a:lstStyle/>
+                    <a:p>
+                      <a:pPr algn="ctr"/>
+                      <a:r>
+                        <a:rPr lang="es-ES" sz="2000" dirty="0">
+                          <a:latin typeface="Courier New" panose="02070309020205020404" pitchFamily="49" charset="0"/>
+                          <a:cs typeface="Courier New" panose="02070309020205020404" pitchFamily="49" charset="0"/>
+                        </a:rPr>
+                        <a:t>/</a:t>
+                      </a:r>
+                      <a:endParaRPr lang="es-PR" sz="2000" dirty="0">
+                        <a:latin typeface="Courier New" panose="02070309020205020404" pitchFamily="49" charset="0"/>
+                        <a:cs typeface="Courier New" panose="02070309020205020404" pitchFamily="49" charset="0"/>
+                      </a:endParaRPr>
+                    </a:p>
+                  </a:txBody>
+                  <a:tcPr anchor="ctr"/>
+                </a:tc>
+                <a:tc>
+                  <a:txBody>
+                    <a:bodyPr/>
+                    <a:lstStyle/>
+                    <a:p>
+                      <a:pPr algn="ctr"/>
+                      <a:r>
+                        <a:rPr lang="es-ES" sz="2000" dirty="0">
+                          <a:latin typeface="Courier New" panose="02070309020205020404" pitchFamily="49" charset="0"/>
+                          <a:cs typeface="Courier New" panose="02070309020205020404" pitchFamily="49" charset="0"/>
+                        </a:rPr>
+                        <a:t>a</a:t>
+                      </a:r>
+                      <a:endParaRPr lang="es-PR" sz="2000" dirty="0">
+                        <a:latin typeface="Courier New" panose="02070309020205020404" pitchFamily="49" charset="0"/>
+                        <a:cs typeface="Courier New" panose="02070309020205020404" pitchFamily="49" charset="0"/>
+                      </a:endParaRPr>
+                    </a:p>
+                  </a:txBody>
+                  <a:tcPr anchor="ctr"/>
+                </a:tc>
+                <a:tc>
+                  <a:txBody>
+                    <a:bodyPr/>
+                    <a:lstStyle/>
+                    <a:p>
+                      <a:pPr algn="ctr"/>
+                      <a:r>
+                        <a:rPr lang="es-ES" sz="2000" dirty="0">
+                          <a:latin typeface="Courier New" panose="02070309020205020404" pitchFamily="49" charset="0"/>
+                          <a:cs typeface="Courier New" panose="02070309020205020404" pitchFamily="49" charset="0"/>
+                        </a:rPr>
+                        <a:t>a</a:t>
+                      </a:r>
+                      <a:endParaRPr lang="es-PR" sz="2000" dirty="0">
+                        <a:latin typeface="Courier New" panose="02070309020205020404" pitchFamily="49" charset="0"/>
+                        <a:cs typeface="Courier New" panose="02070309020205020404" pitchFamily="49" charset="0"/>
+                      </a:endParaRPr>
+                    </a:p>
+                  </a:txBody>
+                  <a:tcPr anchor="ctr"/>
+                </a:tc>
+                <a:tc>
+                  <a:txBody>
+                    <a:bodyPr/>
+                    <a:lstStyle/>
+                    <a:p>
+                      <a:pPr algn="ctr"/>
+                      <a:endParaRPr lang="es-PR" sz="2000" dirty="0">
+                        <a:latin typeface="Courier New" panose="02070309020205020404" pitchFamily="49" charset="0"/>
+                        <a:cs typeface="Courier New" panose="02070309020205020404" pitchFamily="49" charset="0"/>
+                      </a:endParaRPr>
+                    </a:p>
+                  </a:txBody>
+                  <a:tcPr anchor="ctr"/>
+                </a:tc>
+                <a:tc>
+                  <a:txBody>
+                    <a:bodyPr/>
+                    <a:lstStyle/>
+                    <a:p>
+                      <a:pPr algn="ctr"/>
+                      <a:r>
+                        <a:rPr lang="es-ES" sz="2000" dirty="0">
+                          <a:latin typeface="Courier New" panose="02070309020205020404" pitchFamily="49" charset="0"/>
+                          <a:cs typeface="Courier New" panose="02070309020205020404" pitchFamily="49" charset="0"/>
+                        </a:rPr>
+                        <a:t>F</a:t>
+                      </a:r>
+                      <a:endParaRPr lang="es-PR" sz="2000" dirty="0">
+                        <a:latin typeface="Courier New" panose="02070309020205020404" pitchFamily="49" charset="0"/>
+                        <a:cs typeface="Courier New" panose="02070309020205020404" pitchFamily="49" charset="0"/>
+                      </a:endParaRPr>
+                    </a:p>
+                  </a:txBody>
+                  <a:tcPr anchor="ctr"/>
+                </a:tc>
+                <a:tc>
+                  <a:txBody>
+                    <a:bodyPr/>
+                    <a:lstStyle/>
+                    <a:p>
+                      <a:pPr algn="ctr"/>
+                      <a:r>
+                        <a:rPr lang="es-ES" sz="2000" dirty="0">
+                          <a:latin typeface="Courier New" panose="02070309020205020404" pitchFamily="49" charset="0"/>
+                          <a:cs typeface="Courier New" panose="02070309020205020404" pitchFamily="49" charset="0"/>
+                        </a:rPr>
+                        <a:t>i</a:t>
+                      </a:r>
+                      <a:endParaRPr lang="es-PR" sz="2000" dirty="0">
+                        <a:latin typeface="Courier New" panose="02070309020205020404" pitchFamily="49" charset="0"/>
+                        <a:cs typeface="Courier New" panose="02070309020205020404" pitchFamily="49" charset="0"/>
+                      </a:endParaRPr>
+                    </a:p>
+                  </a:txBody>
+                  <a:tcPr anchor="ctr"/>
+                </a:tc>
+                <a:tc>
+                  <a:txBody>
+                    <a:bodyPr/>
+                    <a:lstStyle/>
+                    <a:p>
+                      <a:pPr algn="ctr"/>
+                      <a:r>
+                        <a:rPr lang="es-ES" sz="2000" dirty="0">
+                          <a:latin typeface="Courier New" panose="02070309020205020404" pitchFamily="49" charset="0"/>
+                          <a:cs typeface="Courier New" panose="02070309020205020404" pitchFamily="49" charset="0"/>
+                        </a:rPr>
+                        <a:t>r</a:t>
+                      </a:r>
+                      <a:endParaRPr lang="es-PR" sz="2000" dirty="0">
+                        <a:latin typeface="Courier New" panose="02070309020205020404" pitchFamily="49" charset="0"/>
+                        <a:cs typeface="Courier New" panose="02070309020205020404" pitchFamily="49" charset="0"/>
+                      </a:endParaRPr>
+                    </a:p>
+                  </a:txBody>
+                  <a:tcPr anchor="ctr"/>
+                </a:tc>
+                <a:tc>
+                  <a:txBody>
+                    <a:bodyPr/>
+                    <a:lstStyle/>
+                    <a:p>
+                      <a:pPr algn="ctr"/>
+                      <a:r>
+                        <a:rPr lang="es-ES" sz="2000" dirty="0">
+                          <a:latin typeface="Courier New" panose="02070309020205020404" pitchFamily="49" charset="0"/>
+                          <a:cs typeface="Courier New" panose="02070309020205020404" pitchFamily="49" charset="0"/>
+                        </a:rPr>
+                        <a:t>e</a:t>
+                      </a:r>
+                      <a:endParaRPr lang="es-PR" sz="2000" dirty="0">
+                        <a:latin typeface="Courier New" panose="02070309020205020404" pitchFamily="49" charset="0"/>
+                        <a:cs typeface="Courier New" panose="02070309020205020404" pitchFamily="49" charset="0"/>
+                      </a:endParaRPr>
+                    </a:p>
+                  </a:txBody>
+                  <a:tcPr anchor="ctr"/>
+                </a:tc>
+                <a:tc>
+                  <a:txBody>
+                    <a:bodyPr/>
+                    <a:lstStyle/>
+                    <a:p>
+                      <a:pPr algn="ctr"/>
+                      <a:endParaRPr lang="es-PR" sz="2000" dirty="0">
+                        <a:latin typeface="Courier New" panose="02070309020205020404" pitchFamily="49" charset="0"/>
+                        <a:cs typeface="Courier New" panose="02070309020205020404" pitchFamily="49" charset="0"/>
+                      </a:endParaRPr>
+                    </a:p>
+                  </a:txBody>
+                  <a:tcPr anchor="ctr"/>
+                </a:tc>
+                <a:tc>
+                  <a:txBody>
+                    <a:bodyPr/>
+                    <a:lstStyle/>
+                    <a:p>
+                      <a:pPr algn="ctr"/>
+                      <a:endParaRPr lang="es-PR" sz="2000" dirty="0">
+                        <a:latin typeface="Courier New" panose="02070309020205020404" pitchFamily="49" charset="0"/>
+                        <a:cs typeface="Courier New" panose="02070309020205020404" pitchFamily="49" charset="0"/>
+                      </a:endParaRPr>
+                    </a:p>
+                  </a:txBody>
+                  <a:tcPr anchor="ctr"/>
+                </a:tc>
+                <a:tc>
+                  <a:txBody>
+                    <a:bodyPr/>
+                    <a:lstStyle/>
+                    <a:p>
+                      <a:pPr algn="ctr"/>
+                      <a:endParaRPr lang="es-PR" sz="2000" dirty="0">
+                        <a:latin typeface="Courier New" panose="02070309020205020404" pitchFamily="49" charset="0"/>
+                        <a:cs typeface="Courier New" panose="02070309020205020404" pitchFamily="49" charset="0"/>
+                      </a:endParaRPr>
+                    </a:p>
+                  </a:txBody>
+                  <a:tcPr anchor="ctr"/>
+                </a:tc>
+                <a:extLst>
+                  <a:ext uri="{0D108BD9-81ED-4DB2-BD59-A6C34878D82A}">
+                    <a16:rowId xmlns:a16="http://schemas.microsoft.com/office/drawing/2014/main" val="3757960208"/>
+                  </a:ext>
+                </a:extLst>
+              </a:tr>
+            </a:tbl>
+          </a:graphicData>
+        </a:graphic>
+      </p:graphicFrame>
       <p:sp>
         <p:nvSpPr>
-          <p:cNvPr id="3" name="Title 2">
+          <p:cNvPr id="7" name="Title 6">
             <a:extLst>
               <a:ext uri="{FF2B5EF4-FFF2-40B4-BE49-F238E27FC236}">
-                <a16:creationId xmlns:a16="http://schemas.microsoft.com/office/drawing/2014/main" id="{5D120464-ABA9-40F6-97D7-055CAE2B1E37}"/>
+                <a16:creationId xmlns:a16="http://schemas.microsoft.com/office/drawing/2014/main" id="{1D212DBD-91C2-4DD2-9C51-7D6FE88258FC}"/>
               </a:ext>
             </a:extLst>
           </p:cNvPr>
@@ -12110,47 +12905,16 @@
           <a:p>
             <a:r>
               <a:rPr lang="es-ES" dirty="0"/>
-              <a:t>Jerarquía de menús</a:t>
+              <a:t>Historial de alarma</a:t>
             </a:r>
             <a:endParaRPr lang="es-PR" dirty="0"/>
           </a:p>
         </p:txBody>
       </p:sp>
-      <p:graphicFrame>
-        <p:nvGraphicFramePr>
-          <p:cNvPr id="2" name="Content Placeholder 1">
-            <a:extLst>
-              <a:ext uri="{FF2B5EF4-FFF2-40B4-BE49-F238E27FC236}">
-                <a16:creationId xmlns:a16="http://schemas.microsoft.com/office/drawing/2014/main" id="{27ECF348-4077-4BF5-A4C3-3DC6F0897C12}"/>
-              </a:ext>
-            </a:extLst>
-          </p:cNvPr>
-          <p:cNvGraphicFramePr>
-            <a:graphicFrameLocks noGrp="1"/>
-          </p:cNvGraphicFramePr>
-          <p:nvPr>
-            <p:ph idx="1"/>
-            <p:extLst>
-              <p:ext uri="{D42A27DB-BD31-4B8C-83A1-F6EECF244321}">
-                <p14:modId xmlns:p14="http://schemas.microsoft.com/office/powerpoint/2010/main" val="2836404790"/>
-              </p:ext>
-            </p:extLst>
-          </p:nvPr>
-        </p:nvGraphicFramePr>
-        <p:xfrm>
-          <a:off x="838200" y="1253331"/>
-          <a:ext cx="10515600" cy="4351338"/>
-        </p:xfrm>
-        <a:graphic>
-          <a:graphicData uri="http://schemas.openxmlformats.org/drawingml/2006/diagram">
-            <dgm:relIds xmlns:dgm="http://schemas.openxmlformats.org/drawingml/2006/diagram" xmlns:r="http://schemas.openxmlformats.org/officeDocument/2006/relationships" r:dm="rId2" r:lo="rId3" r:qs="rId4" r:cs="rId5"/>
-          </a:graphicData>
-        </a:graphic>
-      </p:graphicFrame>
     </p:spTree>
     <p:extLst>
       <p:ext uri="{BB962C8B-B14F-4D97-AF65-F5344CB8AC3E}">
-        <p14:creationId xmlns:p14="http://schemas.microsoft.com/office/powerpoint/2010/main" val="91377766"/>
+        <p14:creationId xmlns:p14="http://schemas.microsoft.com/office/powerpoint/2010/main" val="74351750"/>
       </p:ext>
     </p:extLst>
   </p:cSld>
@@ -12177,42 +12941,819 @@
           <a:chExt cx="0" cy="0"/>
         </a:xfrm>
       </p:grpSpPr>
-      <p:pic>
-        <p:nvPicPr>
-          <p:cNvPr id="5" name="Picture 4">
+      <p:graphicFrame>
+        <p:nvGraphicFramePr>
+          <p:cNvPr id="5" name="Table 5">
             <a:extLst>
               <a:ext uri="{FF2B5EF4-FFF2-40B4-BE49-F238E27FC236}">
-                <a16:creationId xmlns:a16="http://schemas.microsoft.com/office/drawing/2014/main" id="{BED8580C-105B-4AAE-9200-8EDCD2AF02C0}"/>
+                <a16:creationId xmlns:a16="http://schemas.microsoft.com/office/drawing/2014/main" id="{93269089-5275-4487-BD61-58BE4C7658F4}"/>
               </a:ext>
             </a:extLst>
           </p:cNvPr>
-          <p:cNvPicPr>
-            <a:picLocks noChangeAspect="1"/>
-          </p:cNvPicPr>
+          <p:cNvGraphicFramePr>
+            <a:graphicFrameLocks noGrp="1"/>
+          </p:cNvGraphicFramePr>
           <p:nvPr/>
-        </p:nvPicPr>
-        <p:blipFill>
-          <a:blip r:embed="rId2"/>
-          <a:stretch>
-            <a:fillRect/>
-          </a:stretch>
-        </p:blipFill>
-        <p:spPr>
-          <a:xfrm>
-            <a:off x="5288693" y="2223524"/>
-            <a:ext cx="2158314" cy="4262670"/>
-          </a:xfrm>
-          <a:prstGeom prst="rect">
-            <a:avLst/>
-          </a:prstGeom>
-        </p:spPr>
-      </p:pic>
+        </p:nvGraphicFramePr>
+        <p:xfrm>
+          <a:off x="2032000" y="2606136"/>
+          <a:ext cx="8128000" cy="1430410"/>
+        </p:xfrm>
+        <a:graphic>
+          <a:graphicData uri="http://schemas.openxmlformats.org/drawingml/2006/table">
+            <a:tbl>
+              <a:tblPr firstRow="1" bandRow="1">
+                <a:tableStyleId>{5940675A-B579-460E-94D1-54222C63F5DA}</a:tableStyleId>
+              </a:tblPr>
+              <a:tblGrid>
+                <a:gridCol w="505254">
+                  <a:extLst>
+                    <a:ext uri="{9D8B030D-6E8A-4147-A177-3AD203B41FA5}">
+                      <a16:colId xmlns:a16="http://schemas.microsoft.com/office/drawing/2014/main" val="4149478534"/>
+                    </a:ext>
+                  </a:extLst>
+                </a:gridCol>
+                <a:gridCol w="510746">
+                  <a:extLst>
+                    <a:ext uri="{9D8B030D-6E8A-4147-A177-3AD203B41FA5}">
+                      <a16:colId xmlns:a16="http://schemas.microsoft.com/office/drawing/2014/main" val="1730779139"/>
+                    </a:ext>
+                  </a:extLst>
+                </a:gridCol>
+                <a:gridCol w="508000">
+                  <a:extLst>
+                    <a:ext uri="{9D8B030D-6E8A-4147-A177-3AD203B41FA5}">
+                      <a16:colId xmlns:a16="http://schemas.microsoft.com/office/drawing/2014/main" val="959166855"/>
+                    </a:ext>
+                  </a:extLst>
+                </a:gridCol>
+                <a:gridCol w="508000">
+                  <a:extLst>
+                    <a:ext uri="{9D8B030D-6E8A-4147-A177-3AD203B41FA5}">
+                      <a16:colId xmlns:a16="http://schemas.microsoft.com/office/drawing/2014/main" val="439473677"/>
+                    </a:ext>
+                  </a:extLst>
+                </a:gridCol>
+                <a:gridCol w="508000">
+                  <a:extLst>
+                    <a:ext uri="{9D8B030D-6E8A-4147-A177-3AD203B41FA5}">
+                      <a16:colId xmlns:a16="http://schemas.microsoft.com/office/drawing/2014/main" val="3679715362"/>
+                    </a:ext>
+                  </a:extLst>
+                </a:gridCol>
+                <a:gridCol w="508000">
+                  <a:extLst>
+                    <a:ext uri="{9D8B030D-6E8A-4147-A177-3AD203B41FA5}">
+                      <a16:colId xmlns:a16="http://schemas.microsoft.com/office/drawing/2014/main" val="1324916663"/>
+                    </a:ext>
+                  </a:extLst>
+                </a:gridCol>
+                <a:gridCol w="508000">
+                  <a:extLst>
+                    <a:ext uri="{9D8B030D-6E8A-4147-A177-3AD203B41FA5}">
+                      <a16:colId xmlns:a16="http://schemas.microsoft.com/office/drawing/2014/main" val="249882717"/>
+                    </a:ext>
+                  </a:extLst>
+                </a:gridCol>
+                <a:gridCol w="508000">
+                  <a:extLst>
+                    <a:ext uri="{9D8B030D-6E8A-4147-A177-3AD203B41FA5}">
+                      <a16:colId xmlns:a16="http://schemas.microsoft.com/office/drawing/2014/main" val="4252813745"/>
+                    </a:ext>
+                  </a:extLst>
+                </a:gridCol>
+                <a:gridCol w="508000">
+                  <a:extLst>
+                    <a:ext uri="{9D8B030D-6E8A-4147-A177-3AD203B41FA5}">
+                      <a16:colId xmlns:a16="http://schemas.microsoft.com/office/drawing/2014/main" val="3598302736"/>
+                    </a:ext>
+                  </a:extLst>
+                </a:gridCol>
+                <a:gridCol w="508000">
+                  <a:extLst>
+                    <a:ext uri="{9D8B030D-6E8A-4147-A177-3AD203B41FA5}">
+                      <a16:colId xmlns:a16="http://schemas.microsoft.com/office/drawing/2014/main" val="3007735781"/>
+                    </a:ext>
+                  </a:extLst>
+                </a:gridCol>
+                <a:gridCol w="508000">
+                  <a:extLst>
+                    <a:ext uri="{9D8B030D-6E8A-4147-A177-3AD203B41FA5}">
+                      <a16:colId xmlns:a16="http://schemas.microsoft.com/office/drawing/2014/main" val="1076296587"/>
+                    </a:ext>
+                  </a:extLst>
+                </a:gridCol>
+                <a:gridCol w="508000">
+                  <a:extLst>
+                    <a:ext uri="{9D8B030D-6E8A-4147-A177-3AD203B41FA5}">
+                      <a16:colId xmlns:a16="http://schemas.microsoft.com/office/drawing/2014/main" val="785184459"/>
+                    </a:ext>
+                  </a:extLst>
+                </a:gridCol>
+                <a:gridCol w="508000">
+                  <a:extLst>
+                    <a:ext uri="{9D8B030D-6E8A-4147-A177-3AD203B41FA5}">
+                      <a16:colId xmlns:a16="http://schemas.microsoft.com/office/drawing/2014/main" val="1834483143"/>
+                    </a:ext>
+                  </a:extLst>
+                </a:gridCol>
+                <a:gridCol w="508000">
+                  <a:extLst>
+                    <a:ext uri="{9D8B030D-6E8A-4147-A177-3AD203B41FA5}">
+                      <a16:colId xmlns:a16="http://schemas.microsoft.com/office/drawing/2014/main" val="3479289443"/>
+                    </a:ext>
+                  </a:extLst>
+                </a:gridCol>
+                <a:gridCol w="508000">
+                  <a:extLst>
+                    <a:ext uri="{9D8B030D-6E8A-4147-A177-3AD203B41FA5}">
+                      <a16:colId xmlns:a16="http://schemas.microsoft.com/office/drawing/2014/main" val="535103215"/>
+                    </a:ext>
+                  </a:extLst>
+                </a:gridCol>
+                <a:gridCol w="508000">
+                  <a:extLst>
+                    <a:ext uri="{9D8B030D-6E8A-4147-A177-3AD203B41FA5}">
+                      <a16:colId xmlns:a16="http://schemas.microsoft.com/office/drawing/2014/main" val="2227456157"/>
+                    </a:ext>
+                  </a:extLst>
+                </a:gridCol>
+              </a:tblGrid>
+              <a:tr h="715205">
+                <a:tc>
+                  <a:txBody>
+                    <a:bodyPr/>
+                    <a:lstStyle/>
+                    <a:p>
+                      <a:pPr algn="ctr"/>
+                      <a:r>
+                        <a:rPr lang="es-ES" sz="2000" dirty="0">
+                          <a:latin typeface="Courier New" panose="02070309020205020404" pitchFamily="49" charset="0"/>
+                          <a:cs typeface="Courier New" panose="02070309020205020404" pitchFamily="49" charset="0"/>
+                        </a:rPr>
+                        <a:t>#</a:t>
+                      </a:r>
+                      <a:endParaRPr lang="es-PR" sz="2000" dirty="0">
+                        <a:latin typeface="Courier New" panose="02070309020205020404" pitchFamily="49" charset="0"/>
+                        <a:cs typeface="Courier New" panose="02070309020205020404" pitchFamily="49" charset="0"/>
+                      </a:endParaRPr>
+                    </a:p>
+                  </a:txBody>
+                  <a:tcPr anchor="ctr"/>
+                </a:tc>
+                <a:tc>
+                  <a:txBody>
+                    <a:bodyPr/>
+                    <a:lstStyle/>
+                    <a:p>
+                      <a:pPr algn="ctr"/>
+                      <a:r>
+                        <a:rPr lang="es-ES" sz="2000" dirty="0">
+                          <a:latin typeface="Courier New" panose="02070309020205020404" pitchFamily="49" charset="0"/>
+                          <a:cs typeface="Courier New" panose="02070309020205020404" pitchFamily="49" charset="0"/>
+                        </a:rPr>
+                        <a:t>#</a:t>
+                      </a:r>
+                      <a:endParaRPr lang="es-PR" sz="2000" dirty="0">
+                        <a:latin typeface="Courier New" panose="02070309020205020404" pitchFamily="49" charset="0"/>
+                        <a:cs typeface="Courier New" panose="02070309020205020404" pitchFamily="49" charset="0"/>
+                      </a:endParaRPr>
+                    </a:p>
+                  </a:txBody>
+                  <a:tcPr anchor="ctr"/>
+                </a:tc>
+                <a:tc>
+                  <a:txBody>
+                    <a:bodyPr/>
+                    <a:lstStyle/>
+                    <a:p>
+                      <a:pPr algn="ctr"/>
+                      <a:endParaRPr lang="es-PR" sz="2000" dirty="0">
+                        <a:latin typeface="Courier New" panose="02070309020205020404" pitchFamily="49" charset="0"/>
+                        <a:cs typeface="Courier New" panose="02070309020205020404" pitchFamily="49" charset="0"/>
+                      </a:endParaRPr>
+                    </a:p>
+                  </a:txBody>
+                  <a:tcPr anchor="ctr"/>
+                </a:tc>
+                <a:tc>
+                  <a:txBody>
+                    <a:bodyPr/>
+                    <a:lstStyle/>
+                    <a:p>
+                      <a:pPr algn="ctr"/>
+                      <a:r>
+                        <a:rPr lang="es-ES" sz="2000" dirty="0">
+                          <a:latin typeface="Courier New" panose="02070309020205020404" pitchFamily="49" charset="0"/>
+                          <a:cs typeface="Courier New" panose="02070309020205020404" pitchFamily="49" charset="0"/>
+                        </a:rPr>
+                        <a:t>h</a:t>
+                      </a:r>
+                      <a:endParaRPr lang="es-PR" sz="2000" dirty="0">
+                        <a:latin typeface="Courier New" panose="02070309020205020404" pitchFamily="49" charset="0"/>
+                        <a:cs typeface="Courier New" panose="02070309020205020404" pitchFamily="49" charset="0"/>
+                      </a:endParaRPr>
+                    </a:p>
+                  </a:txBody>
+                  <a:tcPr anchor="ctr"/>
+                </a:tc>
+                <a:tc>
+                  <a:txBody>
+                    <a:bodyPr/>
+                    <a:lstStyle/>
+                    <a:p>
+                      <a:pPr algn="ctr"/>
+                      <a:r>
+                        <a:rPr lang="es-ES" sz="2000" dirty="0">
+                          <a:latin typeface="Courier New" panose="02070309020205020404" pitchFamily="49" charset="0"/>
+                          <a:cs typeface="Courier New" panose="02070309020205020404" pitchFamily="49" charset="0"/>
+                        </a:rPr>
+                        <a:t>h</a:t>
+                      </a:r>
+                      <a:endParaRPr lang="es-PR" sz="2000" dirty="0">
+                        <a:latin typeface="Courier New" panose="02070309020205020404" pitchFamily="49" charset="0"/>
+                        <a:cs typeface="Courier New" panose="02070309020205020404" pitchFamily="49" charset="0"/>
+                      </a:endParaRPr>
+                    </a:p>
+                  </a:txBody>
+                  <a:tcPr anchor="ctr"/>
+                </a:tc>
+                <a:tc>
+                  <a:txBody>
+                    <a:bodyPr/>
+                    <a:lstStyle/>
+                    <a:p>
+                      <a:pPr algn="ctr"/>
+                      <a:r>
+                        <a:rPr lang="es-ES" sz="2000" dirty="0">
+                          <a:latin typeface="Courier New" panose="02070309020205020404" pitchFamily="49" charset="0"/>
+                          <a:cs typeface="Courier New" panose="02070309020205020404" pitchFamily="49" charset="0"/>
+                        </a:rPr>
+                        <a:t>:</a:t>
+                      </a:r>
+                      <a:endParaRPr lang="es-PR" sz="2000" dirty="0">
+                        <a:latin typeface="Courier New" panose="02070309020205020404" pitchFamily="49" charset="0"/>
+                        <a:cs typeface="Courier New" panose="02070309020205020404" pitchFamily="49" charset="0"/>
+                      </a:endParaRPr>
+                    </a:p>
+                  </a:txBody>
+                  <a:tcPr anchor="ctr"/>
+                </a:tc>
+                <a:tc>
+                  <a:txBody>
+                    <a:bodyPr/>
+                    <a:lstStyle/>
+                    <a:p>
+                      <a:pPr algn="ctr"/>
+                      <a:r>
+                        <a:rPr lang="es-ES" sz="2000" dirty="0">
+                          <a:latin typeface="Courier New" panose="02070309020205020404" pitchFamily="49" charset="0"/>
+                          <a:cs typeface="Courier New" panose="02070309020205020404" pitchFamily="49" charset="0"/>
+                        </a:rPr>
+                        <a:t>m</a:t>
+                      </a:r>
+                      <a:endParaRPr lang="es-PR" sz="2000" dirty="0">
+                        <a:latin typeface="Courier New" panose="02070309020205020404" pitchFamily="49" charset="0"/>
+                        <a:cs typeface="Courier New" panose="02070309020205020404" pitchFamily="49" charset="0"/>
+                      </a:endParaRPr>
+                    </a:p>
+                  </a:txBody>
+                  <a:tcPr anchor="ctr"/>
+                </a:tc>
+                <a:tc>
+                  <a:txBody>
+                    <a:bodyPr/>
+                    <a:lstStyle/>
+                    <a:p>
+                      <a:pPr algn="ctr"/>
+                      <a:r>
+                        <a:rPr lang="es-ES" sz="2000" dirty="0">
+                          <a:latin typeface="Courier New" panose="02070309020205020404" pitchFamily="49" charset="0"/>
+                          <a:cs typeface="Courier New" panose="02070309020205020404" pitchFamily="49" charset="0"/>
+                        </a:rPr>
+                        <a:t>m</a:t>
+                      </a:r>
+                      <a:endParaRPr lang="es-PR" sz="2000" dirty="0">
+                        <a:latin typeface="Courier New" panose="02070309020205020404" pitchFamily="49" charset="0"/>
+                        <a:cs typeface="Courier New" panose="02070309020205020404" pitchFamily="49" charset="0"/>
+                      </a:endParaRPr>
+                    </a:p>
+                  </a:txBody>
+                  <a:tcPr anchor="ctr"/>
+                </a:tc>
+                <a:tc>
+                  <a:txBody>
+                    <a:bodyPr/>
+                    <a:lstStyle/>
+                    <a:p>
+                      <a:pPr algn="ctr"/>
+                      <a:endParaRPr lang="es-PR" sz="2000" dirty="0">
+                        <a:latin typeface="Courier New" panose="02070309020205020404" pitchFamily="49" charset="0"/>
+                        <a:cs typeface="Courier New" panose="02070309020205020404" pitchFamily="49" charset="0"/>
+                      </a:endParaRPr>
+                    </a:p>
+                  </a:txBody>
+                  <a:tcPr anchor="ctr"/>
+                </a:tc>
+                <a:tc>
+                  <a:txBody>
+                    <a:bodyPr/>
+                    <a:lstStyle/>
+                    <a:p>
+                      <a:pPr algn="ctr"/>
+                      <a:r>
+                        <a:rPr lang="es-ES" sz="2000" dirty="0">
+                          <a:latin typeface="Courier New" panose="02070309020205020404" pitchFamily="49" charset="0"/>
+                          <a:cs typeface="Courier New" panose="02070309020205020404" pitchFamily="49" charset="0"/>
+                        </a:rPr>
+                        <a:t>Z</a:t>
+                      </a:r>
+                      <a:endParaRPr lang="es-PR" sz="2000" dirty="0">
+                        <a:latin typeface="Courier New" panose="02070309020205020404" pitchFamily="49" charset="0"/>
+                        <a:cs typeface="Courier New" panose="02070309020205020404" pitchFamily="49" charset="0"/>
+                      </a:endParaRPr>
+                    </a:p>
+                  </a:txBody>
+                  <a:tcPr anchor="ctr"/>
+                </a:tc>
+                <a:tc>
+                  <a:txBody>
+                    <a:bodyPr/>
+                    <a:lstStyle/>
+                    <a:p>
+                      <a:pPr algn="ctr"/>
+                      <a:r>
+                        <a:rPr lang="es-ES" sz="2000" dirty="0">
+                          <a:latin typeface="Courier New" panose="02070309020205020404" pitchFamily="49" charset="0"/>
+                          <a:cs typeface="Courier New" panose="02070309020205020404" pitchFamily="49" charset="0"/>
+                        </a:rPr>
+                        <a:t>o</a:t>
+                      </a:r>
+                      <a:endParaRPr lang="es-PR" sz="2000" dirty="0">
+                        <a:latin typeface="Courier New" panose="02070309020205020404" pitchFamily="49" charset="0"/>
+                        <a:cs typeface="Courier New" panose="02070309020205020404" pitchFamily="49" charset="0"/>
+                      </a:endParaRPr>
+                    </a:p>
+                  </a:txBody>
+                  <a:tcPr anchor="ctr"/>
+                </a:tc>
+                <a:tc>
+                  <a:txBody>
+                    <a:bodyPr/>
+                    <a:lstStyle/>
+                    <a:p>
+                      <a:pPr algn="ctr"/>
+                      <a:r>
+                        <a:rPr lang="es-ES" sz="2000" dirty="0">
+                          <a:latin typeface="Courier New" panose="02070309020205020404" pitchFamily="49" charset="0"/>
+                          <a:cs typeface="Courier New" panose="02070309020205020404" pitchFamily="49" charset="0"/>
+                        </a:rPr>
+                        <a:t>n</a:t>
+                      </a:r>
+                      <a:endParaRPr lang="es-PR" sz="2000" dirty="0">
+                        <a:latin typeface="Courier New" panose="02070309020205020404" pitchFamily="49" charset="0"/>
+                        <a:cs typeface="Courier New" panose="02070309020205020404" pitchFamily="49" charset="0"/>
+                      </a:endParaRPr>
+                    </a:p>
+                  </a:txBody>
+                  <a:tcPr anchor="ctr"/>
+                </a:tc>
+                <a:tc>
+                  <a:txBody>
+                    <a:bodyPr/>
+                    <a:lstStyle/>
+                    <a:p>
+                      <a:pPr algn="ctr"/>
+                      <a:r>
+                        <a:rPr lang="es-ES" sz="2000" dirty="0">
+                          <a:latin typeface="Courier New" panose="02070309020205020404" pitchFamily="49" charset="0"/>
+                          <a:cs typeface="Courier New" panose="02070309020205020404" pitchFamily="49" charset="0"/>
+                        </a:rPr>
+                        <a:t>e</a:t>
+                      </a:r>
+                      <a:endParaRPr lang="es-PR" sz="2000" dirty="0">
+                        <a:latin typeface="Courier New" panose="02070309020205020404" pitchFamily="49" charset="0"/>
+                        <a:cs typeface="Courier New" panose="02070309020205020404" pitchFamily="49" charset="0"/>
+                      </a:endParaRPr>
+                    </a:p>
+                  </a:txBody>
+                  <a:tcPr anchor="ctr"/>
+                </a:tc>
+                <a:tc>
+                  <a:txBody>
+                    <a:bodyPr/>
+                    <a:lstStyle/>
+                    <a:p>
+                      <a:pPr algn="ctr"/>
+                      <a:r>
+                        <a:rPr lang="es-ES" sz="2000" dirty="0">
+                          <a:latin typeface="Courier New" panose="02070309020205020404" pitchFamily="49" charset="0"/>
+                          <a:cs typeface="Courier New" panose="02070309020205020404" pitchFamily="49" charset="0"/>
+                        </a:rPr>
+                        <a:t>#</a:t>
+                      </a:r>
+                      <a:endParaRPr lang="es-PR" sz="2000" dirty="0">
+                        <a:latin typeface="Courier New" panose="02070309020205020404" pitchFamily="49" charset="0"/>
+                        <a:cs typeface="Courier New" panose="02070309020205020404" pitchFamily="49" charset="0"/>
+                      </a:endParaRPr>
+                    </a:p>
+                  </a:txBody>
+                  <a:tcPr anchor="ctr"/>
+                </a:tc>
+                <a:tc>
+                  <a:txBody>
+                    <a:bodyPr/>
+                    <a:lstStyle/>
+                    <a:p>
+                      <a:pPr algn="ctr"/>
+                      <a:r>
+                        <a:rPr lang="es-ES" sz="2000" dirty="0">
+                          <a:latin typeface="Courier New" panose="02070309020205020404" pitchFamily="49" charset="0"/>
+                          <a:cs typeface="Courier New" panose="02070309020205020404" pitchFamily="49" charset="0"/>
+                        </a:rPr>
+                        <a:t>&lt;</a:t>
+                      </a:r>
+                      <a:endParaRPr lang="es-PR" sz="2000" dirty="0">
+                        <a:latin typeface="Courier New" panose="02070309020205020404" pitchFamily="49" charset="0"/>
+                        <a:cs typeface="Courier New" panose="02070309020205020404" pitchFamily="49" charset="0"/>
+                      </a:endParaRPr>
+                    </a:p>
+                  </a:txBody>
+                  <a:tcPr anchor="ctr"/>
+                </a:tc>
+                <a:tc>
+                  <a:txBody>
+                    <a:bodyPr/>
+                    <a:lstStyle/>
+                    <a:p>
+                      <a:pPr algn="ctr"/>
+                      <a:r>
+                        <a:rPr lang="es-ES" sz="2000" dirty="0">
+                          <a:latin typeface="Courier New" panose="02070309020205020404" pitchFamily="49" charset="0"/>
+                          <a:cs typeface="Courier New" panose="02070309020205020404" pitchFamily="49" charset="0"/>
+                        </a:rPr>
+                        <a:t>&gt;</a:t>
+                      </a:r>
+                      <a:endParaRPr lang="es-PR" sz="2000" dirty="0">
+                        <a:latin typeface="Courier New" panose="02070309020205020404" pitchFamily="49" charset="0"/>
+                        <a:cs typeface="Courier New" panose="02070309020205020404" pitchFamily="49" charset="0"/>
+                      </a:endParaRPr>
+                    </a:p>
+                  </a:txBody>
+                  <a:tcPr anchor="ctr"/>
+                </a:tc>
+                <a:extLst>
+                  <a:ext uri="{0D108BD9-81ED-4DB2-BD59-A6C34878D82A}">
+                    <a16:rowId xmlns:a16="http://schemas.microsoft.com/office/drawing/2014/main" val="2506798063"/>
+                  </a:ext>
+                </a:extLst>
+              </a:tr>
+              <a:tr h="715205">
+                <a:tc>
+                  <a:txBody>
+                    <a:bodyPr/>
+                    <a:lstStyle/>
+                    <a:p>
+                      <a:pPr algn="ctr"/>
+                      <a:r>
+                        <a:rPr lang="es-ES" sz="2000" dirty="0">
+                          <a:latin typeface="Courier New" panose="02070309020205020404" pitchFamily="49" charset="0"/>
+                          <a:cs typeface="Courier New" panose="02070309020205020404" pitchFamily="49" charset="0"/>
+                        </a:rPr>
+                        <a:t>d</a:t>
+                      </a:r>
+                      <a:endParaRPr lang="es-PR" sz="2000" dirty="0">
+                        <a:latin typeface="Courier New" panose="02070309020205020404" pitchFamily="49" charset="0"/>
+                        <a:cs typeface="Courier New" panose="02070309020205020404" pitchFamily="49" charset="0"/>
+                      </a:endParaRPr>
+                    </a:p>
+                  </a:txBody>
+                  <a:tcPr anchor="ctr"/>
+                </a:tc>
+                <a:tc>
+                  <a:txBody>
+                    <a:bodyPr/>
+                    <a:lstStyle/>
+                    <a:p>
+                      <a:pPr algn="ctr"/>
+                      <a:r>
+                        <a:rPr lang="es-ES" sz="2000" dirty="0">
+                          <a:latin typeface="Courier New" panose="02070309020205020404" pitchFamily="49" charset="0"/>
+                          <a:cs typeface="Courier New" panose="02070309020205020404" pitchFamily="49" charset="0"/>
+                        </a:rPr>
+                        <a:t>d</a:t>
+                      </a:r>
+                      <a:endParaRPr lang="es-PR" sz="2000" dirty="0">
+                        <a:latin typeface="Courier New" panose="02070309020205020404" pitchFamily="49" charset="0"/>
+                        <a:cs typeface="Courier New" panose="02070309020205020404" pitchFamily="49" charset="0"/>
+                      </a:endParaRPr>
+                    </a:p>
+                  </a:txBody>
+                  <a:tcPr anchor="ctr"/>
+                </a:tc>
+                <a:tc>
+                  <a:txBody>
+                    <a:bodyPr/>
+                    <a:lstStyle/>
+                    <a:p>
+                      <a:pPr algn="ctr"/>
+                      <a:r>
+                        <a:rPr lang="es-ES" sz="2000" dirty="0">
+                          <a:latin typeface="Courier New" panose="02070309020205020404" pitchFamily="49" charset="0"/>
+                          <a:cs typeface="Courier New" panose="02070309020205020404" pitchFamily="49" charset="0"/>
+                        </a:rPr>
+                        <a:t>/</a:t>
+                      </a:r>
+                      <a:endParaRPr lang="es-PR" sz="2000" dirty="0">
+                        <a:latin typeface="Courier New" panose="02070309020205020404" pitchFamily="49" charset="0"/>
+                        <a:cs typeface="Courier New" panose="02070309020205020404" pitchFamily="49" charset="0"/>
+                      </a:endParaRPr>
+                    </a:p>
+                  </a:txBody>
+                  <a:tcPr anchor="ctr"/>
+                </a:tc>
+                <a:tc>
+                  <a:txBody>
+                    <a:bodyPr/>
+                    <a:lstStyle/>
+                    <a:p>
+                      <a:pPr algn="ctr"/>
+                      <a:r>
+                        <a:rPr lang="es-ES" sz="2000" dirty="0">
+                          <a:latin typeface="Courier New" panose="02070309020205020404" pitchFamily="49" charset="0"/>
+                          <a:cs typeface="Courier New" panose="02070309020205020404" pitchFamily="49" charset="0"/>
+                        </a:rPr>
+                        <a:t>m</a:t>
+                      </a:r>
+                      <a:endParaRPr lang="es-PR" sz="2000" dirty="0">
+                        <a:latin typeface="Courier New" panose="02070309020205020404" pitchFamily="49" charset="0"/>
+                        <a:cs typeface="Courier New" panose="02070309020205020404" pitchFamily="49" charset="0"/>
+                      </a:endParaRPr>
+                    </a:p>
+                  </a:txBody>
+                  <a:tcPr anchor="ctr"/>
+                </a:tc>
+                <a:tc>
+                  <a:txBody>
+                    <a:bodyPr/>
+                    <a:lstStyle/>
+                    <a:p>
+                      <a:pPr algn="ctr"/>
+                      <a:r>
+                        <a:rPr lang="es-ES" sz="2000" dirty="0">
+                          <a:latin typeface="Courier New" panose="02070309020205020404" pitchFamily="49" charset="0"/>
+                          <a:cs typeface="Courier New" panose="02070309020205020404" pitchFamily="49" charset="0"/>
+                        </a:rPr>
+                        <a:t>m</a:t>
+                      </a:r>
+                      <a:endParaRPr lang="es-PR" sz="2000" dirty="0">
+                        <a:latin typeface="Courier New" panose="02070309020205020404" pitchFamily="49" charset="0"/>
+                        <a:cs typeface="Courier New" panose="02070309020205020404" pitchFamily="49" charset="0"/>
+                      </a:endParaRPr>
+                    </a:p>
+                  </a:txBody>
+                  <a:tcPr anchor="ctr"/>
+                </a:tc>
+                <a:tc>
+                  <a:txBody>
+                    <a:bodyPr/>
+                    <a:lstStyle/>
+                    <a:p>
+                      <a:pPr algn="ctr"/>
+                      <a:r>
+                        <a:rPr lang="es-ES" sz="2000" dirty="0">
+                          <a:latin typeface="Courier New" panose="02070309020205020404" pitchFamily="49" charset="0"/>
+                          <a:cs typeface="Courier New" panose="02070309020205020404" pitchFamily="49" charset="0"/>
+                        </a:rPr>
+                        <a:t>/</a:t>
+                      </a:r>
+                      <a:endParaRPr lang="es-PR" sz="2000" dirty="0">
+                        <a:latin typeface="Courier New" panose="02070309020205020404" pitchFamily="49" charset="0"/>
+                        <a:cs typeface="Courier New" panose="02070309020205020404" pitchFamily="49" charset="0"/>
+                      </a:endParaRPr>
+                    </a:p>
+                  </a:txBody>
+                  <a:tcPr anchor="ctr"/>
+                </a:tc>
+                <a:tc>
+                  <a:txBody>
+                    <a:bodyPr/>
+                    <a:lstStyle/>
+                    <a:p>
+                      <a:pPr algn="ctr"/>
+                      <a:r>
+                        <a:rPr lang="es-ES" sz="2000" dirty="0">
+                          <a:latin typeface="Courier New" panose="02070309020205020404" pitchFamily="49" charset="0"/>
+                          <a:cs typeface="Courier New" panose="02070309020205020404" pitchFamily="49" charset="0"/>
+                        </a:rPr>
+                        <a:t>a</a:t>
+                      </a:r>
+                      <a:endParaRPr lang="es-PR" sz="2000" dirty="0">
+                        <a:latin typeface="Courier New" panose="02070309020205020404" pitchFamily="49" charset="0"/>
+                        <a:cs typeface="Courier New" panose="02070309020205020404" pitchFamily="49" charset="0"/>
+                      </a:endParaRPr>
+                    </a:p>
+                  </a:txBody>
+                  <a:tcPr anchor="ctr"/>
+                </a:tc>
+                <a:tc>
+                  <a:txBody>
+                    <a:bodyPr/>
+                    <a:lstStyle/>
+                    <a:p>
+                      <a:pPr algn="ctr"/>
+                      <a:r>
+                        <a:rPr lang="es-ES" sz="2000" dirty="0">
+                          <a:latin typeface="Courier New" panose="02070309020205020404" pitchFamily="49" charset="0"/>
+                          <a:cs typeface="Courier New" panose="02070309020205020404" pitchFamily="49" charset="0"/>
+                        </a:rPr>
+                        <a:t>a</a:t>
+                      </a:r>
+                      <a:endParaRPr lang="es-PR" sz="2000" dirty="0">
+                        <a:latin typeface="Courier New" panose="02070309020205020404" pitchFamily="49" charset="0"/>
+                        <a:cs typeface="Courier New" panose="02070309020205020404" pitchFamily="49" charset="0"/>
+                      </a:endParaRPr>
+                    </a:p>
+                  </a:txBody>
+                  <a:tcPr anchor="ctr"/>
+                </a:tc>
+                <a:tc>
+                  <a:txBody>
+                    <a:bodyPr/>
+                    <a:lstStyle/>
+                    <a:p>
+                      <a:pPr algn="ctr"/>
+                      <a:endParaRPr lang="es-PR" sz="2000" dirty="0">
+                        <a:latin typeface="Courier New" panose="02070309020205020404" pitchFamily="49" charset="0"/>
+                        <a:cs typeface="Courier New" panose="02070309020205020404" pitchFamily="49" charset="0"/>
+                      </a:endParaRPr>
+                    </a:p>
+                  </a:txBody>
+                  <a:tcPr anchor="ctr"/>
+                </a:tc>
+                <a:tc>
+                  <a:txBody>
+                    <a:bodyPr/>
+                    <a:lstStyle/>
+                    <a:p>
+                      <a:pPr algn="ctr"/>
+                      <a:r>
+                        <a:rPr lang="es-ES" sz="2000" dirty="0">
+                          <a:latin typeface="Courier New" panose="02070309020205020404" pitchFamily="49" charset="0"/>
+                          <a:cs typeface="Courier New" panose="02070309020205020404" pitchFamily="49" charset="0"/>
+                        </a:rPr>
+                        <a:t>P</a:t>
+                      </a:r>
+                      <a:endParaRPr lang="es-PR" sz="2000" dirty="0">
+                        <a:latin typeface="Courier New" panose="02070309020205020404" pitchFamily="49" charset="0"/>
+                        <a:cs typeface="Courier New" panose="02070309020205020404" pitchFamily="49" charset="0"/>
+                      </a:endParaRPr>
+                    </a:p>
+                  </a:txBody>
+                  <a:tcPr anchor="ctr"/>
+                </a:tc>
+                <a:tc>
+                  <a:txBody>
+                    <a:bodyPr/>
+                    <a:lstStyle/>
+                    <a:p>
+                      <a:pPr algn="ctr"/>
+                      <a:r>
+                        <a:rPr lang="es-ES" sz="2000" dirty="0">
+                          <a:latin typeface="Courier New" panose="02070309020205020404" pitchFamily="49" charset="0"/>
+                          <a:cs typeface="Courier New" panose="02070309020205020404" pitchFamily="49" charset="0"/>
+                        </a:rPr>
+                        <a:t>r</a:t>
+                      </a:r>
+                      <a:endParaRPr lang="es-PR" sz="2000" dirty="0">
+                        <a:latin typeface="Courier New" panose="02070309020205020404" pitchFamily="49" charset="0"/>
+                        <a:cs typeface="Courier New" panose="02070309020205020404" pitchFamily="49" charset="0"/>
+                      </a:endParaRPr>
+                    </a:p>
+                  </a:txBody>
+                  <a:tcPr anchor="ctr"/>
+                </a:tc>
+                <a:tc>
+                  <a:txBody>
+                    <a:bodyPr/>
+                    <a:lstStyle/>
+                    <a:p>
+                      <a:pPr algn="ctr"/>
+                      <a:r>
+                        <a:rPr lang="es-ES" sz="2000" dirty="0">
+                          <a:latin typeface="Courier New" panose="02070309020205020404" pitchFamily="49" charset="0"/>
+                          <a:cs typeface="Courier New" panose="02070309020205020404" pitchFamily="49" charset="0"/>
+                        </a:rPr>
+                        <a:t>e</a:t>
+                      </a:r>
+                      <a:endParaRPr lang="es-PR" sz="2000" dirty="0">
+                        <a:latin typeface="Courier New" panose="02070309020205020404" pitchFamily="49" charset="0"/>
+                        <a:cs typeface="Courier New" panose="02070309020205020404" pitchFamily="49" charset="0"/>
+                      </a:endParaRPr>
+                    </a:p>
+                  </a:txBody>
+                  <a:tcPr anchor="ctr"/>
+                </a:tc>
+                <a:tc>
+                  <a:txBody>
+                    <a:bodyPr/>
+                    <a:lstStyle/>
+                    <a:p>
+                      <a:pPr algn="ctr"/>
+                      <a:r>
+                        <a:rPr lang="es-ES" sz="2000" dirty="0">
+                          <a:latin typeface="Courier New" panose="02070309020205020404" pitchFamily="49" charset="0"/>
+                          <a:cs typeface="Courier New" panose="02070309020205020404" pitchFamily="49" charset="0"/>
+                        </a:rPr>
+                        <a:t>s</a:t>
+                      </a:r>
+                      <a:endParaRPr lang="es-PR" sz="2000" dirty="0">
+                        <a:latin typeface="Courier New" panose="02070309020205020404" pitchFamily="49" charset="0"/>
+                        <a:cs typeface="Courier New" panose="02070309020205020404" pitchFamily="49" charset="0"/>
+                      </a:endParaRPr>
+                    </a:p>
+                  </a:txBody>
+                  <a:tcPr anchor="ctr"/>
+                </a:tc>
+                <a:tc>
+                  <a:txBody>
+                    <a:bodyPr/>
+                    <a:lstStyle/>
+                    <a:p>
+                      <a:pPr algn="ctr"/>
+                      <a:r>
+                        <a:rPr lang="es-ES" sz="2000" dirty="0">
+                          <a:latin typeface="Courier New" panose="02070309020205020404" pitchFamily="49" charset="0"/>
+                          <a:cs typeface="Courier New" panose="02070309020205020404" pitchFamily="49" charset="0"/>
+                        </a:rPr>
+                        <a:t>e</a:t>
+                      </a:r>
+                      <a:endParaRPr lang="es-PR" sz="2000" dirty="0">
+                        <a:latin typeface="Courier New" panose="02070309020205020404" pitchFamily="49" charset="0"/>
+                        <a:cs typeface="Courier New" panose="02070309020205020404" pitchFamily="49" charset="0"/>
+                      </a:endParaRPr>
+                    </a:p>
+                  </a:txBody>
+                  <a:tcPr anchor="ctr"/>
+                </a:tc>
+                <a:tc>
+                  <a:txBody>
+                    <a:bodyPr/>
+                    <a:lstStyle/>
+                    <a:p>
+                      <a:pPr algn="ctr"/>
+                      <a:r>
+                        <a:rPr lang="es-ES" sz="2000" dirty="0">
+                          <a:latin typeface="Courier New" panose="02070309020205020404" pitchFamily="49" charset="0"/>
+                          <a:cs typeface="Courier New" panose="02070309020205020404" pitchFamily="49" charset="0"/>
+                        </a:rPr>
+                        <a:t>n</a:t>
+                      </a:r>
+                      <a:endParaRPr lang="es-PR" sz="2000" dirty="0">
+                        <a:latin typeface="Courier New" panose="02070309020205020404" pitchFamily="49" charset="0"/>
+                        <a:cs typeface="Courier New" panose="02070309020205020404" pitchFamily="49" charset="0"/>
+                      </a:endParaRPr>
+                    </a:p>
+                  </a:txBody>
+                  <a:tcPr anchor="ctr"/>
+                </a:tc>
+                <a:tc>
+                  <a:txBody>
+                    <a:bodyPr/>
+                    <a:lstStyle/>
+                    <a:p>
+                      <a:pPr algn="ctr"/>
+                      <a:r>
+                        <a:rPr lang="es-ES" sz="2000" dirty="0">
+                          <a:latin typeface="Courier New" panose="02070309020205020404" pitchFamily="49" charset="0"/>
+                          <a:cs typeface="Courier New" panose="02070309020205020404" pitchFamily="49" charset="0"/>
+                        </a:rPr>
+                        <a:t>.</a:t>
+                      </a:r>
+                      <a:endParaRPr lang="es-PR" sz="2000" dirty="0">
+                        <a:latin typeface="Courier New" panose="02070309020205020404" pitchFamily="49" charset="0"/>
+                        <a:cs typeface="Courier New" panose="02070309020205020404" pitchFamily="49" charset="0"/>
+                      </a:endParaRPr>
+                    </a:p>
+                  </a:txBody>
+                  <a:tcPr anchor="ctr"/>
+                </a:tc>
+                <a:extLst>
+                  <a:ext uri="{0D108BD9-81ED-4DB2-BD59-A6C34878D82A}">
+                    <a16:rowId xmlns:a16="http://schemas.microsoft.com/office/drawing/2014/main" val="3757960208"/>
+                  </a:ext>
+                </a:extLst>
+              </a:tr>
+            </a:tbl>
+          </a:graphicData>
+        </a:graphic>
+      </p:graphicFrame>
       <p:sp>
         <p:nvSpPr>
-          <p:cNvPr id="6" name="Title 5">
+          <p:cNvPr id="7" name="Title 6">
             <a:extLst>
               <a:ext uri="{FF2B5EF4-FFF2-40B4-BE49-F238E27FC236}">
-                <a16:creationId xmlns:a16="http://schemas.microsoft.com/office/drawing/2014/main" id="{5B671E4E-65CE-42AC-BB6D-E9E82BD50E28}"/>
+                <a16:creationId xmlns:a16="http://schemas.microsoft.com/office/drawing/2014/main" id="{1D212DBD-91C2-4DD2-9C51-7D6FE88258FC}"/>
               </a:ext>
             </a:extLst>
           </p:cNvPr>
@@ -12230,399 +13771,16 @@
           <a:p>
             <a:r>
               <a:rPr lang="es-ES" dirty="0"/>
-              <a:t>Carácter personalizado</a:t>
+              <a:t>Historial de alarma</a:t>
             </a:r>
             <a:endParaRPr lang="es-PR" dirty="0"/>
           </a:p>
         </p:txBody>
       </p:sp>
-      <p:graphicFrame>
-        <p:nvGraphicFramePr>
-          <p:cNvPr id="7" name="Table 7">
-            <a:extLst>
-              <a:ext uri="{FF2B5EF4-FFF2-40B4-BE49-F238E27FC236}">
-                <a16:creationId xmlns:a16="http://schemas.microsoft.com/office/drawing/2014/main" id="{5DE7062D-2E99-4AC8-9B18-092203C79CCD}"/>
-              </a:ext>
-            </a:extLst>
-          </p:cNvPr>
-          <p:cNvGraphicFramePr>
-            <a:graphicFrameLocks noGrp="1"/>
-          </p:cNvGraphicFramePr>
-          <p:nvPr>
-            <p:extLst>
-              <p:ext uri="{D42A27DB-BD31-4B8C-83A1-F6EECF244321}">
-                <p14:modId xmlns:p14="http://schemas.microsoft.com/office/powerpoint/2010/main" val="4100376204"/>
-              </p:ext>
-            </p:extLst>
-          </p:nvPr>
-        </p:nvGraphicFramePr>
-        <p:xfrm>
-          <a:off x="2372497" y="1690688"/>
-          <a:ext cx="2372498" cy="4795506"/>
-        </p:xfrm>
-        <a:graphic>
-          <a:graphicData uri="http://schemas.openxmlformats.org/drawingml/2006/table">
-            <a:tbl>
-              <a:tblPr firstRow="1" bandRow="1">
-                <a:tableStyleId>{9D7B26C5-4107-4FEC-AEDC-1716B250A1EF}</a:tableStyleId>
-              </a:tblPr>
-              <a:tblGrid>
-                <a:gridCol w="1186249">
-                  <a:extLst>
-                    <a:ext uri="{9D8B030D-6E8A-4147-A177-3AD203B41FA5}">
-                      <a16:colId xmlns:a16="http://schemas.microsoft.com/office/drawing/2014/main" val="2624848524"/>
-                    </a:ext>
-                  </a:extLst>
-                </a:gridCol>
-                <a:gridCol w="1186249">
-                  <a:extLst>
-                    <a:ext uri="{9D8B030D-6E8A-4147-A177-3AD203B41FA5}">
-                      <a16:colId xmlns:a16="http://schemas.microsoft.com/office/drawing/2014/main" val="721905545"/>
-                    </a:ext>
-                  </a:extLst>
-                </a:gridCol>
-              </a:tblGrid>
-              <a:tr h="532834">
-                <a:tc>
-                  <a:txBody>
-                    <a:bodyPr/>
-                    <a:lstStyle/>
-                    <a:p>
-                      <a:pPr algn="ctr"/>
-                      <a:r>
-                        <a:rPr lang="es-ES" dirty="0"/>
-                        <a:t>Dirección</a:t>
-                      </a:r>
-                      <a:endParaRPr lang="es-PR" dirty="0"/>
-                    </a:p>
-                  </a:txBody>
-                  <a:tcPr anchor="ctr"/>
-                </a:tc>
-                <a:tc>
-                  <a:txBody>
-                    <a:bodyPr/>
-                    <a:lstStyle/>
-                    <a:p>
-                      <a:pPr algn="ctr"/>
-                      <a:r>
-                        <a:rPr lang="es-ES" dirty="0"/>
-                        <a:t>Dato</a:t>
-                      </a:r>
-                      <a:endParaRPr lang="es-PR" dirty="0"/>
-                    </a:p>
-                  </a:txBody>
-                  <a:tcPr anchor="ctr"/>
-                </a:tc>
-                <a:extLst>
-                  <a:ext uri="{0D108BD9-81ED-4DB2-BD59-A6C34878D82A}">
-                    <a16:rowId xmlns:a16="http://schemas.microsoft.com/office/drawing/2014/main" val="2318916492"/>
-                  </a:ext>
-                </a:extLst>
-              </a:tr>
-              <a:tr h="532834">
-                <a:tc>
-                  <a:txBody>
-                    <a:bodyPr/>
-                    <a:lstStyle/>
-                    <a:p>
-                      <a:pPr algn="ctr"/>
-                      <a:r>
-                        <a:rPr lang="es-ES" dirty="0"/>
-                        <a:t>0x00</a:t>
-                      </a:r>
-                      <a:endParaRPr lang="es-PR" dirty="0"/>
-                    </a:p>
-                  </a:txBody>
-                  <a:tcPr anchor="ctr"/>
-                </a:tc>
-                <a:tc>
-                  <a:txBody>
-                    <a:bodyPr/>
-                    <a:lstStyle/>
-                    <a:p>
-                      <a:pPr algn="ctr"/>
-                      <a:r>
-                        <a:rPr lang="es-ES" dirty="0"/>
-                        <a:t>00000</a:t>
-                      </a:r>
-                      <a:endParaRPr lang="es-PR" dirty="0"/>
-                    </a:p>
-                  </a:txBody>
-                  <a:tcPr anchor="ctr"/>
-                </a:tc>
-                <a:extLst>
-                  <a:ext uri="{0D108BD9-81ED-4DB2-BD59-A6C34878D82A}">
-                    <a16:rowId xmlns:a16="http://schemas.microsoft.com/office/drawing/2014/main" val="2640679244"/>
-                  </a:ext>
-                </a:extLst>
-              </a:tr>
-              <a:tr h="532834">
-                <a:tc>
-                  <a:txBody>
-                    <a:bodyPr/>
-                    <a:lstStyle/>
-                    <a:p>
-                      <a:pPr algn="ctr"/>
-                      <a:r>
-                        <a:rPr lang="es-ES" dirty="0"/>
-                        <a:t>0x01</a:t>
-                      </a:r>
-                      <a:endParaRPr lang="es-PR" dirty="0"/>
-                    </a:p>
-                  </a:txBody>
-                  <a:tcPr anchor="ctr"/>
-                </a:tc>
-                <a:tc>
-                  <a:txBody>
-                    <a:bodyPr/>
-                    <a:lstStyle/>
-                    <a:p>
-                      <a:pPr algn="ctr"/>
-                      <a:r>
-                        <a:rPr lang="es-ES" dirty="0"/>
-                        <a:t>00000</a:t>
-                      </a:r>
-                      <a:endParaRPr lang="es-PR" dirty="0"/>
-                    </a:p>
-                  </a:txBody>
-                  <a:tcPr anchor="ctr"/>
-                </a:tc>
-                <a:extLst>
-                  <a:ext uri="{0D108BD9-81ED-4DB2-BD59-A6C34878D82A}">
-                    <a16:rowId xmlns:a16="http://schemas.microsoft.com/office/drawing/2014/main" val="3258404990"/>
-                  </a:ext>
-                </a:extLst>
-              </a:tr>
-              <a:tr h="532834">
-                <a:tc>
-                  <a:txBody>
-                    <a:bodyPr/>
-                    <a:lstStyle/>
-                    <a:p>
-                      <a:pPr algn="ctr"/>
-                      <a:r>
-                        <a:rPr lang="es-ES" dirty="0"/>
-                        <a:t>0x02</a:t>
-                      </a:r>
-                      <a:endParaRPr lang="es-PR" dirty="0"/>
-                    </a:p>
-                  </a:txBody>
-                  <a:tcPr anchor="ctr"/>
-                </a:tc>
-                <a:tc>
-                  <a:txBody>
-                    <a:bodyPr/>
-                    <a:lstStyle/>
-                    <a:p>
-                      <a:pPr algn="ctr"/>
-                      <a:r>
-                        <a:rPr lang="es-ES" dirty="0"/>
-                        <a:t>00001</a:t>
-                      </a:r>
-                      <a:endParaRPr lang="es-PR" dirty="0"/>
-                    </a:p>
-                  </a:txBody>
-                  <a:tcPr anchor="ctr"/>
-                </a:tc>
-                <a:extLst>
-                  <a:ext uri="{0D108BD9-81ED-4DB2-BD59-A6C34878D82A}">
-                    <a16:rowId xmlns:a16="http://schemas.microsoft.com/office/drawing/2014/main" val="2463100221"/>
-                  </a:ext>
-                </a:extLst>
-              </a:tr>
-              <a:tr h="532834">
-                <a:tc>
-                  <a:txBody>
-                    <a:bodyPr/>
-                    <a:lstStyle/>
-                    <a:p>
-                      <a:pPr algn="ctr"/>
-                      <a:r>
-                        <a:rPr lang="es-ES" dirty="0"/>
-                        <a:t>0x03</a:t>
-                      </a:r>
-                      <a:endParaRPr lang="es-PR" dirty="0"/>
-                    </a:p>
-                  </a:txBody>
-                  <a:tcPr anchor="ctr"/>
-                </a:tc>
-                <a:tc>
-                  <a:txBody>
-                    <a:bodyPr/>
-                    <a:lstStyle/>
-                    <a:p>
-                      <a:pPr algn="ctr"/>
-                      <a:r>
-                        <a:rPr lang="es-ES" dirty="0"/>
-                        <a:t>00010</a:t>
-                      </a:r>
-                      <a:endParaRPr lang="es-PR" dirty="0"/>
-                    </a:p>
-                  </a:txBody>
-                  <a:tcPr anchor="ctr"/>
-                </a:tc>
-                <a:extLst>
-                  <a:ext uri="{0D108BD9-81ED-4DB2-BD59-A6C34878D82A}">
-                    <a16:rowId xmlns:a16="http://schemas.microsoft.com/office/drawing/2014/main" val="1278737887"/>
-                  </a:ext>
-                </a:extLst>
-              </a:tr>
-              <a:tr h="532834">
-                <a:tc>
-                  <a:txBody>
-                    <a:bodyPr/>
-                    <a:lstStyle/>
-                    <a:p>
-                      <a:pPr algn="ctr"/>
-                      <a:r>
-                        <a:rPr lang="es-ES" dirty="0"/>
-                        <a:t>0x04</a:t>
-                      </a:r>
-                      <a:endParaRPr lang="es-PR" dirty="0"/>
-                    </a:p>
-                  </a:txBody>
-                  <a:tcPr anchor="ctr"/>
-                </a:tc>
-                <a:tc>
-                  <a:txBody>
-                    <a:bodyPr/>
-                    <a:lstStyle/>
-                    <a:p>
-                      <a:pPr algn="ctr"/>
-                      <a:r>
-                        <a:rPr lang="es-ES" dirty="0"/>
-                        <a:t>10100</a:t>
-                      </a:r>
-                      <a:endParaRPr lang="es-PR" dirty="0"/>
-                    </a:p>
-                  </a:txBody>
-                  <a:tcPr anchor="ctr"/>
-                </a:tc>
-                <a:extLst>
-                  <a:ext uri="{0D108BD9-81ED-4DB2-BD59-A6C34878D82A}">
-                    <a16:rowId xmlns:a16="http://schemas.microsoft.com/office/drawing/2014/main" val="1325116866"/>
-                  </a:ext>
-                </a:extLst>
-              </a:tr>
-              <a:tr h="532834">
-                <a:tc>
-                  <a:txBody>
-                    <a:bodyPr/>
-                    <a:lstStyle/>
-                    <a:p>
-                      <a:pPr algn="ctr"/>
-                      <a:r>
-                        <a:rPr lang="es-ES" dirty="0"/>
-                        <a:t>0x05</a:t>
-                      </a:r>
-                      <a:endParaRPr lang="es-PR" dirty="0"/>
-                    </a:p>
-                  </a:txBody>
-                  <a:tcPr anchor="ctr"/>
-                </a:tc>
-                <a:tc>
-                  <a:txBody>
-                    <a:bodyPr/>
-                    <a:lstStyle/>
-                    <a:p>
-                      <a:pPr algn="ctr"/>
-                      <a:r>
-                        <a:rPr lang="es-ES" dirty="0"/>
-                        <a:t>01000</a:t>
-                      </a:r>
-                      <a:endParaRPr lang="es-PR" dirty="0"/>
-                    </a:p>
-                  </a:txBody>
-                  <a:tcPr anchor="ctr"/>
-                </a:tc>
-                <a:extLst>
-                  <a:ext uri="{0D108BD9-81ED-4DB2-BD59-A6C34878D82A}">
-                    <a16:rowId xmlns:a16="http://schemas.microsoft.com/office/drawing/2014/main" val="2140178720"/>
-                  </a:ext>
-                </a:extLst>
-              </a:tr>
-              <a:tr h="532834">
-                <a:tc>
-                  <a:txBody>
-                    <a:bodyPr/>
-                    <a:lstStyle/>
-                    <a:p>
-                      <a:pPr algn="ctr"/>
-                      <a:r>
-                        <a:rPr lang="es-ES" dirty="0"/>
-                        <a:t>0x06</a:t>
-                      </a:r>
-                      <a:endParaRPr lang="es-PR" dirty="0"/>
-                    </a:p>
-                  </a:txBody>
-                  <a:tcPr anchor="ctr"/>
-                </a:tc>
-                <a:tc>
-                  <a:txBody>
-                    <a:bodyPr/>
-                    <a:lstStyle/>
-                    <a:p>
-                      <a:pPr algn="ctr"/>
-                      <a:r>
-                        <a:rPr lang="es-ES" dirty="0"/>
-                        <a:t>00000</a:t>
-                      </a:r>
-                      <a:endParaRPr lang="es-PR" dirty="0"/>
-                    </a:p>
-                  </a:txBody>
-                  <a:tcPr anchor="ctr"/>
-                </a:tc>
-                <a:extLst>
-                  <a:ext uri="{0D108BD9-81ED-4DB2-BD59-A6C34878D82A}">
-                    <a16:rowId xmlns:a16="http://schemas.microsoft.com/office/drawing/2014/main" val="2262469714"/>
-                  </a:ext>
-                </a:extLst>
-              </a:tr>
-              <a:tr h="532834">
-                <a:tc>
-                  <a:txBody>
-                    <a:bodyPr/>
-                    <a:lstStyle/>
-                    <a:p>
-                      <a:pPr algn="ctr"/>
-                      <a:r>
-                        <a:rPr lang="es-ES" dirty="0"/>
-                        <a:t>0x07</a:t>
-                      </a:r>
-                      <a:endParaRPr lang="es-PR" dirty="0"/>
-                    </a:p>
-                  </a:txBody>
-                  <a:tcPr anchor="ctr"/>
-                </a:tc>
-                <a:tc>
-                  <a:txBody>
-                    <a:bodyPr/>
-                    <a:lstStyle/>
-                    <a:p>
-                      <a:pPr algn="ctr"/>
-                      <a:r>
-                        <a:rPr lang="es-ES" dirty="0"/>
-                        <a:t>00000</a:t>
-                      </a:r>
-                      <a:endParaRPr lang="es-PR" dirty="0"/>
-                    </a:p>
-                  </a:txBody>
-                  <a:tcPr anchor="ctr"/>
-                </a:tc>
-                <a:extLst>
-                  <a:ext uri="{0D108BD9-81ED-4DB2-BD59-A6C34878D82A}">
-                    <a16:rowId xmlns:a16="http://schemas.microsoft.com/office/drawing/2014/main" val="939838577"/>
-                  </a:ext>
-                </a:extLst>
-              </a:tr>
-            </a:tbl>
-          </a:graphicData>
-        </a:graphic>
-      </p:graphicFrame>
     </p:spTree>
     <p:extLst>
       <p:ext uri="{BB962C8B-B14F-4D97-AF65-F5344CB8AC3E}">
-        <p14:creationId xmlns:p14="http://schemas.microsoft.com/office/powerpoint/2010/main" val="1433828172"/>
+        <p14:creationId xmlns:p14="http://schemas.microsoft.com/office/powerpoint/2010/main" val="2782345884"/>
       </p:ext>
     </p:extLst>
   </p:cSld>
@@ -12633,2043 +13791,6 @@
 </file>
 
 <file path=ppt/slides/slide14.xml><?xml version="1.0" encoding="utf-8"?>
-<p:sld xmlns:a="http://schemas.openxmlformats.org/drawingml/2006/main" xmlns:r="http://schemas.openxmlformats.org/officeDocument/2006/relationships" xmlns:p="http://schemas.openxmlformats.org/presentationml/2006/main">
-  <p:cSld>
-    <p:spTree>
-      <p:nvGrpSpPr>
-        <p:cNvPr id="1" name=""/>
-        <p:cNvGrpSpPr/>
-        <p:nvPr/>
-      </p:nvGrpSpPr>
-      <p:grpSpPr>
-        <a:xfrm>
-          <a:off x="0" y="0"/>
-          <a:ext cx="0" cy="0"/>
-          <a:chOff x="0" y="0"/>
-          <a:chExt cx="0" cy="0"/>
-        </a:xfrm>
-      </p:grpSpPr>
-      <p:graphicFrame>
-        <p:nvGraphicFramePr>
-          <p:cNvPr id="4" name="Table 4">
-            <a:extLst>
-              <a:ext uri="{FF2B5EF4-FFF2-40B4-BE49-F238E27FC236}">
-                <a16:creationId xmlns:a16="http://schemas.microsoft.com/office/drawing/2014/main" id="{DD538D40-9125-468F-AD98-10E24523E667}"/>
-              </a:ext>
-            </a:extLst>
-          </p:cNvPr>
-          <p:cNvGraphicFramePr>
-            <a:graphicFrameLocks noGrp="1"/>
-          </p:cNvGraphicFramePr>
-          <p:nvPr>
-            <p:extLst>
-              <p:ext uri="{D42A27DB-BD31-4B8C-83A1-F6EECF244321}">
-                <p14:modId xmlns:p14="http://schemas.microsoft.com/office/powerpoint/2010/main" val="2396126592"/>
-              </p:ext>
-            </p:extLst>
-          </p:nvPr>
-        </p:nvGraphicFramePr>
-        <p:xfrm>
-          <a:off x="4521201" y="452508"/>
-          <a:ext cx="2991710" cy="5952984"/>
-        </p:xfrm>
-        <a:graphic>
-          <a:graphicData uri="http://schemas.openxmlformats.org/drawingml/2006/table">
-            <a:tbl>
-              <a:tblPr firstRow="1" bandRow="1">
-                <a:tableStyleId>{5940675A-B579-460E-94D1-54222C63F5DA}</a:tableStyleId>
-              </a:tblPr>
-              <a:tblGrid>
-                <a:gridCol w="598342">
-                  <a:extLst>
-                    <a:ext uri="{9D8B030D-6E8A-4147-A177-3AD203B41FA5}">
-                      <a16:colId xmlns:a16="http://schemas.microsoft.com/office/drawing/2014/main" val="1989555352"/>
-                    </a:ext>
-                  </a:extLst>
-                </a:gridCol>
-                <a:gridCol w="598342">
-                  <a:extLst>
-                    <a:ext uri="{9D8B030D-6E8A-4147-A177-3AD203B41FA5}">
-                      <a16:colId xmlns:a16="http://schemas.microsoft.com/office/drawing/2014/main" val="2753710263"/>
-                    </a:ext>
-                  </a:extLst>
-                </a:gridCol>
-                <a:gridCol w="598342">
-                  <a:extLst>
-                    <a:ext uri="{9D8B030D-6E8A-4147-A177-3AD203B41FA5}">
-                      <a16:colId xmlns:a16="http://schemas.microsoft.com/office/drawing/2014/main" val="1341616312"/>
-                    </a:ext>
-                  </a:extLst>
-                </a:gridCol>
-                <a:gridCol w="598342">
-                  <a:extLst>
-                    <a:ext uri="{9D8B030D-6E8A-4147-A177-3AD203B41FA5}">
-                      <a16:colId xmlns:a16="http://schemas.microsoft.com/office/drawing/2014/main" val="4036605617"/>
-                    </a:ext>
-                  </a:extLst>
-                </a:gridCol>
-                <a:gridCol w="598342">
-                  <a:extLst>
-                    <a:ext uri="{9D8B030D-6E8A-4147-A177-3AD203B41FA5}">
-                      <a16:colId xmlns:a16="http://schemas.microsoft.com/office/drawing/2014/main" val="678930107"/>
-                    </a:ext>
-                  </a:extLst>
-                </a:gridCol>
-              </a:tblGrid>
-              <a:tr h="744123">
-                <a:tc>
-                  <a:txBody>
-                    <a:bodyPr/>
-                    <a:lstStyle/>
-                    <a:p>
-                      <a:endParaRPr lang="es-PR"/>
-                    </a:p>
-                  </a:txBody>
-                  <a:tcPr>
-                    <a:lnL w="19050" cap="flat" cmpd="sng" algn="ctr">
-                      <a:solidFill>
-                        <a:schemeClr val="tx1"/>
-                      </a:solidFill>
-                      <a:prstDash val="solid"/>
-                      <a:round/>
-                      <a:headEnd type="none" w="med" len="med"/>
-                      <a:tailEnd type="none" w="med" len="med"/>
-                    </a:lnL>
-                    <a:lnR w="19050" cap="flat" cmpd="sng" algn="ctr">
-                      <a:solidFill>
-                        <a:schemeClr val="tx1"/>
-                      </a:solidFill>
-                      <a:prstDash val="solid"/>
-                      <a:round/>
-                      <a:headEnd type="none" w="med" len="med"/>
-                      <a:tailEnd type="none" w="med" len="med"/>
-                    </a:lnR>
-                    <a:lnT w="19050" cap="flat" cmpd="sng" algn="ctr">
-                      <a:solidFill>
-                        <a:schemeClr val="tx1"/>
-                      </a:solidFill>
-                      <a:prstDash val="solid"/>
-                      <a:round/>
-                      <a:headEnd type="none" w="med" len="med"/>
-                      <a:tailEnd type="none" w="med" len="med"/>
-                    </a:lnT>
-                    <a:lnB w="19050" cap="flat" cmpd="sng" algn="ctr">
-                      <a:solidFill>
-                        <a:schemeClr val="tx1"/>
-                      </a:solidFill>
-                      <a:prstDash val="solid"/>
-                      <a:round/>
-                      <a:headEnd type="none" w="med" len="med"/>
-                      <a:tailEnd type="none" w="med" len="med"/>
-                    </a:lnB>
-                  </a:tcPr>
-                </a:tc>
-                <a:tc>
-                  <a:txBody>
-                    <a:bodyPr/>
-                    <a:lstStyle/>
-                    <a:p>
-                      <a:endParaRPr lang="es-PR"/>
-                    </a:p>
-                  </a:txBody>
-                  <a:tcPr>
-                    <a:lnL w="19050" cap="flat" cmpd="sng" algn="ctr">
-                      <a:solidFill>
-                        <a:schemeClr val="tx1"/>
-                      </a:solidFill>
-                      <a:prstDash val="solid"/>
-                      <a:round/>
-                      <a:headEnd type="none" w="med" len="med"/>
-                      <a:tailEnd type="none" w="med" len="med"/>
-                    </a:lnL>
-                    <a:lnR w="19050" cap="flat" cmpd="sng" algn="ctr">
-                      <a:solidFill>
-                        <a:schemeClr val="tx1"/>
-                      </a:solidFill>
-                      <a:prstDash val="solid"/>
-                      <a:round/>
-                      <a:headEnd type="none" w="med" len="med"/>
-                      <a:tailEnd type="none" w="med" len="med"/>
-                    </a:lnR>
-                    <a:lnT w="19050" cap="flat" cmpd="sng" algn="ctr">
-                      <a:solidFill>
-                        <a:schemeClr val="tx1"/>
-                      </a:solidFill>
-                      <a:prstDash val="solid"/>
-                      <a:round/>
-                      <a:headEnd type="none" w="med" len="med"/>
-                      <a:tailEnd type="none" w="med" len="med"/>
-                    </a:lnT>
-                    <a:lnB w="19050" cap="flat" cmpd="sng" algn="ctr">
-                      <a:solidFill>
-                        <a:schemeClr val="tx1"/>
-                      </a:solidFill>
-                      <a:prstDash val="solid"/>
-                      <a:round/>
-                      <a:headEnd type="none" w="med" len="med"/>
-                      <a:tailEnd type="none" w="med" len="med"/>
-                    </a:lnB>
-                  </a:tcPr>
-                </a:tc>
-                <a:tc>
-                  <a:txBody>
-                    <a:bodyPr/>
-                    <a:lstStyle/>
-                    <a:p>
-                      <a:endParaRPr lang="es-PR"/>
-                    </a:p>
-                  </a:txBody>
-                  <a:tcPr>
-                    <a:lnL w="19050" cap="flat" cmpd="sng" algn="ctr">
-                      <a:solidFill>
-                        <a:schemeClr val="tx1"/>
-                      </a:solidFill>
-                      <a:prstDash val="solid"/>
-                      <a:round/>
-                      <a:headEnd type="none" w="med" len="med"/>
-                      <a:tailEnd type="none" w="med" len="med"/>
-                    </a:lnL>
-                    <a:lnR w="19050" cap="flat" cmpd="sng" algn="ctr">
-                      <a:solidFill>
-                        <a:schemeClr val="tx1"/>
-                      </a:solidFill>
-                      <a:prstDash val="solid"/>
-                      <a:round/>
-                      <a:headEnd type="none" w="med" len="med"/>
-                      <a:tailEnd type="none" w="med" len="med"/>
-                    </a:lnR>
-                    <a:lnT w="19050" cap="flat" cmpd="sng" algn="ctr">
-                      <a:solidFill>
-                        <a:schemeClr val="tx1"/>
-                      </a:solidFill>
-                      <a:prstDash val="solid"/>
-                      <a:round/>
-                      <a:headEnd type="none" w="med" len="med"/>
-                      <a:tailEnd type="none" w="med" len="med"/>
-                    </a:lnT>
-                    <a:lnB w="19050" cap="flat" cmpd="sng" algn="ctr">
-                      <a:solidFill>
-                        <a:schemeClr val="tx1"/>
-                      </a:solidFill>
-                      <a:prstDash val="solid"/>
-                      <a:round/>
-                      <a:headEnd type="none" w="med" len="med"/>
-                      <a:tailEnd type="none" w="med" len="med"/>
-                    </a:lnB>
-                  </a:tcPr>
-                </a:tc>
-                <a:tc>
-                  <a:txBody>
-                    <a:bodyPr/>
-                    <a:lstStyle/>
-                    <a:p>
-                      <a:endParaRPr lang="es-PR"/>
-                    </a:p>
-                  </a:txBody>
-                  <a:tcPr>
-                    <a:lnL w="19050" cap="flat" cmpd="sng" algn="ctr">
-                      <a:solidFill>
-                        <a:schemeClr val="tx1"/>
-                      </a:solidFill>
-                      <a:prstDash val="solid"/>
-                      <a:round/>
-                      <a:headEnd type="none" w="med" len="med"/>
-                      <a:tailEnd type="none" w="med" len="med"/>
-                    </a:lnL>
-                    <a:lnR w="19050" cap="flat" cmpd="sng" algn="ctr">
-                      <a:solidFill>
-                        <a:schemeClr val="tx1"/>
-                      </a:solidFill>
-                      <a:prstDash val="solid"/>
-                      <a:round/>
-                      <a:headEnd type="none" w="med" len="med"/>
-                      <a:tailEnd type="none" w="med" len="med"/>
-                    </a:lnR>
-                    <a:lnT w="19050" cap="flat" cmpd="sng" algn="ctr">
-                      <a:solidFill>
-                        <a:schemeClr val="tx1"/>
-                      </a:solidFill>
-                      <a:prstDash val="solid"/>
-                      <a:round/>
-                      <a:headEnd type="none" w="med" len="med"/>
-                      <a:tailEnd type="none" w="med" len="med"/>
-                    </a:lnT>
-                    <a:lnB w="19050" cap="flat" cmpd="sng" algn="ctr">
-                      <a:solidFill>
-                        <a:schemeClr val="tx1"/>
-                      </a:solidFill>
-                      <a:prstDash val="solid"/>
-                      <a:round/>
-                      <a:headEnd type="none" w="med" len="med"/>
-                      <a:tailEnd type="none" w="med" len="med"/>
-                    </a:lnB>
-                  </a:tcPr>
-                </a:tc>
-                <a:tc>
-                  <a:txBody>
-                    <a:bodyPr/>
-                    <a:lstStyle/>
-                    <a:p>
-                      <a:endParaRPr lang="es-PR"/>
-                    </a:p>
-                  </a:txBody>
-                  <a:tcPr>
-                    <a:lnL w="19050" cap="flat" cmpd="sng" algn="ctr">
-                      <a:solidFill>
-                        <a:schemeClr val="tx1"/>
-                      </a:solidFill>
-                      <a:prstDash val="solid"/>
-                      <a:round/>
-                      <a:headEnd type="none" w="med" len="med"/>
-                      <a:tailEnd type="none" w="med" len="med"/>
-                    </a:lnL>
-                    <a:lnR w="19050" cap="flat" cmpd="sng" algn="ctr">
-                      <a:solidFill>
-                        <a:schemeClr val="tx1"/>
-                      </a:solidFill>
-                      <a:prstDash val="solid"/>
-                      <a:round/>
-                      <a:headEnd type="none" w="med" len="med"/>
-                      <a:tailEnd type="none" w="med" len="med"/>
-                    </a:lnR>
-                    <a:lnT w="19050" cap="flat" cmpd="sng" algn="ctr">
-                      <a:solidFill>
-                        <a:schemeClr val="tx1"/>
-                      </a:solidFill>
-                      <a:prstDash val="solid"/>
-                      <a:round/>
-                      <a:headEnd type="none" w="med" len="med"/>
-                      <a:tailEnd type="none" w="med" len="med"/>
-                    </a:lnT>
-                    <a:lnB w="19050" cap="flat" cmpd="sng" algn="ctr">
-                      <a:solidFill>
-                        <a:schemeClr val="tx1"/>
-                      </a:solidFill>
-                      <a:prstDash val="solid"/>
-                      <a:round/>
-                      <a:headEnd type="none" w="med" len="med"/>
-                      <a:tailEnd type="none" w="med" len="med"/>
-                    </a:lnB>
-                  </a:tcPr>
-                </a:tc>
-                <a:extLst>
-                  <a:ext uri="{0D108BD9-81ED-4DB2-BD59-A6C34878D82A}">
-                    <a16:rowId xmlns:a16="http://schemas.microsoft.com/office/drawing/2014/main" val="1430104897"/>
-                  </a:ext>
-                </a:extLst>
-              </a:tr>
-              <a:tr h="744123">
-                <a:tc>
-                  <a:txBody>
-                    <a:bodyPr/>
-                    <a:lstStyle/>
-                    <a:p>
-                      <a:endParaRPr lang="es-PR"/>
-                    </a:p>
-                  </a:txBody>
-                  <a:tcPr>
-                    <a:lnL w="19050" cap="flat" cmpd="sng" algn="ctr">
-                      <a:solidFill>
-                        <a:schemeClr val="tx1"/>
-                      </a:solidFill>
-                      <a:prstDash val="solid"/>
-                      <a:round/>
-                      <a:headEnd type="none" w="med" len="med"/>
-                      <a:tailEnd type="none" w="med" len="med"/>
-                    </a:lnL>
-                    <a:lnR w="19050" cap="flat" cmpd="sng" algn="ctr">
-                      <a:solidFill>
-                        <a:schemeClr val="tx1"/>
-                      </a:solidFill>
-                      <a:prstDash val="solid"/>
-                      <a:round/>
-                      <a:headEnd type="none" w="med" len="med"/>
-                      <a:tailEnd type="none" w="med" len="med"/>
-                    </a:lnR>
-                    <a:lnT w="19050" cap="flat" cmpd="sng" algn="ctr">
-                      <a:solidFill>
-                        <a:schemeClr val="tx1"/>
-                      </a:solidFill>
-                      <a:prstDash val="solid"/>
-                      <a:round/>
-                      <a:headEnd type="none" w="med" len="med"/>
-                      <a:tailEnd type="none" w="med" len="med"/>
-                    </a:lnT>
-                    <a:lnB w="19050" cap="flat" cmpd="sng" algn="ctr">
-                      <a:solidFill>
-                        <a:schemeClr val="tx1"/>
-                      </a:solidFill>
-                      <a:prstDash val="solid"/>
-                      <a:round/>
-                      <a:headEnd type="none" w="med" len="med"/>
-                      <a:tailEnd type="none" w="med" len="med"/>
-                    </a:lnB>
-                  </a:tcPr>
-                </a:tc>
-                <a:tc>
-                  <a:txBody>
-                    <a:bodyPr/>
-                    <a:lstStyle/>
-                    <a:p>
-                      <a:endParaRPr lang="es-PR"/>
-                    </a:p>
-                  </a:txBody>
-                  <a:tcPr>
-                    <a:lnL w="19050" cap="flat" cmpd="sng" algn="ctr">
-                      <a:solidFill>
-                        <a:schemeClr val="tx1"/>
-                      </a:solidFill>
-                      <a:prstDash val="solid"/>
-                      <a:round/>
-                      <a:headEnd type="none" w="med" len="med"/>
-                      <a:tailEnd type="none" w="med" len="med"/>
-                    </a:lnL>
-                    <a:lnR w="19050" cap="flat" cmpd="sng" algn="ctr">
-                      <a:solidFill>
-                        <a:schemeClr val="tx1"/>
-                      </a:solidFill>
-                      <a:prstDash val="solid"/>
-                      <a:round/>
-                      <a:headEnd type="none" w="med" len="med"/>
-                      <a:tailEnd type="none" w="med" len="med"/>
-                    </a:lnR>
-                    <a:lnT w="19050" cap="flat" cmpd="sng" algn="ctr">
-                      <a:solidFill>
-                        <a:schemeClr val="tx1"/>
-                      </a:solidFill>
-                      <a:prstDash val="solid"/>
-                      <a:round/>
-                      <a:headEnd type="none" w="med" len="med"/>
-                      <a:tailEnd type="none" w="med" len="med"/>
-                    </a:lnT>
-                    <a:lnB w="19050" cap="flat" cmpd="sng" algn="ctr">
-                      <a:solidFill>
-                        <a:schemeClr val="tx1"/>
-                      </a:solidFill>
-                      <a:prstDash val="solid"/>
-                      <a:round/>
-                      <a:headEnd type="none" w="med" len="med"/>
-                      <a:tailEnd type="none" w="med" len="med"/>
-                    </a:lnB>
-                  </a:tcPr>
-                </a:tc>
-                <a:tc>
-                  <a:txBody>
-                    <a:bodyPr/>
-                    <a:lstStyle/>
-                    <a:p>
-                      <a:endParaRPr lang="es-PR"/>
-                    </a:p>
-                  </a:txBody>
-                  <a:tcPr>
-                    <a:lnL w="19050" cap="flat" cmpd="sng" algn="ctr">
-                      <a:solidFill>
-                        <a:schemeClr val="tx1"/>
-                      </a:solidFill>
-                      <a:prstDash val="solid"/>
-                      <a:round/>
-                      <a:headEnd type="none" w="med" len="med"/>
-                      <a:tailEnd type="none" w="med" len="med"/>
-                    </a:lnL>
-                    <a:lnR w="19050" cap="flat" cmpd="sng" algn="ctr">
-                      <a:solidFill>
-                        <a:schemeClr val="tx1"/>
-                      </a:solidFill>
-                      <a:prstDash val="solid"/>
-                      <a:round/>
-                      <a:headEnd type="none" w="med" len="med"/>
-                      <a:tailEnd type="none" w="med" len="med"/>
-                    </a:lnR>
-                    <a:lnT w="19050" cap="flat" cmpd="sng" algn="ctr">
-                      <a:solidFill>
-                        <a:schemeClr val="tx1"/>
-                      </a:solidFill>
-                      <a:prstDash val="solid"/>
-                      <a:round/>
-                      <a:headEnd type="none" w="med" len="med"/>
-                      <a:tailEnd type="none" w="med" len="med"/>
-                    </a:lnT>
-                    <a:lnB w="19050" cap="flat" cmpd="sng" algn="ctr">
-                      <a:solidFill>
-                        <a:schemeClr val="tx1"/>
-                      </a:solidFill>
-                      <a:prstDash val="solid"/>
-                      <a:round/>
-                      <a:headEnd type="none" w="med" len="med"/>
-                      <a:tailEnd type="none" w="med" len="med"/>
-                    </a:lnB>
-                  </a:tcPr>
-                </a:tc>
-                <a:tc>
-                  <a:txBody>
-                    <a:bodyPr/>
-                    <a:lstStyle/>
-                    <a:p>
-                      <a:endParaRPr lang="es-PR"/>
-                    </a:p>
-                  </a:txBody>
-                  <a:tcPr>
-                    <a:lnL w="19050" cap="flat" cmpd="sng" algn="ctr">
-                      <a:solidFill>
-                        <a:schemeClr val="tx1"/>
-                      </a:solidFill>
-                      <a:prstDash val="solid"/>
-                      <a:round/>
-                      <a:headEnd type="none" w="med" len="med"/>
-                      <a:tailEnd type="none" w="med" len="med"/>
-                    </a:lnL>
-                    <a:lnR w="19050" cap="flat" cmpd="sng" algn="ctr">
-                      <a:solidFill>
-                        <a:schemeClr val="tx1"/>
-                      </a:solidFill>
-                      <a:prstDash val="solid"/>
-                      <a:round/>
-                      <a:headEnd type="none" w="med" len="med"/>
-                      <a:tailEnd type="none" w="med" len="med"/>
-                    </a:lnR>
-                    <a:lnT w="19050" cap="flat" cmpd="sng" algn="ctr">
-                      <a:solidFill>
-                        <a:schemeClr val="tx1"/>
-                      </a:solidFill>
-                      <a:prstDash val="solid"/>
-                      <a:round/>
-                      <a:headEnd type="none" w="med" len="med"/>
-                      <a:tailEnd type="none" w="med" len="med"/>
-                    </a:lnT>
-                    <a:lnB w="19050" cap="flat" cmpd="sng" algn="ctr">
-                      <a:solidFill>
-                        <a:schemeClr val="tx1"/>
-                      </a:solidFill>
-                      <a:prstDash val="solid"/>
-                      <a:round/>
-                      <a:headEnd type="none" w="med" len="med"/>
-                      <a:tailEnd type="none" w="med" len="med"/>
-                    </a:lnB>
-                  </a:tcPr>
-                </a:tc>
-                <a:tc>
-                  <a:txBody>
-                    <a:bodyPr/>
-                    <a:lstStyle/>
-                    <a:p>
-                      <a:endParaRPr lang="es-PR"/>
-                    </a:p>
-                  </a:txBody>
-                  <a:tcPr>
-                    <a:lnL w="19050" cap="flat" cmpd="sng" algn="ctr">
-                      <a:solidFill>
-                        <a:schemeClr val="tx1"/>
-                      </a:solidFill>
-                      <a:prstDash val="solid"/>
-                      <a:round/>
-                      <a:headEnd type="none" w="med" len="med"/>
-                      <a:tailEnd type="none" w="med" len="med"/>
-                    </a:lnL>
-                    <a:lnR w="19050" cap="flat" cmpd="sng" algn="ctr">
-                      <a:solidFill>
-                        <a:schemeClr val="tx1"/>
-                      </a:solidFill>
-                      <a:prstDash val="solid"/>
-                      <a:round/>
-                      <a:headEnd type="none" w="med" len="med"/>
-                      <a:tailEnd type="none" w="med" len="med"/>
-                    </a:lnR>
-                    <a:lnT w="19050" cap="flat" cmpd="sng" algn="ctr">
-                      <a:solidFill>
-                        <a:schemeClr val="tx1"/>
-                      </a:solidFill>
-                      <a:prstDash val="solid"/>
-                      <a:round/>
-                      <a:headEnd type="none" w="med" len="med"/>
-                      <a:tailEnd type="none" w="med" len="med"/>
-                    </a:lnT>
-                    <a:lnB w="19050" cap="flat" cmpd="sng" algn="ctr">
-                      <a:solidFill>
-                        <a:schemeClr val="tx1"/>
-                      </a:solidFill>
-                      <a:prstDash val="solid"/>
-                      <a:round/>
-                      <a:headEnd type="none" w="med" len="med"/>
-                      <a:tailEnd type="none" w="med" len="med"/>
-                    </a:lnB>
-                  </a:tcPr>
-                </a:tc>
-                <a:extLst>
-                  <a:ext uri="{0D108BD9-81ED-4DB2-BD59-A6C34878D82A}">
-                    <a16:rowId xmlns:a16="http://schemas.microsoft.com/office/drawing/2014/main" val="3138313541"/>
-                  </a:ext>
-                </a:extLst>
-              </a:tr>
-              <a:tr h="744123">
-                <a:tc>
-                  <a:txBody>
-                    <a:bodyPr/>
-                    <a:lstStyle/>
-                    <a:p>
-                      <a:endParaRPr lang="es-PR"/>
-                    </a:p>
-                  </a:txBody>
-                  <a:tcPr>
-                    <a:lnL w="19050" cap="flat" cmpd="sng" algn="ctr">
-                      <a:solidFill>
-                        <a:schemeClr val="tx1"/>
-                      </a:solidFill>
-                      <a:prstDash val="solid"/>
-                      <a:round/>
-                      <a:headEnd type="none" w="med" len="med"/>
-                      <a:tailEnd type="none" w="med" len="med"/>
-                    </a:lnL>
-                    <a:lnR w="19050" cap="flat" cmpd="sng" algn="ctr">
-                      <a:solidFill>
-                        <a:schemeClr val="tx1"/>
-                      </a:solidFill>
-                      <a:prstDash val="solid"/>
-                      <a:round/>
-                      <a:headEnd type="none" w="med" len="med"/>
-                      <a:tailEnd type="none" w="med" len="med"/>
-                    </a:lnR>
-                    <a:lnT w="19050" cap="flat" cmpd="sng" algn="ctr">
-                      <a:solidFill>
-                        <a:schemeClr val="tx1"/>
-                      </a:solidFill>
-                      <a:prstDash val="solid"/>
-                      <a:round/>
-                      <a:headEnd type="none" w="med" len="med"/>
-                      <a:tailEnd type="none" w="med" len="med"/>
-                    </a:lnT>
-                    <a:lnB w="19050" cap="flat" cmpd="sng" algn="ctr">
-                      <a:solidFill>
-                        <a:schemeClr val="tx1"/>
-                      </a:solidFill>
-                      <a:prstDash val="solid"/>
-                      <a:round/>
-                      <a:headEnd type="none" w="med" len="med"/>
-                      <a:tailEnd type="none" w="med" len="med"/>
-                    </a:lnB>
-                  </a:tcPr>
-                </a:tc>
-                <a:tc>
-                  <a:txBody>
-                    <a:bodyPr/>
-                    <a:lstStyle/>
-                    <a:p>
-                      <a:endParaRPr lang="es-PR"/>
-                    </a:p>
-                  </a:txBody>
-                  <a:tcPr>
-                    <a:lnL w="19050" cap="flat" cmpd="sng" algn="ctr">
-                      <a:solidFill>
-                        <a:schemeClr val="tx1"/>
-                      </a:solidFill>
-                      <a:prstDash val="solid"/>
-                      <a:round/>
-                      <a:headEnd type="none" w="med" len="med"/>
-                      <a:tailEnd type="none" w="med" len="med"/>
-                    </a:lnL>
-                    <a:lnR w="19050" cap="flat" cmpd="sng" algn="ctr">
-                      <a:solidFill>
-                        <a:schemeClr val="tx1"/>
-                      </a:solidFill>
-                      <a:prstDash val="solid"/>
-                      <a:round/>
-                      <a:headEnd type="none" w="med" len="med"/>
-                      <a:tailEnd type="none" w="med" len="med"/>
-                    </a:lnR>
-                    <a:lnT w="19050" cap="flat" cmpd="sng" algn="ctr">
-                      <a:solidFill>
-                        <a:schemeClr val="tx1"/>
-                      </a:solidFill>
-                      <a:prstDash val="solid"/>
-                      <a:round/>
-                      <a:headEnd type="none" w="med" len="med"/>
-                      <a:tailEnd type="none" w="med" len="med"/>
-                    </a:lnT>
-                    <a:lnB w="19050" cap="flat" cmpd="sng" algn="ctr">
-                      <a:solidFill>
-                        <a:schemeClr val="tx1"/>
-                      </a:solidFill>
-                      <a:prstDash val="solid"/>
-                      <a:round/>
-                      <a:headEnd type="none" w="med" len="med"/>
-                      <a:tailEnd type="none" w="med" len="med"/>
-                    </a:lnB>
-                  </a:tcPr>
-                </a:tc>
-                <a:tc>
-                  <a:txBody>
-                    <a:bodyPr/>
-                    <a:lstStyle/>
-                    <a:p>
-                      <a:endParaRPr lang="es-PR"/>
-                    </a:p>
-                  </a:txBody>
-                  <a:tcPr>
-                    <a:lnL w="19050" cap="flat" cmpd="sng" algn="ctr">
-                      <a:solidFill>
-                        <a:schemeClr val="tx1"/>
-                      </a:solidFill>
-                      <a:prstDash val="solid"/>
-                      <a:round/>
-                      <a:headEnd type="none" w="med" len="med"/>
-                      <a:tailEnd type="none" w="med" len="med"/>
-                    </a:lnL>
-                    <a:lnR w="19050" cap="flat" cmpd="sng" algn="ctr">
-                      <a:solidFill>
-                        <a:schemeClr val="tx1"/>
-                      </a:solidFill>
-                      <a:prstDash val="solid"/>
-                      <a:round/>
-                      <a:headEnd type="none" w="med" len="med"/>
-                      <a:tailEnd type="none" w="med" len="med"/>
-                    </a:lnR>
-                    <a:lnT w="19050" cap="flat" cmpd="sng" algn="ctr">
-                      <a:solidFill>
-                        <a:schemeClr val="tx1"/>
-                      </a:solidFill>
-                      <a:prstDash val="solid"/>
-                      <a:round/>
-                      <a:headEnd type="none" w="med" len="med"/>
-                      <a:tailEnd type="none" w="med" len="med"/>
-                    </a:lnT>
-                    <a:lnB w="19050" cap="flat" cmpd="sng" algn="ctr">
-                      <a:solidFill>
-                        <a:schemeClr val="tx1"/>
-                      </a:solidFill>
-                      <a:prstDash val="solid"/>
-                      <a:round/>
-                      <a:headEnd type="none" w="med" len="med"/>
-                      <a:tailEnd type="none" w="med" len="med"/>
-                    </a:lnB>
-                  </a:tcPr>
-                </a:tc>
-                <a:tc>
-                  <a:txBody>
-                    <a:bodyPr/>
-                    <a:lstStyle/>
-                    <a:p>
-                      <a:endParaRPr lang="es-PR"/>
-                    </a:p>
-                  </a:txBody>
-                  <a:tcPr>
-                    <a:lnL w="19050" cap="flat" cmpd="sng" algn="ctr">
-                      <a:solidFill>
-                        <a:schemeClr val="tx1"/>
-                      </a:solidFill>
-                      <a:prstDash val="solid"/>
-                      <a:round/>
-                      <a:headEnd type="none" w="med" len="med"/>
-                      <a:tailEnd type="none" w="med" len="med"/>
-                    </a:lnL>
-                    <a:lnR w="19050" cap="flat" cmpd="sng" algn="ctr">
-                      <a:solidFill>
-                        <a:schemeClr val="tx1"/>
-                      </a:solidFill>
-                      <a:prstDash val="solid"/>
-                      <a:round/>
-                      <a:headEnd type="none" w="med" len="med"/>
-                      <a:tailEnd type="none" w="med" len="med"/>
-                    </a:lnR>
-                    <a:lnT w="19050" cap="flat" cmpd="sng" algn="ctr">
-                      <a:solidFill>
-                        <a:schemeClr val="tx1"/>
-                      </a:solidFill>
-                      <a:prstDash val="solid"/>
-                      <a:round/>
-                      <a:headEnd type="none" w="med" len="med"/>
-                      <a:tailEnd type="none" w="med" len="med"/>
-                    </a:lnT>
-                    <a:lnB w="19050" cap="flat" cmpd="sng" algn="ctr">
-                      <a:solidFill>
-                        <a:schemeClr val="tx1"/>
-                      </a:solidFill>
-                      <a:prstDash val="solid"/>
-                      <a:round/>
-                      <a:headEnd type="none" w="med" len="med"/>
-                      <a:tailEnd type="none" w="med" len="med"/>
-                    </a:lnB>
-                  </a:tcPr>
-                </a:tc>
-                <a:tc>
-                  <a:txBody>
-                    <a:bodyPr/>
-                    <a:lstStyle/>
-                    <a:p>
-                      <a:endParaRPr lang="es-PR"/>
-                    </a:p>
-                  </a:txBody>
-                  <a:tcPr>
-                    <a:lnL w="19050" cap="flat" cmpd="sng" algn="ctr">
-                      <a:solidFill>
-                        <a:schemeClr val="tx1"/>
-                      </a:solidFill>
-                      <a:prstDash val="solid"/>
-                      <a:round/>
-                      <a:headEnd type="none" w="med" len="med"/>
-                      <a:tailEnd type="none" w="med" len="med"/>
-                    </a:lnL>
-                    <a:lnR w="19050" cap="flat" cmpd="sng" algn="ctr">
-                      <a:solidFill>
-                        <a:schemeClr val="tx1"/>
-                      </a:solidFill>
-                      <a:prstDash val="solid"/>
-                      <a:round/>
-                      <a:headEnd type="none" w="med" len="med"/>
-                      <a:tailEnd type="none" w="med" len="med"/>
-                    </a:lnR>
-                    <a:lnT w="19050" cap="flat" cmpd="sng" algn="ctr">
-                      <a:solidFill>
-                        <a:schemeClr val="tx1"/>
-                      </a:solidFill>
-                      <a:prstDash val="solid"/>
-                      <a:round/>
-                      <a:headEnd type="none" w="med" len="med"/>
-                      <a:tailEnd type="none" w="med" len="med"/>
-                    </a:lnT>
-                    <a:lnB w="19050" cap="flat" cmpd="sng" algn="ctr">
-                      <a:solidFill>
-                        <a:schemeClr val="tx1"/>
-                      </a:solidFill>
-                      <a:prstDash val="solid"/>
-                      <a:round/>
-                      <a:headEnd type="none" w="med" len="med"/>
-                      <a:tailEnd type="none" w="med" len="med"/>
-                    </a:lnB>
-                  </a:tcPr>
-                </a:tc>
-                <a:extLst>
-                  <a:ext uri="{0D108BD9-81ED-4DB2-BD59-A6C34878D82A}">
-                    <a16:rowId xmlns:a16="http://schemas.microsoft.com/office/drawing/2014/main" val="1465548320"/>
-                  </a:ext>
-                </a:extLst>
-              </a:tr>
-              <a:tr h="744123">
-                <a:tc>
-                  <a:txBody>
-                    <a:bodyPr/>
-                    <a:lstStyle/>
-                    <a:p>
-                      <a:endParaRPr lang="es-PR"/>
-                    </a:p>
-                  </a:txBody>
-                  <a:tcPr>
-                    <a:lnL w="19050" cap="flat" cmpd="sng" algn="ctr">
-                      <a:solidFill>
-                        <a:schemeClr val="tx1"/>
-                      </a:solidFill>
-                      <a:prstDash val="solid"/>
-                      <a:round/>
-                      <a:headEnd type="none" w="med" len="med"/>
-                      <a:tailEnd type="none" w="med" len="med"/>
-                    </a:lnL>
-                    <a:lnR w="19050" cap="flat" cmpd="sng" algn="ctr">
-                      <a:solidFill>
-                        <a:schemeClr val="tx1"/>
-                      </a:solidFill>
-                      <a:prstDash val="solid"/>
-                      <a:round/>
-                      <a:headEnd type="none" w="med" len="med"/>
-                      <a:tailEnd type="none" w="med" len="med"/>
-                    </a:lnR>
-                    <a:lnT w="19050" cap="flat" cmpd="sng" algn="ctr">
-                      <a:solidFill>
-                        <a:schemeClr val="tx1"/>
-                      </a:solidFill>
-                      <a:prstDash val="solid"/>
-                      <a:round/>
-                      <a:headEnd type="none" w="med" len="med"/>
-                      <a:tailEnd type="none" w="med" len="med"/>
-                    </a:lnT>
-                    <a:lnB w="19050" cap="flat" cmpd="sng" algn="ctr">
-                      <a:solidFill>
-                        <a:schemeClr val="tx1"/>
-                      </a:solidFill>
-                      <a:prstDash val="solid"/>
-                      <a:round/>
-                      <a:headEnd type="none" w="med" len="med"/>
-                      <a:tailEnd type="none" w="med" len="med"/>
-                    </a:lnB>
-                  </a:tcPr>
-                </a:tc>
-                <a:tc>
-                  <a:txBody>
-                    <a:bodyPr/>
-                    <a:lstStyle/>
-                    <a:p>
-                      <a:endParaRPr lang="es-PR"/>
-                    </a:p>
-                  </a:txBody>
-                  <a:tcPr>
-                    <a:lnL w="19050" cap="flat" cmpd="sng" algn="ctr">
-                      <a:solidFill>
-                        <a:schemeClr val="tx1"/>
-                      </a:solidFill>
-                      <a:prstDash val="solid"/>
-                      <a:round/>
-                      <a:headEnd type="none" w="med" len="med"/>
-                      <a:tailEnd type="none" w="med" len="med"/>
-                    </a:lnL>
-                    <a:lnR w="19050" cap="flat" cmpd="sng" algn="ctr">
-                      <a:solidFill>
-                        <a:schemeClr val="tx1"/>
-                      </a:solidFill>
-                      <a:prstDash val="solid"/>
-                      <a:round/>
-                      <a:headEnd type="none" w="med" len="med"/>
-                      <a:tailEnd type="none" w="med" len="med"/>
-                    </a:lnR>
-                    <a:lnT w="19050" cap="flat" cmpd="sng" algn="ctr">
-                      <a:solidFill>
-                        <a:schemeClr val="tx1"/>
-                      </a:solidFill>
-                      <a:prstDash val="solid"/>
-                      <a:round/>
-                      <a:headEnd type="none" w="med" len="med"/>
-                      <a:tailEnd type="none" w="med" len="med"/>
-                    </a:lnT>
-                    <a:lnB w="19050" cap="flat" cmpd="sng" algn="ctr">
-                      <a:solidFill>
-                        <a:schemeClr val="tx1"/>
-                      </a:solidFill>
-                      <a:prstDash val="solid"/>
-                      <a:round/>
-                      <a:headEnd type="none" w="med" len="med"/>
-                      <a:tailEnd type="none" w="med" len="med"/>
-                    </a:lnB>
-                  </a:tcPr>
-                </a:tc>
-                <a:tc>
-                  <a:txBody>
-                    <a:bodyPr/>
-                    <a:lstStyle/>
-                    <a:p>
-                      <a:endParaRPr lang="es-PR"/>
-                    </a:p>
-                  </a:txBody>
-                  <a:tcPr>
-                    <a:lnL w="19050" cap="flat" cmpd="sng" algn="ctr">
-                      <a:solidFill>
-                        <a:schemeClr val="tx1"/>
-                      </a:solidFill>
-                      <a:prstDash val="solid"/>
-                      <a:round/>
-                      <a:headEnd type="none" w="med" len="med"/>
-                      <a:tailEnd type="none" w="med" len="med"/>
-                    </a:lnL>
-                    <a:lnR w="19050" cap="flat" cmpd="sng" algn="ctr">
-                      <a:solidFill>
-                        <a:schemeClr val="tx1"/>
-                      </a:solidFill>
-                      <a:prstDash val="solid"/>
-                      <a:round/>
-                      <a:headEnd type="none" w="med" len="med"/>
-                      <a:tailEnd type="none" w="med" len="med"/>
-                    </a:lnR>
-                    <a:lnT w="19050" cap="flat" cmpd="sng" algn="ctr">
-                      <a:solidFill>
-                        <a:schemeClr val="tx1"/>
-                      </a:solidFill>
-                      <a:prstDash val="solid"/>
-                      <a:round/>
-                      <a:headEnd type="none" w="med" len="med"/>
-                      <a:tailEnd type="none" w="med" len="med"/>
-                    </a:lnT>
-                    <a:lnB w="19050" cap="flat" cmpd="sng" algn="ctr">
-                      <a:solidFill>
-                        <a:schemeClr val="tx1"/>
-                      </a:solidFill>
-                      <a:prstDash val="solid"/>
-                      <a:round/>
-                      <a:headEnd type="none" w="med" len="med"/>
-                      <a:tailEnd type="none" w="med" len="med"/>
-                    </a:lnB>
-                  </a:tcPr>
-                </a:tc>
-                <a:tc>
-                  <a:txBody>
-                    <a:bodyPr/>
-                    <a:lstStyle/>
-                    <a:p>
-                      <a:endParaRPr lang="es-PR"/>
-                    </a:p>
-                  </a:txBody>
-                  <a:tcPr>
-                    <a:lnL w="19050" cap="flat" cmpd="sng" algn="ctr">
-                      <a:solidFill>
-                        <a:schemeClr val="tx1"/>
-                      </a:solidFill>
-                      <a:prstDash val="solid"/>
-                      <a:round/>
-                      <a:headEnd type="none" w="med" len="med"/>
-                      <a:tailEnd type="none" w="med" len="med"/>
-                    </a:lnL>
-                    <a:lnR w="19050" cap="flat" cmpd="sng" algn="ctr">
-                      <a:solidFill>
-                        <a:schemeClr val="tx1"/>
-                      </a:solidFill>
-                      <a:prstDash val="solid"/>
-                      <a:round/>
-                      <a:headEnd type="none" w="med" len="med"/>
-                      <a:tailEnd type="none" w="med" len="med"/>
-                    </a:lnR>
-                    <a:lnT w="19050" cap="flat" cmpd="sng" algn="ctr">
-                      <a:solidFill>
-                        <a:schemeClr val="tx1"/>
-                      </a:solidFill>
-                      <a:prstDash val="solid"/>
-                      <a:round/>
-                      <a:headEnd type="none" w="med" len="med"/>
-                      <a:tailEnd type="none" w="med" len="med"/>
-                    </a:lnT>
-                    <a:lnB w="19050" cap="flat" cmpd="sng" algn="ctr">
-                      <a:solidFill>
-                        <a:schemeClr val="tx1"/>
-                      </a:solidFill>
-                      <a:prstDash val="solid"/>
-                      <a:round/>
-                      <a:headEnd type="none" w="med" len="med"/>
-                      <a:tailEnd type="none" w="med" len="med"/>
-                    </a:lnB>
-                  </a:tcPr>
-                </a:tc>
-                <a:tc>
-                  <a:txBody>
-                    <a:bodyPr/>
-                    <a:lstStyle/>
-                    <a:p>
-                      <a:endParaRPr lang="es-PR"/>
-                    </a:p>
-                  </a:txBody>
-                  <a:tcPr>
-                    <a:lnL w="19050" cap="flat" cmpd="sng" algn="ctr">
-                      <a:solidFill>
-                        <a:schemeClr val="tx1"/>
-                      </a:solidFill>
-                      <a:prstDash val="solid"/>
-                      <a:round/>
-                      <a:headEnd type="none" w="med" len="med"/>
-                      <a:tailEnd type="none" w="med" len="med"/>
-                    </a:lnL>
-                    <a:lnR w="19050" cap="flat" cmpd="sng" algn="ctr">
-                      <a:solidFill>
-                        <a:schemeClr val="tx1"/>
-                      </a:solidFill>
-                      <a:prstDash val="solid"/>
-                      <a:round/>
-                      <a:headEnd type="none" w="med" len="med"/>
-                      <a:tailEnd type="none" w="med" len="med"/>
-                    </a:lnR>
-                    <a:lnT w="19050" cap="flat" cmpd="sng" algn="ctr">
-                      <a:solidFill>
-                        <a:schemeClr val="tx1"/>
-                      </a:solidFill>
-                      <a:prstDash val="solid"/>
-                      <a:round/>
-                      <a:headEnd type="none" w="med" len="med"/>
-                      <a:tailEnd type="none" w="med" len="med"/>
-                    </a:lnT>
-                    <a:lnB w="19050" cap="flat" cmpd="sng" algn="ctr">
-                      <a:solidFill>
-                        <a:schemeClr val="tx1"/>
-                      </a:solidFill>
-                      <a:prstDash val="solid"/>
-                      <a:round/>
-                      <a:headEnd type="none" w="med" len="med"/>
-                      <a:tailEnd type="none" w="med" len="med"/>
-                    </a:lnB>
-                  </a:tcPr>
-                </a:tc>
-                <a:extLst>
-                  <a:ext uri="{0D108BD9-81ED-4DB2-BD59-A6C34878D82A}">
-                    <a16:rowId xmlns:a16="http://schemas.microsoft.com/office/drawing/2014/main" val="1654972923"/>
-                  </a:ext>
-                </a:extLst>
-              </a:tr>
-              <a:tr h="744123">
-                <a:tc>
-                  <a:txBody>
-                    <a:bodyPr/>
-                    <a:lstStyle/>
-                    <a:p>
-                      <a:endParaRPr lang="es-PR"/>
-                    </a:p>
-                  </a:txBody>
-                  <a:tcPr>
-                    <a:lnL w="19050" cap="flat" cmpd="sng" algn="ctr">
-                      <a:solidFill>
-                        <a:schemeClr val="tx1"/>
-                      </a:solidFill>
-                      <a:prstDash val="solid"/>
-                      <a:round/>
-                      <a:headEnd type="none" w="med" len="med"/>
-                      <a:tailEnd type="none" w="med" len="med"/>
-                    </a:lnL>
-                    <a:lnR w="19050" cap="flat" cmpd="sng" algn="ctr">
-                      <a:solidFill>
-                        <a:schemeClr val="tx1"/>
-                      </a:solidFill>
-                      <a:prstDash val="solid"/>
-                      <a:round/>
-                      <a:headEnd type="none" w="med" len="med"/>
-                      <a:tailEnd type="none" w="med" len="med"/>
-                    </a:lnR>
-                    <a:lnT w="19050" cap="flat" cmpd="sng" algn="ctr">
-                      <a:solidFill>
-                        <a:schemeClr val="tx1"/>
-                      </a:solidFill>
-                      <a:prstDash val="solid"/>
-                      <a:round/>
-                      <a:headEnd type="none" w="med" len="med"/>
-                      <a:tailEnd type="none" w="med" len="med"/>
-                    </a:lnT>
-                    <a:lnB w="19050" cap="flat" cmpd="sng" algn="ctr">
-                      <a:solidFill>
-                        <a:schemeClr val="tx1"/>
-                      </a:solidFill>
-                      <a:prstDash val="solid"/>
-                      <a:round/>
-                      <a:headEnd type="none" w="med" len="med"/>
-                      <a:tailEnd type="none" w="med" len="med"/>
-                    </a:lnB>
-                  </a:tcPr>
-                </a:tc>
-                <a:tc>
-                  <a:txBody>
-                    <a:bodyPr/>
-                    <a:lstStyle/>
-                    <a:p>
-                      <a:endParaRPr lang="es-PR"/>
-                    </a:p>
-                  </a:txBody>
-                  <a:tcPr>
-                    <a:lnL w="19050" cap="flat" cmpd="sng" algn="ctr">
-                      <a:solidFill>
-                        <a:schemeClr val="tx1"/>
-                      </a:solidFill>
-                      <a:prstDash val="solid"/>
-                      <a:round/>
-                      <a:headEnd type="none" w="med" len="med"/>
-                      <a:tailEnd type="none" w="med" len="med"/>
-                    </a:lnL>
-                    <a:lnR w="19050" cap="flat" cmpd="sng" algn="ctr">
-                      <a:solidFill>
-                        <a:schemeClr val="tx1"/>
-                      </a:solidFill>
-                      <a:prstDash val="solid"/>
-                      <a:round/>
-                      <a:headEnd type="none" w="med" len="med"/>
-                      <a:tailEnd type="none" w="med" len="med"/>
-                    </a:lnR>
-                    <a:lnT w="19050" cap="flat" cmpd="sng" algn="ctr">
-                      <a:solidFill>
-                        <a:schemeClr val="tx1"/>
-                      </a:solidFill>
-                      <a:prstDash val="solid"/>
-                      <a:round/>
-                      <a:headEnd type="none" w="med" len="med"/>
-                      <a:tailEnd type="none" w="med" len="med"/>
-                    </a:lnT>
-                    <a:lnB w="19050" cap="flat" cmpd="sng" algn="ctr">
-                      <a:solidFill>
-                        <a:schemeClr val="tx1"/>
-                      </a:solidFill>
-                      <a:prstDash val="solid"/>
-                      <a:round/>
-                      <a:headEnd type="none" w="med" len="med"/>
-                      <a:tailEnd type="none" w="med" len="med"/>
-                    </a:lnB>
-                  </a:tcPr>
-                </a:tc>
-                <a:tc>
-                  <a:txBody>
-                    <a:bodyPr/>
-                    <a:lstStyle/>
-                    <a:p>
-                      <a:endParaRPr lang="es-PR"/>
-                    </a:p>
-                  </a:txBody>
-                  <a:tcPr>
-                    <a:lnL w="19050" cap="flat" cmpd="sng" algn="ctr">
-                      <a:solidFill>
-                        <a:schemeClr val="tx1"/>
-                      </a:solidFill>
-                      <a:prstDash val="solid"/>
-                      <a:round/>
-                      <a:headEnd type="none" w="med" len="med"/>
-                      <a:tailEnd type="none" w="med" len="med"/>
-                    </a:lnL>
-                    <a:lnR w="19050" cap="flat" cmpd="sng" algn="ctr">
-                      <a:solidFill>
-                        <a:schemeClr val="tx1"/>
-                      </a:solidFill>
-                      <a:prstDash val="solid"/>
-                      <a:round/>
-                      <a:headEnd type="none" w="med" len="med"/>
-                      <a:tailEnd type="none" w="med" len="med"/>
-                    </a:lnR>
-                    <a:lnT w="19050" cap="flat" cmpd="sng" algn="ctr">
-                      <a:solidFill>
-                        <a:schemeClr val="tx1"/>
-                      </a:solidFill>
-                      <a:prstDash val="solid"/>
-                      <a:round/>
-                      <a:headEnd type="none" w="med" len="med"/>
-                      <a:tailEnd type="none" w="med" len="med"/>
-                    </a:lnT>
-                    <a:lnB w="19050" cap="flat" cmpd="sng" algn="ctr">
-                      <a:solidFill>
-                        <a:schemeClr val="tx1"/>
-                      </a:solidFill>
-                      <a:prstDash val="solid"/>
-                      <a:round/>
-                      <a:headEnd type="none" w="med" len="med"/>
-                      <a:tailEnd type="none" w="med" len="med"/>
-                    </a:lnB>
-                  </a:tcPr>
-                </a:tc>
-                <a:tc>
-                  <a:txBody>
-                    <a:bodyPr/>
-                    <a:lstStyle/>
-                    <a:p>
-                      <a:endParaRPr lang="es-PR"/>
-                    </a:p>
-                  </a:txBody>
-                  <a:tcPr>
-                    <a:lnL w="19050" cap="flat" cmpd="sng" algn="ctr">
-                      <a:solidFill>
-                        <a:schemeClr val="tx1"/>
-                      </a:solidFill>
-                      <a:prstDash val="solid"/>
-                      <a:round/>
-                      <a:headEnd type="none" w="med" len="med"/>
-                      <a:tailEnd type="none" w="med" len="med"/>
-                    </a:lnL>
-                    <a:lnR w="19050" cap="flat" cmpd="sng" algn="ctr">
-                      <a:solidFill>
-                        <a:schemeClr val="tx1"/>
-                      </a:solidFill>
-                      <a:prstDash val="solid"/>
-                      <a:round/>
-                      <a:headEnd type="none" w="med" len="med"/>
-                      <a:tailEnd type="none" w="med" len="med"/>
-                    </a:lnR>
-                    <a:lnT w="19050" cap="flat" cmpd="sng" algn="ctr">
-                      <a:solidFill>
-                        <a:schemeClr val="tx1"/>
-                      </a:solidFill>
-                      <a:prstDash val="solid"/>
-                      <a:round/>
-                      <a:headEnd type="none" w="med" len="med"/>
-                      <a:tailEnd type="none" w="med" len="med"/>
-                    </a:lnT>
-                    <a:lnB w="19050" cap="flat" cmpd="sng" algn="ctr">
-                      <a:solidFill>
-                        <a:schemeClr val="tx1"/>
-                      </a:solidFill>
-                      <a:prstDash val="solid"/>
-                      <a:round/>
-                      <a:headEnd type="none" w="med" len="med"/>
-                      <a:tailEnd type="none" w="med" len="med"/>
-                    </a:lnB>
-                  </a:tcPr>
-                </a:tc>
-                <a:tc>
-                  <a:txBody>
-                    <a:bodyPr/>
-                    <a:lstStyle/>
-                    <a:p>
-                      <a:endParaRPr lang="es-PR"/>
-                    </a:p>
-                  </a:txBody>
-                  <a:tcPr>
-                    <a:lnL w="19050" cap="flat" cmpd="sng" algn="ctr">
-                      <a:solidFill>
-                        <a:schemeClr val="tx1"/>
-                      </a:solidFill>
-                      <a:prstDash val="solid"/>
-                      <a:round/>
-                      <a:headEnd type="none" w="med" len="med"/>
-                      <a:tailEnd type="none" w="med" len="med"/>
-                    </a:lnL>
-                    <a:lnR w="19050" cap="flat" cmpd="sng" algn="ctr">
-                      <a:solidFill>
-                        <a:schemeClr val="tx1"/>
-                      </a:solidFill>
-                      <a:prstDash val="solid"/>
-                      <a:round/>
-                      <a:headEnd type="none" w="med" len="med"/>
-                      <a:tailEnd type="none" w="med" len="med"/>
-                    </a:lnR>
-                    <a:lnT w="19050" cap="flat" cmpd="sng" algn="ctr">
-                      <a:solidFill>
-                        <a:schemeClr val="tx1"/>
-                      </a:solidFill>
-                      <a:prstDash val="solid"/>
-                      <a:round/>
-                      <a:headEnd type="none" w="med" len="med"/>
-                      <a:tailEnd type="none" w="med" len="med"/>
-                    </a:lnT>
-                    <a:lnB w="19050" cap="flat" cmpd="sng" algn="ctr">
-                      <a:solidFill>
-                        <a:schemeClr val="tx1"/>
-                      </a:solidFill>
-                      <a:prstDash val="solid"/>
-                      <a:round/>
-                      <a:headEnd type="none" w="med" len="med"/>
-                      <a:tailEnd type="none" w="med" len="med"/>
-                    </a:lnB>
-                  </a:tcPr>
-                </a:tc>
-                <a:extLst>
-                  <a:ext uri="{0D108BD9-81ED-4DB2-BD59-A6C34878D82A}">
-                    <a16:rowId xmlns:a16="http://schemas.microsoft.com/office/drawing/2014/main" val="1114199803"/>
-                  </a:ext>
-                </a:extLst>
-              </a:tr>
-              <a:tr h="744123">
-                <a:tc>
-                  <a:txBody>
-                    <a:bodyPr/>
-                    <a:lstStyle/>
-                    <a:p>
-                      <a:endParaRPr lang="es-PR"/>
-                    </a:p>
-                  </a:txBody>
-                  <a:tcPr>
-                    <a:lnL w="19050" cap="flat" cmpd="sng" algn="ctr">
-                      <a:solidFill>
-                        <a:schemeClr val="tx1"/>
-                      </a:solidFill>
-                      <a:prstDash val="solid"/>
-                      <a:round/>
-                      <a:headEnd type="none" w="med" len="med"/>
-                      <a:tailEnd type="none" w="med" len="med"/>
-                    </a:lnL>
-                    <a:lnR w="19050" cap="flat" cmpd="sng" algn="ctr">
-                      <a:solidFill>
-                        <a:schemeClr val="tx1"/>
-                      </a:solidFill>
-                      <a:prstDash val="solid"/>
-                      <a:round/>
-                      <a:headEnd type="none" w="med" len="med"/>
-                      <a:tailEnd type="none" w="med" len="med"/>
-                    </a:lnR>
-                    <a:lnT w="19050" cap="flat" cmpd="sng" algn="ctr">
-                      <a:solidFill>
-                        <a:schemeClr val="tx1"/>
-                      </a:solidFill>
-                      <a:prstDash val="solid"/>
-                      <a:round/>
-                      <a:headEnd type="none" w="med" len="med"/>
-                      <a:tailEnd type="none" w="med" len="med"/>
-                    </a:lnT>
-                    <a:lnB w="19050" cap="flat" cmpd="sng" algn="ctr">
-                      <a:solidFill>
-                        <a:schemeClr val="tx1"/>
-                      </a:solidFill>
-                      <a:prstDash val="solid"/>
-                      <a:round/>
-                      <a:headEnd type="none" w="med" len="med"/>
-                      <a:tailEnd type="none" w="med" len="med"/>
-                    </a:lnB>
-                  </a:tcPr>
-                </a:tc>
-                <a:tc>
-                  <a:txBody>
-                    <a:bodyPr/>
-                    <a:lstStyle/>
-                    <a:p>
-                      <a:endParaRPr lang="es-PR"/>
-                    </a:p>
-                  </a:txBody>
-                  <a:tcPr>
-                    <a:lnL w="19050" cap="flat" cmpd="sng" algn="ctr">
-                      <a:solidFill>
-                        <a:schemeClr val="tx1"/>
-                      </a:solidFill>
-                      <a:prstDash val="solid"/>
-                      <a:round/>
-                      <a:headEnd type="none" w="med" len="med"/>
-                      <a:tailEnd type="none" w="med" len="med"/>
-                    </a:lnL>
-                    <a:lnR w="19050" cap="flat" cmpd="sng" algn="ctr">
-                      <a:solidFill>
-                        <a:schemeClr val="tx1"/>
-                      </a:solidFill>
-                      <a:prstDash val="solid"/>
-                      <a:round/>
-                      <a:headEnd type="none" w="med" len="med"/>
-                      <a:tailEnd type="none" w="med" len="med"/>
-                    </a:lnR>
-                    <a:lnT w="19050" cap="flat" cmpd="sng" algn="ctr">
-                      <a:solidFill>
-                        <a:schemeClr val="tx1"/>
-                      </a:solidFill>
-                      <a:prstDash val="solid"/>
-                      <a:round/>
-                      <a:headEnd type="none" w="med" len="med"/>
-                      <a:tailEnd type="none" w="med" len="med"/>
-                    </a:lnT>
-                    <a:lnB w="19050" cap="flat" cmpd="sng" algn="ctr">
-                      <a:solidFill>
-                        <a:schemeClr val="tx1"/>
-                      </a:solidFill>
-                      <a:prstDash val="solid"/>
-                      <a:round/>
-                      <a:headEnd type="none" w="med" len="med"/>
-                      <a:tailEnd type="none" w="med" len="med"/>
-                    </a:lnB>
-                  </a:tcPr>
-                </a:tc>
-                <a:tc>
-                  <a:txBody>
-                    <a:bodyPr/>
-                    <a:lstStyle/>
-                    <a:p>
-                      <a:endParaRPr lang="es-PR"/>
-                    </a:p>
-                  </a:txBody>
-                  <a:tcPr>
-                    <a:lnL w="19050" cap="flat" cmpd="sng" algn="ctr">
-                      <a:solidFill>
-                        <a:schemeClr val="tx1"/>
-                      </a:solidFill>
-                      <a:prstDash val="solid"/>
-                      <a:round/>
-                      <a:headEnd type="none" w="med" len="med"/>
-                      <a:tailEnd type="none" w="med" len="med"/>
-                    </a:lnL>
-                    <a:lnR w="19050" cap="flat" cmpd="sng" algn="ctr">
-                      <a:solidFill>
-                        <a:schemeClr val="tx1"/>
-                      </a:solidFill>
-                      <a:prstDash val="solid"/>
-                      <a:round/>
-                      <a:headEnd type="none" w="med" len="med"/>
-                      <a:tailEnd type="none" w="med" len="med"/>
-                    </a:lnR>
-                    <a:lnT w="19050" cap="flat" cmpd="sng" algn="ctr">
-                      <a:solidFill>
-                        <a:schemeClr val="tx1"/>
-                      </a:solidFill>
-                      <a:prstDash val="solid"/>
-                      <a:round/>
-                      <a:headEnd type="none" w="med" len="med"/>
-                      <a:tailEnd type="none" w="med" len="med"/>
-                    </a:lnT>
-                    <a:lnB w="19050" cap="flat" cmpd="sng" algn="ctr">
-                      <a:solidFill>
-                        <a:schemeClr val="tx1"/>
-                      </a:solidFill>
-                      <a:prstDash val="solid"/>
-                      <a:round/>
-                      <a:headEnd type="none" w="med" len="med"/>
-                      <a:tailEnd type="none" w="med" len="med"/>
-                    </a:lnB>
-                  </a:tcPr>
-                </a:tc>
-                <a:tc>
-                  <a:txBody>
-                    <a:bodyPr/>
-                    <a:lstStyle/>
-                    <a:p>
-                      <a:endParaRPr lang="es-PR"/>
-                    </a:p>
-                  </a:txBody>
-                  <a:tcPr>
-                    <a:lnL w="19050" cap="flat" cmpd="sng" algn="ctr">
-                      <a:solidFill>
-                        <a:schemeClr val="tx1"/>
-                      </a:solidFill>
-                      <a:prstDash val="solid"/>
-                      <a:round/>
-                      <a:headEnd type="none" w="med" len="med"/>
-                      <a:tailEnd type="none" w="med" len="med"/>
-                    </a:lnL>
-                    <a:lnR w="19050" cap="flat" cmpd="sng" algn="ctr">
-                      <a:solidFill>
-                        <a:schemeClr val="tx1"/>
-                      </a:solidFill>
-                      <a:prstDash val="solid"/>
-                      <a:round/>
-                      <a:headEnd type="none" w="med" len="med"/>
-                      <a:tailEnd type="none" w="med" len="med"/>
-                    </a:lnR>
-                    <a:lnT w="19050" cap="flat" cmpd="sng" algn="ctr">
-                      <a:solidFill>
-                        <a:schemeClr val="tx1"/>
-                      </a:solidFill>
-                      <a:prstDash val="solid"/>
-                      <a:round/>
-                      <a:headEnd type="none" w="med" len="med"/>
-                      <a:tailEnd type="none" w="med" len="med"/>
-                    </a:lnT>
-                    <a:lnB w="19050" cap="flat" cmpd="sng" algn="ctr">
-                      <a:solidFill>
-                        <a:schemeClr val="tx1"/>
-                      </a:solidFill>
-                      <a:prstDash val="solid"/>
-                      <a:round/>
-                      <a:headEnd type="none" w="med" len="med"/>
-                      <a:tailEnd type="none" w="med" len="med"/>
-                    </a:lnB>
-                  </a:tcPr>
-                </a:tc>
-                <a:tc>
-                  <a:txBody>
-                    <a:bodyPr/>
-                    <a:lstStyle/>
-                    <a:p>
-                      <a:endParaRPr lang="es-PR"/>
-                    </a:p>
-                  </a:txBody>
-                  <a:tcPr>
-                    <a:lnL w="19050" cap="flat" cmpd="sng" algn="ctr">
-                      <a:solidFill>
-                        <a:schemeClr val="tx1"/>
-                      </a:solidFill>
-                      <a:prstDash val="solid"/>
-                      <a:round/>
-                      <a:headEnd type="none" w="med" len="med"/>
-                      <a:tailEnd type="none" w="med" len="med"/>
-                    </a:lnL>
-                    <a:lnR w="19050" cap="flat" cmpd="sng" algn="ctr">
-                      <a:solidFill>
-                        <a:schemeClr val="tx1"/>
-                      </a:solidFill>
-                      <a:prstDash val="solid"/>
-                      <a:round/>
-                      <a:headEnd type="none" w="med" len="med"/>
-                      <a:tailEnd type="none" w="med" len="med"/>
-                    </a:lnR>
-                    <a:lnT w="19050" cap="flat" cmpd="sng" algn="ctr">
-                      <a:solidFill>
-                        <a:schemeClr val="tx1"/>
-                      </a:solidFill>
-                      <a:prstDash val="solid"/>
-                      <a:round/>
-                      <a:headEnd type="none" w="med" len="med"/>
-                      <a:tailEnd type="none" w="med" len="med"/>
-                    </a:lnT>
-                    <a:lnB w="19050" cap="flat" cmpd="sng" algn="ctr">
-                      <a:solidFill>
-                        <a:schemeClr val="tx1"/>
-                      </a:solidFill>
-                      <a:prstDash val="solid"/>
-                      <a:round/>
-                      <a:headEnd type="none" w="med" len="med"/>
-                      <a:tailEnd type="none" w="med" len="med"/>
-                    </a:lnB>
-                  </a:tcPr>
-                </a:tc>
-                <a:extLst>
-                  <a:ext uri="{0D108BD9-81ED-4DB2-BD59-A6C34878D82A}">
-                    <a16:rowId xmlns:a16="http://schemas.microsoft.com/office/drawing/2014/main" val="2587000552"/>
-                  </a:ext>
-                </a:extLst>
-              </a:tr>
-              <a:tr h="744123">
-                <a:tc>
-                  <a:txBody>
-                    <a:bodyPr/>
-                    <a:lstStyle/>
-                    <a:p>
-                      <a:endParaRPr lang="es-PR"/>
-                    </a:p>
-                  </a:txBody>
-                  <a:tcPr>
-                    <a:lnL w="19050" cap="flat" cmpd="sng" algn="ctr">
-                      <a:solidFill>
-                        <a:schemeClr val="tx1"/>
-                      </a:solidFill>
-                      <a:prstDash val="solid"/>
-                      <a:round/>
-                      <a:headEnd type="none" w="med" len="med"/>
-                      <a:tailEnd type="none" w="med" len="med"/>
-                    </a:lnL>
-                    <a:lnR w="19050" cap="flat" cmpd="sng" algn="ctr">
-                      <a:solidFill>
-                        <a:schemeClr val="tx1"/>
-                      </a:solidFill>
-                      <a:prstDash val="solid"/>
-                      <a:round/>
-                      <a:headEnd type="none" w="med" len="med"/>
-                      <a:tailEnd type="none" w="med" len="med"/>
-                    </a:lnR>
-                    <a:lnT w="19050" cap="flat" cmpd="sng" algn="ctr">
-                      <a:solidFill>
-                        <a:schemeClr val="tx1"/>
-                      </a:solidFill>
-                      <a:prstDash val="solid"/>
-                      <a:round/>
-                      <a:headEnd type="none" w="med" len="med"/>
-                      <a:tailEnd type="none" w="med" len="med"/>
-                    </a:lnT>
-                    <a:lnB w="19050" cap="flat" cmpd="sng" algn="ctr">
-                      <a:solidFill>
-                        <a:schemeClr val="tx1"/>
-                      </a:solidFill>
-                      <a:prstDash val="solid"/>
-                      <a:round/>
-                      <a:headEnd type="none" w="med" len="med"/>
-                      <a:tailEnd type="none" w="med" len="med"/>
-                    </a:lnB>
-                  </a:tcPr>
-                </a:tc>
-                <a:tc>
-                  <a:txBody>
-                    <a:bodyPr/>
-                    <a:lstStyle/>
-                    <a:p>
-                      <a:endParaRPr lang="es-PR"/>
-                    </a:p>
-                  </a:txBody>
-                  <a:tcPr>
-                    <a:lnL w="19050" cap="flat" cmpd="sng" algn="ctr">
-                      <a:solidFill>
-                        <a:schemeClr val="tx1"/>
-                      </a:solidFill>
-                      <a:prstDash val="solid"/>
-                      <a:round/>
-                      <a:headEnd type="none" w="med" len="med"/>
-                      <a:tailEnd type="none" w="med" len="med"/>
-                    </a:lnL>
-                    <a:lnR w="19050" cap="flat" cmpd="sng" algn="ctr">
-                      <a:solidFill>
-                        <a:schemeClr val="tx1"/>
-                      </a:solidFill>
-                      <a:prstDash val="solid"/>
-                      <a:round/>
-                      <a:headEnd type="none" w="med" len="med"/>
-                      <a:tailEnd type="none" w="med" len="med"/>
-                    </a:lnR>
-                    <a:lnT w="19050" cap="flat" cmpd="sng" algn="ctr">
-                      <a:solidFill>
-                        <a:schemeClr val="tx1"/>
-                      </a:solidFill>
-                      <a:prstDash val="solid"/>
-                      <a:round/>
-                      <a:headEnd type="none" w="med" len="med"/>
-                      <a:tailEnd type="none" w="med" len="med"/>
-                    </a:lnT>
-                    <a:lnB w="19050" cap="flat" cmpd="sng" algn="ctr">
-                      <a:solidFill>
-                        <a:schemeClr val="tx1"/>
-                      </a:solidFill>
-                      <a:prstDash val="solid"/>
-                      <a:round/>
-                      <a:headEnd type="none" w="med" len="med"/>
-                      <a:tailEnd type="none" w="med" len="med"/>
-                    </a:lnB>
-                  </a:tcPr>
-                </a:tc>
-                <a:tc>
-                  <a:txBody>
-                    <a:bodyPr/>
-                    <a:lstStyle/>
-                    <a:p>
-                      <a:endParaRPr lang="es-PR"/>
-                    </a:p>
-                  </a:txBody>
-                  <a:tcPr>
-                    <a:lnL w="19050" cap="flat" cmpd="sng" algn="ctr">
-                      <a:solidFill>
-                        <a:schemeClr val="tx1"/>
-                      </a:solidFill>
-                      <a:prstDash val="solid"/>
-                      <a:round/>
-                      <a:headEnd type="none" w="med" len="med"/>
-                      <a:tailEnd type="none" w="med" len="med"/>
-                    </a:lnL>
-                    <a:lnR w="19050" cap="flat" cmpd="sng" algn="ctr">
-                      <a:solidFill>
-                        <a:schemeClr val="tx1"/>
-                      </a:solidFill>
-                      <a:prstDash val="solid"/>
-                      <a:round/>
-                      <a:headEnd type="none" w="med" len="med"/>
-                      <a:tailEnd type="none" w="med" len="med"/>
-                    </a:lnR>
-                    <a:lnT w="19050" cap="flat" cmpd="sng" algn="ctr">
-                      <a:solidFill>
-                        <a:schemeClr val="tx1"/>
-                      </a:solidFill>
-                      <a:prstDash val="solid"/>
-                      <a:round/>
-                      <a:headEnd type="none" w="med" len="med"/>
-                      <a:tailEnd type="none" w="med" len="med"/>
-                    </a:lnT>
-                    <a:lnB w="19050" cap="flat" cmpd="sng" algn="ctr">
-                      <a:solidFill>
-                        <a:schemeClr val="tx1"/>
-                      </a:solidFill>
-                      <a:prstDash val="solid"/>
-                      <a:round/>
-                      <a:headEnd type="none" w="med" len="med"/>
-                      <a:tailEnd type="none" w="med" len="med"/>
-                    </a:lnB>
-                  </a:tcPr>
-                </a:tc>
-                <a:tc>
-                  <a:txBody>
-                    <a:bodyPr/>
-                    <a:lstStyle/>
-                    <a:p>
-                      <a:endParaRPr lang="es-PR"/>
-                    </a:p>
-                  </a:txBody>
-                  <a:tcPr>
-                    <a:lnL w="19050" cap="flat" cmpd="sng" algn="ctr">
-                      <a:solidFill>
-                        <a:schemeClr val="tx1"/>
-                      </a:solidFill>
-                      <a:prstDash val="solid"/>
-                      <a:round/>
-                      <a:headEnd type="none" w="med" len="med"/>
-                      <a:tailEnd type="none" w="med" len="med"/>
-                    </a:lnL>
-                    <a:lnR w="19050" cap="flat" cmpd="sng" algn="ctr">
-                      <a:solidFill>
-                        <a:schemeClr val="tx1"/>
-                      </a:solidFill>
-                      <a:prstDash val="solid"/>
-                      <a:round/>
-                      <a:headEnd type="none" w="med" len="med"/>
-                      <a:tailEnd type="none" w="med" len="med"/>
-                    </a:lnR>
-                    <a:lnT w="19050" cap="flat" cmpd="sng" algn="ctr">
-                      <a:solidFill>
-                        <a:schemeClr val="tx1"/>
-                      </a:solidFill>
-                      <a:prstDash val="solid"/>
-                      <a:round/>
-                      <a:headEnd type="none" w="med" len="med"/>
-                      <a:tailEnd type="none" w="med" len="med"/>
-                    </a:lnT>
-                    <a:lnB w="19050" cap="flat" cmpd="sng" algn="ctr">
-                      <a:solidFill>
-                        <a:schemeClr val="tx1"/>
-                      </a:solidFill>
-                      <a:prstDash val="solid"/>
-                      <a:round/>
-                      <a:headEnd type="none" w="med" len="med"/>
-                      <a:tailEnd type="none" w="med" len="med"/>
-                    </a:lnB>
-                  </a:tcPr>
-                </a:tc>
-                <a:tc>
-                  <a:txBody>
-                    <a:bodyPr/>
-                    <a:lstStyle/>
-                    <a:p>
-                      <a:endParaRPr lang="es-PR"/>
-                    </a:p>
-                  </a:txBody>
-                  <a:tcPr>
-                    <a:lnL w="19050" cap="flat" cmpd="sng" algn="ctr">
-                      <a:solidFill>
-                        <a:schemeClr val="tx1"/>
-                      </a:solidFill>
-                      <a:prstDash val="solid"/>
-                      <a:round/>
-                      <a:headEnd type="none" w="med" len="med"/>
-                      <a:tailEnd type="none" w="med" len="med"/>
-                    </a:lnL>
-                    <a:lnR w="19050" cap="flat" cmpd="sng" algn="ctr">
-                      <a:solidFill>
-                        <a:schemeClr val="tx1"/>
-                      </a:solidFill>
-                      <a:prstDash val="solid"/>
-                      <a:round/>
-                      <a:headEnd type="none" w="med" len="med"/>
-                      <a:tailEnd type="none" w="med" len="med"/>
-                    </a:lnR>
-                    <a:lnT w="19050" cap="flat" cmpd="sng" algn="ctr">
-                      <a:solidFill>
-                        <a:schemeClr val="tx1"/>
-                      </a:solidFill>
-                      <a:prstDash val="solid"/>
-                      <a:round/>
-                      <a:headEnd type="none" w="med" len="med"/>
-                      <a:tailEnd type="none" w="med" len="med"/>
-                    </a:lnT>
-                    <a:lnB w="19050" cap="flat" cmpd="sng" algn="ctr">
-                      <a:solidFill>
-                        <a:schemeClr val="tx1"/>
-                      </a:solidFill>
-                      <a:prstDash val="solid"/>
-                      <a:round/>
-                      <a:headEnd type="none" w="med" len="med"/>
-                      <a:tailEnd type="none" w="med" len="med"/>
-                    </a:lnB>
-                  </a:tcPr>
-                </a:tc>
-                <a:extLst>
-                  <a:ext uri="{0D108BD9-81ED-4DB2-BD59-A6C34878D82A}">
-                    <a16:rowId xmlns:a16="http://schemas.microsoft.com/office/drawing/2014/main" val="2345925938"/>
-                  </a:ext>
-                </a:extLst>
-              </a:tr>
-              <a:tr h="744123">
-                <a:tc>
-                  <a:txBody>
-                    <a:bodyPr/>
-                    <a:lstStyle/>
-                    <a:p>
-                      <a:endParaRPr lang="es-PR"/>
-                    </a:p>
-                  </a:txBody>
-                  <a:tcPr>
-                    <a:lnL w="19050" cap="flat" cmpd="sng" algn="ctr">
-                      <a:solidFill>
-                        <a:schemeClr val="tx1"/>
-                      </a:solidFill>
-                      <a:prstDash val="solid"/>
-                      <a:round/>
-                      <a:headEnd type="none" w="med" len="med"/>
-                      <a:tailEnd type="none" w="med" len="med"/>
-                    </a:lnL>
-                    <a:lnR w="19050" cap="flat" cmpd="sng" algn="ctr">
-                      <a:solidFill>
-                        <a:schemeClr val="tx1"/>
-                      </a:solidFill>
-                      <a:prstDash val="solid"/>
-                      <a:round/>
-                      <a:headEnd type="none" w="med" len="med"/>
-                      <a:tailEnd type="none" w="med" len="med"/>
-                    </a:lnR>
-                    <a:lnT w="19050" cap="flat" cmpd="sng" algn="ctr">
-                      <a:solidFill>
-                        <a:schemeClr val="tx1"/>
-                      </a:solidFill>
-                      <a:prstDash val="solid"/>
-                      <a:round/>
-                      <a:headEnd type="none" w="med" len="med"/>
-                      <a:tailEnd type="none" w="med" len="med"/>
-                    </a:lnT>
-                    <a:lnB w="19050" cap="flat" cmpd="sng" algn="ctr">
-                      <a:solidFill>
-                        <a:schemeClr val="tx1"/>
-                      </a:solidFill>
-                      <a:prstDash val="solid"/>
-                      <a:round/>
-                      <a:headEnd type="none" w="med" len="med"/>
-                      <a:tailEnd type="none" w="med" len="med"/>
-                    </a:lnB>
-                  </a:tcPr>
-                </a:tc>
-                <a:tc>
-                  <a:txBody>
-                    <a:bodyPr/>
-                    <a:lstStyle/>
-                    <a:p>
-                      <a:endParaRPr lang="es-PR"/>
-                    </a:p>
-                  </a:txBody>
-                  <a:tcPr>
-                    <a:lnL w="19050" cap="flat" cmpd="sng" algn="ctr">
-                      <a:solidFill>
-                        <a:schemeClr val="tx1"/>
-                      </a:solidFill>
-                      <a:prstDash val="solid"/>
-                      <a:round/>
-                      <a:headEnd type="none" w="med" len="med"/>
-                      <a:tailEnd type="none" w="med" len="med"/>
-                    </a:lnL>
-                    <a:lnR w="19050" cap="flat" cmpd="sng" algn="ctr">
-                      <a:solidFill>
-                        <a:schemeClr val="tx1"/>
-                      </a:solidFill>
-                      <a:prstDash val="solid"/>
-                      <a:round/>
-                      <a:headEnd type="none" w="med" len="med"/>
-                      <a:tailEnd type="none" w="med" len="med"/>
-                    </a:lnR>
-                    <a:lnT w="19050" cap="flat" cmpd="sng" algn="ctr">
-                      <a:solidFill>
-                        <a:schemeClr val="tx1"/>
-                      </a:solidFill>
-                      <a:prstDash val="solid"/>
-                      <a:round/>
-                      <a:headEnd type="none" w="med" len="med"/>
-                      <a:tailEnd type="none" w="med" len="med"/>
-                    </a:lnT>
-                    <a:lnB w="19050" cap="flat" cmpd="sng" algn="ctr">
-                      <a:solidFill>
-                        <a:schemeClr val="tx1"/>
-                      </a:solidFill>
-                      <a:prstDash val="solid"/>
-                      <a:round/>
-                      <a:headEnd type="none" w="med" len="med"/>
-                      <a:tailEnd type="none" w="med" len="med"/>
-                    </a:lnB>
-                  </a:tcPr>
-                </a:tc>
-                <a:tc>
-                  <a:txBody>
-                    <a:bodyPr/>
-                    <a:lstStyle/>
-                    <a:p>
-                      <a:endParaRPr lang="es-PR"/>
-                    </a:p>
-                  </a:txBody>
-                  <a:tcPr>
-                    <a:lnL w="19050" cap="flat" cmpd="sng" algn="ctr">
-                      <a:solidFill>
-                        <a:schemeClr val="tx1"/>
-                      </a:solidFill>
-                      <a:prstDash val="solid"/>
-                      <a:round/>
-                      <a:headEnd type="none" w="med" len="med"/>
-                      <a:tailEnd type="none" w="med" len="med"/>
-                    </a:lnL>
-                    <a:lnR w="19050" cap="flat" cmpd="sng" algn="ctr">
-                      <a:solidFill>
-                        <a:schemeClr val="tx1"/>
-                      </a:solidFill>
-                      <a:prstDash val="solid"/>
-                      <a:round/>
-                      <a:headEnd type="none" w="med" len="med"/>
-                      <a:tailEnd type="none" w="med" len="med"/>
-                    </a:lnR>
-                    <a:lnT w="19050" cap="flat" cmpd="sng" algn="ctr">
-                      <a:solidFill>
-                        <a:schemeClr val="tx1"/>
-                      </a:solidFill>
-                      <a:prstDash val="solid"/>
-                      <a:round/>
-                      <a:headEnd type="none" w="med" len="med"/>
-                      <a:tailEnd type="none" w="med" len="med"/>
-                    </a:lnT>
-                    <a:lnB w="19050" cap="flat" cmpd="sng" algn="ctr">
-                      <a:solidFill>
-                        <a:schemeClr val="tx1"/>
-                      </a:solidFill>
-                      <a:prstDash val="solid"/>
-                      <a:round/>
-                      <a:headEnd type="none" w="med" len="med"/>
-                      <a:tailEnd type="none" w="med" len="med"/>
-                    </a:lnB>
-                  </a:tcPr>
-                </a:tc>
-                <a:tc>
-                  <a:txBody>
-                    <a:bodyPr/>
-                    <a:lstStyle/>
-                    <a:p>
-                      <a:endParaRPr lang="es-PR"/>
-                    </a:p>
-                  </a:txBody>
-                  <a:tcPr>
-                    <a:lnL w="19050" cap="flat" cmpd="sng" algn="ctr">
-                      <a:solidFill>
-                        <a:schemeClr val="tx1"/>
-                      </a:solidFill>
-                      <a:prstDash val="solid"/>
-                      <a:round/>
-                      <a:headEnd type="none" w="med" len="med"/>
-                      <a:tailEnd type="none" w="med" len="med"/>
-                    </a:lnL>
-                    <a:lnR w="19050" cap="flat" cmpd="sng" algn="ctr">
-                      <a:solidFill>
-                        <a:schemeClr val="tx1"/>
-                      </a:solidFill>
-                      <a:prstDash val="solid"/>
-                      <a:round/>
-                      <a:headEnd type="none" w="med" len="med"/>
-                      <a:tailEnd type="none" w="med" len="med"/>
-                    </a:lnR>
-                    <a:lnT w="19050" cap="flat" cmpd="sng" algn="ctr">
-                      <a:solidFill>
-                        <a:schemeClr val="tx1"/>
-                      </a:solidFill>
-                      <a:prstDash val="solid"/>
-                      <a:round/>
-                      <a:headEnd type="none" w="med" len="med"/>
-                      <a:tailEnd type="none" w="med" len="med"/>
-                    </a:lnT>
-                    <a:lnB w="19050" cap="flat" cmpd="sng" algn="ctr">
-                      <a:solidFill>
-                        <a:schemeClr val="tx1"/>
-                      </a:solidFill>
-                      <a:prstDash val="solid"/>
-                      <a:round/>
-                      <a:headEnd type="none" w="med" len="med"/>
-                      <a:tailEnd type="none" w="med" len="med"/>
-                    </a:lnB>
-                  </a:tcPr>
-                </a:tc>
-                <a:tc>
-                  <a:txBody>
-                    <a:bodyPr/>
-                    <a:lstStyle/>
-                    <a:p>
-                      <a:endParaRPr lang="es-PR" dirty="0"/>
-                    </a:p>
-                  </a:txBody>
-                  <a:tcPr>
-                    <a:lnL w="19050" cap="flat" cmpd="sng" algn="ctr">
-                      <a:solidFill>
-                        <a:schemeClr val="tx1"/>
-                      </a:solidFill>
-                      <a:prstDash val="solid"/>
-                      <a:round/>
-                      <a:headEnd type="none" w="med" len="med"/>
-                      <a:tailEnd type="none" w="med" len="med"/>
-                    </a:lnL>
-                    <a:lnR w="19050" cap="flat" cmpd="sng" algn="ctr">
-                      <a:solidFill>
-                        <a:schemeClr val="tx1"/>
-                      </a:solidFill>
-                      <a:prstDash val="solid"/>
-                      <a:round/>
-                      <a:headEnd type="none" w="med" len="med"/>
-                      <a:tailEnd type="none" w="med" len="med"/>
-                    </a:lnR>
-                    <a:lnT w="19050" cap="flat" cmpd="sng" algn="ctr">
-                      <a:solidFill>
-                        <a:schemeClr val="tx1"/>
-                      </a:solidFill>
-                      <a:prstDash val="solid"/>
-                      <a:round/>
-                      <a:headEnd type="none" w="med" len="med"/>
-                      <a:tailEnd type="none" w="med" len="med"/>
-                    </a:lnT>
-                    <a:lnB w="19050" cap="flat" cmpd="sng" algn="ctr">
-                      <a:solidFill>
-                        <a:schemeClr val="tx1"/>
-                      </a:solidFill>
-                      <a:prstDash val="solid"/>
-                      <a:round/>
-                      <a:headEnd type="none" w="med" len="med"/>
-                      <a:tailEnd type="none" w="med" len="med"/>
-                    </a:lnB>
-                  </a:tcPr>
-                </a:tc>
-                <a:extLst>
-                  <a:ext uri="{0D108BD9-81ED-4DB2-BD59-A6C34878D82A}">
-                    <a16:rowId xmlns:a16="http://schemas.microsoft.com/office/drawing/2014/main" val="1922692707"/>
-                  </a:ext>
-                </a:extLst>
-              </a:tr>
-            </a:tbl>
-          </a:graphicData>
-        </a:graphic>
-      </p:graphicFrame>
-    </p:spTree>
-    <p:extLst>
-      <p:ext uri="{BB962C8B-B14F-4D97-AF65-F5344CB8AC3E}">
-        <p14:creationId xmlns:p14="http://schemas.microsoft.com/office/powerpoint/2010/main" val="3992427901"/>
-      </p:ext>
-    </p:extLst>
-  </p:cSld>
-  <p:clrMapOvr>
-    <a:masterClrMapping/>
-  </p:clrMapOvr>
-</p:sld>
-</file>
-
-<file path=ppt/slides/slide2.xml><?xml version="1.0" encoding="utf-8"?>
 <p:sld xmlns:a="http://schemas.openxmlformats.org/drawingml/2006/main" xmlns:r="http://schemas.openxmlformats.org/officeDocument/2006/relationships" xmlns:p="http://schemas.openxmlformats.org/presentationml/2006/main">
   <p:cSld>
     <p:spTree>
@@ -14701,7 +13822,7 @@
           <p:nvPr>
             <p:extLst>
               <p:ext uri="{D42A27DB-BD31-4B8C-83A1-F6EECF244321}">
-                <p14:modId xmlns:p14="http://schemas.microsoft.com/office/powerpoint/2010/main" val="4118591742"/>
+                <p14:modId xmlns:p14="http://schemas.microsoft.com/office/powerpoint/2010/main" val="3328788556"/>
               </p:ext>
             </p:extLst>
           </p:nvPr>
@@ -14837,160 +13958,104 @@
                     <a:lstStyle/>
                     <a:p>
                       <a:pPr algn="ctr"/>
-                      <a:r>
-                        <a:rPr lang="es-ES" sz="2000" dirty="0">
-                          <a:latin typeface="Courier New" panose="02070309020205020404" pitchFamily="49" charset="0"/>
-                          <a:cs typeface="Courier New" panose="02070309020205020404" pitchFamily="49" charset="0"/>
-                        </a:rPr>
-                        <a:t>h</a:t>
-                      </a:r>
-                      <a:endParaRPr lang="es-PR" sz="2000" dirty="0">
-                        <a:latin typeface="Courier New" panose="02070309020205020404" pitchFamily="49" charset="0"/>
-                        <a:cs typeface="Courier New" panose="02070309020205020404" pitchFamily="49" charset="0"/>
-                      </a:endParaRPr>
-                    </a:p>
-                  </a:txBody>
-                  <a:tcPr anchor="ctr"/>
-                </a:tc>
-                <a:tc>
-                  <a:txBody>
-                    <a:bodyPr/>
-                    <a:lstStyle/>
-                    <a:p>
-                      <a:pPr algn="ctr"/>
-                      <a:r>
-                        <a:rPr lang="es-ES" sz="2000" dirty="0">
-                          <a:latin typeface="Courier New" panose="02070309020205020404" pitchFamily="49" charset="0"/>
-                          <a:cs typeface="Courier New" panose="02070309020205020404" pitchFamily="49" charset="0"/>
-                        </a:rPr>
-                        <a:t>h</a:t>
-                      </a:r>
-                      <a:endParaRPr lang="es-PR" sz="2000" dirty="0">
-                        <a:latin typeface="Courier New" panose="02070309020205020404" pitchFamily="49" charset="0"/>
-                        <a:cs typeface="Courier New" panose="02070309020205020404" pitchFamily="49" charset="0"/>
-                      </a:endParaRPr>
-                    </a:p>
-                  </a:txBody>
-                  <a:tcPr anchor="ctr"/>
-                </a:tc>
-                <a:tc>
-                  <a:txBody>
-                    <a:bodyPr/>
-                    <a:lstStyle/>
-                    <a:p>
-                      <a:pPr algn="ctr"/>
-                      <a:r>
-                        <a:rPr lang="es-ES" sz="2000" dirty="0">
-                          <a:latin typeface="Courier New" panose="02070309020205020404" pitchFamily="49" charset="0"/>
-                          <a:cs typeface="Courier New" panose="02070309020205020404" pitchFamily="49" charset="0"/>
-                        </a:rPr>
-                        <a:t>:</a:t>
-                      </a:r>
-                      <a:endParaRPr lang="es-PR" sz="2000" dirty="0">
-                        <a:latin typeface="Courier New" panose="02070309020205020404" pitchFamily="49" charset="0"/>
-                        <a:cs typeface="Courier New" panose="02070309020205020404" pitchFamily="49" charset="0"/>
-                      </a:endParaRPr>
-                    </a:p>
-                  </a:txBody>
-                  <a:tcPr anchor="ctr"/>
-                </a:tc>
-                <a:tc>
-                  <a:txBody>
-                    <a:bodyPr/>
-                    <a:lstStyle/>
-                    <a:p>
-                      <a:pPr algn="ctr"/>
-                      <a:r>
-                        <a:rPr lang="es-ES" sz="2000" dirty="0">
-                          <a:latin typeface="Courier New" panose="02070309020205020404" pitchFamily="49" charset="0"/>
-                          <a:cs typeface="Courier New" panose="02070309020205020404" pitchFamily="49" charset="0"/>
-                        </a:rPr>
-                        <a:t>m</a:t>
-                      </a:r>
-                      <a:endParaRPr lang="es-PR" sz="2000" dirty="0">
-                        <a:latin typeface="Courier New" panose="02070309020205020404" pitchFamily="49" charset="0"/>
-                        <a:cs typeface="Courier New" panose="02070309020205020404" pitchFamily="49" charset="0"/>
-                      </a:endParaRPr>
-                    </a:p>
-                  </a:txBody>
-                  <a:tcPr anchor="ctr"/>
-                </a:tc>
-                <a:tc>
-                  <a:txBody>
-                    <a:bodyPr/>
-                    <a:lstStyle/>
-                    <a:p>
-                      <a:pPr algn="ctr"/>
-                      <a:r>
-                        <a:rPr lang="es-ES" sz="2000" dirty="0">
-                          <a:latin typeface="Courier New" panose="02070309020205020404" pitchFamily="49" charset="0"/>
-                          <a:cs typeface="Courier New" panose="02070309020205020404" pitchFamily="49" charset="0"/>
-                        </a:rPr>
-                        <a:t>m</a:t>
-                      </a:r>
-                      <a:endParaRPr lang="es-PR" sz="2000" dirty="0">
-                        <a:latin typeface="Courier New" panose="02070309020205020404" pitchFamily="49" charset="0"/>
-                        <a:cs typeface="Courier New" panose="02070309020205020404" pitchFamily="49" charset="0"/>
-                      </a:endParaRPr>
-                    </a:p>
-                  </a:txBody>
-                  <a:tcPr anchor="ctr"/>
-                </a:tc>
-                <a:tc>
-                  <a:txBody>
-                    <a:bodyPr/>
-                    <a:lstStyle/>
-                    <a:p>
-                      <a:pPr algn="ctr"/>
-                      <a:r>
-                        <a:rPr lang="es-ES" sz="2000" dirty="0">
-                          <a:latin typeface="Courier New" panose="02070309020205020404" pitchFamily="49" charset="0"/>
-                          <a:cs typeface="Courier New" panose="02070309020205020404" pitchFamily="49" charset="0"/>
-                        </a:rPr>
-                        <a:t>:</a:t>
-                      </a:r>
-                      <a:endParaRPr lang="es-PR" sz="2000" dirty="0">
-                        <a:latin typeface="Courier New" panose="02070309020205020404" pitchFamily="49" charset="0"/>
-                        <a:cs typeface="Courier New" panose="02070309020205020404" pitchFamily="49" charset="0"/>
-                      </a:endParaRPr>
-                    </a:p>
-                  </a:txBody>
-                  <a:tcPr anchor="ctr"/>
-                </a:tc>
-                <a:tc>
-                  <a:txBody>
-                    <a:bodyPr/>
-                    <a:lstStyle/>
-                    <a:p>
-                      <a:pPr algn="ctr"/>
-                      <a:r>
-                        <a:rPr lang="es-ES" sz="2000" dirty="0">
-                          <a:latin typeface="Courier New" panose="02070309020205020404" pitchFamily="49" charset="0"/>
-                          <a:cs typeface="Courier New" panose="02070309020205020404" pitchFamily="49" charset="0"/>
-                        </a:rPr>
-                        <a:t>s</a:t>
-                      </a:r>
-                      <a:endParaRPr lang="es-PR" sz="2000" dirty="0">
-                        <a:latin typeface="Courier New" panose="02070309020205020404" pitchFamily="49" charset="0"/>
-                        <a:cs typeface="Courier New" panose="02070309020205020404" pitchFamily="49" charset="0"/>
-                      </a:endParaRPr>
-                    </a:p>
-                  </a:txBody>
-                  <a:tcPr anchor="ctr"/>
-                </a:tc>
-                <a:tc>
-                  <a:txBody>
-                    <a:bodyPr/>
-                    <a:lstStyle/>
-                    <a:p>
-                      <a:pPr algn="ctr"/>
-                      <a:r>
-                        <a:rPr lang="es-ES" sz="2000" dirty="0">
-                          <a:latin typeface="Courier New" panose="02070309020205020404" pitchFamily="49" charset="0"/>
-                          <a:cs typeface="Courier New" panose="02070309020205020404" pitchFamily="49" charset="0"/>
-                        </a:rPr>
-                        <a:t>s</a:t>
-                      </a:r>
+                      <a:endParaRPr lang="es-PR" sz="2000" dirty="0">
+                        <a:latin typeface="Courier New" panose="02070309020205020404" pitchFamily="49" charset="0"/>
+                        <a:cs typeface="Courier New" panose="02070309020205020404" pitchFamily="49" charset="0"/>
+                      </a:endParaRPr>
+                    </a:p>
+                  </a:txBody>
+                  <a:tcPr anchor="ctr"/>
+                </a:tc>
+                <a:tc>
+                  <a:txBody>
+                    <a:bodyPr/>
+                    <a:lstStyle/>
+                    <a:p>
+                      <a:pPr algn="ctr"/>
+                      <a:endParaRPr lang="es-PR" sz="2000" dirty="0">
+                        <a:latin typeface="Courier New" panose="02070309020205020404" pitchFamily="49" charset="0"/>
+                        <a:cs typeface="Courier New" panose="02070309020205020404" pitchFamily="49" charset="0"/>
+                      </a:endParaRPr>
+                    </a:p>
+                  </a:txBody>
+                  <a:tcPr anchor="ctr"/>
+                </a:tc>
+                <a:tc>
+                  <a:txBody>
+                    <a:bodyPr/>
+                    <a:lstStyle/>
+                    <a:p>
+                      <a:pPr algn="ctr"/>
+                      <a:endParaRPr lang="es-PR" sz="2000" dirty="0">
+                        <a:latin typeface="Courier New" panose="02070309020205020404" pitchFamily="49" charset="0"/>
+                        <a:cs typeface="Courier New" panose="02070309020205020404" pitchFamily="49" charset="0"/>
+                      </a:endParaRPr>
+                    </a:p>
+                  </a:txBody>
+                  <a:tcPr anchor="ctr"/>
+                </a:tc>
+                <a:tc>
+                  <a:txBody>
+                    <a:bodyPr/>
+                    <a:lstStyle/>
+                    <a:p>
+                      <a:pPr algn="ctr"/>
+                      <a:endParaRPr lang="es-PR" sz="2000" dirty="0">
+                        <a:latin typeface="Courier New" panose="02070309020205020404" pitchFamily="49" charset="0"/>
+                        <a:cs typeface="Courier New" panose="02070309020205020404" pitchFamily="49" charset="0"/>
+                      </a:endParaRPr>
+                    </a:p>
+                  </a:txBody>
+                  <a:tcPr anchor="ctr"/>
+                </a:tc>
+                <a:tc>
+                  <a:txBody>
+                    <a:bodyPr/>
+                    <a:lstStyle/>
+                    <a:p>
+                      <a:pPr algn="ctr"/>
+                      <a:endParaRPr lang="es-PR" sz="2000" dirty="0">
+                        <a:latin typeface="Courier New" panose="02070309020205020404" pitchFamily="49" charset="0"/>
+                        <a:cs typeface="Courier New" panose="02070309020205020404" pitchFamily="49" charset="0"/>
+                      </a:endParaRPr>
+                    </a:p>
+                  </a:txBody>
+                  <a:tcPr anchor="ctr"/>
+                </a:tc>
+                <a:tc>
+                  <a:txBody>
+                    <a:bodyPr/>
+                    <a:lstStyle/>
+                    <a:p>
+                      <a:pPr algn="ctr"/>
+                      <a:endParaRPr lang="es-PR" sz="2000" dirty="0">
+                        <a:latin typeface="Courier New" panose="02070309020205020404" pitchFamily="49" charset="0"/>
+                        <a:cs typeface="Courier New" panose="02070309020205020404" pitchFamily="49" charset="0"/>
+                      </a:endParaRPr>
+                    </a:p>
+                  </a:txBody>
+                  <a:tcPr anchor="ctr"/>
+                </a:tc>
+                <a:tc>
+                  <a:txBody>
+                    <a:bodyPr/>
+                    <a:lstStyle/>
+                    <a:p>
+                      <a:pPr algn="ctr"/>
+                      <a:endParaRPr lang="es-PR" sz="2000" dirty="0">
+                        <a:latin typeface="Courier New" panose="02070309020205020404" pitchFamily="49" charset="0"/>
+                        <a:cs typeface="Courier New" panose="02070309020205020404" pitchFamily="49" charset="0"/>
+                      </a:endParaRPr>
+                    </a:p>
+                  </a:txBody>
+                  <a:tcPr anchor="ctr"/>
+                </a:tc>
+                <a:tc>
+                  <a:txBody>
+                    <a:bodyPr/>
+                    <a:lstStyle/>
+                    <a:p>
+                      <a:pPr algn="ctr"/>
                       <a:endParaRPr lang="es-PR" sz="2000" dirty="0">
                         <a:latin typeface="Courier New" panose="02070309020205020404" pitchFamily="49" charset="0"/>
                         <a:cs typeface="Courier New" panose="02070309020205020404" pitchFamily="49" charset="0"/>
@@ -15124,125 +14189,3197 @@
                     <a:lstStyle/>
                     <a:p>
                       <a:pPr algn="ctr"/>
-                      <a:r>
-                        <a:rPr lang="es-ES" sz="2000" dirty="0">
-                          <a:latin typeface="Courier New" panose="02070309020205020404" pitchFamily="49" charset="0"/>
-                          <a:cs typeface="Courier New" panose="02070309020205020404" pitchFamily="49" charset="0"/>
-                        </a:rPr>
-                        <a:t>&gt;</a:t>
-                      </a:r>
-                      <a:endParaRPr lang="es-PR" sz="2000" dirty="0">
-                        <a:latin typeface="Courier New" panose="02070309020205020404" pitchFamily="49" charset="0"/>
-                        <a:cs typeface="Courier New" panose="02070309020205020404" pitchFamily="49" charset="0"/>
-                      </a:endParaRPr>
-                    </a:p>
-                  </a:txBody>
-                  <a:tcPr anchor="ctr"/>
-                </a:tc>
-                <a:tc>
-                  <a:txBody>
-                    <a:bodyPr/>
-                    <a:lstStyle/>
-                    <a:p>
-                      <a:pPr algn="ctr"/>
-                      <a:r>
-                        <a:rPr lang="es-ES" sz="2000" dirty="0">
-                          <a:latin typeface="Courier New" panose="02070309020205020404" pitchFamily="49" charset="0"/>
-                          <a:cs typeface="Courier New" panose="02070309020205020404" pitchFamily="49" charset="0"/>
-                        </a:rPr>
-                        <a:t>O</a:t>
-                      </a:r>
-                      <a:endParaRPr lang="es-PR" sz="2000" dirty="0">
-                        <a:latin typeface="Courier New" panose="02070309020205020404" pitchFamily="49" charset="0"/>
-                        <a:cs typeface="Courier New" panose="02070309020205020404" pitchFamily="49" charset="0"/>
-                      </a:endParaRPr>
-                    </a:p>
-                  </a:txBody>
-                  <a:tcPr anchor="ctr"/>
-                </a:tc>
-                <a:tc>
-                  <a:txBody>
-                    <a:bodyPr/>
-                    <a:lstStyle/>
-                    <a:p>
-                      <a:pPr algn="ctr"/>
-                      <a:r>
-                        <a:rPr lang="es-ES" sz="2000" dirty="0">
-                          <a:latin typeface="Courier New" panose="02070309020205020404" pitchFamily="49" charset="0"/>
-                          <a:cs typeface="Courier New" panose="02070309020205020404" pitchFamily="49" charset="0"/>
-                        </a:rPr>
-                        <a:t>K</a:t>
-                      </a:r>
-                      <a:endParaRPr lang="es-PR" sz="2000" dirty="0">
-                        <a:latin typeface="Courier New" panose="02070309020205020404" pitchFamily="49" charset="0"/>
-                        <a:cs typeface="Courier New" panose="02070309020205020404" pitchFamily="49" charset="0"/>
-                      </a:endParaRPr>
-                    </a:p>
-                  </a:txBody>
-                  <a:tcPr anchor="ctr"/>
-                </a:tc>
-                <a:tc>
-                  <a:txBody>
-                    <a:bodyPr/>
-                    <a:lstStyle/>
-                    <a:p>
-                      <a:pPr algn="ctr"/>
-                      <a:endParaRPr lang="es-PR" sz="2000" dirty="0">
-                        <a:latin typeface="Courier New" panose="02070309020205020404" pitchFamily="49" charset="0"/>
-                        <a:cs typeface="Courier New" panose="02070309020205020404" pitchFamily="49" charset="0"/>
-                      </a:endParaRPr>
-                    </a:p>
-                  </a:txBody>
-                  <a:tcPr anchor="ctr"/>
-                </a:tc>
-                <a:tc>
-                  <a:txBody>
-                    <a:bodyPr/>
-                    <a:lstStyle/>
-                    <a:p>
-                      <a:pPr algn="ctr"/>
-                      <a:endParaRPr lang="es-PR" sz="2000" dirty="0">
-                        <a:latin typeface="Courier New" panose="02070309020205020404" pitchFamily="49" charset="0"/>
-                        <a:cs typeface="Courier New" panose="02070309020205020404" pitchFamily="49" charset="0"/>
-                      </a:endParaRPr>
-                    </a:p>
-                  </a:txBody>
-                  <a:tcPr anchor="ctr"/>
-                </a:tc>
-                <a:tc>
-                  <a:txBody>
-                    <a:bodyPr/>
-                    <a:lstStyle/>
-                    <a:p>
-                      <a:pPr algn="ctr"/>
-                      <a:endParaRPr lang="es-PR" sz="2000" dirty="0">
-                        <a:latin typeface="Courier New" panose="02070309020205020404" pitchFamily="49" charset="0"/>
-                        <a:cs typeface="Courier New" panose="02070309020205020404" pitchFamily="49" charset="0"/>
-                      </a:endParaRPr>
-                    </a:p>
-                  </a:txBody>
-                  <a:tcPr anchor="ctr"/>
-                </a:tc>
-                <a:tc>
-                  <a:txBody>
-                    <a:bodyPr/>
-                    <a:lstStyle/>
-                    <a:p>
-                      <a:pPr algn="ctr"/>
-                      <a:endParaRPr lang="es-PR" sz="2000" dirty="0">
-                        <a:latin typeface="Courier New" panose="02070309020205020404" pitchFamily="49" charset="0"/>
-                        <a:cs typeface="Courier New" panose="02070309020205020404" pitchFamily="49" charset="0"/>
-                      </a:endParaRPr>
-                    </a:p>
-                  </a:txBody>
-                  <a:tcPr anchor="ctr"/>
-                </a:tc>
-                <a:tc>
-                  <a:txBody>
-                    <a:bodyPr/>
-                    <a:lstStyle/>
-                    <a:p>
-                      <a:pPr algn="ctr"/>
+                      <a:endParaRPr lang="es-PR" sz="2000" dirty="0">
+                        <a:latin typeface="Courier New" panose="02070309020205020404" pitchFamily="49" charset="0"/>
+                        <a:cs typeface="Courier New" panose="02070309020205020404" pitchFamily="49" charset="0"/>
+                      </a:endParaRPr>
+                    </a:p>
+                  </a:txBody>
+                  <a:tcPr anchor="ctr"/>
+                </a:tc>
+                <a:tc>
+                  <a:txBody>
+                    <a:bodyPr/>
+                    <a:lstStyle/>
+                    <a:p>
+                      <a:pPr algn="ctr"/>
+                      <a:endParaRPr lang="es-PR" sz="2000" dirty="0">
+                        <a:latin typeface="Courier New" panose="02070309020205020404" pitchFamily="49" charset="0"/>
+                        <a:cs typeface="Courier New" panose="02070309020205020404" pitchFamily="49" charset="0"/>
+                      </a:endParaRPr>
+                    </a:p>
+                  </a:txBody>
+                  <a:tcPr anchor="ctr"/>
+                </a:tc>
+                <a:tc>
+                  <a:txBody>
+                    <a:bodyPr/>
+                    <a:lstStyle/>
+                    <a:p>
+                      <a:pPr algn="ctr"/>
+                      <a:endParaRPr lang="es-PR" sz="2000" dirty="0">
+                        <a:latin typeface="Courier New" panose="02070309020205020404" pitchFamily="49" charset="0"/>
+                        <a:cs typeface="Courier New" panose="02070309020205020404" pitchFamily="49" charset="0"/>
+                      </a:endParaRPr>
+                    </a:p>
+                  </a:txBody>
+                  <a:tcPr anchor="ctr"/>
+                </a:tc>
+                <a:tc>
+                  <a:txBody>
+                    <a:bodyPr/>
+                    <a:lstStyle/>
+                    <a:p>
+                      <a:pPr algn="ctr"/>
+                      <a:endParaRPr lang="es-PR" sz="2000" dirty="0">
+                        <a:latin typeface="Courier New" panose="02070309020205020404" pitchFamily="49" charset="0"/>
+                        <a:cs typeface="Courier New" panose="02070309020205020404" pitchFamily="49" charset="0"/>
+                      </a:endParaRPr>
+                    </a:p>
+                  </a:txBody>
+                  <a:tcPr anchor="ctr"/>
+                </a:tc>
+                <a:tc>
+                  <a:txBody>
+                    <a:bodyPr/>
+                    <a:lstStyle/>
+                    <a:p>
+                      <a:pPr algn="ctr"/>
+                      <a:endParaRPr lang="es-PR" sz="2000" dirty="0">
+                        <a:latin typeface="Courier New" panose="02070309020205020404" pitchFamily="49" charset="0"/>
+                        <a:cs typeface="Courier New" panose="02070309020205020404" pitchFamily="49" charset="0"/>
+                      </a:endParaRPr>
+                    </a:p>
+                  </a:txBody>
+                  <a:tcPr anchor="ctr"/>
+                </a:tc>
+                <a:tc>
+                  <a:txBody>
+                    <a:bodyPr/>
+                    <a:lstStyle/>
+                    <a:p>
+                      <a:pPr algn="ctr"/>
+                      <a:endParaRPr lang="es-PR" sz="2000" dirty="0">
+                        <a:latin typeface="Courier New" panose="02070309020205020404" pitchFamily="49" charset="0"/>
+                        <a:cs typeface="Courier New" panose="02070309020205020404" pitchFamily="49" charset="0"/>
+                      </a:endParaRPr>
+                    </a:p>
+                  </a:txBody>
+                  <a:tcPr anchor="ctr"/>
+                </a:tc>
+                <a:tc>
+                  <a:txBody>
+                    <a:bodyPr/>
+                    <a:lstStyle/>
+                    <a:p>
+                      <a:pPr algn="ctr"/>
+                      <a:endParaRPr lang="es-PR" sz="2000" dirty="0">
+                        <a:latin typeface="Courier New" panose="02070309020205020404" pitchFamily="49" charset="0"/>
+                        <a:cs typeface="Courier New" panose="02070309020205020404" pitchFamily="49" charset="0"/>
+                      </a:endParaRPr>
+                    </a:p>
+                  </a:txBody>
+                  <a:tcPr anchor="ctr"/>
+                </a:tc>
+                <a:tc>
+                  <a:txBody>
+                    <a:bodyPr/>
+                    <a:lstStyle/>
+                    <a:p>
+                      <a:pPr algn="ctr"/>
+                      <a:endParaRPr lang="es-PR" sz="2000" dirty="0">
+                        <a:latin typeface="Courier New" panose="02070309020205020404" pitchFamily="49" charset="0"/>
+                        <a:cs typeface="Courier New" panose="02070309020205020404" pitchFamily="49" charset="0"/>
+                      </a:endParaRPr>
+                    </a:p>
+                  </a:txBody>
+                  <a:tcPr anchor="ctr"/>
+                </a:tc>
+                <a:tc>
+                  <a:txBody>
+                    <a:bodyPr/>
+                    <a:lstStyle/>
+                    <a:p>
+                      <a:pPr algn="ctr"/>
+                      <a:endParaRPr lang="es-PR" sz="2000" dirty="0">
+                        <a:latin typeface="Courier New" panose="02070309020205020404" pitchFamily="49" charset="0"/>
+                        <a:cs typeface="Courier New" panose="02070309020205020404" pitchFamily="49" charset="0"/>
+                      </a:endParaRPr>
+                    </a:p>
+                  </a:txBody>
+                  <a:tcPr anchor="ctr"/>
+                </a:tc>
+                <a:tc>
+                  <a:txBody>
+                    <a:bodyPr/>
+                    <a:lstStyle/>
+                    <a:p>
+                      <a:pPr algn="ctr"/>
+                      <a:endParaRPr lang="es-PR" sz="2000" dirty="0">
+                        <a:latin typeface="Courier New" panose="02070309020205020404" pitchFamily="49" charset="0"/>
+                        <a:cs typeface="Courier New" panose="02070309020205020404" pitchFamily="49" charset="0"/>
+                      </a:endParaRPr>
+                    </a:p>
+                  </a:txBody>
+                  <a:tcPr anchor="ctr"/>
+                </a:tc>
+                <a:tc>
+                  <a:txBody>
+                    <a:bodyPr/>
+                    <a:lstStyle/>
+                    <a:p>
+                      <a:pPr algn="ctr"/>
+                      <a:endParaRPr lang="es-PR" sz="2000" dirty="0">
+                        <a:latin typeface="Courier New" panose="02070309020205020404" pitchFamily="49" charset="0"/>
+                        <a:cs typeface="Courier New" panose="02070309020205020404" pitchFamily="49" charset="0"/>
+                      </a:endParaRPr>
+                    </a:p>
+                  </a:txBody>
+                  <a:tcPr anchor="ctr"/>
+                </a:tc>
+                <a:tc>
+                  <a:txBody>
+                    <a:bodyPr/>
+                    <a:lstStyle/>
+                    <a:p>
+                      <a:pPr algn="ctr"/>
+                      <a:endParaRPr lang="es-PR" sz="2000" dirty="0">
+                        <a:latin typeface="Courier New" panose="02070309020205020404" pitchFamily="49" charset="0"/>
+                        <a:cs typeface="Courier New" panose="02070309020205020404" pitchFamily="49" charset="0"/>
+                      </a:endParaRPr>
+                    </a:p>
+                  </a:txBody>
+                  <a:tcPr anchor="ctr"/>
+                </a:tc>
+                <a:tc>
+                  <a:txBody>
+                    <a:bodyPr/>
+                    <a:lstStyle/>
+                    <a:p>
+                      <a:pPr algn="ctr"/>
+                      <a:endParaRPr lang="es-PR" sz="2000" dirty="0">
+                        <a:latin typeface="Courier New" panose="02070309020205020404" pitchFamily="49" charset="0"/>
+                        <a:cs typeface="Courier New" panose="02070309020205020404" pitchFamily="49" charset="0"/>
+                      </a:endParaRPr>
+                    </a:p>
+                  </a:txBody>
+                  <a:tcPr anchor="ctr"/>
+                </a:tc>
+                <a:tc>
+                  <a:txBody>
+                    <a:bodyPr/>
+                    <a:lstStyle/>
+                    <a:p>
+                      <a:pPr algn="ctr"/>
+                      <a:endParaRPr lang="es-PR" sz="2000" dirty="0">
+                        <a:latin typeface="Courier New" panose="02070309020205020404" pitchFamily="49" charset="0"/>
+                        <a:cs typeface="Courier New" panose="02070309020205020404" pitchFamily="49" charset="0"/>
+                      </a:endParaRPr>
+                    </a:p>
+                  </a:txBody>
+                  <a:tcPr anchor="ctr"/>
+                </a:tc>
+                <a:tc>
+                  <a:txBody>
+                    <a:bodyPr/>
+                    <a:lstStyle/>
+                    <a:p>
+                      <a:pPr algn="ctr"/>
+                      <a:endParaRPr lang="es-PR" sz="2000" dirty="0">
+                        <a:latin typeface="Courier New" panose="02070309020205020404" pitchFamily="49" charset="0"/>
+                        <a:cs typeface="Courier New" panose="02070309020205020404" pitchFamily="49" charset="0"/>
+                      </a:endParaRPr>
+                    </a:p>
+                  </a:txBody>
+                  <a:tcPr anchor="ctr"/>
+                </a:tc>
+                <a:tc>
+                  <a:txBody>
+                    <a:bodyPr/>
+                    <a:lstStyle/>
+                    <a:p>
+                      <a:pPr algn="ctr"/>
+                      <a:endParaRPr lang="es-PR" sz="2000" dirty="0">
+                        <a:latin typeface="Courier New" panose="02070309020205020404" pitchFamily="49" charset="0"/>
+                        <a:cs typeface="Courier New" panose="02070309020205020404" pitchFamily="49" charset="0"/>
+                      </a:endParaRPr>
+                    </a:p>
+                  </a:txBody>
+                  <a:tcPr anchor="ctr"/>
+                </a:tc>
+                <a:extLst>
+                  <a:ext uri="{0D108BD9-81ED-4DB2-BD59-A6C34878D82A}">
+                    <a16:rowId xmlns:a16="http://schemas.microsoft.com/office/drawing/2014/main" val="3757960208"/>
+                  </a:ext>
+                </a:extLst>
+              </a:tr>
+            </a:tbl>
+          </a:graphicData>
+        </a:graphic>
+      </p:graphicFrame>
+      <p:sp>
+        <p:nvSpPr>
+          <p:cNvPr id="7" name="Title 6">
+            <a:extLst>
+              <a:ext uri="{FF2B5EF4-FFF2-40B4-BE49-F238E27FC236}">
+                <a16:creationId xmlns:a16="http://schemas.microsoft.com/office/drawing/2014/main" id="{1D212DBD-91C2-4DD2-9C51-7D6FE88258FC}"/>
+              </a:ext>
+            </a:extLst>
+          </p:cNvPr>
+          <p:cNvSpPr>
+            <a:spLocks noGrp="1"/>
+          </p:cNvSpPr>
+          <p:nvPr>
+            <p:ph type="title"/>
+          </p:nvPr>
+        </p:nvSpPr>
+        <p:spPr/>
+        <p:txBody>
+          <a:bodyPr/>
+          <a:lstStyle/>
+          <a:p>
+            <a:r>
+              <a:rPr lang="es-ES" dirty="0"/>
+              <a:t>Estado de habilitación de alarmas</a:t>
+            </a:r>
+            <a:endParaRPr lang="es-PR" dirty="0"/>
+          </a:p>
+        </p:txBody>
+      </p:sp>
+    </p:spTree>
+    <p:extLst>
+      <p:ext uri="{BB962C8B-B14F-4D97-AF65-F5344CB8AC3E}">
+        <p14:creationId xmlns:p14="http://schemas.microsoft.com/office/powerpoint/2010/main" val="4095998825"/>
+      </p:ext>
+    </p:extLst>
+  </p:cSld>
+  <p:clrMapOvr>
+    <a:masterClrMapping/>
+  </p:clrMapOvr>
+</p:sld>
+</file>
+
+<file path=ppt/slides/slide15.xml><?xml version="1.0" encoding="utf-8"?>
+<p:sld xmlns:a="http://schemas.openxmlformats.org/drawingml/2006/main" xmlns:r="http://schemas.openxmlformats.org/officeDocument/2006/relationships" xmlns:p="http://schemas.openxmlformats.org/presentationml/2006/main">
+  <p:cSld>
+    <p:spTree>
+      <p:nvGrpSpPr>
+        <p:cNvPr id="1" name=""/>
+        <p:cNvGrpSpPr/>
+        <p:nvPr/>
+      </p:nvGrpSpPr>
+      <p:grpSpPr>
+        <a:xfrm>
+          <a:off x="0" y="0"/>
+          <a:ext cx="0" cy="0"/>
+          <a:chOff x="0" y="0"/>
+          <a:chExt cx="0" cy="0"/>
+        </a:xfrm>
+      </p:grpSpPr>
+      <p:sp>
+        <p:nvSpPr>
+          <p:cNvPr id="3" name="Title 2">
+            <a:extLst>
+              <a:ext uri="{FF2B5EF4-FFF2-40B4-BE49-F238E27FC236}">
+                <a16:creationId xmlns:a16="http://schemas.microsoft.com/office/drawing/2014/main" id="{5D120464-ABA9-40F6-97D7-055CAE2B1E37}"/>
+              </a:ext>
+            </a:extLst>
+          </p:cNvPr>
+          <p:cNvSpPr>
+            <a:spLocks noGrp="1"/>
+          </p:cNvSpPr>
+          <p:nvPr>
+            <p:ph type="title"/>
+          </p:nvPr>
+        </p:nvSpPr>
+        <p:spPr/>
+        <p:txBody>
+          <a:bodyPr/>
+          <a:lstStyle/>
+          <a:p>
+            <a:r>
+              <a:rPr lang="es-ES" dirty="0"/>
+              <a:t>Jerarquía de menús</a:t>
+            </a:r>
+            <a:endParaRPr lang="es-PR" dirty="0"/>
+          </a:p>
+        </p:txBody>
+      </p:sp>
+      <p:graphicFrame>
+        <p:nvGraphicFramePr>
+          <p:cNvPr id="2" name="Content Placeholder 1">
+            <a:extLst>
+              <a:ext uri="{FF2B5EF4-FFF2-40B4-BE49-F238E27FC236}">
+                <a16:creationId xmlns:a16="http://schemas.microsoft.com/office/drawing/2014/main" id="{27ECF348-4077-4BF5-A4C3-3DC6F0897C12}"/>
+              </a:ext>
+            </a:extLst>
+          </p:cNvPr>
+          <p:cNvGraphicFramePr>
+            <a:graphicFrameLocks noGrp="1"/>
+          </p:cNvGraphicFramePr>
+          <p:nvPr>
+            <p:ph idx="1"/>
+            <p:extLst>
+              <p:ext uri="{D42A27DB-BD31-4B8C-83A1-F6EECF244321}">
+                <p14:modId xmlns:p14="http://schemas.microsoft.com/office/powerpoint/2010/main" val="2836404790"/>
+              </p:ext>
+            </p:extLst>
+          </p:nvPr>
+        </p:nvGraphicFramePr>
+        <p:xfrm>
+          <a:off x="838200" y="1253331"/>
+          <a:ext cx="10515600" cy="4351338"/>
+        </p:xfrm>
+        <a:graphic>
+          <a:graphicData uri="http://schemas.openxmlformats.org/drawingml/2006/diagram">
+            <dgm:relIds xmlns:dgm="http://schemas.openxmlformats.org/drawingml/2006/diagram" xmlns:r="http://schemas.openxmlformats.org/officeDocument/2006/relationships" r:dm="rId2" r:lo="rId3" r:qs="rId4" r:cs="rId5"/>
+          </a:graphicData>
+        </a:graphic>
+      </p:graphicFrame>
+    </p:spTree>
+    <p:extLst>
+      <p:ext uri="{BB962C8B-B14F-4D97-AF65-F5344CB8AC3E}">
+        <p14:creationId xmlns:p14="http://schemas.microsoft.com/office/powerpoint/2010/main" val="91377766"/>
+      </p:ext>
+    </p:extLst>
+  </p:cSld>
+  <p:clrMapOvr>
+    <a:masterClrMapping/>
+  </p:clrMapOvr>
+</p:sld>
+</file>
+
+<file path=ppt/slides/slide16.xml><?xml version="1.0" encoding="utf-8"?>
+<p:sld xmlns:a="http://schemas.openxmlformats.org/drawingml/2006/main" xmlns:r="http://schemas.openxmlformats.org/officeDocument/2006/relationships" xmlns:p="http://schemas.openxmlformats.org/presentationml/2006/main">
+  <p:cSld>
+    <p:spTree>
+      <p:nvGrpSpPr>
+        <p:cNvPr id="1" name=""/>
+        <p:cNvGrpSpPr/>
+        <p:nvPr/>
+      </p:nvGrpSpPr>
+      <p:grpSpPr>
+        <a:xfrm>
+          <a:off x="0" y="0"/>
+          <a:ext cx="0" cy="0"/>
+          <a:chOff x="0" y="0"/>
+          <a:chExt cx="0" cy="0"/>
+        </a:xfrm>
+      </p:grpSpPr>
+      <p:pic>
+        <p:nvPicPr>
+          <p:cNvPr id="5" name="Picture 4">
+            <a:extLst>
+              <a:ext uri="{FF2B5EF4-FFF2-40B4-BE49-F238E27FC236}">
+                <a16:creationId xmlns:a16="http://schemas.microsoft.com/office/drawing/2014/main" id="{BED8580C-105B-4AAE-9200-8EDCD2AF02C0}"/>
+              </a:ext>
+            </a:extLst>
+          </p:cNvPr>
+          <p:cNvPicPr>
+            <a:picLocks noChangeAspect="1"/>
+          </p:cNvPicPr>
+          <p:nvPr/>
+        </p:nvPicPr>
+        <p:blipFill>
+          <a:blip r:embed="rId2"/>
+          <a:stretch>
+            <a:fillRect/>
+          </a:stretch>
+        </p:blipFill>
+        <p:spPr>
+          <a:xfrm>
+            <a:off x="5288693" y="2223524"/>
+            <a:ext cx="2158314" cy="4262670"/>
+          </a:xfrm>
+          <a:prstGeom prst="rect">
+            <a:avLst/>
+          </a:prstGeom>
+        </p:spPr>
+      </p:pic>
+      <p:sp>
+        <p:nvSpPr>
+          <p:cNvPr id="6" name="Title 5">
+            <a:extLst>
+              <a:ext uri="{FF2B5EF4-FFF2-40B4-BE49-F238E27FC236}">
+                <a16:creationId xmlns:a16="http://schemas.microsoft.com/office/drawing/2014/main" id="{5B671E4E-65CE-42AC-BB6D-E9E82BD50E28}"/>
+              </a:ext>
+            </a:extLst>
+          </p:cNvPr>
+          <p:cNvSpPr>
+            <a:spLocks noGrp="1"/>
+          </p:cNvSpPr>
+          <p:nvPr>
+            <p:ph type="title"/>
+          </p:nvPr>
+        </p:nvSpPr>
+        <p:spPr/>
+        <p:txBody>
+          <a:bodyPr/>
+          <a:lstStyle/>
+          <a:p>
+            <a:r>
+              <a:rPr lang="es-ES" dirty="0"/>
+              <a:t>Carácter personalizado</a:t>
+            </a:r>
+            <a:endParaRPr lang="es-PR" dirty="0"/>
+          </a:p>
+        </p:txBody>
+      </p:sp>
+      <p:graphicFrame>
+        <p:nvGraphicFramePr>
+          <p:cNvPr id="7" name="Table 7">
+            <a:extLst>
+              <a:ext uri="{FF2B5EF4-FFF2-40B4-BE49-F238E27FC236}">
+                <a16:creationId xmlns:a16="http://schemas.microsoft.com/office/drawing/2014/main" id="{5DE7062D-2E99-4AC8-9B18-092203C79CCD}"/>
+              </a:ext>
+            </a:extLst>
+          </p:cNvPr>
+          <p:cNvGraphicFramePr>
+            <a:graphicFrameLocks noGrp="1"/>
+          </p:cNvGraphicFramePr>
+          <p:nvPr>
+            <p:extLst>
+              <p:ext uri="{D42A27DB-BD31-4B8C-83A1-F6EECF244321}">
+                <p14:modId xmlns:p14="http://schemas.microsoft.com/office/powerpoint/2010/main" val="4100376204"/>
+              </p:ext>
+            </p:extLst>
+          </p:nvPr>
+        </p:nvGraphicFramePr>
+        <p:xfrm>
+          <a:off x="2372497" y="1690688"/>
+          <a:ext cx="2372498" cy="4795506"/>
+        </p:xfrm>
+        <a:graphic>
+          <a:graphicData uri="http://schemas.openxmlformats.org/drawingml/2006/table">
+            <a:tbl>
+              <a:tblPr firstRow="1" bandRow="1">
+                <a:tableStyleId>{9D7B26C5-4107-4FEC-AEDC-1716B250A1EF}</a:tableStyleId>
+              </a:tblPr>
+              <a:tblGrid>
+                <a:gridCol w="1186249">
+                  <a:extLst>
+                    <a:ext uri="{9D8B030D-6E8A-4147-A177-3AD203B41FA5}">
+                      <a16:colId xmlns:a16="http://schemas.microsoft.com/office/drawing/2014/main" val="2624848524"/>
+                    </a:ext>
+                  </a:extLst>
+                </a:gridCol>
+                <a:gridCol w="1186249">
+                  <a:extLst>
+                    <a:ext uri="{9D8B030D-6E8A-4147-A177-3AD203B41FA5}">
+                      <a16:colId xmlns:a16="http://schemas.microsoft.com/office/drawing/2014/main" val="721905545"/>
+                    </a:ext>
+                  </a:extLst>
+                </a:gridCol>
+              </a:tblGrid>
+              <a:tr h="532834">
+                <a:tc>
+                  <a:txBody>
+                    <a:bodyPr/>
+                    <a:lstStyle/>
+                    <a:p>
+                      <a:pPr algn="ctr"/>
+                      <a:r>
+                        <a:rPr lang="es-ES" dirty="0"/>
+                        <a:t>Dirección</a:t>
+                      </a:r>
+                      <a:endParaRPr lang="es-PR" dirty="0"/>
+                    </a:p>
+                  </a:txBody>
+                  <a:tcPr anchor="ctr"/>
+                </a:tc>
+                <a:tc>
+                  <a:txBody>
+                    <a:bodyPr/>
+                    <a:lstStyle/>
+                    <a:p>
+                      <a:pPr algn="ctr"/>
+                      <a:r>
+                        <a:rPr lang="es-ES" dirty="0"/>
+                        <a:t>Dato</a:t>
+                      </a:r>
+                      <a:endParaRPr lang="es-PR" dirty="0"/>
+                    </a:p>
+                  </a:txBody>
+                  <a:tcPr anchor="ctr"/>
+                </a:tc>
+                <a:extLst>
+                  <a:ext uri="{0D108BD9-81ED-4DB2-BD59-A6C34878D82A}">
+                    <a16:rowId xmlns:a16="http://schemas.microsoft.com/office/drawing/2014/main" val="2318916492"/>
+                  </a:ext>
+                </a:extLst>
+              </a:tr>
+              <a:tr h="532834">
+                <a:tc>
+                  <a:txBody>
+                    <a:bodyPr/>
+                    <a:lstStyle/>
+                    <a:p>
+                      <a:pPr algn="ctr"/>
+                      <a:r>
+                        <a:rPr lang="es-ES" dirty="0"/>
+                        <a:t>0x00</a:t>
+                      </a:r>
+                      <a:endParaRPr lang="es-PR" dirty="0"/>
+                    </a:p>
+                  </a:txBody>
+                  <a:tcPr anchor="ctr"/>
+                </a:tc>
+                <a:tc>
+                  <a:txBody>
+                    <a:bodyPr/>
+                    <a:lstStyle/>
+                    <a:p>
+                      <a:pPr algn="ctr"/>
+                      <a:r>
+                        <a:rPr lang="es-ES" dirty="0"/>
+                        <a:t>00000</a:t>
+                      </a:r>
+                      <a:endParaRPr lang="es-PR" dirty="0"/>
+                    </a:p>
+                  </a:txBody>
+                  <a:tcPr anchor="ctr"/>
+                </a:tc>
+                <a:extLst>
+                  <a:ext uri="{0D108BD9-81ED-4DB2-BD59-A6C34878D82A}">
+                    <a16:rowId xmlns:a16="http://schemas.microsoft.com/office/drawing/2014/main" val="2640679244"/>
+                  </a:ext>
+                </a:extLst>
+              </a:tr>
+              <a:tr h="532834">
+                <a:tc>
+                  <a:txBody>
+                    <a:bodyPr/>
+                    <a:lstStyle/>
+                    <a:p>
+                      <a:pPr algn="ctr"/>
+                      <a:r>
+                        <a:rPr lang="es-ES" dirty="0"/>
+                        <a:t>0x01</a:t>
+                      </a:r>
+                      <a:endParaRPr lang="es-PR" dirty="0"/>
+                    </a:p>
+                  </a:txBody>
+                  <a:tcPr anchor="ctr"/>
+                </a:tc>
+                <a:tc>
+                  <a:txBody>
+                    <a:bodyPr/>
+                    <a:lstStyle/>
+                    <a:p>
+                      <a:pPr algn="ctr"/>
+                      <a:r>
+                        <a:rPr lang="es-ES" dirty="0"/>
+                        <a:t>00000</a:t>
+                      </a:r>
+                      <a:endParaRPr lang="es-PR" dirty="0"/>
+                    </a:p>
+                  </a:txBody>
+                  <a:tcPr anchor="ctr"/>
+                </a:tc>
+                <a:extLst>
+                  <a:ext uri="{0D108BD9-81ED-4DB2-BD59-A6C34878D82A}">
+                    <a16:rowId xmlns:a16="http://schemas.microsoft.com/office/drawing/2014/main" val="3258404990"/>
+                  </a:ext>
+                </a:extLst>
+              </a:tr>
+              <a:tr h="532834">
+                <a:tc>
+                  <a:txBody>
+                    <a:bodyPr/>
+                    <a:lstStyle/>
+                    <a:p>
+                      <a:pPr algn="ctr"/>
+                      <a:r>
+                        <a:rPr lang="es-ES" dirty="0"/>
+                        <a:t>0x02</a:t>
+                      </a:r>
+                      <a:endParaRPr lang="es-PR" dirty="0"/>
+                    </a:p>
+                  </a:txBody>
+                  <a:tcPr anchor="ctr"/>
+                </a:tc>
+                <a:tc>
+                  <a:txBody>
+                    <a:bodyPr/>
+                    <a:lstStyle/>
+                    <a:p>
+                      <a:pPr algn="ctr"/>
+                      <a:r>
+                        <a:rPr lang="es-ES" dirty="0"/>
+                        <a:t>00001</a:t>
+                      </a:r>
+                      <a:endParaRPr lang="es-PR" dirty="0"/>
+                    </a:p>
+                  </a:txBody>
+                  <a:tcPr anchor="ctr"/>
+                </a:tc>
+                <a:extLst>
+                  <a:ext uri="{0D108BD9-81ED-4DB2-BD59-A6C34878D82A}">
+                    <a16:rowId xmlns:a16="http://schemas.microsoft.com/office/drawing/2014/main" val="2463100221"/>
+                  </a:ext>
+                </a:extLst>
+              </a:tr>
+              <a:tr h="532834">
+                <a:tc>
+                  <a:txBody>
+                    <a:bodyPr/>
+                    <a:lstStyle/>
+                    <a:p>
+                      <a:pPr algn="ctr"/>
+                      <a:r>
+                        <a:rPr lang="es-ES" dirty="0"/>
+                        <a:t>0x03</a:t>
+                      </a:r>
+                      <a:endParaRPr lang="es-PR" dirty="0"/>
+                    </a:p>
+                  </a:txBody>
+                  <a:tcPr anchor="ctr"/>
+                </a:tc>
+                <a:tc>
+                  <a:txBody>
+                    <a:bodyPr/>
+                    <a:lstStyle/>
+                    <a:p>
+                      <a:pPr algn="ctr"/>
+                      <a:r>
+                        <a:rPr lang="es-ES" dirty="0"/>
+                        <a:t>00010</a:t>
+                      </a:r>
+                      <a:endParaRPr lang="es-PR" dirty="0"/>
+                    </a:p>
+                  </a:txBody>
+                  <a:tcPr anchor="ctr"/>
+                </a:tc>
+                <a:extLst>
+                  <a:ext uri="{0D108BD9-81ED-4DB2-BD59-A6C34878D82A}">
+                    <a16:rowId xmlns:a16="http://schemas.microsoft.com/office/drawing/2014/main" val="1278737887"/>
+                  </a:ext>
+                </a:extLst>
+              </a:tr>
+              <a:tr h="532834">
+                <a:tc>
+                  <a:txBody>
+                    <a:bodyPr/>
+                    <a:lstStyle/>
+                    <a:p>
+                      <a:pPr algn="ctr"/>
+                      <a:r>
+                        <a:rPr lang="es-ES" dirty="0"/>
+                        <a:t>0x04</a:t>
+                      </a:r>
+                      <a:endParaRPr lang="es-PR" dirty="0"/>
+                    </a:p>
+                  </a:txBody>
+                  <a:tcPr anchor="ctr"/>
+                </a:tc>
+                <a:tc>
+                  <a:txBody>
+                    <a:bodyPr/>
+                    <a:lstStyle/>
+                    <a:p>
+                      <a:pPr algn="ctr"/>
+                      <a:r>
+                        <a:rPr lang="es-ES" dirty="0"/>
+                        <a:t>10100</a:t>
+                      </a:r>
+                      <a:endParaRPr lang="es-PR" dirty="0"/>
+                    </a:p>
+                  </a:txBody>
+                  <a:tcPr anchor="ctr"/>
+                </a:tc>
+                <a:extLst>
+                  <a:ext uri="{0D108BD9-81ED-4DB2-BD59-A6C34878D82A}">
+                    <a16:rowId xmlns:a16="http://schemas.microsoft.com/office/drawing/2014/main" val="1325116866"/>
+                  </a:ext>
+                </a:extLst>
+              </a:tr>
+              <a:tr h="532834">
+                <a:tc>
+                  <a:txBody>
+                    <a:bodyPr/>
+                    <a:lstStyle/>
+                    <a:p>
+                      <a:pPr algn="ctr"/>
+                      <a:r>
+                        <a:rPr lang="es-ES" dirty="0"/>
+                        <a:t>0x05</a:t>
+                      </a:r>
+                      <a:endParaRPr lang="es-PR" dirty="0"/>
+                    </a:p>
+                  </a:txBody>
+                  <a:tcPr anchor="ctr"/>
+                </a:tc>
+                <a:tc>
+                  <a:txBody>
+                    <a:bodyPr/>
+                    <a:lstStyle/>
+                    <a:p>
+                      <a:pPr algn="ctr"/>
+                      <a:r>
+                        <a:rPr lang="es-ES" dirty="0"/>
+                        <a:t>01000</a:t>
+                      </a:r>
+                      <a:endParaRPr lang="es-PR" dirty="0"/>
+                    </a:p>
+                  </a:txBody>
+                  <a:tcPr anchor="ctr"/>
+                </a:tc>
+                <a:extLst>
+                  <a:ext uri="{0D108BD9-81ED-4DB2-BD59-A6C34878D82A}">
+                    <a16:rowId xmlns:a16="http://schemas.microsoft.com/office/drawing/2014/main" val="2140178720"/>
+                  </a:ext>
+                </a:extLst>
+              </a:tr>
+              <a:tr h="532834">
+                <a:tc>
+                  <a:txBody>
+                    <a:bodyPr/>
+                    <a:lstStyle/>
+                    <a:p>
+                      <a:pPr algn="ctr"/>
+                      <a:r>
+                        <a:rPr lang="es-ES" dirty="0"/>
+                        <a:t>0x06</a:t>
+                      </a:r>
+                      <a:endParaRPr lang="es-PR" dirty="0"/>
+                    </a:p>
+                  </a:txBody>
+                  <a:tcPr anchor="ctr"/>
+                </a:tc>
+                <a:tc>
+                  <a:txBody>
+                    <a:bodyPr/>
+                    <a:lstStyle/>
+                    <a:p>
+                      <a:pPr algn="ctr"/>
+                      <a:r>
+                        <a:rPr lang="es-ES" dirty="0"/>
+                        <a:t>00000</a:t>
+                      </a:r>
+                      <a:endParaRPr lang="es-PR" dirty="0"/>
+                    </a:p>
+                  </a:txBody>
+                  <a:tcPr anchor="ctr"/>
+                </a:tc>
+                <a:extLst>
+                  <a:ext uri="{0D108BD9-81ED-4DB2-BD59-A6C34878D82A}">
+                    <a16:rowId xmlns:a16="http://schemas.microsoft.com/office/drawing/2014/main" val="2262469714"/>
+                  </a:ext>
+                </a:extLst>
+              </a:tr>
+              <a:tr h="532834">
+                <a:tc>
+                  <a:txBody>
+                    <a:bodyPr/>
+                    <a:lstStyle/>
+                    <a:p>
+                      <a:pPr algn="ctr"/>
+                      <a:r>
+                        <a:rPr lang="es-ES" dirty="0"/>
+                        <a:t>0x07</a:t>
+                      </a:r>
+                      <a:endParaRPr lang="es-PR" dirty="0"/>
+                    </a:p>
+                  </a:txBody>
+                  <a:tcPr anchor="ctr"/>
+                </a:tc>
+                <a:tc>
+                  <a:txBody>
+                    <a:bodyPr/>
+                    <a:lstStyle/>
+                    <a:p>
+                      <a:pPr algn="ctr"/>
+                      <a:r>
+                        <a:rPr lang="es-ES" dirty="0"/>
+                        <a:t>00000</a:t>
+                      </a:r>
+                      <a:endParaRPr lang="es-PR" dirty="0"/>
+                    </a:p>
+                  </a:txBody>
+                  <a:tcPr anchor="ctr"/>
+                </a:tc>
+                <a:extLst>
+                  <a:ext uri="{0D108BD9-81ED-4DB2-BD59-A6C34878D82A}">
+                    <a16:rowId xmlns:a16="http://schemas.microsoft.com/office/drawing/2014/main" val="939838577"/>
+                  </a:ext>
+                </a:extLst>
+              </a:tr>
+            </a:tbl>
+          </a:graphicData>
+        </a:graphic>
+      </p:graphicFrame>
+    </p:spTree>
+    <p:extLst>
+      <p:ext uri="{BB962C8B-B14F-4D97-AF65-F5344CB8AC3E}">
+        <p14:creationId xmlns:p14="http://schemas.microsoft.com/office/powerpoint/2010/main" val="1433828172"/>
+      </p:ext>
+    </p:extLst>
+  </p:cSld>
+  <p:clrMapOvr>
+    <a:masterClrMapping/>
+  </p:clrMapOvr>
+</p:sld>
+</file>
+
+<file path=ppt/slides/slide17.xml><?xml version="1.0" encoding="utf-8"?>
+<p:sld xmlns:a="http://schemas.openxmlformats.org/drawingml/2006/main" xmlns:r="http://schemas.openxmlformats.org/officeDocument/2006/relationships" xmlns:p="http://schemas.openxmlformats.org/presentationml/2006/main">
+  <p:cSld>
+    <p:spTree>
+      <p:nvGrpSpPr>
+        <p:cNvPr id="1" name=""/>
+        <p:cNvGrpSpPr/>
+        <p:nvPr/>
+      </p:nvGrpSpPr>
+      <p:grpSpPr>
+        <a:xfrm>
+          <a:off x="0" y="0"/>
+          <a:ext cx="0" cy="0"/>
+          <a:chOff x="0" y="0"/>
+          <a:chExt cx="0" cy="0"/>
+        </a:xfrm>
+      </p:grpSpPr>
+      <p:graphicFrame>
+        <p:nvGraphicFramePr>
+          <p:cNvPr id="4" name="Table 4">
+            <a:extLst>
+              <a:ext uri="{FF2B5EF4-FFF2-40B4-BE49-F238E27FC236}">
+                <a16:creationId xmlns:a16="http://schemas.microsoft.com/office/drawing/2014/main" id="{DD538D40-9125-468F-AD98-10E24523E667}"/>
+              </a:ext>
+            </a:extLst>
+          </p:cNvPr>
+          <p:cNvGraphicFramePr>
+            <a:graphicFrameLocks noGrp="1"/>
+          </p:cNvGraphicFramePr>
+          <p:nvPr>
+            <p:extLst>
+              <p:ext uri="{D42A27DB-BD31-4B8C-83A1-F6EECF244321}">
+                <p14:modId xmlns:p14="http://schemas.microsoft.com/office/powerpoint/2010/main" val="2396126592"/>
+              </p:ext>
+            </p:extLst>
+          </p:nvPr>
+        </p:nvGraphicFramePr>
+        <p:xfrm>
+          <a:off x="4521201" y="452508"/>
+          <a:ext cx="2991710" cy="5952984"/>
+        </p:xfrm>
+        <a:graphic>
+          <a:graphicData uri="http://schemas.openxmlformats.org/drawingml/2006/table">
+            <a:tbl>
+              <a:tblPr firstRow="1" bandRow="1">
+                <a:tableStyleId>{5940675A-B579-460E-94D1-54222C63F5DA}</a:tableStyleId>
+              </a:tblPr>
+              <a:tblGrid>
+                <a:gridCol w="598342">
+                  <a:extLst>
+                    <a:ext uri="{9D8B030D-6E8A-4147-A177-3AD203B41FA5}">
+                      <a16:colId xmlns:a16="http://schemas.microsoft.com/office/drawing/2014/main" val="1989555352"/>
+                    </a:ext>
+                  </a:extLst>
+                </a:gridCol>
+                <a:gridCol w="598342">
+                  <a:extLst>
+                    <a:ext uri="{9D8B030D-6E8A-4147-A177-3AD203B41FA5}">
+                      <a16:colId xmlns:a16="http://schemas.microsoft.com/office/drawing/2014/main" val="2753710263"/>
+                    </a:ext>
+                  </a:extLst>
+                </a:gridCol>
+                <a:gridCol w="598342">
+                  <a:extLst>
+                    <a:ext uri="{9D8B030D-6E8A-4147-A177-3AD203B41FA5}">
+                      <a16:colId xmlns:a16="http://schemas.microsoft.com/office/drawing/2014/main" val="1341616312"/>
+                    </a:ext>
+                  </a:extLst>
+                </a:gridCol>
+                <a:gridCol w="598342">
+                  <a:extLst>
+                    <a:ext uri="{9D8B030D-6E8A-4147-A177-3AD203B41FA5}">
+                      <a16:colId xmlns:a16="http://schemas.microsoft.com/office/drawing/2014/main" val="4036605617"/>
+                    </a:ext>
+                  </a:extLst>
+                </a:gridCol>
+                <a:gridCol w="598342">
+                  <a:extLst>
+                    <a:ext uri="{9D8B030D-6E8A-4147-A177-3AD203B41FA5}">
+                      <a16:colId xmlns:a16="http://schemas.microsoft.com/office/drawing/2014/main" val="678930107"/>
+                    </a:ext>
+                  </a:extLst>
+                </a:gridCol>
+              </a:tblGrid>
+              <a:tr h="744123">
+                <a:tc>
+                  <a:txBody>
+                    <a:bodyPr/>
+                    <a:lstStyle/>
+                    <a:p>
+                      <a:endParaRPr lang="es-PR"/>
+                    </a:p>
+                  </a:txBody>
+                  <a:tcPr>
+                    <a:lnL w="19050" cap="flat" cmpd="sng" algn="ctr">
+                      <a:solidFill>
+                        <a:schemeClr val="tx1"/>
+                      </a:solidFill>
+                      <a:prstDash val="solid"/>
+                      <a:round/>
+                      <a:headEnd type="none" w="med" len="med"/>
+                      <a:tailEnd type="none" w="med" len="med"/>
+                    </a:lnL>
+                    <a:lnR w="19050" cap="flat" cmpd="sng" algn="ctr">
+                      <a:solidFill>
+                        <a:schemeClr val="tx1"/>
+                      </a:solidFill>
+                      <a:prstDash val="solid"/>
+                      <a:round/>
+                      <a:headEnd type="none" w="med" len="med"/>
+                      <a:tailEnd type="none" w="med" len="med"/>
+                    </a:lnR>
+                    <a:lnT w="19050" cap="flat" cmpd="sng" algn="ctr">
+                      <a:solidFill>
+                        <a:schemeClr val="tx1"/>
+                      </a:solidFill>
+                      <a:prstDash val="solid"/>
+                      <a:round/>
+                      <a:headEnd type="none" w="med" len="med"/>
+                      <a:tailEnd type="none" w="med" len="med"/>
+                    </a:lnT>
+                    <a:lnB w="19050" cap="flat" cmpd="sng" algn="ctr">
+                      <a:solidFill>
+                        <a:schemeClr val="tx1"/>
+                      </a:solidFill>
+                      <a:prstDash val="solid"/>
+                      <a:round/>
+                      <a:headEnd type="none" w="med" len="med"/>
+                      <a:tailEnd type="none" w="med" len="med"/>
+                    </a:lnB>
+                  </a:tcPr>
+                </a:tc>
+                <a:tc>
+                  <a:txBody>
+                    <a:bodyPr/>
+                    <a:lstStyle/>
+                    <a:p>
+                      <a:endParaRPr lang="es-PR"/>
+                    </a:p>
+                  </a:txBody>
+                  <a:tcPr>
+                    <a:lnL w="19050" cap="flat" cmpd="sng" algn="ctr">
+                      <a:solidFill>
+                        <a:schemeClr val="tx1"/>
+                      </a:solidFill>
+                      <a:prstDash val="solid"/>
+                      <a:round/>
+                      <a:headEnd type="none" w="med" len="med"/>
+                      <a:tailEnd type="none" w="med" len="med"/>
+                    </a:lnL>
+                    <a:lnR w="19050" cap="flat" cmpd="sng" algn="ctr">
+                      <a:solidFill>
+                        <a:schemeClr val="tx1"/>
+                      </a:solidFill>
+                      <a:prstDash val="solid"/>
+                      <a:round/>
+                      <a:headEnd type="none" w="med" len="med"/>
+                      <a:tailEnd type="none" w="med" len="med"/>
+                    </a:lnR>
+                    <a:lnT w="19050" cap="flat" cmpd="sng" algn="ctr">
+                      <a:solidFill>
+                        <a:schemeClr val="tx1"/>
+                      </a:solidFill>
+                      <a:prstDash val="solid"/>
+                      <a:round/>
+                      <a:headEnd type="none" w="med" len="med"/>
+                      <a:tailEnd type="none" w="med" len="med"/>
+                    </a:lnT>
+                    <a:lnB w="19050" cap="flat" cmpd="sng" algn="ctr">
+                      <a:solidFill>
+                        <a:schemeClr val="tx1"/>
+                      </a:solidFill>
+                      <a:prstDash val="solid"/>
+                      <a:round/>
+                      <a:headEnd type="none" w="med" len="med"/>
+                      <a:tailEnd type="none" w="med" len="med"/>
+                    </a:lnB>
+                  </a:tcPr>
+                </a:tc>
+                <a:tc>
+                  <a:txBody>
+                    <a:bodyPr/>
+                    <a:lstStyle/>
+                    <a:p>
+                      <a:endParaRPr lang="es-PR"/>
+                    </a:p>
+                  </a:txBody>
+                  <a:tcPr>
+                    <a:lnL w="19050" cap="flat" cmpd="sng" algn="ctr">
+                      <a:solidFill>
+                        <a:schemeClr val="tx1"/>
+                      </a:solidFill>
+                      <a:prstDash val="solid"/>
+                      <a:round/>
+                      <a:headEnd type="none" w="med" len="med"/>
+                      <a:tailEnd type="none" w="med" len="med"/>
+                    </a:lnL>
+                    <a:lnR w="19050" cap="flat" cmpd="sng" algn="ctr">
+                      <a:solidFill>
+                        <a:schemeClr val="tx1"/>
+                      </a:solidFill>
+                      <a:prstDash val="solid"/>
+                      <a:round/>
+                      <a:headEnd type="none" w="med" len="med"/>
+                      <a:tailEnd type="none" w="med" len="med"/>
+                    </a:lnR>
+                    <a:lnT w="19050" cap="flat" cmpd="sng" algn="ctr">
+                      <a:solidFill>
+                        <a:schemeClr val="tx1"/>
+                      </a:solidFill>
+                      <a:prstDash val="solid"/>
+                      <a:round/>
+                      <a:headEnd type="none" w="med" len="med"/>
+                      <a:tailEnd type="none" w="med" len="med"/>
+                    </a:lnT>
+                    <a:lnB w="19050" cap="flat" cmpd="sng" algn="ctr">
+                      <a:solidFill>
+                        <a:schemeClr val="tx1"/>
+                      </a:solidFill>
+                      <a:prstDash val="solid"/>
+                      <a:round/>
+                      <a:headEnd type="none" w="med" len="med"/>
+                      <a:tailEnd type="none" w="med" len="med"/>
+                    </a:lnB>
+                  </a:tcPr>
+                </a:tc>
+                <a:tc>
+                  <a:txBody>
+                    <a:bodyPr/>
+                    <a:lstStyle/>
+                    <a:p>
+                      <a:endParaRPr lang="es-PR"/>
+                    </a:p>
+                  </a:txBody>
+                  <a:tcPr>
+                    <a:lnL w="19050" cap="flat" cmpd="sng" algn="ctr">
+                      <a:solidFill>
+                        <a:schemeClr val="tx1"/>
+                      </a:solidFill>
+                      <a:prstDash val="solid"/>
+                      <a:round/>
+                      <a:headEnd type="none" w="med" len="med"/>
+                      <a:tailEnd type="none" w="med" len="med"/>
+                    </a:lnL>
+                    <a:lnR w="19050" cap="flat" cmpd="sng" algn="ctr">
+                      <a:solidFill>
+                        <a:schemeClr val="tx1"/>
+                      </a:solidFill>
+                      <a:prstDash val="solid"/>
+                      <a:round/>
+                      <a:headEnd type="none" w="med" len="med"/>
+                      <a:tailEnd type="none" w="med" len="med"/>
+                    </a:lnR>
+                    <a:lnT w="19050" cap="flat" cmpd="sng" algn="ctr">
+                      <a:solidFill>
+                        <a:schemeClr val="tx1"/>
+                      </a:solidFill>
+                      <a:prstDash val="solid"/>
+                      <a:round/>
+                      <a:headEnd type="none" w="med" len="med"/>
+                      <a:tailEnd type="none" w="med" len="med"/>
+                    </a:lnT>
+                    <a:lnB w="19050" cap="flat" cmpd="sng" algn="ctr">
+                      <a:solidFill>
+                        <a:schemeClr val="tx1"/>
+                      </a:solidFill>
+                      <a:prstDash val="solid"/>
+                      <a:round/>
+                      <a:headEnd type="none" w="med" len="med"/>
+                      <a:tailEnd type="none" w="med" len="med"/>
+                    </a:lnB>
+                  </a:tcPr>
+                </a:tc>
+                <a:tc>
+                  <a:txBody>
+                    <a:bodyPr/>
+                    <a:lstStyle/>
+                    <a:p>
+                      <a:endParaRPr lang="es-PR"/>
+                    </a:p>
+                  </a:txBody>
+                  <a:tcPr>
+                    <a:lnL w="19050" cap="flat" cmpd="sng" algn="ctr">
+                      <a:solidFill>
+                        <a:schemeClr val="tx1"/>
+                      </a:solidFill>
+                      <a:prstDash val="solid"/>
+                      <a:round/>
+                      <a:headEnd type="none" w="med" len="med"/>
+                      <a:tailEnd type="none" w="med" len="med"/>
+                    </a:lnL>
+                    <a:lnR w="19050" cap="flat" cmpd="sng" algn="ctr">
+                      <a:solidFill>
+                        <a:schemeClr val="tx1"/>
+                      </a:solidFill>
+                      <a:prstDash val="solid"/>
+                      <a:round/>
+                      <a:headEnd type="none" w="med" len="med"/>
+                      <a:tailEnd type="none" w="med" len="med"/>
+                    </a:lnR>
+                    <a:lnT w="19050" cap="flat" cmpd="sng" algn="ctr">
+                      <a:solidFill>
+                        <a:schemeClr val="tx1"/>
+                      </a:solidFill>
+                      <a:prstDash val="solid"/>
+                      <a:round/>
+                      <a:headEnd type="none" w="med" len="med"/>
+                      <a:tailEnd type="none" w="med" len="med"/>
+                    </a:lnT>
+                    <a:lnB w="19050" cap="flat" cmpd="sng" algn="ctr">
+                      <a:solidFill>
+                        <a:schemeClr val="tx1"/>
+                      </a:solidFill>
+                      <a:prstDash val="solid"/>
+                      <a:round/>
+                      <a:headEnd type="none" w="med" len="med"/>
+                      <a:tailEnd type="none" w="med" len="med"/>
+                    </a:lnB>
+                  </a:tcPr>
+                </a:tc>
+                <a:extLst>
+                  <a:ext uri="{0D108BD9-81ED-4DB2-BD59-A6C34878D82A}">
+                    <a16:rowId xmlns:a16="http://schemas.microsoft.com/office/drawing/2014/main" val="1430104897"/>
+                  </a:ext>
+                </a:extLst>
+              </a:tr>
+              <a:tr h="744123">
+                <a:tc>
+                  <a:txBody>
+                    <a:bodyPr/>
+                    <a:lstStyle/>
+                    <a:p>
+                      <a:endParaRPr lang="es-PR"/>
+                    </a:p>
+                  </a:txBody>
+                  <a:tcPr>
+                    <a:lnL w="19050" cap="flat" cmpd="sng" algn="ctr">
+                      <a:solidFill>
+                        <a:schemeClr val="tx1"/>
+                      </a:solidFill>
+                      <a:prstDash val="solid"/>
+                      <a:round/>
+                      <a:headEnd type="none" w="med" len="med"/>
+                      <a:tailEnd type="none" w="med" len="med"/>
+                    </a:lnL>
+                    <a:lnR w="19050" cap="flat" cmpd="sng" algn="ctr">
+                      <a:solidFill>
+                        <a:schemeClr val="tx1"/>
+                      </a:solidFill>
+                      <a:prstDash val="solid"/>
+                      <a:round/>
+                      <a:headEnd type="none" w="med" len="med"/>
+                      <a:tailEnd type="none" w="med" len="med"/>
+                    </a:lnR>
+                    <a:lnT w="19050" cap="flat" cmpd="sng" algn="ctr">
+                      <a:solidFill>
+                        <a:schemeClr val="tx1"/>
+                      </a:solidFill>
+                      <a:prstDash val="solid"/>
+                      <a:round/>
+                      <a:headEnd type="none" w="med" len="med"/>
+                      <a:tailEnd type="none" w="med" len="med"/>
+                    </a:lnT>
+                    <a:lnB w="19050" cap="flat" cmpd="sng" algn="ctr">
+                      <a:solidFill>
+                        <a:schemeClr val="tx1"/>
+                      </a:solidFill>
+                      <a:prstDash val="solid"/>
+                      <a:round/>
+                      <a:headEnd type="none" w="med" len="med"/>
+                      <a:tailEnd type="none" w="med" len="med"/>
+                    </a:lnB>
+                  </a:tcPr>
+                </a:tc>
+                <a:tc>
+                  <a:txBody>
+                    <a:bodyPr/>
+                    <a:lstStyle/>
+                    <a:p>
+                      <a:endParaRPr lang="es-PR"/>
+                    </a:p>
+                  </a:txBody>
+                  <a:tcPr>
+                    <a:lnL w="19050" cap="flat" cmpd="sng" algn="ctr">
+                      <a:solidFill>
+                        <a:schemeClr val="tx1"/>
+                      </a:solidFill>
+                      <a:prstDash val="solid"/>
+                      <a:round/>
+                      <a:headEnd type="none" w="med" len="med"/>
+                      <a:tailEnd type="none" w="med" len="med"/>
+                    </a:lnL>
+                    <a:lnR w="19050" cap="flat" cmpd="sng" algn="ctr">
+                      <a:solidFill>
+                        <a:schemeClr val="tx1"/>
+                      </a:solidFill>
+                      <a:prstDash val="solid"/>
+                      <a:round/>
+                      <a:headEnd type="none" w="med" len="med"/>
+                      <a:tailEnd type="none" w="med" len="med"/>
+                    </a:lnR>
+                    <a:lnT w="19050" cap="flat" cmpd="sng" algn="ctr">
+                      <a:solidFill>
+                        <a:schemeClr val="tx1"/>
+                      </a:solidFill>
+                      <a:prstDash val="solid"/>
+                      <a:round/>
+                      <a:headEnd type="none" w="med" len="med"/>
+                      <a:tailEnd type="none" w="med" len="med"/>
+                    </a:lnT>
+                    <a:lnB w="19050" cap="flat" cmpd="sng" algn="ctr">
+                      <a:solidFill>
+                        <a:schemeClr val="tx1"/>
+                      </a:solidFill>
+                      <a:prstDash val="solid"/>
+                      <a:round/>
+                      <a:headEnd type="none" w="med" len="med"/>
+                      <a:tailEnd type="none" w="med" len="med"/>
+                    </a:lnB>
+                  </a:tcPr>
+                </a:tc>
+                <a:tc>
+                  <a:txBody>
+                    <a:bodyPr/>
+                    <a:lstStyle/>
+                    <a:p>
+                      <a:endParaRPr lang="es-PR"/>
+                    </a:p>
+                  </a:txBody>
+                  <a:tcPr>
+                    <a:lnL w="19050" cap="flat" cmpd="sng" algn="ctr">
+                      <a:solidFill>
+                        <a:schemeClr val="tx1"/>
+                      </a:solidFill>
+                      <a:prstDash val="solid"/>
+                      <a:round/>
+                      <a:headEnd type="none" w="med" len="med"/>
+                      <a:tailEnd type="none" w="med" len="med"/>
+                    </a:lnL>
+                    <a:lnR w="19050" cap="flat" cmpd="sng" algn="ctr">
+                      <a:solidFill>
+                        <a:schemeClr val="tx1"/>
+                      </a:solidFill>
+                      <a:prstDash val="solid"/>
+                      <a:round/>
+                      <a:headEnd type="none" w="med" len="med"/>
+                      <a:tailEnd type="none" w="med" len="med"/>
+                    </a:lnR>
+                    <a:lnT w="19050" cap="flat" cmpd="sng" algn="ctr">
+                      <a:solidFill>
+                        <a:schemeClr val="tx1"/>
+                      </a:solidFill>
+                      <a:prstDash val="solid"/>
+                      <a:round/>
+                      <a:headEnd type="none" w="med" len="med"/>
+                      <a:tailEnd type="none" w="med" len="med"/>
+                    </a:lnT>
+                    <a:lnB w="19050" cap="flat" cmpd="sng" algn="ctr">
+                      <a:solidFill>
+                        <a:schemeClr val="tx1"/>
+                      </a:solidFill>
+                      <a:prstDash val="solid"/>
+                      <a:round/>
+                      <a:headEnd type="none" w="med" len="med"/>
+                      <a:tailEnd type="none" w="med" len="med"/>
+                    </a:lnB>
+                  </a:tcPr>
+                </a:tc>
+                <a:tc>
+                  <a:txBody>
+                    <a:bodyPr/>
+                    <a:lstStyle/>
+                    <a:p>
+                      <a:endParaRPr lang="es-PR"/>
+                    </a:p>
+                  </a:txBody>
+                  <a:tcPr>
+                    <a:lnL w="19050" cap="flat" cmpd="sng" algn="ctr">
+                      <a:solidFill>
+                        <a:schemeClr val="tx1"/>
+                      </a:solidFill>
+                      <a:prstDash val="solid"/>
+                      <a:round/>
+                      <a:headEnd type="none" w="med" len="med"/>
+                      <a:tailEnd type="none" w="med" len="med"/>
+                    </a:lnL>
+                    <a:lnR w="19050" cap="flat" cmpd="sng" algn="ctr">
+                      <a:solidFill>
+                        <a:schemeClr val="tx1"/>
+                      </a:solidFill>
+                      <a:prstDash val="solid"/>
+                      <a:round/>
+                      <a:headEnd type="none" w="med" len="med"/>
+                      <a:tailEnd type="none" w="med" len="med"/>
+                    </a:lnR>
+                    <a:lnT w="19050" cap="flat" cmpd="sng" algn="ctr">
+                      <a:solidFill>
+                        <a:schemeClr val="tx1"/>
+                      </a:solidFill>
+                      <a:prstDash val="solid"/>
+                      <a:round/>
+                      <a:headEnd type="none" w="med" len="med"/>
+                      <a:tailEnd type="none" w="med" len="med"/>
+                    </a:lnT>
+                    <a:lnB w="19050" cap="flat" cmpd="sng" algn="ctr">
+                      <a:solidFill>
+                        <a:schemeClr val="tx1"/>
+                      </a:solidFill>
+                      <a:prstDash val="solid"/>
+                      <a:round/>
+                      <a:headEnd type="none" w="med" len="med"/>
+                      <a:tailEnd type="none" w="med" len="med"/>
+                    </a:lnB>
+                  </a:tcPr>
+                </a:tc>
+                <a:tc>
+                  <a:txBody>
+                    <a:bodyPr/>
+                    <a:lstStyle/>
+                    <a:p>
+                      <a:endParaRPr lang="es-PR"/>
+                    </a:p>
+                  </a:txBody>
+                  <a:tcPr>
+                    <a:lnL w="19050" cap="flat" cmpd="sng" algn="ctr">
+                      <a:solidFill>
+                        <a:schemeClr val="tx1"/>
+                      </a:solidFill>
+                      <a:prstDash val="solid"/>
+                      <a:round/>
+                      <a:headEnd type="none" w="med" len="med"/>
+                      <a:tailEnd type="none" w="med" len="med"/>
+                    </a:lnL>
+                    <a:lnR w="19050" cap="flat" cmpd="sng" algn="ctr">
+                      <a:solidFill>
+                        <a:schemeClr val="tx1"/>
+                      </a:solidFill>
+                      <a:prstDash val="solid"/>
+                      <a:round/>
+                      <a:headEnd type="none" w="med" len="med"/>
+                      <a:tailEnd type="none" w="med" len="med"/>
+                    </a:lnR>
+                    <a:lnT w="19050" cap="flat" cmpd="sng" algn="ctr">
+                      <a:solidFill>
+                        <a:schemeClr val="tx1"/>
+                      </a:solidFill>
+                      <a:prstDash val="solid"/>
+                      <a:round/>
+                      <a:headEnd type="none" w="med" len="med"/>
+                      <a:tailEnd type="none" w="med" len="med"/>
+                    </a:lnT>
+                    <a:lnB w="19050" cap="flat" cmpd="sng" algn="ctr">
+                      <a:solidFill>
+                        <a:schemeClr val="tx1"/>
+                      </a:solidFill>
+                      <a:prstDash val="solid"/>
+                      <a:round/>
+                      <a:headEnd type="none" w="med" len="med"/>
+                      <a:tailEnd type="none" w="med" len="med"/>
+                    </a:lnB>
+                  </a:tcPr>
+                </a:tc>
+                <a:extLst>
+                  <a:ext uri="{0D108BD9-81ED-4DB2-BD59-A6C34878D82A}">
+                    <a16:rowId xmlns:a16="http://schemas.microsoft.com/office/drawing/2014/main" val="3138313541"/>
+                  </a:ext>
+                </a:extLst>
+              </a:tr>
+              <a:tr h="744123">
+                <a:tc>
+                  <a:txBody>
+                    <a:bodyPr/>
+                    <a:lstStyle/>
+                    <a:p>
+                      <a:endParaRPr lang="es-PR"/>
+                    </a:p>
+                  </a:txBody>
+                  <a:tcPr>
+                    <a:lnL w="19050" cap="flat" cmpd="sng" algn="ctr">
+                      <a:solidFill>
+                        <a:schemeClr val="tx1"/>
+                      </a:solidFill>
+                      <a:prstDash val="solid"/>
+                      <a:round/>
+                      <a:headEnd type="none" w="med" len="med"/>
+                      <a:tailEnd type="none" w="med" len="med"/>
+                    </a:lnL>
+                    <a:lnR w="19050" cap="flat" cmpd="sng" algn="ctr">
+                      <a:solidFill>
+                        <a:schemeClr val="tx1"/>
+                      </a:solidFill>
+                      <a:prstDash val="solid"/>
+                      <a:round/>
+                      <a:headEnd type="none" w="med" len="med"/>
+                      <a:tailEnd type="none" w="med" len="med"/>
+                    </a:lnR>
+                    <a:lnT w="19050" cap="flat" cmpd="sng" algn="ctr">
+                      <a:solidFill>
+                        <a:schemeClr val="tx1"/>
+                      </a:solidFill>
+                      <a:prstDash val="solid"/>
+                      <a:round/>
+                      <a:headEnd type="none" w="med" len="med"/>
+                      <a:tailEnd type="none" w="med" len="med"/>
+                    </a:lnT>
+                    <a:lnB w="19050" cap="flat" cmpd="sng" algn="ctr">
+                      <a:solidFill>
+                        <a:schemeClr val="tx1"/>
+                      </a:solidFill>
+                      <a:prstDash val="solid"/>
+                      <a:round/>
+                      <a:headEnd type="none" w="med" len="med"/>
+                      <a:tailEnd type="none" w="med" len="med"/>
+                    </a:lnB>
+                  </a:tcPr>
+                </a:tc>
+                <a:tc>
+                  <a:txBody>
+                    <a:bodyPr/>
+                    <a:lstStyle/>
+                    <a:p>
+                      <a:endParaRPr lang="es-PR"/>
+                    </a:p>
+                  </a:txBody>
+                  <a:tcPr>
+                    <a:lnL w="19050" cap="flat" cmpd="sng" algn="ctr">
+                      <a:solidFill>
+                        <a:schemeClr val="tx1"/>
+                      </a:solidFill>
+                      <a:prstDash val="solid"/>
+                      <a:round/>
+                      <a:headEnd type="none" w="med" len="med"/>
+                      <a:tailEnd type="none" w="med" len="med"/>
+                    </a:lnL>
+                    <a:lnR w="19050" cap="flat" cmpd="sng" algn="ctr">
+                      <a:solidFill>
+                        <a:schemeClr val="tx1"/>
+                      </a:solidFill>
+                      <a:prstDash val="solid"/>
+                      <a:round/>
+                      <a:headEnd type="none" w="med" len="med"/>
+                      <a:tailEnd type="none" w="med" len="med"/>
+                    </a:lnR>
+                    <a:lnT w="19050" cap="flat" cmpd="sng" algn="ctr">
+                      <a:solidFill>
+                        <a:schemeClr val="tx1"/>
+                      </a:solidFill>
+                      <a:prstDash val="solid"/>
+                      <a:round/>
+                      <a:headEnd type="none" w="med" len="med"/>
+                      <a:tailEnd type="none" w="med" len="med"/>
+                    </a:lnT>
+                    <a:lnB w="19050" cap="flat" cmpd="sng" algn="ctr">
+                      <a:solidFill>
+                        <a:schemeClr val="tx1"/>
+                      </a:solidFill>
+                      <a:prstDash val="solid"/>
+                      <a:round/>
+                      <a:headEnd type="none" w="med" len="med"/>
+                      <a:tailEnd type="none" w="med" len="med"/>
+                    </a:lnB>
+                  </a:tcPr>
+                </a:tc>
+                <a:tc>
+                  <a:txBody>
+                    <a:bodyPr/>
+                    <a:lstStyle/>
+                    <a:p>
+                      <a:endParaRPr lang="es-PR"/>
+                    </a:p>
+                  </a:txBody>
+                  <a:tcPr>
+                    <a:lnL w="19050" cap="flat" cmpd="sng" algn="ctr">
+                      <a:solidFill>
+                        <a:schemeClr val="tx1"/>
+                      </a:solidFill>
+                      <a:prstDash val="solid"/>
+                      <a:round/>
+                      <a:headEnd type="none" w="med" len="med"/>
+                      <a:tailEnd type="none" w="med" len="med"/>
+                    </a:lnL>
+                    <a:lnR w="19050" cap="flat" cmpd="sng" algn="ctr">
+                      <a:solidFill>
+                        <a:schemeClr val="tx1"/>
+                      </a:solidFill>
+                      <a:prstDash val="solid"/>
+                      <a:round/>
+                      <a:headEnd type="none" w="med" len="med"/>
+                      <a:tailEnd type="none" w="med" len="med"/>
+                    </a:lnR>
+                    <a:lnT w="19050" cap="flat" cmpd="sng" algn="ctr">
+                      <a:solidFill>
+                        <a:schemeClr val="tx1"/>
+                      </a:solidFill>
+                      <a:prstDash val="solid"/>
+                      <a:round/>
+                      <a:headEnd type="none" w="med" len="med"/>
+                      <a:tailEnd type="none" w="med" len="med"/>
+                    </a:lnT>
+                    <a:lnB w="19050" cap="flat" cmpd="sng" algn="ctr">
+                      <a:solidFill>
+                        <a:schemeClr val="tx1"/>
+                      </a:solidFill>
+                      <a:prstDash val="solid"/>
+                      <a:round/>
+                      <a:headEnd type="none" w="med" len="med"/>
+                      <a:tailEnd type="none" w="med" len="med"/>
+                    </a:lnB>
+                  </a:tcPr>
+                </a:tc>
+                <a:tc>
+                  <a:txBody>
+                    <a:bodyPr/>
+                    <a:lstStyle/>
+                    <a:p>
+                      <a:endParaRPr lang="es-PR"/>
+                    </a:p>
+                  </a:txBody>
+                  <a:tcPr>
+                    <a:lnL w="19050" cap="flat" cmpd="sng" algn="ctr">
+                      <a:solidFill>
+                        <a:schemeClr val="tx1"/>
+                      </a:solidFill>
+                      <a:prstDash val="solid"/>
+                      <a:round/>
+                      <a:headEnd type="none" w="med" len="med"/>
+                      <a:tailEnd type="none" w="med" len="med"/>
+                    </a:lnL>
+                    <a:lnR w="19050" cap="flat" cmpd="sng" algn="ctr">
+                      <a:solidFill>
+                        <a:schemeClr val="tx1"/>
+                      </a:solidFill>
+                      <a:prstDash val="solid"/>
+                      <a:round/>
+                      <a:headEnd type="none" w="med" len="med"/>
+                      <a:tailEnd type="none" w="med" len="med"/>
+                    </a:lnR>
+                    <a:lnT w="19050" cap="flat" cmpd="sng" algn="ctr">
+                      <a:solidFill>
+                        <a:schemeClr val="tx1"/>
+                      </a:solidFill>
+                      <a:prstDash val="solid"/>
+                      <a:round/>
+                      <a:headEnd type="none" w="med" len="med"/>
+                      <a:tailEnd type="none" w="med" len="med"/>
+                    </a:lnT>
+                    <a:lnB w="19050" cap="flat" cmpd="sng" algn="ctr">
+                      <a:solidFill>
+                        <a:schemeClr val="tx1"/>
+                      </a:solidFill>
+                      <a:prstDash val="solid"/>
+                      <a:round/>
+                      <a:headEnd type="none" w="med" len="med"/>
+                      <a:tailEnd type="none" w="med" len="med"/>
+                    </a:lnB>
+                  </a:tcPr>
+                </a:tc>
+                <a:tc>
+                  <a:txBody>
+                    <a:bodyPr/>
+                    <a:lstStyle/>
+                    <a:p>
+                      <a:endParaRPr lang="es-PR"/>
+                    </a:p>
+                  </a:txBody>
+                  <a:tcPr>
+                    <a:lnL w="19050" cap="flat" cmpd="sng" algn="ctr">
+                      <a:solidFill>
+                        <a:schemeClr val="tx1"/>
+                      </a:solidFill>
+                      <a:prstDash val="solid"/>
+                      <a:round/>
+                      <a:headEnd type="none" w="med" len="med"/>
+                      <a:tailEnd type="none" w="med" len="med"/>
+                    </a:lnL>
+                    <a:lnR w="19050" cap="flat" cmpd="sng" algn="ctr">
+                      <a:solidFill>
+                        <a:schemeClr val="tx1"/>
+                      </a:solidFill>
+                      <a:prstDash val="solid"/>
+                      <a:round/>
+                      <a:headEnd type="none" w="med" len="med"/>
+                      <a:tailEnd type="none" w="med" len="med"/>
+                    </a:lnR>
+                    <a:lnT w="19050" cap="flat" cmpd="sng" algn="ctr">
+                      <a:solidFill>
+                        <a:schemeClr val="tx1"/>
+                      </a:solidFill>
+                      <a:prstDash val="solid"/>
+                      <a:round/>
+                      <a:headEnd type="none" w="med" len="med"/>
+                      <a:tailEnd type="none" w="med" len="med"/>
+                    </a:lnT>
+                    <a:lnB w="19050" cap="flat" cmpd="sng" algn="ctr">
+                      <a:solidFill>
+                        <a:schemeClr val="tx1"/>
+                      </a:solidFill>
+                      <a:prstDash val="solid"/>
+                      <a:round/>
+                      <a:headEnd type="none" w="med" len="med"/>
+                      <a:tailEnd type="none" w="med" len="med"/>
+                    </a:lnB>
+                  </a:tcPr>
+                </a:tc>
+                <a:extLst>
+                  <a:ext uri="{0D108BD9-81ED-4DB2-BD59-A6C34878D82A}">
+                    <a16:rowId xmlns:a16="http://schemas.microsoft.com/office/drawing/2014/main" val="1465548320"/>
+                  </a:ext>
+                </a:extLst>
+              </a:tr>
+              <a:tr h="744123">
+                <a:tc>
+                  <a:txBody>
+                    <a:bodyPr/>
+                    <a:lstStyle/>
+                    <a:p>
+                      <a:endParaRPr lang="es-PR"/>
+                    </a:p>
+                  </a:txBody>
+                  <a:tcPr>
+                    <a:lnL w="19050" cap="flat" cmpd="sng" algn="ctr">
+                      <a:solidFill>
+                        <a:schemeClr val="tx1"/>
+                      </a:solidFill>
+                      <a:prstDash val="solid"/>
+                      <a:round/>
+                      <a:headEnd type="none" w="med" len="med"/>
+                      <a:tailEnd type="none" w="med" len="med"/>
+                    </a:lnL>
+                    <a:lnR w="19050" cap="flat" cmpd="sng" algn="ctr">
+                      <a:solidFill>
+                        <a:schemeClr val="tx1"/>
+                      </a:solidFill>
+                      <a:prstDash val="solid"/>
+                      <a:round/>
+                      <a:headEnd type="none" w="med" len="med"/>
+                      <a:tailEnd type="none" w="med" len="med"/>
+                    </a:lnR>
+                    <a:lnT w="19050" cap="flat" cmpd="sng" algn="ctr">
+                      <a:solidFill>
+                        <a:schemeClr val="tx1"/>
+                      </a:solidFill>
+                      <a:prstDash val="solid"/>
+                      <a:round/>
+                      <a:headEnd type="none" w="med" len="med"/>
+                      <a:tailEnd type="none" w="med" len="med"/>
+                    </a:lnT>
+                    <a:lnB w="19050" cap="flat" cmpd="sng" algn="ctr">
+                      <a:solidFill>
+                        <a:schemeClr val="tx1"/>
+                      </a:solidFill>
+                      <a:prstDash val="solid"/>
+                      <a:round/>
+                      <a:headEnd type="none" w="med" len="med"/>
+                      <a:tailEnd type="none" w="med" len="med"/>
+                    </a:lnB>
+                  </a:tcPr>
+                </a:tc>
+                <a:tc>
+                  <a:txBody>
+                    <a:bodyPr/>
+                    <a:lstStyle/>
+                    <a:p>
+                      <a:endParaRPr lang="es-PR"/>
+                    </a:p>
+                  </a:txBody>
+                  <a:tcPr>
+                    <a:lnL w="19050" cap="flat" cmpd="sng" algn="ctr">
+                      <a:solidFill>
+                        <a:schemeClr val="tx1"/>
+                      </a:solidFill>
+                      <a:prstDash val="solid"/>
+                      <a:round/>
+                      <a:headEnd type="none" w="med" len="med"/>
+                      <a:tailEnd type="none" w="med" len="med"/>
+                    </a:lnL>
+                    <a:lnR w="19050" cap="flat" cmpd="sng" algn="ctr">
+                      <a:solidFill>
+                        <a:schemeClr val="tx1"/>
+                      </a:solidFill>
+                      <a:prstDash val="solid"/>
+                      <a:round/>
+                      <a:headEnd type="none" w="med" len="med"/>
+                      <a:tailEnd type="none" w="med" len="med"/>
+                    </a:lnR>
+                    <a:lnT w="19050" cap="flat" cmpd="sng" algn="ctr">
+                      <a:solidFill>
+                        <a:schemeClr val="tx1"/>
+                      </a:solidFill>
+                      <a:prstDash val="solid"/>
+                      <a:round/>
+                      <a:headEnd type="none" w="med" len="med"/>
+                      <a:tailEnd type="none" w="med" len="med"/>
+                    </a:lnT>
+                    <a:lnB w="19050" cap="flat" cmpd="sng" algn="ctr">
+                      <a:solidFill>
+                        <a:schemeClr val="tx1"/>
+                      </a:solidFill>
+                      <a:prstDash val="solid"/>
+                      <a:round/>
+                      <a:headEnd type="none" w="med" len="med"/>
+                      <a:tailEnd type="none" w="med" len="med"/>
+                    </a:lnB>
+                  </a:tcPr>
+                </a:tc>
+                <a:tc>
+                  <a:txBody>
+                    <a:bodyPr/>
+                    <a:lstStyle/>
+                    <a:p>
+                      <a:endParaRPr lang="es-PR"/>
+                    </a:p>
+                  </a:txBody>
+                  <a:tcPr>
+                    <a:lnL w="19050" cap="flat" cmpd="sng" algn="ctr">
+                      <a:solidFill>
+                        <a:schemeClr val="tx1"/>
+                      </a:solidFill>
+                      <a:prstDash val="solid"/>
+                      <a:round/>
+                      <a:headEnd type="none" w="med" len="med"/>
+                      <a:tailEnd type="none" w="med" len="med"/>
+                    </a:lnL>
+                    <a:lnR w="19050" cap="flat" cmpd="sng" algn="ctr">
+                      <a:solidFill>
+                        <a:schemeClr val="tx1"/>
+                      </a:solidFill>
+                      <a:prstDash val="solid"/>
+                      <a:round/>
+                      <a:headEnd type="none" w="med" len="med"/>
+                      <a:tailEnd type="none" w="med" len="med"/>
+                    </a:lnR>
+                    <a:lnT w="19050" cap="flat" cmpd="sng" algn="ctr">
+                      <a:solidFill>
+                        <a:schemeClr val="tx1"/>
+                      </a:solidFill>
+                      <a:prstDash val="solid"/>
+                      <a:round/>
+                      <a:headEnd type="none" w="med" len="med"/>
+                      <a:tailEnd type="none" w="med" len="med"/>
+                    </a:lnT>
+                    <a:lnB w="19050" cap="flat" cmpd="sng" algn="ctr">
+                      <a:solidFill>
+                        <a:schemeClr val="tx1"/>
+                      </a:solidFill>
+                      <a:prstDash val="solid"/>
+                      <a:round/>
+                      <a:headEnd type="none" w="med" len="med"/>
+                      <a:tailEnd type="none" w="med" len="med"/>
+                    </a:lnB>
+                  </a:tcPr>
+                </a:tc>
+                <a:tc>
+                  <a:txBody>
+                    <a:bodyPr/>
+                    <a:lstStyle/>
+                    <a:p>
+                      <a:endParaRPr lang="es-PR"/>
+                    </a:p>
+                  </a:txBody>
+                  <a:tcPr>
+                    <a:lnL w="19050" cap="flat" cmpd="sng" algn="ctr">
+                      <a:solidFill>
+                        <a:schemeClr val="tx1"/>
+                      </a:solidFill>
+                      <a:prstDash val="solid"/>
+                      <a:round/>
+                      <a:headEnd type="none" w="med" len="med"/>
+                      <a:tailEnd type="none" w="med" len="med"/>
+                    </a:lnL>
+                    <a:lnR w="19050" cap="flat" cmpd="sng" algn="ctr">
+                      <a:solidFill>
+                        <a:schemeClr val="tx1"/>
+                      </a:solidFill>
+                      <a:prstDash val="solid"/>
+                      <a:round/>
+                      <a:headEnd type="none" w="med" len="med"/>
+                      <a:tailEnd type="none" w="med" len="med"/>
+                    </a:lnR>
+                    <a:lnT w="19050" cap="flat" cmpd="sng" algn="ctr">
+                      <a:solidFill>
+                        <a:schemeClr val="tx1"/>
+                      </a:solidFill>
+                      <a:prstDash val="solid"/>
+                      <a:round/>
+                      <a:headEnd type="none" w="med" len="med"/>
+                      <a:tailEnd type="none" w="med" len="med"/>
+                    </a:lnT>
+                    <a:lnB w="19050" cap="flat" cmpd="sng" algn="ctr">
+                      <a:solidFill>
+                        <a:schemeClr val="tx1"/>
+                      </a:solidFill>
+                      <a:prstDash val="solid"/>
+                      <a:round/>
+                      <a:headEnd type="none" w="med" len="med"/>
+                      <a:tailEnd type="none" w="med" len="med"/>
+                    </a:lnB>
+                  </a:tcPr>
+                </a:tc>
+                <a:tc>
+                  <a:txBody>
+                    <a:bodyPr/>
+                    <a:lstStyle/>
+                    <a:p>
+                      <a:endParaRPr lang="es-PR"/>
+                    </a:p>
+                  </a:txBody>
+                  <a:tcPr>
+                    <a:lnL w="19050" cap="flat" cmpd="sng" algn="ctr">
+                      <a:solidFill>
+                        <a:schemeClr val="tx1"/>
+                      </a:solidFill>
+                      <a:prstDash val="solid"/>
+                      <a:round/>
+                      <a:headEnd type="none" w="med" len="med"/>
+                      <a:tailEnd type="none" w="med" len="med"/>
+                    </a:lnL>
+                    <a:lnR w="19050" cap="flat" cmpd="sng" algn="ctr">
+                      <a:solidFill>
+                        <a:schemeClr val="tx1"/>
+                      </a:solidFill>
+                      <a:prstDash val="solid"/>
+                      <a:round/>
+                      <a:headEnd type="none" w="med" len="med"/>
+                      <a:tailEnd type="none" w="med" len="med"/>
+                    </a:lnR>
+                    <a:lnT w="19050" cap="flat" cmpd="sng" algn="ctr">
+                      <a:solidFill>
+                        <a:schemeClr val="tx1"/>
+                      </a:solidFill>
+                      <a:prstDash val="solid"/>
+                      <a:round/>
+                      <a:headEnd type="none" w="med" len="med"/>
+                      <a:tailEnd type="none" w="med" len="med"/>
+                    </a:lnT>
+                    <a:lnB w="19050" cap="flat" cmpd="sng" algn="ctr">
+                      <a:solidFill>
+                        <a:schemeClr val="tx1"/>
+                      </a:solidFill>
+                      <a:prstDash val="solid"/>
+                      <a:round/>
+                      <a:headEnd type="none" w="med" len="med"/>
+                      <a:tailEnd type="none" w="med" len="med"/>
+                    </a:lnB>
+                  </a:tcPr>
+                </a:tc>
+                <a:extLst>
+                  <a:ext uri="{0D108BD9-81ED-4DB2-BD59-A6C34878D82A}">
+                    <a16:rowId xmlns:a16="http://schemas.microsoft.com/office/drawing/2014/main" val="1654972923"/>
+                  </a:ext>
+                </a:extLst>
+              </a:tr>
+              <a:tr h="744123">
+                <a:tc>
+                  <a:txBody>
+                    <a:bodyPr/>
+                    <a:lstStyle/>
+                    <a:p>
+                      <a:endParaRPr lang="es-PR"/>
+                    </a:p>
+                  </a:txBody>
+                  <a:tcPr>
+                    <a:lnL w="19050" cap="flat" cmpd="sng" algn="ctr">
+                      <a:solidFill>
+                        <a:schemeClr val="tx1"/>
+                      </a:solidFill>
+                      <a:prstDash val="solid"/>
+                      <a:round/>
+                      <a:headEnd type="none" w="med" len="med"/>
+                      <a:tailEnd type="none" w="med" len="med"/>
+                    </a:lnL>
+                    <a:lnR w="19050" cap="flat" cmpd="sng" algn="ctr">
+                      <a:solidFill>
+                        <a:schemeClr val="tx1"/>
+                      </a:solidFill>
+                      <a:prstDash val="solid"/>
+                      <a:round/>
+                      <a:headEnd type="none" w="med" len="med"/>
+                      <a:tailEnd type="none" w="med" len="med"/>
+                    </a:lnR>
+                    <a:lnT w="19050" cap="flat" cmpd="sng" algn="ctr">
+                      <a:solidFill>
+                        <a:schemeClr val="tx1"/>
+                      </a:solidFill>
+                      <a:prstDash val="solid"/>
+                      <a:round/>
+                      <a:headEnd type="none" w="med" len="med"/>
+                      <a:tailEnd type="none" w="med" len="med"/>
+                    </a:lnT>
+                    <a:lnB w="19050" cap="flat" cmpd="sng" algn="ctr">
+                      <a:solidFill>
+                        <a:schemeClr val="tx1"/>
+                      </a:solidFill>
+                      <a:prstDash val="solid"/>
+                      <a:round/>
+                      <a:headEnd type="none" w="med" len="med"/>
+                      <a:tailEnd type="none" w="med" len="med"/>
+                    </a:lnB>
+                  </a:tcPr>
+                </a:tc>
+                <a:tc>
+                  <a:txBody>
+                    <a:bodyPr/>
+                    <a:lstStyle/>
+                    <a:p>
+                      <a:endParaRPr lang="es-PR"/>
+                    </a:p>
+                  </a:txBody>
+                  <a:tcPr>
+                    <a:lnL w="19050" cap="flat" cmpd="sng" algn="ctr">
+                      <a:solidFill>
+                        <a:schemeClr val="tx1"/>
+                      </a:solidFill>
+                      <a:prstDash val="solid"/>
+                      <a:round/>
+                      <a:headEnd type="none" w="med" len="med"/>
+                      <a:tailEnd type="none" w="med" len="med"/>
+                    </a:lnL>
+                    <a:lnR w="19050" cap="flat" cmpd="sng" algn="ctr">
+                      <a:solidFill>
+                        <a:schemeClr val="tx1"/>
+                      </a:solidFill>
+                      <a:prstDash val="solid"/>
+                      <a:round/>
+                      <a:headEnd type="none" w="med" len="med"/>
+                      <a:tailEnd type="none" w="med" len="med"/>
+                    </a:lnR>
+                    <a:lnT w="19050" cap="flat" cmpd="sng" algn="ctr">
+                      <a:solidFill>
+                        <a:schemeClr val="tx1"/>
+                      </a:solidFill>
+                      <a:prstDash val="solid"/>
+                      <a:round/>
+                      <a:headEnd type="none" w="med" len="med"/>
+                      <a:tailEnd type="none" w="med" len="med"/>
+                    </a:lnT>
+                    <a:lnB w="19050" cap="flat" cmpd="sng" algn="ctr">
+                      <a:solidFill>
+                        <a:schemeClr val="tx1"/>
+                      </a:solidFill>
+                      <a:prstDash val="solid"/>
+                      <a:round/>
+                      <a:headEnd type="none" w="med" len="med"/>
+                      <a:tailEnd type="none" w="med" len="med"/>
+                    </a:lnB>
+                  </a:tcPr>
+                </a:tc>
+                <a:tc>
+                  <a:txBody>
+                    <a:bodyPr/>
+                    <a:lstStyle/>
+                    <a:p>
+                      <a:endParaRPr lang="es-PR"/>
+                    </a:p>
+                  </a:txBody>
+                  <a:tcPr>
+                    <a:lnL w="19050" cap="flat" cmpd="sng" algn="ctr">
+                      <a:solidFill>
+                        <a:schemeClr val="tx1"/>
+                      </a:solidFill>
+                      <a:prstDash val="solid"/>
+                      <a:round/>
+                      <a:headEnd type="none" w="med" len="med"/>
+                      <a:tailEnd type="none" w="med" len="med"/>
+                    </a:lnL>
+                    <a:lnR w="19050" cap="flat" cmpd="sng" algn="ctr">
+                      <a:solidFill>
+                        <a:schemeClr val="tx1"/>
+                      </a:solidFill>
+                      <a:prstDash val="solid"/>
+                      <a:round/>
+                      <a:headEnd type="none" w="med" len="med"/>
+                      <a:tailEnd type="none" w="med" len="med"/>
+                    </a:lnR>
+                    <a:lnT w="19050" cap="flat" cmpd="sng" algn="ctr">
+                      <a:solidFill>
+                        <a:schemeClr val="tx1"/>
+                      </a:solidFill>
+                      <a:prstDash val="solid"/>
+                      <a:round/>
+                      <a:headEnd type="none" w="med" len="med"/>
+                      <a:tailEnd type="none" w="med" len="med"/>
+                    </a:lnT>
+                    <a:lnB w="19050" cap="flat" cmpd="sng" algn="ctr">
+                      <a:solidFill>
+                        <a:schemeClr val="tx1"/>
+                      </a:solidFill>
+                      <a:prstDash val="solid"/>
+                      <a:round/>
+                      <a:headEnd type="none" w="med" len="med"/>
+                      <a:tailEnd type="none" w="med" len="med"/>
+                    </a:lnB>
+                  </a:tcPr>
+                </a:tc>
+                <a:tc>
+                  <a:txBody>
+                    <a:bodyPr/>
+                    <a:lstStyle/>
+                    <a:p>
+                      <a:endParaRPr lang="es-PR"/>
+                    </a:p>
+                  </a:txBody>
+                  <a:tcPr>
+                    <a:lnL w="19050" cap="flat" cmpd="sng" algn="ctr">
+                      <a:solidFill>
+                        <a:schemeClr val="tx1"/>
+                      </a:solidFill>
+                      <a:prstDash val="solid"/>
+                      <a:round/>
+                      <a:headEnd type="none" w="med" len="med"/>
+                      <a:tailEnd type="none" w="med" len="med"/>
+                    </a:lnL>
+                    <a:lnR w="19050" cap="flat" cmpd="sng" algn="ctr">
+                      <a:solidFill>
+                        <a:schemeClr val="tx1"/>
+                      </a:solidFill>
+                      <a:prstDash val="solid"/>
+                      <a:round/>
+                      <a:headEnd type="none" w="med" len="med"/>
+                      <a:tailEnd type="none" w="med" len="med"/>
+                    </a:lnR>
+                    <a:lnT w="19050" cap="flat" cmpd="sng" algn="ctr">
+                      <a:solidFill>
+                        <a:schemeClr val="tx1"/>
+                      </a:solidFill>
+                      <a:prstDash val="solid"/>
+                      <a:round/>
+                      <a:headEnd type="none" w="med" len="med"/>
+                      <a:tailEnd type="none" w="med" len="med"/>
+                    </a:lnT>
+                    <a:lnB w="19050" cap="flat" cmpd="sng" algn="ctr">
+                      <a:solidFill>
+                        <a:schemeClr val="tx1"/>
+                      </a:solidFill>
+                      <a:prstDash val="solid"/>
+                      <a:round/>
+                      <a:headEnd type="none" w="med" len="med"/>
+                      <a:tailEnd type="none" w="med" len="med"/>
+                    </a:lnB>
+                  </a:tcPr>
+                </a:tc>
+                <a:tc>
+                  <a:txBody>
+                    <a:bodyPr/>
+                    <a:lstStyle/>
+                    <a:p>
+                      <a:endParaRPr lang="es-PR"/>
+                    </a:p>
+                  </a:txBody>
+                  <a:tcPr>
+                    <a:lnL w="19050" cap="flat" cmpd="sng" algn="ctr">
+                      <a:solidFill>
+                        <a:schemeClr val="tx1"/>
+                      </a:solidFill>
+                      <a:prstDash val="solid"/>
+                      <a:round/>
+                      <a:headEnd type="none" w="med" len="med"/>
+                      <a:tailEnd type="none" w="med" len="med"/>
+                    </a:lnL>
+                    <a:lnR w="19050" cap="flat" cmpd="sng" algn="ctr">
+                      <a:solidFill>
+                        <a:schemeClr val="tx1"/>
+                      </a:solidFill>
+                      <a:prstDash val="solid"/>
+                      <a:round/>
+                      <a:headEnd type="none" w="med" len="med"/>
+                      <a:tailEnd type="none" w="med" len="med"/>
+                    </a:lnR>
+                    <a:lnT w="19050" cap="flat" cmpd="sng" algn="ctr">
+                      <a:solidFill>
+                        <a:schemeClr val="tx1"/>
+                      </a:solidFill>
+                      <a:prstDash val="solid"/>
+                      <a:round/>
+                      <a:headEnd type="none" w="med" len="med"/>
+                      <a:tailEnd type="none" w="med" len="med"/>
+                    </a:lnT>
+                    <a:lnB w="19050" cap="flat" cmpd="sng" algn="ctr">
+                      <a:solidFill>
+                        <a:schemeClr val="tx1"/>
+                      </a:solidFill>
+                      <a:prstDash val="solid"/>
+                      <a:round/>
+                      <a:headEnd type="none" w="med" len="med"/>
+                      <a:tailEnd type="none" w="med" len="med"/>
+                    </a:lnB>
+                  </a:tcPr>
+                </a:tc>
+                <a:extLst>
+                  <a:ext uri="{0D108BD9-81ED-4DB2-BD59-A6C34878D82A}">
+                    <a16:rowId xmlns:a16="http://schemas.microsoft.com/office/drawing/2014/main" val="1114199803"/>
+                  </a:ext>
+                </a:extLst>
+              </a:tr>
+              <a:tr h="744123">
+                <a:tc>
+                  <a:txBody>
+                    <a:bodyPr/>
+                    <a:lstStyle/>
+                    <a:p>
+                      <a:endParaRPr lang="es-PR"/>
+                    </a:p>
+                  </a:txBody>
+                  <a:tcPr>
+                    <a:lnL w="19050" cap="flat" cmpd="sng" algn="ctr">
+                      <a:solidFill>
+                        <a:schemeClr val="tx1"/>
+                      </a:solidFill>
+                      <a:prstDash val="solid"/>
+                      <a:round/>
+                      <a:headEnd type="none" w="med" len="med"/>
+                      <a:tailEnd type="none" w="med" len="med"/>
+                    </a:lnL>
+                    <a:lnR w="19050" cap="flat" cmpd="sng" algn="ctr">
+                      <a:solidFill>
+                        <a:schemeClr val="tx1"/>
+                      </a:solidFill>
+                      <a:prstDash val="solid"/>
+                      <a:round/>
+                      <a:headEnd type="none" w="med" len="med"/>
+                      <a:tailEnd type="none" w="med" len="med"/>
+                    </a:lnR>
+                    <a:lnT w="19050" cap="flat" cmpd="sng" algn="ctr">
+                      <a:solidFill>
+                        <a:schemeClr val="tx1"/>
+                      </a:solidFill>
+                      <a:prstDash val="solid"/>
+                      <a:round/>
+                      <a:headEnd type="none" w="med" len="med"/>
+                      <a:tailEnd type="none" w="med" len="med"/>
+                    </a:lnT>
+                    <a:lnB w="19050" cap="flat" cmpd="sng" algn="ctr">
+                      <a:solidFill>
+                        <a:schemeClr val="tx1"/>
+                      </a:solidFill>
+                      <a:prstDash val="solid"/>
+                      <a:round/>
+                      <a:headEnd type="none" w="med" len="med"/>
+                      <a:tailEnd type="none" w="med" len="med"/>
+                    </a:lnB>
+                  </a:tcPr>
+                </a:tc>
+                <a:tc>
+                  <a:txBody>
+                    <a:bodyPr/>
+                    <a:lstStyle/>
+                    <a:p>
+                      <a:endParaRPr lang="es-PR"/>
+                    </a:p>
+                  </a:txBody>
+                  <a:tcPr>
+                    <a:lnL w="19050" cap="flat" cmpd="sng" algn="ctr">
+                      <a:solidFill>
+                        <a:schemeClr val="tx1"/>
+                      </a:solidFill>
+                      <a:prstDash val="solid"/>
+                      <a:round/>
+                      <a:headEnd type="none" w="med" len="med"/>
+                      <a:tailEnd type="none" w="med" len="med"/>
+                    </a:lnL>
+                    <a:lnR w="19050" cap="flat" cmpd="sng" algn="ctr">
+                      <a:solidFill>
+                        <a:schemeClr val="tx1"/>
+                      </a:solidFill>
+                      <a:prstDash val="solid"/>
+                      <a:round/>
+                      <a:headEnd type="none" w="med" len="med"/>
+                      <a:tailEnd type="none" w="med" len="med"/>
+                    </a:lnR>
+                    <a:lnT w="19050" cap="flat" cmpd="sng" algn="ctr">
+                      <a:solidFill>
+                        <a:schemeClr val="tx1"/>
+                      </a:solidFill>
+                      <a:prstDash val="solid"/>
+                      <a:round/>
+                      <a:headEnd type="none" w="med" len="med"/>
+                      <a:tailEnd type="none" w="med" len="med"/>
+                    </a:lnT>
+                    <a:lnB w="19050" cap="flat" cmpd="sng" algn="ctr">
+                      <a:solidFill>
+                        <a:schemeClr val="tx1"/>
+                      </a:solidFill>
+                      <a:prstDash val="solid"/>
+                      <a:round/>
+                      <a:headEnd type="none" w="med" len="med"/>
+                      <a:tailEnd type="none" w="med" len="med"/>
+                    </a:lnB>
+                  </a:tcPr>
+                </a:tc>
+                <a:tc>
+                  <a:txBody>
+                    <a:bodyPr/>
+                    <a:lstStyle/>
+                    <a:p>
+                      <a:endParaRPr lang="es-PR"/>
+                    </a:p>
+                  </a:txBody>
+                  <a:tcPr>
+                    <a:lnL w="19050" cap="flat" cmpd="sng" algn="ctr">
+                      <a:solidFill>
+                        <a:schemeClr val="tx1"/>
+                      </a:solidFill>
+                      <a:prstDash val="solid"/>
+                      <a:round/>
+                      <a:headEnd type="none" w="med" len="med"/>
+                      <a:tailEnd type="none" w="med" len="med"/>
+                    </a:lnL>
+                    <a:lnR w="19050" cap="flat" cmpd="sng" algn="ctr">
+                      <a:solidFill>
+                        <a:schemeClr val="tx1"/>
+                      </a:solidFill>
+                      <a:prstDash val="solid"/>
+                      <a:round/>
+                      <a:headEnd type="none" w="med" len="med"/>
+                      <a:tailEnd type="none" w="med" len="med"/>
+                    </a:lnR>
+                    <a:lnT w="19050" cap="flat" cmpd="sng" algn="ctr">
+                      <a:solidFill>
+                        <a:schemeClr val="tx1"/>
+                      </a:solidFill>
+                      <a:prstDash val="solid"/>
+                      <a:round/>
+                      <a:headEnd type="none" w="med" len="med"/>
+                      <a:tailEnd type="none" w="med" len="med"/>
+                    </a:lnT>
+                    <a:lnB w="19050" cap="flat" cmpd="sng" algn="ctr">
+                      <a:solidFill>
+                        <a:schemeClr val="tx1"/>
+                      </a:solidFill>
+                      <a:prstDash val="solid"/>
+                      <a:round/>
+                      <a:headEnd type="none" w="med" len="med"/>
+                      <a:tailEnd type="none" w="med" len="med"/>
+                    </a:lnB>
+                  </a:tcPr>
+                </a:tc>
+                <a:tc>
+                  <a:txBody>
+                    <a:bodyPr/>
+                    <a:lstStyle/>
+                    <a:p>
+                      <a:endParaRPr lang="es-PR"/>
+                    </a:p>
+                  </a:txBody>
+                  <a:tcPr>
+                    <a:lnL w="19050" cap="flat" cmpd="sng" algn="ctr">
+                      <a:solidFill>
+                        <a:schemeClr val="tx1"/>
+                      </a:solidFill>
+                      <a:prstDash val="solid"/>
+                      <a:round/>
+                      <a:headEnd type="none" w="med" len="med"/>
+                      <a:tailEnd type="none" w="med" len="med"/>
+                    </a:lnL>
+                    <a:lnR w="19050" cap="flat" cmpd="sng" algn="ctr">
+                      <a:solidFill>
+                        <a:schemeClr val="tx1"/>
+                      </a:solidFill>
+                      <a:prstDash val="solid"/>
+                      <a:round/>
+                      <a:headEnd type="none" w="med" len="med"/>
+                      <a:tailEnd type="none" w="med" len="med"/>
+                    </a:lnR>
+                    <a:lnT w="19050" cap="flat" cmpd="sng" algn="ctr">
+                      <a:solidFill>
+                        <a:schemeClr val="tx1"/>
+                      </a:solidFill>
+                      <a:prstDash val="solid"/>
+                      <a:round/>
+                      <a:headEnd type="none" w="med" len="med"/>
+                      <a:tailEnd type="none" w="med" len="med"/>
+                    </a:lnT>
+                    <a:lnB w="19050" cap="flat" cmpd="sng" algn="ctr">
+                      <a:solidFill>
+                        <a:schemeClr val="tx1"/>
+                      </a:solidFill>
+                      <a:prstDash val="solid"/>
+                      <a:round/>
+                      <a:headEnd type="none" w="med" len="med"/>
+                      <a:tailEnd type="none" w="med" len="med"/>
+                    </a:lnB>
+                  </a:tcPr>
+                </a:tc>
+                <a:tc>
+                  <a:txBody>
+                    <a:bodyPr/>
+                    <a:lstStyle/>
+                    <a:p>
+                      <a:endParaRPr lang="es-PR"/>
+                    </a:p>
+                  </a:txBody>
+                  <a:tcPr>
+                    <a:lnL w="19050" cap="flat" cmpd="sng" algn="ctr">
+                      <a:solidFill>
+                        <a:schemeClr val="tx1"/>
+                      </a:solidFill>
+                      <a:prstDash val="solid"/>
+                      <a:round/>
+                      <a:headEnd type="none" w="med" len="med"/>
+                      <a:tailEnd type="none" w="med" len="med"/>
+                    </a:lnL>
+                    <a:lnR w="19050" cap="flat" cmpd="sng" algn="ctr">
+                      <a:solidFill>
+                        <a:schemeClr val="tx1"/>
+                      </a:solidFill>
+                      <a:prstDash val="solid"/>
+                      <a:round/>
+                      <a:headEnd type="none" w="med" len="med"/>
+                      <a:tailEnd type="none" w="med" len="med"/>
+                    </a:lnR>
+                    <a:lnT w="19050" cap="flat" cmpd="sng" algn="ctr">
+                      <a:solidFill>
+                        <a:schemeClr val="tx1"/>
+                      </a:solidFill>
+                      <a:prstDash val="solid"/>
+                      <a:round/>
+                      <a:headEnd type="none" w="med" len="med"/>
+                      <a:tailEnd type="none" w="med" len="med"/>
+                    </a:lnT>
+                    <a:lnB w="19050" cap="flat" cmpd="sng" algn="ctr">
+                      <a:solidFill>
+                        <a:schemeClr val="tx1"/>
+                      </a:solidFill>
+                      <a:prstDash val="solid"/>
+                      <a:round/>
+                      <a:headEnd type="none" w="med" len="med"/>
+                      <a:tailEnd type="none" w="med" len="med"/>
+                    </a:lnB>
+                  </a:tcPr>
+                </a:tc>
+                <a:extLst>
+                  <a:ext uri="{0D108BD9-81ED-4DB2-BD59-A6C34878D82A}">
+                    <a16:rowId xmlns:a16="http://schemas.microsoft.com/office/drawing/2014/main" val="2587000552"/>
+                  </a:ext>
+                </a:extLst>
+              </a:tr>
+              <a:tr h="744123">
+                <a:tc>
+                  <a:txBody>
+                    <a:bodyPr/>
+                    <a:lstStyle/>
+                    <a:p>
+                      <a:endParaRPr lang="es-PR"/>
+                    </a:p>
+                  </a:txBody>
+                  <a:tcPr>
+                    <a:lnL w="19050" cap="flat" cmpd="sng" algn="ctr">
+                      <a:solidFill>
+                        <a:schemeClr val="tx1"/>
+                      </a:solidFill>
+                      <a:prstDash val="solid"/>
+                      <a:round/>
+                      <a:headEnd type="none" w="med" len="med"/>
+                      <a:tailEnd type="none" w="med" len="med"/>
+                    </a:lnL>
+                    <a:lnR w="19050" cap="flat" cmpd="sng" algn="ctr">
+                      <a:solidFill>
+                        <a:schemeClr val="tx1"/>
+                      </a:solidFill>
+                      <a:prstDash val="solid"/>
+                      <a:round/>
+                      <a:headEnd type="none" w="med" len="med"/>
+                      <a:tailEnd type="none" w="med" len="med"/>
+                    </a:lnR>
+                    <a:lnT w="19050" cap="flat" cmpd="sng" algn="ctr">
+                      <a:solidFill>
+                        <a:schemeClr val="tx1"/>
+                      </a:solidFill>
+                      <a:prstDash val="solid"/>
+                      <a:round/>
+                      <a:headEnd type="none" w="med" len="med"/>
+                      <a:tailEnd type="none" w="med" len="med"/>
+                    </a:lnT>
+                    <a:lnB w="19050" cap="flat" cmpd="sng" algn="ctr">
+                      <a:solidFill>
+                        <a:schemeClr val="tx1"/>
+                      </a:solidFill>
+                      <a:prstDash val="solid"/>
+                      <a:round/>
+                      <a:headEnd type="none" w="med" len="med"/>
+                      <a:tailEnd type="none" w="med" len="med"/>
+                    </a:lnB>
+                  </a:tcPr>
+                </a:tc>
+                <a:tc>
+                  <a:txBody>
+                    <a:bodyPr/>
+                    <a:lstStyle/>
+                    <a:p>
+                      <a:endParaRPr lang="es-PR"/>
+                    </a:p>
+                  </a:txBody>
+                  <a:tcPr>
+                    <a:lnL w="19050" cap="flat" cmpd="sng" algn="ctr">
+                      <a:solidFill>
+                        <a:schemeClr val="tx1"/>
+                      </a:solidFill>
+                      <a:prstDash val="solid"/>
+                      <a:round/>
+                      <a:headEnd type="none" w="med" len="med"/>
+                      <a:tailEnd type="none" w="med" len="med"/>
+                    </a:lnL>
+                    <a:lnR w="19050" cap="flat" cmpd="sng" algn="ctr">
+                      <a:solidFill>
+                        <a:schemeClr val="tx1"/>
+                      </a:solidFill>
+                      <a:prstDash val="solid"/>
+                      <a:round/>
+                      <a:headEnd type="none" w="med" len="med"/>
+                      <a:tailEnd type="none" w="med" len="med"/>
+                    </a:lnR>
+                    <a:lnT w="19050" cap="flat" cmpd="sng" algn="ctr">
+                      <a:solidFill>
+                        <a:schemeClr val="tx1"/>
+                      </a:solidFill>
+                      <a:prstDash val="solid"/>
+                      <a:round/>
+                      <a:headEnd type="none" w="med" len="med"/>
+                      <a:tailEnd type="none" w="med" len="med"/>
+                    </a:lnT>
+                    <a:lnB w="19050" cap="flat" cmpd="sng" algn="ctr">
+                      <a:solidFill>
+                        <a:schemeClr val="tx1"/>
+                      </a:solidFill>
+                      <a:prstDash val="solid"/>
+                      <a:round/>
+                      <a:headEnd type="none" w="med" len="med"/>
+                      <a:tailEnd type="none" w="med" len="med"/>
+                    </a:lnB>
+                  </a:tcPr>
+                </a:tc>
+                <a:tc>
+                  <a:txBody>
+                    <a:bodyPr/>
+                    <a:lstStyle/>
+                    <a:p>
+                      <a:endParaRPr lang="es-PR"/>
+                    </a:p>
+                  </a:txBody>
+                  <a:tcPr>
+                    <a:lnL w="19050" cap="flat" cmpd="sng" algn="ctr">
+                      <a:solidFill>
+                        <a:schemeClr val="tx1"/>
+                      </a:solidFill>
+                      <a:prstDash val="solid"/>
+                      <a:round/>
+                      <a:headEnd type="none" w="med" len="med"/>
+                      <a:tailEnd type="none" w="med" len="med"/>
+                    </a:lnL>
+                    <a:lnR w="19050" cap="flat" cmpd="sng" algn="ctr">
+                      <a:solidFill>
+                        <a:schemeClr val="tx1"/>
+                      </a:solidFill>
+                      <a:prstDash val="solid"/>
+                      <a:round/>
+                      <a:headEnd type="none" w="med" len="med"/>
+                      <a:tailEnd type="none" w="med" len="med"/>
+                    </a:lnR>
+                    <a:lnT w="19050" cap="flat" cmpd="sng" algn="ctr">
+                      <a:solidFill>
+                        <a:schemeClr val="tx1"/>
+                      </a:solidFill>
+                      <a:prstDash val="solid"/>
+                      <a:round/>
+                      <a:headEnd type="none" w="med" len="med"/>
+                      <a:tailEnd type="none" w="med" len="med"/>
+                    </a:lnT>
+                    <a:lnB w="19050" cap="flat" cmpd="sng" algn="ctr">
+                      <a:solidFill>
+                        <a:schemeClr val="tx1"/>
+                      </a:solidFill>
+                      <a:prstDash val="solid"/>
+                      <a:round/>
+                      <a:headEnd type="none" w="med" len="med"/>
+                      <a:tailEnd type="none" w="med" len="med"/>
+                    </a:lnB>
+                  </a:tcPr>
+                </a:tc>
+                <a:tc>
+                  <a:txBody>
+                    <a:bodyPr/>
+                    <a:lstStyle/>
+                    <a:p>
+                      <a:endParaRPr lang="es-PR"/>
+                    </a:p>
+                  </a:txBody>
+                  <a:tcPr>
+                    <a:lnL w="19050" cap="flat" cmpd="sng" algn="ctr">
+                      <a:solidFill>
+                        <a:schemeClr val="tx1"/>
+                      </a:solidFill>
+                      <a:prstDash val="solid"/>
+                      <a:round/>
+                      <a:headEnd type="none" w="med" len="med"/>
+                      <a:tailEnd type="none" w="med" len="med"/>
+                    </a:lnL>
+                    <a:lnR w="19050" cap="flat" cmpd="sng" algn="ctr">
+                      <a:solidFill>
+                        <a:schemeClr val="tx1"/>
+                      </a:solidFill>
+                      <a:prstDash val="solid"/>
+                      <a:round/>
+                      <a:headEnd type="none" w="med" len="med"/>
+                      <a:tailEnd type="none" w="med" len="med"/>
+                    </a:lnR>
+                    <a:lnT w="19050" cap="flat" cmpd="sng" algn="ctr">
+                      <a:solidFill>
+                        <a:schemeClr val="tx1"/>
+                      </a:solidFill>
+                      <a:prstDash val="solid"/>
+                      <a:round/>
+                      <a:headEnd type="none" w="med" len="med"/>
+                      <a:tailEnd type="none" w="med" len="med"/>
+                    </a:lnT>
+                    <a:lnB w="19050" cap="flat" cmpd="sng" algn="ctr">
+                      <a:solidFill>
+                        <a:schemeClr val="tx1"/>
+                      </a:solidFill>
+                      <a:prstDash val="solid"/>
+                      <a:round/>
+                      <a:headEnd type="none" w="med" len="med"/>
+                      <a:tailEnd type="none" w="med" len="med"/>
+                    </a:lnB>
+                  </a:tcPr>
+                </a:tc>
+                <a:tc>
+                  <a:txBody>
+                    <a:bodyPr/>
+                    <a:lstStyle/>
+                    <a:p>
+                      <a:endParaRPr lang="es-PR"/>
+                    </a:p>
+                  </a:txBody>
+                  <a:tcPr>
+                    <a:lnL w="19050" cap="flat" cmpd="sng" algn="ctr">
+                      <a:solidFill>
+                        <a:schemeClr val="tx1"/>
+                      </a:solidFill>
+                      <a:prstDash val="solid"/>
+                      <a:round/>
+                      <a:headEnd type="none" w="med" len="med"/>
+                      <a:tailEnd type="none" w="med" len="med"/>
+                    </a:lnL>
+                    <a:lnR w="19050" cap="flat" cmpd="sng" algn="ctr">
+                      <a:solidFill>
+                        <a:schemeClr val="tx1"/>
+                      </a:solidFill>
+                      <a:prstDash val="solid"/>
+                      <a:round/>
+                      <a:headEnd type="none" w="med" len="med"/>
+                      <a:tailEnd type="none" w="med" len="med"/>
+                    </a:lnR>
+                    <a:lnT w="19050" cap="flat" cmpd="sng" algn="ctr">
+                      <a:solidFill>
+                        <a:schemeClr val="tx1"/>
+                      </a:solidFill>
+                      <a:prstDash val="solid"/>
+                      <a:round/>
+                      <a:headEnd type="none" w="med" len="med"/>
+                      <a:tailEnd type="none" w="med" len="med"/>
+                    </a:lnT>
+                    <a:lnB w="19050" cap="flat" cmpd="sng" algn="ctr">
+                      <a:solidFill>
+                        <a:schemeClr val="tx1"/>
+                      </a:solidFill>
+                      <a:prstDash val="solid"/>
+                      <a:round/>
+                      <a:headEnd type="none" w="med" len="med"/>
+                      <a:tailEnd type="none" w="med" len="med"/>
+                    </a:lnB>
+                  </a:tcPr>
+                </a:tc>
+                <a:extLst>
+                  <a:ext uri="{0D108BD9-81ED-4DB2-BD59-A6C34878D82A}">
+                    <a16:rowId xmlns:a16="http://schemas.microsoft.com/office/drawing/2014/main" val="2345925938"/>
+                  </a:ext>
+                </a:extLst>
+              </a:tr>
+              <a:tr h="744123">
+                <a:tc>
+                  <a:txBody>
+                    <a:bodyPr/>
+                    <a:lstStyle/>
+                    <a:p>
+                      <a:endParaRPr lang="es-PR"/>
+                    </a:p>
+                  </a:txBody>
+                  <a:tcPr>
+                    <a:lnL w="19050" cap="flat" cmpd="sng" algn="ctr">
+                      <a:solidFill>
+                        <a:schemeClr val="tx1"/>
+                      </a:solidFill>
+                      <a:prstDash val="solid"/>
+                      <a:round/>
+                      <a:headEnd type="none" w="med" len="med"/>
+                      <a:tailEnd type="none" w="med" len="med"/>
+                    </a:lnL>
+                    <a:lnR w="19050" cap="flat" cmpd="sng" algn="ctr">
+                      <a:solidFill>
+                        <a:schemeClr val="tx1"/>
+                      </a:solidFill>
+                      <a:prstDash val="solid"/>
+                      <a:round/>
+                      <a:headEnd type="none" w="med" len="med"/>
+                      <a:tailEnd type="none" w="med" len="med"/>
+                    </a:lnR>
+                    <a:lnT w="19050" cap="flat" cmpd="sng" algn="ctr">
+                      <a:solidFill>
+                        <a:schemeClr val="tx1"/>
+                      </a:solidFill>
+                      <a:prstDash val="solid"/>
+                      <a:round/>
+                      <a:headEnd type="none" w="med" len="med"/>
+                      <a:tailEnd type="none" w="med" len="med"/>
+                    </a:lnT>
+                    <a:lnB w="19050" cap="flat" cmpd="sng" algn="ctr">
+                      <a:solidFill>
+                        <a:schemeClr val="tx1"/>
+                      </a:solidFill>
+                      <a:prstDash val="solid"/>
+                      <a:round/>
+                      <a:headEnd type="none" w="med" len="med"/>
+                      <a:tailEnd type="none" w="med" len="med"/>
+                    </a:lnB>
+                  </a:tcPr>
+                </a:tc>
+                <a:tc>
+                  <a:txBody>
+                    <a:bodyPr/>
+                    <a:lstStyle/>
+                    <a:p>
+                      <a:endParaRPr lang="es-PR" dirty="0"/>
+                    </a:p>
+                  </a:txBody>
+                  <a:tcPr>
+                    <a:lnL w="19050" cap="flat" cmpd="sng" algn="ctr">
+                      <a:solidFill>
+                        <a:schemeClr val="tx1"/>
+                      </a:solidFill>
+                      <a:prstDash val="solid"/>
+                      <a:round/>
+                      <a:headEnd type="none" w="med" len="med"/>
+                      <a:tailEnd type="none" w="med" len="med"/>
+                    </a:lnL>
+                    <a:lnR w="19050" cap="flat" cmpd="sng" algn="ctr">
+                      <a:solidFill>
+                        <a:schemeClr val="tx1"/>
+                      </a:solidFill>
+                      <a:prstDash val="solid"/>
+                      <a:round/>
+                      <a:headEnd type="none" w="med" len="med"/>
+                      <a:tailEnd type="none" w="med" len="med"/>
+                    </a:lnR>
+                    <a:lnT w="19050" cap="flat" cmpd="sng" algn="ctr">
+                      <a:solidFill>
+                        <a:schemeClr val="tx1"/>
+                      </a:solidFill>
+                      <a:prstDash val="solid"/>
+                      <a:round/>
+                      <a:headEnd type="none" w="med" len="med"/>
+                      <a:tailEnd type="none" w="med" len="med"/>
+                    </a:lnT>
+                    <a:lnB w="19050" cap="flat" cmpd="sng" algn="ctr">
+                      <a:solidFill>
+                        <a:schemeClr val="tx1"/>
+                      </a:solidFill>
+                      <a:prstDash val="solid"/>
+                      <a:round/>
+                      <a:headEnd type="none" w="med" len="med"/>
+                      <a:tailEnd type="none" w="med" len="med"/>
+                    </a:lnB>
+                  </a:tcPr>
+                </a:tc>
+                <a:tc>
+                  <a:txBody>
+                    <a:bodyPr/>
+                    <a:lstStyle/>
+                    <a:p>
+                      <a:endParaRPr lang="es-PR"/>
+                    </a:p>
+                  </a:txBody>
+                  <a:tcPr>
+                    <a:lnL w="19050" cap="flat" cmpd="sng" algn="ctr">
+                      <a:solidFill>
+                        <a:schemeClr val="tx1"/>
+                      </a:solidFill>
+                      <a:prstDash val="solid"/>
+                      <a:round/>
+                      <a:headEnd type="none" w="med" len="med"/>
+                      <a:tailEnd type="none" w="med" len="med"/>
+                    </a:lnL>
+                    <a:lnR w="19050" cap="flat" cmpd="sng" algn="ctr">
+                      <a:solidFill>
+                        <a:schemeClr val="tx1"/>
+                      </a:solidFill>
+                      <a:prstDash val="solid"/>
+                      <a:round/>
+                      <a:headEnd type="none" w="med" len="med"/>
+                      <a:tailEnd type="none" w="med" len="med"/>
+                    </a:lnR>
+                    <a:lnT w="19050" cap="flat" cmpd="sng" algn="ctr">
+                      <a:solidFill>
+                        <a:schemeClr val="tx1"/>
+                      </a:solidFill>
+                      <a:prstDash val="solid"/>
+                      <a:round/>
+                      <a:headEnd type="none" w="med" len="med"/>
+                      <a:tailEnd type="none" w="med" len="med"/>
+                    </a:lnT>
+                    <a:lnB w="19050" cap="flat" cmpd="sng" algn="ctr">
+                      <a:solidFill>
+                        <a:schemeClr val="tx1"/>
+                      </a:solidFill>
+                      <a:prstDash val="solid"/>
+                      <a:round/>
+                      <a:headEnd type="none" w="med" len="med"/>
+                      <a:tailEnd type="none" w="med" len="med"/>
+                    </a:lnB>
+                  </a:tcPr>
+                </a:tc>
+                <a:tc>
+                  <a:txBody>
+                    <a:bodyPr/>
+                    <a:lstStyle/>
+                    <a:p>
+                      <a:endParaRPr lang="es-PR"/>
+                    </a:p>
+                  </a:txBody>
+                  <a:tcPr>
+                    <a:lnL w="19050" cap="flat" cmpd="sng" algn="ctr">
+                      <a:solidFill>
+                        <a:schemeClr val="tx1"/>
+                      </a:solidFill>
+                      <a:prstDash val="solid"/>
+                      <a:round/>
+                      <a:headEnd type="none" w="med" len="med"/>
+                      <a:tailEnd type="none" w="med" len="med"/>
+                    </a:lnL>
+                    <a:lnR w="19050" cap="flat" cmpd="sng" algn="ctr">
+                      <a:solidFill>
+                        <a:schemeClr val="tx1"/>
+                      </a:solidFill>
+                      <a:prstDash val="solid"/>
+                      <a:round/>
+                      <a:headEnd type="none" w="med" len="med"/>
+                      <a:tailEnd type="none" w="med" len="med"/>
+                    </a:lnR>
+                    <a:lnT w="19050" cap="flat" cmpd="sng" algn="ctr">
+                      <a:solidFill>
+                        <a:schemeClr val="tx1"/>
+                      </a:solidFill>
+                      <a:prstDash val="solid"/>
+                      <a:round/>
+                      <a:headEnd type="none" w="med" len="med"/>
+                      <a:tailEnd type="none" w="med" len="med"/>
+                    </a:lnT>
+                    <a:lnB w="19050" cap="flat" cmpd="sng" algn="ctr">
+                      <a:solidFill>
+                        <a:schemeClr val="tx1"/>
+                      </a:solidFill>
+                      <a:prstDash val="solid"/>
+                      <a:round/>
+                      <a:headEnd type="none" w="med" len="med"/>
+                      <a:tailEnd type="none" w="med" len="med"/>
+                    </a:lnB>
+                  </a:tcPr>
+                </a:tc>
+                <a:tc>
+                  <a:txBody>
+                    <a:bodyPr/>
+                    <a:lstStyle/>
+                    <a:p>
+                      <a:endParaRPr lang="es-PR" dirty="0"/>
+                    </a:p>
+                  </a:txBody>
+                  <a:tcPr>
+                    <a:lnL w="19050" cap="flat" cmpd="sng" algn="ctr">
+                      <a:solidFill>
+                        <a:schemeClr val="tx1"/>
+                      </a:solidFill>
+                      <a:prstDash val="solid"/>
+                      <a:round/>
+                      <a:headEnd type="none" w="med" len="med"/>
+                      <a:tailEnd type="none" w="med" len="med"/>
+                    </a:lnL>
+                    <a:lnR w="19050" cap="flat" cmpd="sng" algn="ctr">
+                      <a:solidFill>
+                        <a:schemeClr val="tx1"/>
+                      </a:solidFill>
+                      <a:prstDash val="solid"/>
+                      <a:round/>
+                      <a:headEnd type="none" w="med" len="med"/>
+                      <a:tailEnd type="none" w="med" len="med"/>
+                    </a:lnR>
+                    <a:lnT w="19050" cap="flat" cmpd="sng" algn="ctr">
+                      <a:solidFill>
+                        <a:schemeClr val="tx1"/>
+                      </a:solidFill>
+                      <a:prstDash val="solid"/>
+                      <a:round/>
+                      <a:headEnd type="none" w="med" len="med"/>
+                      <a:tailEnd type="none" w="med" len="med"/>
+                    </a:lnT>
+                    <a:lnB w="19050" cap="flat" cmpd="sng" algn="ctr">
+                      <a:solidFill>
+                        <a:schemeClr val="tx1"/>
+                      </a:solidFill>
+                      <a:prstDash val="solid"/>
+                      <a:round/>
+                      <a:headEnd type="none" w="med" len="med"/>
+                      <a:tailEnd type="none" w="med" len="med"/>
+                    </a:lnB>
+                  </a:tcPr>
+                </a:tc>
+                <a:extLst>
+                  <a:ext uri="{0D108BD9-81ED-4DB2-BD59-A6C34878D82A}">
+                    <a16:rowId xmlns:a16="http://schemas.microsoft.com/office/drawing/2014/main" val="1922692707"/>
+                  </a:ext>
+                </a:extLst>
+              </a:tr>
+            </a:tbl>
+          </a:graphicData>
+        </a:graphic>
+      </p:graphicFrame>
+    </p:spTree>
+    <p:extLst>
+      <p:ext uri="{BB962C8B-B14F-4D97-AF65-F5344CB8AC3E}">
+        <p14:creationId xmlns:p14="http://schemas.microsoft.com/office/powerpoint/2010/main" val="3992427901"/>
+      </p:ext>
+    </p:extLst>
+  </p:cSld>
+  <p:clrMapOvr>
+    <a:masterClrMapping/>
+  </p:clrMapOvr>
+</p:sld>
+</file>
+
+<file path=ppt/slides/slide2.xml><?xml version="1.0" encoding="utf-8"?>
+<p:sld xmlns:a="http://schemas.openxmlformats.org/drawingml/2006/main" xmlns:r="http://schemas.openxmlformats.org/officeDocument/2006/relationships" xmlns:p="http://schemas.openxmlformats.org/presentationml/2006/main">
+  <p:cSld>
+    <p:spTree>
+      <p:nvGrpSpPr>
+        <p:cNvPr id="1" name=""/>
+        <p:cNvGrpSpPr/>
+        <p:nvPr/>
+      </p:nvGrpSpPr>
+      <p:grpSpPr>
+        <a:xfrm>
+          <a:off x="0" y="0"/>
+          <a:ext cx="0" cy="0"/>
+          <a:chOff x="0" y="0"/>
+          <a:chExt cx="0" cy="0"/>
+        </a:xfrm>
+      </p:grpSpPr>
+      <p:graphicFrame>
+        <p:nvGraphicFramePr>
+          <p:cNvPr id="5" name="Table 5">
+            <a:extLst>
+              <a:ext uri="{FF2B5EF4-FFF2-40B4-BE49-F238E27FC236}">
+                <a16:creationId xmlns:a16="http://schemas.microsoft.com/office/drawing/2014/main" id="{93269089-5275-4487-BD61-58BE4C7658F4}"/>
+              </a:ext>
+            </a:extLst>
+          </p:cNvPr>
+          <p:cNvGraphicFramePr>
+            <a:graphicFrameLocks noGrp="1"/>
+          </p:cNvGraphicFramePr>
+          <p:nvPr>
+            <p:extLst>
+              <p:ext uri="{D42A27DB-BD31-4B8C-83A1-F6EECF244321}">
+                <p14:modId xmlns:p14="http://schemas.microsoft.com/office/powerpoint/2010/main" val="733709764"/>
+              </p:ext>
+            </p:extLst>
+          </p:nvPr>
+        </p:nvGraphicFramePr>
+        <p:xfrm>
+          <a:off x="2032000" y="2606136"/>
+          <a:ext cx="8128000" cy="1430410"/>
+        </p:xfrm>
+        <a:graphic>
+          <a:graphicData uri="http://schemas.openxmlformats.org/drawingml/2006/table">
+            <a:tbl>
+              <a:tblPr firstRow="1" bandRow="1">
+                <a:tableStyleId>{5940675A-B579-460E-94D1-54222C63F5DA}</a:tableStyleId>
+              </a:tblPr>
+              <a:tblGrid>
+                <a:gridCol w="508000">
+                  <a:extLst>
+                    <a:ext uri="{9D8B030D-6E8A-4147-A177-3AD203B41FA5}">
+                      <a16:colId xmlns:a16="http://schemas.microsoft.com/office/drawing/2014/main" val="4149478534"/>
+                    </a:ext>
+                  </a:extLst>
+                </a:gridCol>
+                <a:gridCol w="508000">
+                  <a:extLst>
+                    <a:ext uri="{9D8B030D-6E8A-4147-A177-3AD203B41FA5}">
+                      <a16:colId xmlns:a16="http://schemas.microsoft.com/office/drawing/2014/main" val="1730779139"/>
+                    </a:ext>
+                  </a:extLst>
+                </a:gridCol>
+                <a:gridCol w="508000">
+                  <a:extLst>
+                    <a:ext uri="{9D8B030D-6E8A-4147-A177-3AD203B41FA5}">
+                      <a16:colId xmlns:a16="http://schemas.microsoft.com/office/drawing/2014/main" val="959166855"/>
+                    </a:ext>
+                  </a:extLst>
+                </a:gridCol>
+                <a:gridCol w="508000">
+                  <a:extLst>
+                    <a:ext uri="{9D8B030D-6E8A-4147-A177-3AD203B41FA5}">
+                      <a16:colId xmlns:a16="http://schemas.microsoft.com/office/drawing/2014/main" val="439473677"/>
+                    </a:ext>
+                  </a:extLst>
+                </a:gridCol>
+                <a:gridCol w="508000">
+                  <a:extLst>
+                    <a:ext uri="{9D8B030D-6E8A-4147-A177-3AD203B41FA5}">
+                      <a16:colId xmlns:a16="http://schemas.microsoft.com/office/drawing/2014/main" val="3679715362"/>
+                    </a:ext>
+                  </a:extLst>
+                </a:gridCol>
+                <a:gridCol w="508000">
+                  <a:extLst>
+                    <a:ext uri="{9D8B030D-6E8A-4147-A177-3AD203B41FA5}">
+                      <a16:colId xmlns:a16="http://schemas.microsoft.com/office/drawing/2014/main" val="1324916663"/>
+                    </a:ext>
+                  </a:extLst>
+                </a:gridCol>
+                <a:gridCol w="508000">
+                  <a:extLst>
+                    <a:ext uri="{9D8B030D-6E8A-4147-A177-3AD203B41FA5}">
+                      <a16:colId xmlns:a16="http://schemas.microsoft.com/office/drawing/2014/main" val="249882717"/>
+                    </a:ext>
+                  </a:extLst>
+                </a:gridCol>
+                <a:gridCol w="508000">
+                  <a:extLst>
+                    <a:ext uri="{9D8B030D-6E8A-4147-A177-3AD203B41FA5}">
+                      <a16:colId xmlns:a16="http://schemas.microsoft.com/office/drawing/2014/main" val="4252813745"/>
+                    </a:ext>
+                  </a:extLst>
+                </a:gridCol>
+                <a:gridCol w="508000">
+                  <a:extLst>
+                    <a:ext uri="{9D8B030D-6E8A-4147-A177-3AD203B41FA5}">
+                      <a16:colId xmlns:a16="http://schemas.microsoft.com/office/drawing/2014/main" val="3598302736"/>
+                    </a:ext>
+                  </a:extLst>
+                </a:gridCol>
+                <a:gridCol w="508000">
+                  <a:extLst>
+                    <a:ext uri="{9D8B030D-6E8A-4147-A177-3AD203B41FA5}">
+                      <a16:colId xmlns:a16="http://schemas.microsoft.com/office/drawing/2014/main" val="3007735781"/>
+                    </a:ext>
+                  </a:extLst>
+                </a:gridCol>
+                <a:gridCol w="508000">
+                  <a:extLst>
+                    <a:ext uri="{9D8B030D-6E8A-4147-A177-3AD203B41FA5}">
+                      <a16:colId xmlns:a16="http://schemas.microsoft.com/office/drawing/2014/main" val="1076296587"/>
+                    </a:ext>
+                  </a:extLst>
+                </a:gridCol>
+                <a:gridCol w="508000">
+                  <a:extLst>
+                    <a:ext uri="{9D8B030D-6E8A-4147-A177-3AD203B41FA5}">
+                      <a16:colId xmlns:a16="http://schemas.microsoft.com/office/drawing/2014/main" val="785184459"/>
+                    </a:ext>
+                  </a:extLst>
+                </a:gridCol>
+                <a:gridCol w="508000">
+                  <a:extLst>
+                    <a:ext uri="{9D8B030D-6E8A-4147-A177-3AD203B41FA5}">
+                      <a16:colId xmlns:a16="http://schemas.microsoft.com/office/drawing/2014/main" val="1834483143"/>
+                    </a:ext>
+                  </a:extLst>
+                </a:gridCol>
+                <a:gridCol w="508000">
+                  <a:extLst>
+                    <a:ext uri="{9D8B030D-6E8A-4147-A177-3AD203B41FA5}">
+                      <a16:colId xmlns:a16="http://schemas.microsoft.com/office/drawing/2014/main" val="3479289443"/>
+                    </a:ext>
+                  </a:extLst>
+                </a:gridCol>
+                <a:gridCol w="508000">
+                  <a:extLst>
+                    <a:ext uri="{9D8B030D-6E8A-4147-A177-3AD203B41FA5}">
+                      <a16:colId xmlns:a16="http://schemas.microsoft.com/office/drawing/2014/main" val="535103215"/>
+                    </a:ext>
+                  </a:extLst>
+                </a:gridCol>
+                <a:gridCol w="508000">
+                  <a:extLst>
+                    <a:ext uri="{9D8B030D-6E8A-4147-A177-3AD203B41FA5}">
+                      <a16:colId xmlns:a16="http://schemas.microsoft.com/office/drawing/2014/main" val="2227456157"/>
+                    </a:ext>
+                  </a:extLst>
+                </a:gridCol>
+              </a:tblGrid>
+              <a:tr h="715205">
+                <a:tc>
+                  <a:txBody>
+                    <a:bodyPr/>
+                    <a:lstStyle/>
+                    <a:p>
+                      <a:pPr algn="ctr"/>
+                      <a:r>
+                        <a:rPr lang="es-ES" sz="2000" dirty="0">
+                          <a:latin typeface="Courier New" panose="02070309020205020404" pitchFamily="49" charset="0"/>
+                          <a:cs typeface="Courier New" panose="02070309020205020404" pitchFamily="49" charset="0"/>
+                        </a:rPr>
+                        <a:t>h</a:t>
+                      </a:r>
+                      <a:endParaRPr lang="es-PR" sz="2000" dirty="0">
+                        <a:latin typeface="Courier New" panose="02070309020205020404" pitchFamily="49" charset="0"/>
+                        <a:cs typeface="Courier New" panose="02070309020205020404" pitchFamily="49" charset="0"/>
+                      </a:endParaRPr>
+                    </a:p>
+                  </a:txBody>
+                  <a:tcPr anchor="ctr"/>
+                </a:tc>
+                <a:tc>
+                  <a:txBody>
+                    <a:bodyPr/>
+                    <a:lstStyle/>
+                    <a:p>
+                      <a:pPr algn="ctr"/>
+                      <a:r>
+                        <a:rPr lang="es-ES" sz="2000" dirty="0">
+                          <a:latin typeface="Courier New" panose="02070309020205020404" pitchFamily="49" charset="0"/>
+                          <a:cs typeface="Courier New" panose="02070309020205020404" pitchFamily="49" charset="0"/>
+                        </a:rPr>
+                        <a:t>h</a:t>
+                      </a:r>
+                      <a:endParaRPr lang="es-PR" sz="2000" dirty="0">
+                        <a:latin typeface="Courier New" panose="02070309020205020404" pitchFamily="49" charset="0"/>
+                        <a:cs typeface="Courier New" panose="02070309020205020404" pitchFamily="49" charset="0"/>
+                      </a:endParaRPr>
+                    </a:p>
+                  </a:txBody>
+                  <a:tcPr anchor="ctr"/>
+                </a:tc>
+                <a:tc>
+                  <a:txBody>
+                    <a:bodyPr/>
+                    <a:lstStyle/>
+                    <a:p>
+                      <a:pPr algn="ctr"/>
+                      <a:r>
+                        <a:rPr lang="es-ES" sz="2000" dirty="0">
+                          <a:latin typeface="Courier New" panose="02070309020205020404" pitchFamily="49" charset="0"/>
+                          <a:cs typeface="Courier New" panose="02070309020205020404" pitchFamily="49" charset="0"/>
+                        </a:rPr>
+                        <a:t>:</a:t>
+                      </a:r>
+                      <a:endParaRPr lang="es-PR" sz="2000" dirty="0">
+                        <a:latin typeface="Courier New" panose="02070309020205020404" pitchFamily="49" charset="0"/>
+                        <a:cs typeface="Courier New" panose="02070309020205020404" pitchFamily="49" charset="0"/>
+                      </a:endParaRPr>
+                    </a:p>
+                  </a:txBody>
+                  <a:tcPr anchor="ctr"/>
+                </a:tc>
+                <a:tc>
+                  <a:txBody>
+                    <a:bodyPr/>
+                    <a:lstStyle/>
+                    <a:p>
+                      <a:pPr algn="ctr"/>
+                      <a:r>
+                        <a:rPr lang="es-ES" sz="2000" dirty="0">
+                          <a:latin typeface="Courier New" panose="02070309020205020404" pitchFamily="49" charset="0"/>
+                          <a:cs typeface="Courier New" panose="02070309020205020404" pitchFamily="49" charset="0"/>
+                        </a:rPr>
+                        <a:t>m</a:t>
+                      </a:r>
+                      <a:endParaRPr lang="es-PR" sz="2000" dirty="0">
+                        <a:latin typeface="Courier New" panose="02070309020205020404" pitchFamily="49" charset="0"/>
+                        <a:cs typeface="Courier New" panose="02070309020205020404" pitchFamily="49" charset="0"/>
+                      </a:endParaRPr>
+                    </a:p>
+                  </a:txBody>
+                  <a:tcPr anchor="ctr"/>
+                </a:tc>
+                <a:tc>
+                  <a:txBody>
+                    <a:bodyPr/>
+                    <a:lstStyle/>
+                    <a:p>
+                      <a:pPr algn="ctr"/>
+                      <a:r>
+                        <a:rPr lang="es-ES" sz="2000" dirty="0">
+                          <a:latin typeface="Courier New" panose="02070309020205020404" pitchFamily="49" charset="0"/>
+                          <a:cs typeface="Courier New" panose="02070309020205020404" pitchFamily="49" charset="0"/>
+                        </a:rPr>
+                        <a:t>m</a:t>
+                      </a:r>
+                      <a:endParaRPr lang="es-PR" sz="2000" dirty="0">
+                        <a:latin typeface="Courier New" panose="02070309020205020404" pitchFamily="49" charset="0"/>
+                        <a:cs typeface="Courier New" panose="02070309020205020404" pitchFamily="49" charset="0"/>
+                      </a:endParaRPr>
+                    </a:p>
+                  </a:txBody>
+                  <a:tcPr anchor="ctr"/>
+                </a:tc>
+                <a:tc>
+                  <a:txBody>
+                    <a:bodyPr/>
+                    <a:lstStyle/>
+                    <a:p>
+                      <a:pPr algn="ctr"/>
+                      <a:r>
+                        <a:rPr lang="es-ES" sz="2000" dirty="0">
+                          <a:latin typeface="Courier New" panose="02070309020205020404" pitchFamily="49" charset="0"/>
+                          <a:cs typeface="Courier New" panose="02070309020205020404" pitchFamily="49" charset="0"/>
+                        </a:rPr>
+                        <a:t>:</a:t>
+                      </a:r>
+                      <a:endParaRPr lang="es-PR" sz="2000" dirty="0">
+                        <a:latin typeface="Courier New" panose="02070309020205020404" pitchFamily="49" charset="0"/>
+                        <a:cs typeface="Courier New" panose="02070309020205020404" pitchFamily="49" charset="0"/>
+                      </a:endParaRPr>
+                    </a:p>
+                  </a:txBody>
+                  <a:tcPr anchor="ctr"/>
+                </a:tc>
+                <a:tc>
+                  <a:txBody>
+                    <a:bodyPr/>
+                    <a:lstStyle/>
+                    <a:p>
+                      <a:pPr algn="ctr"/>
+                      <a:r>
+                        <a:rPr lang="es-ES" sz="2000" dirty="0">
+                          <a:latin typeface="Courier New" panose="02070309020205020404" pitchFamily="49" charset="0"/>
+                          <a:cs typeface="Courier New" panose="02070309020205020404" pitchFamily="49" charset="0"/>
+                        </a:rPr>
+                        <a:t>s</a:t>
+                      </a:r>
+                      <a:endParaRPr lang="es-PR" sz="2000" dirty="0">
+                        <a:latin typeface="Courier New" panose="02070309020205020404" pitchFamily="49" charset="0"/>
+                        <a:cs typeface="Courier New" panose="02070309020205020404" pitchFamily="49" charset="0"/>
+                      </a:endParaRPr>
+                    </a:p>
+                  </a:txBody>
+                  <a:tcPr anchor="ctr"/>
+                </a:tc>
+                <a:tc>
+                  <a:txBody>
+                    <a:bodyPr/>
+                    <a:lstStyle/>
+                    <a:p>
+                      <a:pPr algn="ctr"/>
+                      <a:r>
+                        <a:rPr lang="es-ES" sz="2000" dirty="0">
+                          <a:latin typeface="Courier New" panose="02070309020205020404" pitchFamily="49" charset="0"/>
+                          <a:cs typeface="Courier New" panose="02070309020205020404" pitchFamily="49" charset="0"/>
+                        </a:rPr>
+                        <a:t>s</a:t>
+                      </a:r>
                       <a:endParaRPr lang="es-PR" sz="2000" dirty="0">
                         <a:latin typeface="Courier New" panose="02070309020205020404" pitchFamily="49" charset="0"/>
                         <a:cs typeface="Courier New" panose="02070309020205020404" pitchFamily="49" charset="0"/>
@@ -15273,64 +17410,356 @@
                         <a:tabLst/>
                         <a:defRPr/>
                       </a:pPr>
-                      <a:endParaRPr lang="es-PR" sz="1400" dirty="0">
-                        <a:latin typeface="Courier New" panose="02070309020205020404" pitchFamily="49" charset="0"/>
-                        <a:cs typeface="Courier New" panose="02070309020205020404" pitchFamily="49" charset="0"/>
-                      </a:endParaRPr>
-                    </a:p>
-                  </a:txBody>
-                  <a:tcPr anchor="ctr"/>
-                </a:tc>
-                <a:tc>
-                  <a:txBody>
-                    <a:bodyPr/>
-                    <a:lstStyle/>
-                    <a:p>
-                      <a:pPr algn="ctr"/>
-                      <a:endParaRPr lang="es-PR" sz="2000" dirty="0">
-                        <a:latin typeface="Courier New" panose="02070309020205020404" pitchFamily="49" charset="0"/>
-                        <a:cs typeface="Courier New" panose="02070309020205020404" pitchFamily="49" charset="0"/>
-                      </a:endParaRPr>
-                    </a:p>
-                  </a:txBody>
-                  <a:tcPr anchor="ctr"/>
-                </a:tc>
-                <a:tc>
-                  <a:txBody>
-                    <a:bodyPr/>
-                    <a:lstStyle/>
-                    <a:p>
-                      <a:pPr marL="0" marR="0" lvl="0" indent="0" algn="ctr" defTabSz="914400" rtl="0" eaLnBrk="1" fontAlgn="auto" latinLnBrk="0" hangingPunct="1">
-                        <a:lnSpc>
-                          <a:spcPct val="100000"/>
-                        </a:lnSpc>
-                        <a:spcBef>
-                          <a:spcPts val="0"/>
-                        </a:spcBef>
-                        <a:spcAft>
-                          <a:spcPts val="0"/>
-                        </a:spcAft>
-                        <a:buClrTx/>
-                        <a:buSzTx/>
-                        <a:buFontTx/>
-                        <a:buNone/>
-                        <a:tabLst/>
-                        <a:defRPr/>
-                      </a:pPr>
-                      <a:endParaRPr lang="es-PR" sz="2000" dirty="0">
-                        <a:latin typeface="Courier New" panose="02070309020205020404" pitchFamily="49" charset="0"/>
-                        <a:cs typeface="Courier New" panose="02070309020205020404" pitchFamily="49" charset="0"/>
-                      </a:endParaRPr>
-                    </a:p>
-                  </a:txBody>
-                  <a:tcPr anchor="ctr"/>
-                </a:tc>
-                <a:tc>
-                  <a:txBody>
-                    <a:bodyPr/>
-                    <a:lstStyle/>
-                    <a:p>
-                      <a:pPr algn="ctr"/>
+                      <a:endParaRPr lang="es-PR" sz="2000" dirty="0">
+                        <a:latin typeface="Courier New" panose="02070309020205020404" pitchFamily="49" charset="0"/>
+                        <a:cs typeface="Courier New" panose="02070309020205020404" pitchFamily="49" charset="0"/>
+                      </a:endParaRPr>
+                    </a:p>
+                  </a:txBody>
+                  <a:tcPr anchor="ctr"/>
+                </a:tc>
+                <a:tc>
+                  <a:txBody>
+                    <a:bodyPr/>
+                    <a:lstStyle/>
+                    <a:p>
+                      <a:pPr algn="ctr"/>
+                      <a:endParaRPr lang="es-PR" sz="2000" dirty="0">
+                        <a:latin typeface="Courier New" panose="02070309020205020404" pitchFamily="49" charset="0"/>
+                        <a:cs typeface="Courier New" panose="02070309020205020404" pitchFamily="49" charset="0"/>
+                      </a:endParaRPr>
+                    </a:p>
+                  </a:txBody>
+                  <a:tcPr anchor="ctr"/>
+                </a:tc>
+                <a:tc>
+                  <a:txBody>
+                    <a:bodyPr/>
+                    <a:lstStyle/>
+                    <a:p>
+                      <a:pPr algn="ctr"/>
+                      <a:endParaRPr lang="es-PR" sz="2000" dirty="0">
+                        <a:latin typeface="Courier New" panose="02070309020205020404" pitchFamily="49" charset="0"/>
+                        <a:cs typeface="Courier New" panose="02070309020205020404" pitchFamily="49" charset="0"/>
+                      </a:endParaRPr>
+                    </a:p>
+                  </a:txBody>
+                  <a:tcPr anchor="ctr"/>
+                </a:tc>
+                <a:tc>
+                  <a:txBody>
+                    <a:bodyPr/>
+                    <a:lstStyle/>
+                    <a:p>
+                      <a:pPr algn="ctr"/>
+                      <a:endParaRPr lang="es-PR" sz="2000" dirty="0">
+                        <a:latin typeface="Courier New" panose="02070309020205020404" pitchFamily="49" charset="0"/>
+                        <a:cs typeface="Courier New" panose="02070309020205020404" pitchFamily="49" charset="0"/>
+                      </a:endParaRPr>
+                    </a:p>
+                  </a:txBody>
+                  <a:tcPr anchor="ctr"/>
+                </a:tc>
+                <a:tc>
+                  <a:txBody>
+                    <a:bodyPr/>
+                    <a:lstStyle/>
+                    <a:p>
+                      <a:pPr algn="ctr"/>
+                      <a:endParaRPr lang="es-PR" sz="2000" dirty="0">
+                        <a:latin typeface="Courier New" panose="02070309020205020404" pitchFamily="49" charset="0"/>
+                        <a:cs typeface="Courier New" panose="02070309020205020404" pitchFamily="49" charset="0"/>
+                      </a:endParaRPr>
+                    </a:p>
+                  </a:txBody>
+                  <a:tcPr anchor="ctr"/>
+                </a:tc>
+                <a:tc>
+                  <a:txBody>
+                    <a:bodyPr/>
+                    <a:lstStyle/>
+                    <a:p>
+                      <a:pPr algn="ctr"/>
+                      <a:endParaRPr lang="es-PR" sz="2000" dirty="0">
+                        <a:latin typeface="Courier New" panose="02070309020205020404" pitchFamily="49" charset="0"/>
+                        <a:cs typeface="Courier New" panose="02070309020205020404" pitchFamily="49" charset="0"/>
+                      </a:endParaRPr>
+                    </a:p>
+                  </a:txBody>
+                  <a:tcPr anchor="ctr"/>
+                </a:tc>
+                <a:tc>
+                  <a:txBody>
+                    <a:bodyPr/>
+                    <a:lstStyle/>
+                    <a:p>
+                      <a:pPr algn="ctr"/>
+                      <a:endParaRPr lang="es-PR" sz="2000" dirty="0">
+                        <a:latin typeface="Courier New" panose="02070309020205020404" pitchFamily="49" charset="0"/>
+                        <a:cs typeface="Courier New" panose="02070309020205020404" pitchFamily="49" charset="0"/>
+                      </a:endParaRPr>
+                    </a:p>
+                  </a:txBody>
+                  <a:tcPr anchor="ctr"/>
+                </a:tc>
+                <a:tc>
+                  <a:txBody>
+                    <a:bodyPr/>
+                    <a:lstStyle/>
+                    <a:p>
+                      <a:pPr algn="ctr"/>
+                      <a:endParaRPr lang="es-PR" sz="2000" dirty="0">
+                        <a:latin typeface="Courier New" panose="02070309020205020404" pitchFamily="49" charset="0"/>
+                        <a:cs typeface="Courier New" panose="02070309020205020404" pitchFamily="49" charset="0"/>
+                      </a:endParaRPr>
+                    </a:p>
+                  </a:txBody>
+                  <a:tcPr anchor="ctr"/>
+                </a:tc>
+                <a:extLst>
+                  <a:ext uri="{0D108BD9-81ED-4DB2-BD59-A6C34878D82A}">
+                    <a16:rowId xmlns:a16="http://schemas.microsoft.com/office/drawing/2014/main" val="2506798063"/>
+                  </a:ext>
+                </a:extLst>
+              </a:tr>
+              <a:tr h="715205">
+                <a:tc>
+                  <a:txBody>
+                    <a:bodyPr/>
+                    <a:lstStyle/>
+                    <a:p>
+                      <a:pPr algn="ctr"/>
+                      <a:r>
+                        <a:rPr lang="es-ES" sz="2000" dirty="0">
+                          <a:latin typeface="Courier New" panose="02070309020205020404" pitchFamily="49" charset="0"/>
+                          <a:cs typeface="Courier New" panose="02070309020205020404" pitchFamily="49" charset="0"/>
+                        </a:rPr>
+                        <a:t>d</a:t>
+                      </a:r>
+                      <a:endParaRPr lang="es-PR" sz="2000" dirty="0">
+                        <a:latin typeface="Courier New" panose="02070309020205020404" pitchFamily="49" charset="0"/>
+                        <a:cs typeface="Courier New" panose="02070309020205020404" pitchFamily="49" charset="0"/>
+                      </a:endParaRPr>
+                    </a:p>
+                  </a:txBody>
+                  <a:tcPr anchor="ctr"/>
+                </a:tc>
+                <a:tc>
+                  <a:txBody>
+                    <a:bodyPr/>
+                    <a:lstStyle/>
+                    <a:p>
+                      <a:pPr algn="ctr"/>
+                      <a:r>
+                        <a:rPr lang="es-ES" sz="2000" dirty="0">
+                          <a:latin typeface="Courier New" panose="02070309020205020404" pitchFamily="49" charset="0"/>
+                          <a:cs typeface="Courier New" panose="02070309020205020404" pitchFamily="49" charset="0"/>
+                        </a:rPr>
+                        <a:t>d</a:t>
+                      </a:r>
+                      <a:endParaRPr lang="es-PR" sz="2000" dirty="0">
+                        <a:latin typeface="Courier New" panose="02070309020205020404" pitchFamily="49" charset="0"/>
+                        <a:cs typeface="Courier New" panose="02070309020205020404" pitchFamily="49" charset="0"/>
+                      </a:endParaRPr>
+                    </a:p>
+                  </a:txBody>
+                  <a:tcPr anchor="ctr"/>
+                </a:tc>
+                <a:tc>
+                  <a:txBody>
+                    <a:bodyPr/>
+                    <a:lstStyle/>
+                    <a:p>
+                      <a:pPr algn="ctr"/>
+                      <a:r>
+                        <a:rPr lang="es-ES" sz="2000" dirty="0">
+                          <a:latin typeface="Courier New" panose="02070309020205020404" pitchFamily="49" charset="0"/>
+                          <a:cs typeface="Courier New" panose="02070309020205020404" pitchFamily="49" charset="0"/>
+                        </a:rPr>
+                        <a:t>/</a:t>
+                      </a:r>
+                      <a:endParaRPr lang="es-PR" sz="2000" dirty="0">
+                        <a:latin typeface="Courier New" panose="02070309020205020404" pitchFamily="49" charset="0"/>
+                        <a:cs typeface="Courier New" panose="02070309020205020404" pitchFamily="49" charset="0"/>
+                      </a:endParaRPr>
+                    </a:p>
+                  </a:txBody>
+                  <a:tcPr anchor="ctr"/>
+                </a:tc>
+                <a:tc>
+                  <a:txBody>
+                    <a:bodyPr/>
+                    <a:lstStyle/>
+                    <a:p>
+                      <a:pPr algn="ctr"/>
+                      <a:r>
+                        <a:rPr lang="es-ES" sz="2000" dirty="0">
+                          <a:latin typeface="Courier New" panose="02070309020205020404" pitchFamily="49" charset="0"/>
+                          <a:cs typeface="Courier New" panose="02070309020205020404" pitchFamily="49" charset="0"/>
+                        </a:rPr>
+                        <a:t>m</a:t>
+                      </a:r>
+                      <a:endParaRPr lang="es-PR" sz="2000" dirty="0">
+                        <a:latin typeface="Courier New" panose="02070309020205020404" pitchFamily="49" charset="0"/>
+                        <a:cs typeface="Courier New" panose="02070309020205020404" pitchFamily="49" charset="0"/>
+                      </a:endParaRPr>
+                    </a:p>
+                  </a:txBody>
+                  <a:tcPr anchor="ctr"/>
+                </a:tc>
+                <a:tc>
+                  <a:txBody>
+                    <a:bodyPr/>
+                    <a:lstStyle/>
+                    <a:p>
+                      <a:pPr algn="ctr"/>
+                      <a:r>
+                        <a:rPr lang="es-ES" sz="2000" dirty="0">
+                          <a:latin typeface="Courier New" panose="02070309020205020404" pitchFamily="49" charset="0"/>
+                          <a:cs typeface="Courier New" panose="02070309020205020404" pitchFamily="49" charset="0"/>
+                        </a:rPr>
+                        <a:t>m</a:t>
+                      </a:r>
+                      <a:endParaRPr lang="es-PR" sz="2000" dirty="0">
+                        <a:latin typeface="Courier New" panose="02070309020205020404" pitchFamily="49" charset="0"/>
+                        <a:cs typeface="Courier New" panose="02070309020205020404" pitchFamily="49" charset="0"/>
+                      </a:endParaRPr>
+                    </a:p>
+                  </a:txBody>
+                  <a:tcPr anchor="ctr"/>
+                </a:tc>
+                <a:tc>
+                  <a:txBody>
+                    <a:bodyPr/>
+                    <a:lstStyle/>
+                    <a:p>
+                      <a:pPr algn="ctr"/>
+                      <a:r>
+                        <a:rPr lang="es-ES" sz="2000" dirty="0">
+                          <a:latin typeface="Courier New" panose="02070309020205020404" pitchFamily="49" charset="0"/>
+                          <a:cs typeface="Courier New" panose="02070309020205020404" pitchFamily="49" charset="0"/>
+                        </a:rPr>
+                        <a:t>/</a:t>
+                      </a:r>
+                      <a:endParaRPr lang="es-PR" sz="2000" dirty="0">
+                        <a:latin typeface="Courier New" panose="02070309020205020404" pitchFamily="49" charset="0"/>
+                        <a:cs typeface="Courier New" panose="02070309020205020404" pitchFamily="49" charset="0"/>
+                      </a:endParaRPr>
+                    </a:p>
+                  </a:txBody>
+                  <a:tcPr anchor="ctr"/>
+                </a:tc>
+                <a:tc>
+                  <a:txBody>
+                    <a:bodyPr/>
+                    <a:lstStyle/>
+                    <a:p>
+                      <a:pPr algn="ctr"/>
+                      <a:r>
+                        <a:rPr lang="es-ES" sz="2000" dirty="0">
+                          <a:latin typeface="Courier New" panose="02070309020205020404" pitchFamily="49" charset="0"/>
+                          <a:cs typeface="Courier New" panose="02070309020205020404" pitchFamily="49" charset="0"/>
+                        </a:rPr>
+                        <a:t>y</a:t>
+                      </a:r>
+                      <a:endParaRPr lang="es-PR" sz="2000" dirty="0">
+                        <a:latin typeface="Courier New" panose="02070309020205020404" pitchFamily="49" charset="0"/>
+                        <a:cs typeface="Courier New" panose="02070309020205020404" pitchFamily="49" charset="0"/>
+                      </a:endParaRPr>
+                    </a:p>
+                  </a:txBody>
+                  <a:tcPr anchor="ctr"/>
+                </a:tc>
+                <a:tc>
+                  <a:txBody>
+                    <a:bodyPr/>
+                    <a:lstStyle/>
+                    <a:p>
+                      <a:pPr algn="ctr"/>
+                      <a:r>
+                        <a:rPr lang="es-ES" sz="2000" dirty="0">
+                          <a:latin typeface="Courier New" panose="02070309020205020404" pitchFamily="49" charset="0"/>
+                          <a:cs typeface="Courier New" panose="02070309020205020404" pitchFamily="49" charset="0"/>
+                        </a:rPr>
+                        <a:t>y</a:t>
+                      </a:r>
+                      <a:endParaRPr lang="es-PR" sz="2000" dirty="0">
+                        <a:latin typeface="Courier New" panose="02070309020205020404" pitchFamily="49" charset="0"/>
+                        <a:cs typeface="Courier New" panose="02070309020205020404" pitchFamily="49" charset="0"/>
+                      </a:endParaRPr>
+                    </a:p>
+                  </a:txBody>
+                  <a:tcPr anchor="ctr"/>
+                </a:tc>
+                <a:tc>
+                  <a:txBody>
+                    <a:bodyPr/>
+                    <a:lstStyle/>
+                    <a:p>
+                      <a:pPr algn="ctr"/>
+                      <a:endParaRPr lang="es-PR" sz="2000" dirty="0">
+                        <a:latin typeface="Courier New" panose="02070309020205020404" pitchFamily="49" charset="0"/>
+                        <a:cs typeface="Courier New" panose="02070309020205020404" pitchFamily="49" charset="0"/>
+                      </a:endParaRPr>
+                    </a:p>
+                  </a:txBody>
+                  <a:tcPr anchor="ctr"/>
+                </a:tc>
+                <a:tc>
+                  <a:txBody>
+                    <a:bodyPr/>
+                    <a:lstStyle/>
+                    <a:p>
+                      <a:pPr algn="ctr"/>
+                      <a:r>
+                        <a:rPr lang="es-ES" sz="2000" dirty="0">
+                          <a:latin typeface="Courier New" panose="02070309020205020404" pitchFamily="49" charset="0"/>
+                          <a:cs typeface="Courier New" panose="02070309020205020404" pitchFamily="49" charset="0"/>
+                        </a:rPr>
+                        <a:t>&gt;</a:t>
+                      </a:r>
+                      <a:endParaRPr lang="es-PR" sz="2000" dirty="0">
+                        <a:latin typeface="Courier New" panose="02070309020205020404" pitchFamily="49" charset="0"/>
+                        <a:cs typeface="Courier New" panose="02070309020205020404" pitchFamily="49" charset="0"/>
+                      </a:endParaRPr>
+                    </a:p>
+                  </a:txBody>
+                  <a:tcPr anchor="ctr"/>
+                </a:tc>
+                <a:tc>
+                  <a:txBody>
+                    <a:bodyPr/>
+                    <a:lstStyle/>
+                    <a:p>
+                      <a:pPr algn="ctr"/>
+                      <a:r>
+                        <a:rPr lang="es-ES" sz="2000" dirty="0">
+                          <a:latin typeface="Courier New" panose="02070309020205020404" pitchFamily="49" charset="0"/>
+                          <a:cs typeface="Courier New" panose="02070309020205020404" pitchFamily="49" charset="0"/>
+                        </a:rPr>
+                        <a:t>O</a:t>
+                      </a:r>
+                      <a:endParaRPr lang="es-PR" sz="2000" dirty="0">
+                        <a:latin typeface="Courier New" panose="02070309020205020404" pitchFamily="49" charset="0"/>
+                        <a:cs typeface="Courier New" panose="02070309020205020404" pitchFamily="49" charset="0"/>
+                      </a:endParaRPr>
+                    </a:p>
+                  </a:txBody>
+                  <a:tcPr anchor="ctr"/>
+                </a:tc>
+                <a:tc>
+                  <a:txBody>
+                    <a:bodyPr/>
+                    <a:lstStyle/>
+                    <a:p>
+                      <a:pPr algn="ctr"/>
+                      <a:r>
+                        <a:rPr lang="es-ES" sz="2000" dirty="0">
+                          <a:latin typeface="Courier New" panose="02070309020205020404" pitchFamily="49" charset="0"/>
+                          <a:cs typeface="Courier New" panose="02070309020205020404" pitchFamily="49" charset="0"/>
+                        </a:rPr>
+                        <a:t>K</a:t>
+                      </a:r>
                       <a:endParaRPr lang="es-PR" sz="2000" dirty="0">
                         <a:latin typeface="Courier New" panose="02070309020205020404" pitchFamily="49" charset="0"/>
                         <a:cs typeface="Courier New" panose="02070309020205020404" pitchFamily="49" charset="0"/>
